--- a/Präsentationen/Zwischenpräsentation 16.06/Project proposal update 06.16 - Rift Wingsuit V2.pptx
+++ b/Präsentationen/Zwischenpräsentation 16.06/Project proposal update 06.16 - Rift Wingsuit V2.pptx
@@ -123,7 +123,7 @@
   </p:defaultTextStyle>
   <p:extLst>
     <p:ext uri="{EFAFB233-063F-42B5-8137-9DF3F51BA10A}">
-      <p15:sldGuideLst xmlns:p15="http://schemas.microsoft.com/office/powerpoint/2012/main" xmlns="">
+      <p15:sldGuideLst xmlns="" xmlns:p15="http://schemas.microsoft.com/office/powerpoint/2012/main">
         <p15:guide id="1" orient="horz" pos="1800">
           <p15:clr>
             <a:srgbClr val="A4A3A4"/>
@@ -393,7 +393,7 @@
     </p:spTree>
     <p:extLst>
       <p:ext uri="{BB962C8B-B14F-4D97-AF65-F5344CB8AC3E}">
-        <p14:creationId xmlns:p14="http://schemas.microsoft.com/office/powerpoint/2010/main" xmlns="" val="1727503161"/>
+        <p14:creationId xmlns="" xmlns:p14="http://schemas.microsoft.com/office/powerpoint/2010/main" val="1727503161"/>
       </p:ext>
     </p:extLst>
   </p:cSld>
@@ -578,7 +578,7 @@
     </p:spTree>
     <p:extLst>
       <p:ext uri="{BB962C8B-B14F-4D97-AF65-F5344CB8AC3E}">
-        <p14:creationId xmlns:p14="http://schemas.microsoft.com/office/powerpoint/2010/main" xmlns="" val="592270510"/>
+        <p14:creationId xmlns="" xmlns:p14="http://schemas.microsoft.com/office/powerpoint/2010/main" val="592270510"/>
       </p:ext>
     </p:extLst>
   </p:cSld>
@@ -4972,6 +4972,30 @@
               </a:rPr>
               <a:t>Three</a:t>
             </a:r>
+            <a:r>
+              <a:rPr lang="de-DE" dirty="0" smtClean="0">
+                <a:solidFill>
+                  <a:srgbClr val="FF0000"/>
+                </a:solidFill>
+              </a:rPr>
+              <a:t> (</a:t>
+            </a:r>
+            <a:r>
+              <a:rPr lang="de-DE" dirty="0" err="1" smtClean="0">
+                <a:solidFill>
+                  <a:srgbClr val="FF0000"/>
+                </a:solidFill>
+              </a:rPr>
+              <a:t>old</a:t>
+            </a:r>
+            <a:r>
+              <a:rPr lang="de-DE" dirty="0" smtClean="0">
+                <a:solidFill>
+                  <a:srgbClr val="FF0000"/>
+                </a:solidFill>
+              </a:rPr>
+              <a:t>)</a:t>
+            </a:r>
             <a:endParaRPr lang="de-DE" dirty="0">
               <a:solidFill>
                 <a:srgbClr val="FF0000"/>
@@ -6449,6 +6473,30 @@
               </a:rPr>
               <a:t>Three</a:t>
             </a:r>
+            <a:r>
+              <a:rPr lang="de-DE" dirty="0" smtClean="0">
+                <a:solidFill>
+                  <a:srgbClr val="FF0000"/>
+                </a:solidFill>
+              </a:rPr>
+              <a:t> (</a:t>
+            </a:r>
+            <a:r>
+              <a:rPr lang="de-DE" dirty="0" err="1" smtClean="0">
+                <a:solidFill>
+                  <a:srgbClr val="FF0000"/>
+                </a:solidFill>
+              </a:rPr>
+              <a:t>updated</a:t>
+            </a:r>
+            <a:r>
+              <a:rPr lang="de-DE" smtClean="0">
+                <a:solidFill>
+                  <a:srgbClr val="FF0000"/>
+                </a:solidFill>
+              </a:rPr>
+              <a:t>)</a:t>
+            </a:r>
             <a:endParaRPr lang="de-DE" dirty="0">
               <a:solidFill>
                 <a:srgbClr val="FF0000"/>
@@ -8196,11 +8244,7 @@
             </a:r>
             <a:r>
               <a:rPr lang="de-DE" sz="1900" dirty="0" smtClean="0"/>
-              <a:t> </a:t>
-            </a:r>
-            <a:r>
-              <a:rPr lang="de-DE" sz="1900" dirty="0" smtClean="0"/>
-              <a:t>(USB)</a:t>
+              <a:t> (USB)</a:t>
             </a:r>
           </a:p>
           <a:p>
@@ -8559,11 +8603,7 @@
             <a:pPr lvl="0"/>
             <a:r>
               <a:rPr lang="de-DE" sz="2400" dirty="0" smtClean="0"/>
-              <a:t>R</a:t>
-            </a:r>
-            <a:r>
-              <a:rPr lang="de-DE" sz="2400" dirty="0" smtClean="0"/>
-              <a:t>e-</a:t>
+              <a:t>Re-</a:t>
             </a:r>
             <a:r>
               <a:rPr lang="de-DE" sz="2400" dirty="0" err="1" smtClean="0"/>
@@ -9169,6 +9209,30 @@
               </a:rPr>
               <a:t>One</a:t>
             </a:r>
+            <a:r>
+              <a:rPr lang="de-DE" dirty="0" smtClean="0">
+                <a:solidFill>
+                  <a:srgbClr val="FF0000"/>
+                </a:solidFill>
+              </a:rPr>
+              <a:t> (</a:t>
+            </a:r>
+            <a:r>
+              <a:rPr lang="de-DE" dirty="0" err="1" smtClean="0">
+                <a:solidFill>
+                  <a:srgbClr val="FF0000"/>
+                </a:solidFill>
+              </a:rPr>
+              <a:t>old</a:t>
+            </a:r>
+            <a:r>
+              <a:rPr lang="de-DE" dirty="0" smtClean="0">
+                <a:solidFill>
+                  <a:srgbClr val="FF0000"/>
+                </a:solidFill>
+              </a:rPr>
+              <a:t>)</a:t>
+            </a:r>
             <a:endParaRPr lang="de-DE" dirty="0">
               <a:solidFill>
                 <a:srgbClr val="FF0000"/>
@@ -10515,6 +10579,30 @@
               </a:rPr>
               <a:t>One</a:t>
             </a:r>
+            <a:r>
+              <a:rPr lang="de-DE" dirty="0" smtClean="0">
+                <a:solidFill>
+                  <a:srgbClr val="FF0000"/>
+                </a:solidFill>
+              </a:rPr>
+              <a:t> (</a:t>
+            </a:r>
+            <a:r>
+              <a:rPr lang="de-DE" dirty="0" err="1" smtClean="0">
+                <a:solidFill>
+                  <a:srgbClr val="FF0000"/>
+                </a:solidFill>
+              </a:rPr>
+              <a:t>updated</a:t>
+            </a:r>
+            <a:r>
+              <a:rPr lang="de-DE" dirty="0" smtClean="0">
+                <a:solidFill>
+                  <a:srgbClr val="FF0000"/>
+                </a:solidFill>
+              </a:rPr>
+              <a:t>)</a:t>
+            </a:r>
             <a:endParaRPr lang="de-DE" dirty="0">
               <a:solidFill>
                 <a:srgbClr val="FF0000"/>
@@ -11397,6 +11485,30 @@
               </a:rPr>
               <a:t>Two</a:t>
             </a:r>
+            <a:r>
+              <a:rPr lang="de-DE" dirty="0" smtClean="0">
+                <a:solidFill>
+                  <a:srgbClr val="FF0000"/>
+                </a:solidFill>
+              </a:rPr>
+              <a:t> (</a:t>
+            </a:r>
+            <a:r>
+              <a:rPr lang="de-DE" dirty="0" err="1" smtClean="0">
+                <a:solidFill>
+                  <a:srgbClr val="FF0000"/>
+                </a:solidFill>
+              </a:rPr>
+              <a:t>old</a:t>
+            </a:r>
+            <a:r>
+              <a:rPr lang="de-DE" dirty="0" smtClean="0">
+                <a:solidFill>
+                  <a:srgbClr val="FF0000"/>
+                </a:solidFill>
+              </a:rPr>
+              <a:t>)</a:t>
+            </a:r>
             <a:endParaRPr lang="de-DE" dirty="0">
               <a:solidFill>
                 <a:srgbClr val="FF0000"/>
@@ -12879,6 +12991,30 @@
                 </a:solidFill>
               </a:rPr>
               <a:t>Two</a:t>
+            </a:r>
+            <a:r>
+              <a:rPr lang="de-DE" dirty="0" smtClean="0">
+                <a:solidFill>
+                  <a:srgbClr val="FF0000"/>
+                </a:solidFill>
+              </a:rPr>
+              <a:t> (</a:t>
+            </a:r>
+            <a:r>
+              <a:rPr lang="de-DE" dirty="0" err="1" smtClean="0">
+                <a:solidFill>
+                  <a:srgbClr val="FF0000"/>
+                </a:solidFill>
+              </a:rPr>
+              <a:t>updated</a:t>
+            </a:r>
+            <a:r>
+              <a:rPr lang="de-DE" dirty="0" smtClean="0">
+                <a:solidFill>
+                  <a:srgbClr val="FF0000"/>
+                </a:solidFill>
+              </a:rPr>
+              <a:t>)</a:t>
             </a:r>
             <a:endParaRPr lang="de-DE" dirty="0">
               <a:solidFill>

--- a/Präsentationen/Zwischenpräsentation 16.06/Project proposal update 06.16 - Rift Wingsuit V2.pptx
+++ b/Präsentationen/Zwischenpräsentation 16.06/Project proposal update 06.16 - Rift Wingsuit V2.pptx
@@ -123,7 +123,7 @@
   </p:defaultTextStyle>
   <p:extLst>
     <p:ext uri="{EFAFB233-063F-42B5-8137-9DF3F51BA10A}">
-      <p15:sldGuideLst xmlns="" xmlns:p15="http://schemas.microsoft.com/office/powerpoint/2012/main">
+      <p15:sldGuideLst xmlns:p15="http://schemas.microsoft.com/office/powerpoint/2012/main" xmlns="">
         <p15:guide id="1" orient="horz" pos="1800">
           <p15:clr>
             <a:srgbClr val="A4A3A4"/>
@@ -223,7 +223,7 @@
             <a:fld id="{243825A9-FBEC-4183-9E10-7EA49C7B85FB}" type="datetimeFigureOut">
               <a:rPr lang="de-DE" smtClean="0"/>
               <a:pPr/>
-              <a:t>13.06.2016</a:t>
+              <a:t>15.06.2016</a:t>
             </a:fld>
             <a:endParaRPr lang="de-DE"/>
           </a:p>
@@ -393,7 +393,7 @@
     </p:spTree>
     <p:extLst>
       <p:ext uri="{BB962C8B-B14F-4D97-AF65-F5344CB8AC3E}">
-        <p14:creationId xmlns="" xmlns:p14="http://schemas.microsoft.com/office/powerpoint/2010/main" val="1727503161"/>
+        <p14:creationId xmlns:p14="http://schemas.microsoft.com/office/powerpoint/2010/main" xmlns="" val="1727503161"/>
       </p:ext>
     </p:extLst>
   </p:cSld>
@@ -578,7 +578,7 @@
     </p:spTree>
     <p:extLst>
       <p:ext uri="{BB962C8B-B14F-4D97-AF65-F5344CB8AC3E}">
-        <p14:creationId xmlns="" xmlns:p14="http://schemas.microsoft.com/office/powerpoint/2010/main" val="592270510"/>
+        <p14:creationId xmlns:p14="http://schemas.microsoft.com/office/powerpoint/2010/main" xmlns="" val="592270510"/>
       </p:ext>
     </p:extLst>
   </p:cSld>
@@ -762,7 +762,7 @@
             <a:fld id="{E3D2E8C1-5FD7-4691-AB68-D6297B4D5F43}" type="datetime1">
               <a:rPr lang="de-DE" smtClean="0"/>
               <a:pPr/>
-              <a:t>13.06.2016</a:t>
+              <a:t>15.06.2016</a:t>
             </a:fld>
             <a:endParaRPr lang="de-DE"/>
           </a:p>
@@ -929,7 +929,7 @@
             <a:fld id="{6555916C-EC3E-4A59-A202-E3BDAC789789}" type="datetime1">
               <a:rPr lang="de-DE" smtClean="0"/>
               <a:pPr/>
-              <a:t>13.06.2016</a:t>
+              <a:t>15.06.2016</a:t>
             </a:fld>
             <a:endParaRPr lang="de-DE"/>
           </a:p>
@@ -1106,7 +1106,7 @@
             <a:fld id="{B0BAAC96-984A-4C42-A65C-1E30F77A26C5}" type="datetime1">
               <a:rPr lang="de-DE" smtClean="0"/>
               <a:pPr/>
-              <a:t>13.06.2016</a:t>
+              <a:t>15.06.2016</a:t>
             </a:fld>
             <a:endParaRPr lang="de-DE"/>
           </a:p>
@@ -1273,7 +1273,7 @@
             <a:fld id="{0AF80EA2-653E-48EB-A275-D811A53BA918}" type="datetime1">
               <a:rPr lang="de-DE" smtClean="0"/>
               <a:pPr/>
-              <a:t>13.06.2016</a:t>
+              <a:t>15.06.2016</a:t>
             </a:fld>
             <a:endParaRPr lang="de-DE"/>
           </a:p>
@@ -1517,7 +1517,7 @@
             <a:fld id="{E5BD76EC-8BFC-4DBC-81BC-788FF00AD01A}" type="datetime1">
               <a:rPr lang="de-DE" smtClean="0"/>
               <a:pPr/>
-              <a:t>13.06.2016</a:t>
+              <a:t>15.06.2016</a:t>
             </a:fld>
             <a:endParaRPr lang="de-DE"/>
           </a:p>
@@ -1783,7 +1783,7 @@
             <a:fld id="{42D10058-B0DA-4CAD-91DA-40F8A0FB6522}" type="datetime1">
               <a:rPr lang="de-DE" smtClean="0"/>
               <a:pPr/>
-              <a:t>13.06.2016</a:t>
+              <a:t>15.06.2016</a:t>
             </a:fld>
             <a:endParaRPr lang="de-DE"/>
           </a:p>
@@ -2163,7 +2163,7 @@
             <a:fld id="{30F2673F-3B0B-4E2B-A302-85F12C63CE58}" type="datetime1">
               <a:rPr lang="de-DE" smtClean="0"/>
               <a:pPr/>
-              <a:t>13.06.2016</a:t>
+              <a:t>15.06.2016</a:t>
             </a:fld>
             <a:endParaRPr lang="de-DE"/>
           </a:p>
@@ -2315,7 +2315,7 @@
             <a:fld id="{99C24A88-FE37-415B-BBD5-612EBB0081EA}" type="datetime1">
               <a:rPr lang="de-DE" smtClean="0"/>
               <a:pPr/>
-              <a:t>13.06.2016</a:t>
+              <a:t>15.06.2016</a:t>
             </a:fld>
             <a:endParaRPr lang="de-DE"/>
           </a:p>
@@ -2407,7 +2407,7 @@
             <a:fld id="{D4BBCC0C-5DC1-47B9-9437-A552677B599E}" type="datetime1">
               <a:rPr lang="de-DE" smtClean="0"/>
               <a:pPr/>
-              <a:t>13.06.2016</a:t>
+              <a:t>15.06.2016</a:t>
             </a:fld>
             <a:endParaRPr lang="de-DE"/>
           </a:p>
@@ -2670,7 +2670,7 @@
             <a:fld id="{5D8961AA-03AC-4A6B-AD4E-C8A3670A08F8}" type="datetime1">
               <a:rPr lang="de-DE" smtClean="0"/>
               <a:pPr/>
-              <a:t>13.06.2016</a:t>
+              <a:t>15.06.2016</a:t>
             </a:fld>
             <a:endParaRPr lang="de-DE"/>
           </a:p>
@@ -2960,7 +2960,7 @@
             <a:fld id="{9565BAF1-4771-44D7-80BB-E70855042F1C}" type="datetime1">
               <a:rPr lang="de-DE" smtClean="0"/>
               <a:pPr/>
-              <a:t>13.06.2016</a:t>
+              <a:t>15.06.2016</a:t>
             </a:fld>
             <a:endParaRPr lang="de-DE"/>
           </a:p>
@@ -3733,7 +3733,7 @@
             <a:fld id="{48B16CC1-F4AA-4BAA-A083-6C6353824805}" type="datetime1">
               <a:rPr lang="de-DE" smtClean="0"/>
               <a:pPr/>
-              <a:t>13.06.2016</a:t>
+              <a:t>15.06.2016</a:t>
             </a:fld>
             <a:endParaRPr lang="de-DE"/>
           </a:p>
@@ -4721,6 +4721,13 @@
   <p:clrMapOvr>
     <a:masterClrMapping/>
   </p:clrMapOvr>
+  <p:timing>
+    <p:tnLst>
+      <p:par>
+        <p:cTn id="1" dur="indefinite" restart="never" nodeType="tmRoot"/>
+      </p:par>
+    </p:tnLst>
+  </p:timing>
 </p:sld>
 </file>
 
@@ -6569,7 +6576,7 @@
         </p:nvGraphicFramePr>
         <p:xfrm>
           <a:off x="179512" y="1201317"/>
-          <a:ext cx="8784978" cy="4116874"/>
+          <a:ext cx="8784978" cy="4206240"/>
         </p:xfrm>
         <a:graphic>
           <a:graphicData uri="http://schemas.openxmlformats.org/drawingml/2006/table">
@@ -6772,6 +6779,42 @@
                     <a:bodyPr/>
                     <a:lstStyle/>
                     <a:p>
+                      <a:pPr marL="0" marR="0" lvl="0" indent="0" algn="l" defTabSz="914400" rtl="0" eaLnBrk="1" fontAlgn="auto" latinLnBrk="0" hangingPunct="1">
+                        <a:lnSpc>
+                          <a:spcPct val="100000"/>
+                        </a:lnSpc>
+                        <a:spcBef>
+                          <a:spcPts val="0"/>
+                        </a:spcBef>
+                        <a:spcAft>
+                          <a:spcPts val="0"/>
+                        </a:spcAft>
+                        <a:buClrTx/>
+                        <a:buSzTx/>
+                        <a:buFont typeface="Arial" pitchFamily="34" charset="0"/>
+                        <a:buChar char="•"/>
+                        <a:tabLst/>
+                        <a:defRPr/>
+                      </a:pPr>
+                      <a:r>
+                        <a:rPr lang="de-DE" sz="1600" dirty="0" smtClean="0"/>
+                        <a:t> User </a:t>
+                      </a:r>
+                      <a:r>
+                        <a:rPr lang="de-DE" sz="1600" dirty="0" err="1" smtClean="0"/>
+                        <a:t>guide</a:t>
+                      </a:r>
+                      <a:r>
+                        <a:rPr lang="de-DE" sz="1600" baseline="0" dirty="0" smtClean="0"/>
+                        <a:t> </a:t>
+                      </a:r>
+                      <a:r>
+                        <a:rPr lang="de-DE" sz="1600" baseline="0" dirty="0" err="1" smtClean="0"/>
+                        <a:t>support</a:t>
+                      </a:r>
+                      <a:endParaRPr lang="de-DE" sz="1600" dirty="0" smtClean="0"/>
+                    </a:p>
+                    <a:p>
                       <a:endParaRPr lang="de-DE" dirty="0"/>
                     </a:p>
                   </a:txBody>
@@ -6944,48 +6987,64 @@
                     <a:bodyPr/>
                     <a:lstStyle/>
                     <a:p>
-                      <a:endParaRPr lang="de-DE"/>
-                    </a:p>
-                  </a:txBody>
-                  <a:tcPr/>
-                </a:tc>
-                <a:tc>
-                  <a:txBody>
-                    <a:bodyPr/>
-                    <a:lstStyle/>
-                    <a:p>
-                      <a:endParaRPr lang="de-DE"/>
-                    </a:p>
-                  </a:txBody>
-                  <a:tcPr/>
-                </a:tc>
-              </a:tr>
-              <a:tr h="825034">
-                <a:tc>
-                  <a:txBody>
-                    <a:bodyPr/>
-                    <a:lstStyle/>
-                    <a:p>
-                      <a:pPr algn="ctr"/>
-                      <a:r>
-                        <a:rPr lang="de-DE" sz="1600" dirty="0" smtClean="0"/>
-                        <a:t>08.16 – 24.08</a:t>
-                      </a:r>
-                      <a:endParaRPr lang="de-DE" sz="1600" dirty="0"/>
-                    </a:p>
-                  </a:txBody>
-                  <a:tcPr/>
-                </a:tc>
-                <a:tc>
-                  <a:txBody>
-                    <a:bodyPr/>
-                    <a:lstStyle/>
-                    <a:p>
                       <a:pPr>
                         <a:buFont typeface="Arial" pitchFamily="34" charset="0"/>
                         <a:buChar char="•"/>
                       </a:pPr>
                       <a:r>
+                        <a:rPr lang="en-US" sz="1600" dirty="0" smtClean="0"/>
+                        <a:t> </a:t>
+                      </a:r>
+                      <a:r>
+                        <a:rPr lang="en-US" sz="1600" dirty="0" err="1" smtClean="0"/>
+                        <a:t>Documen-tation</a:t>
+                      </a:r>
+                      <a:r>
+                        <a:rPr lang="en-US" sz="1600" baseline="0" dirty="0" smtClean="0"/>
+                        <a:t> support</a:t>
+                      </a:r>
+                      <a:endParaRPr lang="de-DE" sz="1600" dirty="0"/>
+                    </a:p>
+                  </a:txBody>
+                  <a:tcPr/>
+                </a:tc>
+                <a:tc>
+                  <a:txBody>
+                    <a:bodyPr/>
+                    <a:lstStyle/>
+                    <a:p>
+                      <a:endParaRPr lang="de-DE"/>
+                    </a:p>
+                  </a:txBody>
+                  <a:tcPr/>
+                </a:tc>
+              </a:tr>
+              <a:tr h="825034">
+                <a:tc>
+                  <a:txBody>
+                    <a:bodyPr/>
+                    <a:lstStyle/>
+                    <a:p>
+                      <a:pPr algn="ctr"/>
+                      <a:r>
+                        <a:rPr lang="de-DE" sz="1600" dirty="0" smtClean="0"/>
+                        <a:t>08.16 – 24.08</a:t>
+                      </a:r>
+                      <a:endParaRPr lang="de-DE" sz="1600" dirty="0"/>
+                    </a:p>
+                  </a:txBody>
+                  <a:tcPr/>
+                </a:tc>
+                <a:tc>
+                  <a:txBody>
+                    <a:bodyPr/>
+                    <a:lstStyle/>
+                    <a:p>
+                      <a:pPr>
+                        <a:buFont typeface="Arial" pitchFamily="34" charset="0"/>
+                        <a:buChar char="•"/>
+                      </a:pPr>
+                      <a:r>
                         <a:rPr lang="de-DE" sz="1600" dirty="0" smtClean="0"/>
                         <a:t> Client </a:t>
                       </a:r>
@@ -7030,6 +7089,58 @@
                   <a:txBody>
                     <a:bodyPr/>
                     <a:lstStyle/>
+                    <a:p>
+                      <a:pPr marL="0" marR="0" indent="0" algn="l" defTabSz="914400" rtl="0" eaLnBrk="1" fontAlgn="auto" latinLnBrk="0" hangingPunct="1">
+                        <a:lnSpc>
+                          <a:spcPct val="100000"/>
+                        </a:lnSpc>
+                        <a:spcBef>
+                          <a:spcPts val="0"/>
+                        </a:spcBef>
+                        <a:spcAft>
+                          <a:spcPts val="0"/>
+                        </a:spcAft>
+                        <a:buClrTx/>
+                        <a:buSzTx/>
+                        <a:buFont typeface="Arial" pitchFamily="34" charset="0"/>
+                        <a:buChar char="•"/>
+                        <a:tabLst/>
+                        <a:defRPr/>
+                      </a:pPr>
+                      <a:r>
+                        <a:rPr lang="de-DE" sz="1800" dirty="0" smtClean="0"/>
+                        <a:t> </a:t>
+                      </a:r>
+                      <a:r>
+                        <a:rPr lang="de-DE" sz="1600" dirty="0" err="1" smtClean="0"/>
+                        <a:t>Buffer</a:t>
+                      </a:r>
+                      <a:r>
+                        <a:rPr lang="de-DE" sz="1600" baseline="0" dirty="0" smtClean="0"/>
+                        <a:t> </a:t>
+                      </a:r>
+                      <a:r>
+                        <a:rPr lang="de-DE" sz="1600" baseline="0" dirty="0" err="1" smtClean="0"/>
+                        <a:t>for</a:t>
+                      </a:r>
+                      <a:r>
+                        <a:rPr lang="de-DE" sz="1600" baseline="0" dirty="0" smtClean="0"/>
+                        <a:t> </a:t>
+                      </a:r>
+                      <a:r>
+                        <a:rPr lang="de-DE" sz="1600" baseline="0" dirty="0" err="1" smtClean="0"/>
+                        <a:t>any</a:t>
+                      </a:r>
+                      <a:r>
+                        <a:rPr lang="de-DE" sz="1600" baseline="0" dirty="0" smtClean="0"/>
+                        <a:t> relevant </a:t>
+                      </a:r>
+                      <a:r>
+                        <a:rPr lang="de-DE" sz="1600" baseline="0" dirty="0" err="1" smtClean="0"/>
+                        <a:t>work</a:t>
+                      </a:r>
+                      <a:endParaRPr lang="de-DE" sz="1600" dirty="0" smtClean="0"/>
+                    </a:p>
                     <a:p>
                       <a:endParaRPr lang="de-DE" dirty="0"/>
                     </a:p>
@@ -7177,6 +7288,58 @@
                   <a:txBody>
                     <a:bodyPr/>
                     <a:lstStyle/>
+                    <a:p>
+                      <a:pPr marL="0" marR="0" indent="0" algn="l" defTabSz="914400" rtl="0" eaLnBrk="1" fontAlgn="auto" latinLnBrk="0" hangingPunct="1">
+                        <a:lnSpc>
+                          <a:spcPct val="100000"/>
+                        </a:lnSpc>
+                        <a:spcBef>
+                          <a:spcPts val="0"/>
+                        </a:spcBef>
+                        <a:spcAft>
+                          <a:spcPts val="0"/>
+                        </a:spcAft>
+                        <a:buClrTx/>
+                        <a:buSzTx/>
+                        <a:buFont typeface="Arial" pitchFamily="34" charset="0"/>
+                        <a:buChar char="•"/>
+                        <a:tabLst/>
+                        <a:defRPr/>
+                      </a:pPr>
+                      <a:r>
+                        <a:rPr lang="de-DE" sz="1800" dirty="0" smtClean="0"/>
+                        <a:t> </a:t>
+                      </a:r>
+                      <a:r>
+                        <a:rPr lang="de-DE" sz="1600" dirty="0" err="1" smtClean="0"/>
+                        <a:t>Buffer</a:t>
+                      </a:r>
+                      <a:r>
+                        <a:rPr lang="de-DE" sz="1600" baseline="0" dirty="0" smtClean="0"/>
+                        <a:t> </a:t>
+                      </a:r>
+                      <a:r>
+                        <a:rPr lang="de-DE" sz="1600" baseline="0" dirty="0" err="1" smtClean="0"/>
+                        <a:t>for</a:t>
+                      </a:r>
+                      <a:r>
+                        <a:rPr lang="de-DE" sz="1600" baseline="0" dirty="0" smtClean="0"/>
+                        <a:t> </a:t>
+                      </a:r>
+                      <a:r>
+                        <a:rPr lang="de-DE" sz="1600" baseline="0" dirty="0" err="1" smtClean="0"/>
+                        <a:t>any</a:t>
+                      </a:r>
+                      <a:r>
+                        <a:rPr lang="de-DE" sz="1600" baseline="0" dirty="0" smtClean="0"/>
+                        <a:t> relevant </a:t>
+                      </a:r>
+                      <a:r>
+                        <a:rPr lang="de-DE" sz="1600" baseline="0" dirty="0" err="1" smtClean="0"/>
+                        <a:t>work</a:t>
+                      </a:r>
+                      <a:endParaRPr lang="de-DE" sz="1600" dirty="0" smtClean="0"/>
+                    </a:p>
                     <a:p>
                       <a:endParaRPr lang="de-DE" dirty="0"/>
                     </a:p>
@@ -8133,6 +8296,13 @@
   <p:clrMapOvr>
     <a:masterClrMapping/>
   </p:clrMapOvr>
+  <p:timing>
+    <p:tnLst>
+      <p:par>
+        <p:cTn id="1" dur="indefinite" restart="never" nodeType="tmRoot"/>
+      </p:par>
+    </p:tnLst>
+  </p:timing>
 </p:sld>
 </file>
 
@@ -9710,7 +9880,11 @@
                         <a:t> </a:t>
                       </a:r>
                       <a:r>
-                        <a:rPr lang="en-US" sz="1600" dirty="0" smtClean="0"/>
+                        <a:rPr lang="en-US" sz="1600" dirty="0" smtClean="0">
+                          <a:solidFill>
+                            <a:srgbClr val="008000"/>
+                          </a:solidFill>
+                        </a:rPr>
                         <a:t>Working into the project and Unity Engine</a:t>
                       </a:r>
                     </a:p>
@@ -10042,66 +10216,130 @@
                         <a:t> </a:t>
                       </a:r>
                       <a:r>
-                        <a:rPr lang="de-DE" sz="1600" dirty="0" err="1" smtClean="0"/>
+                        <a:rPr lang="de-DE" sz="1600" dirty="0" err="1" smtClean="0">
+                          <a:solidFill>
+                            <a:srgbClr val="008000"/>
+                          </a:solidFill>
+                        </a:rPr>
                         <a:t>Creation</a:t>
                       </a:r>
                       <a:r>
-                        <a:rPr lang="de-DE" sz="1600" baseline="0" dirty="0" smtClean="0"/>
+                        <a:rPr lang="de-DE" sz="1600" baseline="0" dirty="0" smtClean="0">
+                          <a:solidFill>
+                            <a:srgbClr val="008000"/>
+                          </a:solidFill>
+                        </a:rPr>
                         <a:t> </a:t>
                       </a:r>
                       <a:r>
-                        <a:rPr lang="de-DE" sz="1600" baseline="0" dirty="0" err="1" smtClean="0"/>
+                        <a:rPr lang="de-DE" sz="1600" baseline="0" dirty="0" err="1" smtClean="0">
+                          <a:solidFill>
+                            <a:srgbClr val="008000"/>
+                          </a:solidFill>
+                        </a:rPr>
                         <a:t>of</a:t>
                       </a:r>
                       <a:r>
-                        <a:rPr lang="de-DE" sz="1600" baseline="0" dirty="0" smtClean="0"/>
+                        <a:rPr lang="de-DE" sz="1600" baseline="0" dirty="0" smtClean="0">
+                          <a:solidFill>
+                            <a:srgbClr val="008000"/>
+                          </a:solidFill>
+                        </a:rPr>
                         <a:t> post-</a:t>
                       </a:r>
                       <a:r>
-                        <a:rPr lang="de-DE" sz="1600" baseline="0" dirty="0" err="1" smtClean="0"/>
+                        <a:rPr lang="de-DE" sz="1600" baseline="0" dirty="0" err="1" smtClean="0">
+                          <a:solidFill>
+                            <a:srgbClr val="008000"/>
+                          </a:solidFill>
+                        </a:rPr>
                         <a:t>processing</a:t>
                       </a:r>
                       <a:r>
-                        <a:rPr lang="de-DE" sz="1600" baseline="0" dirty="0" smtClean="0"/>
+                        <a:rPr lang="de-DE" sz="1600" baseline="0" dirty="0" smtClean="0">
+                          <a:solidFill>
+                            <a:srgbClr val="008000"/>
+                          </a:solidFill>
+                        </a:rPr>
                         <a:t> </a:t>
                       </a:r>
                       <a:r>
-                        <a:rPr lang="de-DE" sz="1600" baseline="0" dirty="0" err="1" smtClean="0"/>
+                        <a:rPr lang="de-DE" sz="1600" baseline="0" dirty="0" err="1" smtClean="0">
+                          <a:solidFill>
+                            <a:srgbClr val="008000"/>
+                          </a:solidFill>
+                        </a:rPr>
                         <a:t>effects</a:t>
                       </a:r>
                       <a:r>
-                        <a:rPr lang="de-DE" sz="1600" baseline="0" dirty="0" smtClean="0"/>
+                        <a:rPr lang="de-DE" sz="1600" baseline="0" dirty="0" smtClean="0">
+                          <a:solidFill>
+                            <a:srgbClr val="008000"/>
+                          </a:solidFill>
+                        </a:rPr>
                         <a:t> </a:t>
                       </a:r>
                       <a:r>
-                        <a:rPr lang="de-DE" sz="1600" baseline="0" dirty="0" err="1" smtClean="0"/>
+                        <a:rPr lang="de-DE" sz="1600" baseline="0" dirty="0" err="1" smtClean="0">
+                          <a:solidFill>
+                            <a:srgbClr val="008000"/>
+                          </a:solidFill>
+                        </a:rPr>
                         <a:t>like</a:t>
                       </a:r>
                       <a:r>
-                        <a:rPr lang="de-DE" sz="1600" baseline="0" dirty="0" smtClean="0"/>
+                        <a:rPr lang="de-DE" sz="1600" baseline="0" dirty="0" smtClean="0">
+                          <a:solidFill>
+                            <a:srgbClr val="008000"/>
+                          </a:solidFill>
+                        </a:rPr>
                         <a:t> </a:t>
                       </a:r>
                       <a:r>
-                        <a:rPr lang="de-DE" sz="1600" baseline="0" dirty="0" err="1" smtClean="0"/>
+                        <a:rPr lang="de-DE" sz="1600" baseline="0" dirty="0" err="1" smtClean="0">
+                          <a:solidFill>
+                            <a:srgbClr val="008000"/>
+                          </a:solidFill>
+                        </a:rPr>
                         <a:t>bloom</a:t>
                       </a:r>
                       <a:r>
-                        <a:rPr lang="de-DE" sz="1600" baseline="0" dirty="0" smtClean="0"/>
+                        <a:rPr lang="de-DE" sz="1600" baseline="0" dirty="0" smtClean="0">
+                          <a:solidFill>
+                            <a:srgbClr val="008000"/>
+                          </a:solidFill>
+                        </a:rPr>
                         <a:t> </a:t>
                       </a:r>
                       <a:r>
-                        <a:rPr lang="de-DE" sz="1600" baseline="0" dirty="0" err="1" smtClean="0"/>
+                        <a:rPr lang="de-DE" sz="1600" baseline="0" dirty="0" err="1" smtClean="0">
+                          <a:solidFill>
+                            <a:srgbClr val="008000"/>
+                          </a:solidFill>
+                        </a:rPr>
                         <a:t>and</a:t>
                       </a:r>
                       <a:r>
-                        <a:rPr lang="de-DE" sz="1600" baseline="0" dirty="0" smtClean="0"/>
+                        <a:rPr lang="de-DE" sz="1600" baseline="0" dirty="0" smtClean="0">
+                          <a:solidFill>
+                            <a:srgbClr val="008000"/>
+                          </a:solidFill>
+                        </a:rPr>
                         <a:t> </a:t>
                       </a:r>
                       <a:r>
-                        <a:rPr lang="de-DE" sz="1600" baseline="0" dirty="0" err="1" smtClean="0"/>
+                        <a:rPr lang="de-DE" sz="1600" baseline="0" dirty="0" err="1" smtClean="0">
+                          <a:solidFill>
+                            <a:srgbClr val="008000"/>
+                          </a:solidFill>
+                        </a:rPr>
                         <a:t>blur</a:t>
                       </a:r>
-                      <a:endParaRPr lang="de-DE" sz="1600" dirty="0" smtClean="0"/>
+                      <a:endParaRPr lang="de-DE" sz="1600" dirty="0" smtClean="0">
+                        <a:solidFill>
+                          <a:srgbClr val="008000"/>
+                        </a:solidFill>
+                      </a:endParaRPr>
                     </a:p>
                   </a:txBody>
                   <a:tcPr/>
@@ -10443,14 +10681,26 @@
                         <a:t> </a:t>
                       </a:r>
                       <a:r>
-                        <a:rPr lang="en-US" sz="1600" dirty="0" smtClean="0"/>
+                        <a:rPr lang="en-US" sz="1600" dirty="0" smtClean="0">
+                          <a:solidFill>
+                            <a:srgbClr val="C00000"/>
+                          </a:solidFill>
+                        </a:rPr>
                         <a:t>Creation of ambient-occlusion-light</a:t>
                       </a:r>
                       <a:r>
-                        <a:rPr lang="en-US" sz="1600" baseline="0" dirty="0" smtClean="0"/>
+                        <a:rPr lang="en-US" sz="1600" baseline="0" dirty="0" smtClean="0">
+                          <a:solidFill>
+                            <a:srgbClr val="C00000"/>
+                          </a:solidFill>
+                        </a:rPr>
                         <a:t> -map</a:t>
                       </a:r>
-                      <a:endParaRPr lang="de-DE" sz="1600" dirty="0" smtClean="0"/>
+                      <a:endParaRPr lang="de-DE" sz="1600" dirty="0" smtClean="0">
+                        <a:solidFill>
+                          <a:srgbClr val="C00000"/>
+                        </a:solidFill>
+                      </a:endParaRPr>
                     </a:p>
                   </a:txBody>
                   <a:tcPr/>
@@ -10675,7 +10925,7 @@
         </p:nvGraphicFramePr>
         <p:xfrm>
           <a:off x="179512" y="1201316"/>
-          <a:ext cx="8784978" cy="3727506"/>
+          <a:ext cx="8784978" cy="4371908"/>
         </p:xfrm>
         <a:graphic>
           <a:graphicData uri="http://schemas.openxmlformats.org/drawingml/2006/table">
@@ -11007,7 +11257,39 @@
                     <a:bodyPr/>
                     <a:lstStyle/>
                     <a:p>
-                      <a:endParaRPr lang="de-DE" dirty="0"/>
+                      <a:pPr marL="0" marR="0" lvl="0" indent="0" algn="l" defTabSz="914400" rtl="0" eaLnBrk="1" fontAlgn="auto" latinLnBrk="0" hangingPunct="1">
+                        <a:lnSpc>
+                          <a:spcPct val="100000"/>
+                        </a:lnSpc>
+                        <a:spcBef>
+                          <a:spcPts val="0"/>
+                        </a:spcBef>
+                        <a:spcAft>
+                          <a:spcPts val="0"/>
+                        </a:spcAft>
+                        <a:buClrTx/>
+                        <a:buSzTx/>
+                        <a:buFont typeface="Arial" pitchFamily="34" charset="0"/>
+                        <a:buChar char="•"/>
+                        <a:tabLst/>
+                        <a:defRPr/>
+                      </a:pPr>
+                      <a:r>
+                        <a:rPr lang="de-DE" sz="1800" dirty="0" smtClean="0">
+                          <a:solidFill>
+                            <a:schemeClr val="tx1"/>
+                          </a:solidFill>
+                        </a:rPr>
+                        <a:t> </a:t>
+                      </a:r>
+                      <a:r>
+                        <a:rPr lang="en-US" sz="1600" dirty="0" smtClean="0">
+                          <a:solidFill>
+                            <a:schemeClr val="tx1"/>
+                          </a:solidFill>
+                        </a:rPr>
+                        <a:t>Working into the project and Unity Engine</a:t>
+                      </a:r>
                     </a:p>
                   </a:txBody>
                   <a:tcPr/>
@@ -11192,7 +11474,183 @@
                     <a:bodyPr/>
                     <a:lstStyle/>
                     <a:p>
-                      <a:endParaRPr lang="de-DE"/>
+                      <a:pPr>
+                        <a:buFont typeface="Arial" pitchFamily="34" charset="0"/>
+                        <a:buChar char="•"/>
+                      </a:pPr>
+                      <a:r>
+                        <a:rPr lang="de-DE" sz="1400" dirty="0" smtClean="0">
+                          <a:solidFill>
+                            <a:schemeClr val="tx1"/>
+                          </a:solidFill>
+                        </a:rPr>
+                        <a:t> </a:t>
+                      </a:r>
+                      <a:r>
+                        <a:rPr lang="de-DE" sz="1400" dirty="0" err="1" smtClean="0">
+                          <a:solidFill>
+                            <a:schemeClr val="tx1"/>
+                          </a:solidFill>
+                        </a:rPr>
+                        <a:t>Creation</a:t>
+                      </a:r>
+                      <a:r>
+                        <a:rPr lang="de-DE" sz="1400" baseline="0" dirty="0" smtClean="0">
+                          <a:solidFill>
+                            <a:schemeClr val="tx1"/>
+                          </a:solidFill>
+                        </a:rPr>
+                        <a:t> </a:t>
+                      </a:r>
+                      <a:r>
+                        <a:rPr lang="de-DE" sz="1400" baseline="0" dirty="0" err="1" smtClean="0">
+                          <a:solidFill>
+                            <a:schemeClr val="tx1"/>
+                          </a:solidFill>
+                        </a:rPr>
+                        <a:t>of</a:t>
+                      </a:r>
+                      <a:r>
+                        <a:rPr lang="de-DE" sz="1400" baseline="0" dirty="0" smtClean="0">
+                          <a:solidFill>
+                            <a:schemeClr val="tx1"/>
+                          </a:solidFill>
+                        </a:rPr>
+                        <a:t> post-</a:t>
+                      </a:r>
+                      <a:r>
+                        <a:rPr lang="de-DE" sz="1400" baseline="0" dirty="0" err="1" smtClean="0">
+                          <a:solidFill>
+                            <a:schemeClr val="tx1"/>
+                          </a:solidFill>
+                        </a:rPr>
+                        <a:t>processing</a:t>
+                      </a:r>
+                      <a:r>
+                        <a:rPr lang="de-DE" sz="1400" baseline="0" dirty="0" smtClean="0">
+                          <a:solidFill>
+                            <a:schemeClr val="tx1"/>
+                          </a:solidFill>
+                        </a:rPr>
+                        <a:t> </a:t>
+                      </a:r>
+                      <a:r>
+                        <a:rPr lang="de-DE" sz="1400" baseline="0" dirty="0" err="1" smtClean="0">
+                          <a:solidFill>
+                            <a:schemeClr val="tx1"/>
+                          </a:solidFill>
+                        </a:rPr>
+                        <a:t>effects</a:t>
+                      </a:r>
+                      <a:r>
+                        <a:rPr lang="de-DE" sz="1400" baseline="0" dirty="0" smtClean="0">
+                          <a:solidFill>
+                            <a:schemeClr val="tx1"/>
+                          </a:solidFill>
+                        </a:rPr>
+                        <a:t> </a:t>
+                      </a:r>
+                      <a:r>
+                        <a:rPr lang="de-DE" sz="1400" baseline="0" dirty="0" err="1" smtClean="0">
+                          <a:solidFill>
+                            <a:schemeClr val="tx1"/>
+                          </a:solidFill>
+                        </a:rPr>
+                        <a:t>like</a:t>
+                      </a:r>
+                      <a:r>
+                        <a:rPr lang="de-DE" sz="1400" baseline="0" dirty="0" smtClean="0">
+                          <a:solidFill>
+                            <a:schemeClr val="tx1"/>
+                          </a:solidFill>
+                        </a:rPr>
+                        <a:t> </a:t>
+                      </a:r>
+                      <a:r>
+                        <a:rPr lang="de-DE" sz="1400" baseline="0" dirty="0" err="1" smtClean="0">
+                          <a:solidFill>
+                            <a:schemeClr val="tx1"/>
+                          </a:solidFill>
+                        </a:rPr>
+                        <a:t>bloom</a:t>
+                      </a:r>
+                      <a:r>
+                        <a:rPr lang="de-DE" sz="1400" baseline="0" dirty="0" smtClean="0">
+                          <a:solidFill>
+                            <a:schemeClr val="tx1"/>
+                          </a:solidFill>
+                        </a:rPr>
+                        <a:t> </a:t>
+                      </a:r>
+                      <a:r>
+                        <a:rPr lang="de-DE" sz="1400" baseline="0" dirty="0" err="1" smtClean="0">
+                          <a:solidFill>
+                            <a:schemeClr val="tx1"/>
+                          </a:solidFill>
+                        </a:rPr>
+                        <a:t>and</a:t>
+                      </a:r>
+                      <a:r>
+                        <a:rPr lang="de-DE" sz="1400" baseline="0" dirty="0" smtClean="0">
+                          <a:solidFill>
+                            <a:schemeClr val="tx1"/>
+                          </a:solidFill>
+                        </a:rPr>
+                        <a:t> </a:t>
+                      </a:r>
+                      <a:r>
+                        <a:rPr lang="de-DE" sz="1400" baseline="0" dirty="0" err="1" smtClean="0">
+                          <a:solidFill>
+                            <a:schemeClr val="tx1"/>
+                          </a:solidFill>
+                        </a:rPr>
+                        <a:t>blur</a:t>
+                      </a:r>
+                      <a:r>
+                        <a:rPr lang="de-DE" sz="1400" baseline="0" dirty="0" smtClean="0">
+                          <a:solidFill>
+                            <a:schemeClr val="tx1"/>
+                          </a:solidFill>
+                        </a:rPr>
+                        <a:t> (</a:t>
+                      </a:r>
+                      <a:r>
+                        <a:rPr lang="de-DE" sz="1400" baseline="0" dirty="0" err="1" smtClean="0">
+                          <a:solidFill>
+                            <a:schemeClr val="tx1"/>
+                          </a:solidFill>
+                        </a:rPr>
+                        <a:t>sunshafts</a:t>
+                      </a:r>
+                      <a:r>
+                        <a:rPr lang="de-DE" sz="1400" baseline="0" dirty="0" smtClean="0">
+                          <a:solidFill>
+                            <a:schemeClr val="tx1"/>
+                          </a:solidFill>
+                        </a:rPr>
+                        <a:t>, </a:t>
+                      </a:r>
+                      <a:r>
+                        <a:rPr lang="de-DE" sz="1400" baseline="0" dirty="0" err="1" smtClean="0">
+                          <a:solidFill>
+                            <a:schemeClr val="tx1"/>
+                          </a:solidFill>
+                        </a:rPr>
+                        <a:t>vignette</a:t>
+                      </a:r>
+                      <a:r>
+                        <a:rPr lang="de-DE" sz="1400" baseline="0" dirty="0" smtClean="0">
+                          <a:solidFill>
+                            <a:schemeClr val="tx1"/>
+                          </a:solidFill>
+                        </a:rPr>
+                        <a:t>)</a:t>
+                      </a:r>
+                      <a:endParaRPr lang="de-DE" sz="1400" dirty="0">
+                        <a:solidFill>
+                          <a:schemeClr val="tx1"/>
+                        </a:solidFill>
+                      </a:endParaRPr>
                     </a:p>
                   </a:txBody>
                   <a:tcPr/>
@@ -11393,7 +11851,91 @@
                     <a:bodyPr/>
                     <a:lstStyle/>
                     <a:p>
-                      <a:endParaRPr lang="de-DE" dirty="0"/>
+                      <a:pPr>
+                        <a:buFont typeface="Arial" pitchFamily="34" charset="0"/>
+                        <a:buChar char="•"/>
+                      </a:pPr>
+                      <a:r>
+                        <a:rPr lang="de-DE" sz="1600" dirty="0" smtClean="0"/>
+                        <a:t> </a:t>
+                      </a:r>
+                      <a:r>
+                        <a:rPr lang="de-DE" sz="1400" dirty="0" smtClean="0"/>
+                        <a:t>Working</a:t>
+                      </a:r>
+                      <a:r>
+                        <a:rPr lang="de-DE" sz="1400" baseline="0" dirty="0" smtClean="0"/>
+                        <a:t> </a:t>
+                      </a:r>
+                      <a:r>
+                        <a:rPr lang="de-DE" sz="1400" baseline="0" dirty="0" err="1" smtClean="0"/>
+                        <a:t>into</a:t>
+                      </a:r>
+                      <a:r>
+                        <a:rPr lang="de-DE" sz="1400" baseline="0" dirty="0" smtClean="0"/>
+                        <a:t> </a:t>
+                      </a:r>
+                      <a:r>
+                        <a:rPr lang="de-DE" sz="1400" baseline="0" dirty="0" err="1" smtClean="0"/>
+                        <a:t>shader</a:t>
+                      </a:r>
+                      <a:r>
+                        <a:rPr lang="de-DE" sz="1400" baseline="0" dirty="0" smtClean="0"/>
+                        <a:t> </a:t>
+                      </a:r>
+                      <a:r>
+                        <a:rPr lang="de-DE" sz="1400" baseline="0" dirty="0" err="1" smtClean="0"/>
+                        <a:t>programming</a:t>
+                      </a:r>
+                      <a:r>
+                        <a:rPr lang="de-DE" sz="1400" baseline="0" dirty="0" smtClean="0"/>
+                        <a:t> </a:t>
+                      </a:r>
+                      <a:r>
+                        <a:rPr lang="de-DE" sz="1400" baseline="0" dirty="0" err="1" smtClean="0"/>
+                        <a:t>to</a:t>
+                      </a:r>
+                      <a:r>
+                        <a:rPr lang="de-DE" sz="1400" baseline="0" dirty="0" smtClean="0"/>
+                        <a:t> </a:t>
+                      </a:r>
+                      <a:r>
+                        <a:rPr lang="de-DE" sz="1400" baseline="0" dirty="0" err="1" smtClean="0"/>
+                        <a:t>create</a:t>
+                      </a:r>
+                      <a:r>
+                        <a:rPr lang="de-DE" sz="1400" baseline="0" dirty="0" smtClean="0"/>
+                        <a:t> </a:t>
+                      </a:r>
+                      <a:r>
+                        <a:rPr lang="de-DE" sz="1400" baseline="0" dirty="0" err="1" smtClean="0"/>
+                        <a:t>own</a:t>
+                      </a:r>
+                      <a:r>
+                        <a:rPr lang="de-DE" sz="1400" baseline="0" dirty="0" smtClean="0"/>
+                        <a:t> </a:t>
+                      </a:r>
+                      <a:r>
+                        <a:rPr lang="de-DE" sz="1400" baseline="0" dirty="0" err="1" smtClean="0"/>
+                        <a:t>shaders</a:t>
+                      </a:r>
+                      <a:r>
+                        <a:rPr lang="de-DE" sz="1400" baseline="0" dirty="0" smtClean="0"/>
+                        <a:t> </a:t>
+                      </a:r>
+                      <a:r>
+                        <a:rPr lang="de-DE" sz="1400" baseline="0" dirty="0" err="1" smtClean="0"/>
+                        <a:t>like</a:t>
+                      </a:r>
+                      <a:r>
+                        <a:rPr lang="de-DE" sz="1400" baseline="0" dirty="0" smtClean="0"/>
+                        <a:t> radial </a:t>
+                      </a:r>
+                      <a:r>
+                        <a:rPr lang="de-DE" sz="1400" baseline="0" dirty="0" err="1" smtClean="0"/>
+                        <a:t>blur</a:t>
+                      </a:r>
+                      <a:endParaRPr lang="de-DE" sz="1400" dirty="0"/>
                     </a:p>
                   </a:txBody>
                   <a:tcPr/>
@@ -11981,30 +12523,58 @@
                         <a:buChar char="•"/>
                       </a:pPr>
                       <a:r>
-                        <a:rPr lang="de-DE" sz="1600" baseline="0" dirty="0" smtClean="0"/>
+                        <a:rPr lang="de-DE" sz="1600" baseline="0" dirty="0" smtClean="0">
+                          <a:solidFill>
+                            <a:srgbClr val="C00000"/>
+                          </a:solidFill>
+                        </a:rPr>
                         <a:t> </a:t>
                       </a:r>
                       <a:r>
-                        <a:rPr lang="de-DE" sz="1600" baseline="0" dirty="0" err="1" smtClean="0"/>
+                        <a:rPr lang="de-DE" sz="1600" baseline="0" dirty="0" err="1" smtClean="0">
+                          <a:solidFill>
+                            <a:srgbClr val="C00000"/>
+                          </a:solidFill>
+                        </a:rPr>
                         <a:t>Buffer</a:t>
                       </a:r>
                       <a:r>
-                        <a:rPr lang="de-DE" sz="1600" baseline="0" dirty="0" smtClean="0"/>
+                        <a:rPr lang="de-DE" sz="1600" baseline="0" dirty="0" smtClean="0">
+                          <a:solidFill>
+                            <a:srgbClr val="C00000"/>
+                          </a:solidFill>
+                        </a:rPr>
                         <a:t> </a:t>
                       </a:r>
                       <a:r>
-                        <a:rPr lang="de-DE" sz="1600" baseline="0" dirty="0" err="1" smtClean="0"/>
+                        <a:rPr lang="de-DE" sz="1600" baseline="0" dirty="0" err="1" smtClean="0">
+                          <a:solidFill>
+                            <a:srgbClr val="C00000"/>
+                          </a:solidFill>
+                        </a:rPr>
                         <a:t>for</a:t>
                       </a:r>
                       <a:r>
-                        <a:rPr lang="de-DE" sz="1600" baseline="0" dirty="0" smtClean="0"/>
+                        <a:rPr lang="de-DE" sz="1600" baseline="0" dirty="0" smtClean="0">
+                          <a:solidFill>
+                            <a:srgbClr val="C00000"/>
+                          </a:solidFill>
+                        </a:rPr>
                         <a:t> </a:t>
                       </a:r>
                       <a:r>
-                        <a:rPr lang="de-DE" sz="1600" baseline="0" dirty="0" err="1" smtClean="0"/>
+                        <a:rPr lang="de-DE" sz="1600" baseline="0" dirty="0" err="1" smtClean="0">
+                          <a:solidFill>
+                            <a:srgbClr val="C00000"/>
+                          </a:solidFill>
+                        </a:rPr>
                         <a:t>ao</a:t>
                       </a:r>
-                      <a:endParaRPr lang="de-DE" sz="1600" baseline="0" dirty="0" smtClean="0"/>
+                      <a:endParaRPr lang="de-DE" sz="1600" baseline="0" dirty="0" smtClean="0">
+                        <a:solidFill>
+                          <a:srgbClr val="C00000"/>
+                        </a:solidFill>
+                      </a:endParaRPr>
                     </a:p>
                     <a:p>
                       <a:pPr lvl="0">
@@ -12012,46 +12582,90 @@
                         <a:buChar char="•"/>
                       </a:pPr>
                       <a:r>
-                        <a:rPr lang="de-DE" sz="1600" baseline="0" dirty="0" smtClean="0"/>
+                        <a:rPr lang="de-DE" sz="1600" baseline="0" dirty="0" smtClean="0">
+                          <a:solidFill>
+                            <a:srgbClr val="C00000"/>
+                          </a:solidFill>
+                        </a:rPr>
                         <a:t> </a:t>
                       </a:r>
                       <a:r>
-                        <a:rPr lang="de-DE" sz="1600" baseline="0" dirty="0" err="1" smtClean="0"/>
+                        <a:rPr lang="de-DE" sz="1600" baseline="0" dirty="0" err="1" smtClean="0">
+                          <a:solidFill>
+                            <a:srgbClr val="C00000"/>
+                          </a:solidFill>
+                        </a:rPr>
                         <a:t>God-rays</a:t>
                       </a:r>
                       <a:r>
-                        <a:rPr lang="de-DE" sz="1600" baseline="0" dirty="0" smtClean="0"/>
+                        <a:rPr lang="de-DE" sz="1600" baseline="0" dirty="0" smtClean="0">
+                          <a:solidFill>
+                            <a:srgbClr val="C00000"/>
+                          </a:solidFill>
+                        </a:rPr>
                         <a:t> </a:t>
                       </a:r>
                       <a:r>
-                        <a:rPr lang="de-DE" sz="1600" baseline="0" dirty="0" err="1" smtClean="0"/>
+                        <a:rPr lang="de-DE" sz="1600" baseline="0" dirty="0" err="1" smtClean="0">
+                          <a:solidFill>
+                            <a:srgbClr val="C00000"/>
+                          </a:solidFill>
+                        </a:rPr>
                         <a:t>and</a:t>
                       </a:r>
                       <a:r>
-                        <a:rPr lang="de-DE" sz="1600" baseline="0" dirty="0" smtClean="0"/>
+                        <a:rPr lang="de-DE" sz="1600" baseline="0" dirty="0" smtClean="0">
+                          <a:solidFill>
+                            <a:srgbClr val="C00000"/>
+                          </a:solidFill>
+                        </a:rPr>
                         <a:t>/</a:t>
                       </a:r>
                       <a:r>
-                        <a:rPr lang="de-DE" sz="1600" baseline="0" dirty="0" err="1" smtClean="0"/>
+                        <a:rPr lang="de-DE" sz="1600" baseline="0" dirty="0" err="1" smtClean="0">
+                          <a:solidFill>
+                            <a:srgbClr val="C00000"/>
+                          </a:solidFill>
+                        </a:rPr>
                         <a:t>or</a:t>
                       </a:r>
                       <a:r>
-                        <a:rPr lang="de-DE" sz="1600" baseline="0" dirty="0" smtClean="0"/>
+                        <a:rPr lang="de-DE" sz="1600" baseline="0" dirty="0" smtClean="0">
+                          <a:solidFill>
+                            <a:srgbClr val="C00000"/>
+                          </a:solidFill>
+                        </a:rPr>
                         <a:t>  </a:t>
                       </a:r>
                       <a:r>
-                        <a:rPr lang="de-DE" sz="1600" baseline="0" dirty="0" err="1" smtClean="0"/>
+                        <a:rPr lang="de-DE" sz="1600" baseline="0" dirty="0" err="1" smtClean="0">
+                          <a:solidFill>
+                            <a:srgbClr val="C00000"/>
+                          </a:solidFill>
+                        </a:rPr>
                         <a:t>atmos</a:t>
                       </a:r>
                       <a:r>
-                        <a:rPr lang="de-DE" sz="1600" baseline="0" dirty="0" smtClean="0"/>
+                        <a:rPr lang="de-DE" sz="1600" baseline="0" dirty="0" smtClean="0">
+                          <a:solidFill>
+                            <a:srgbClr val="C00000"/>
+                          </a:solidFill>
+                        </a:rPr>
                         <a:t>. </a:t>
                       </a:r>
                       <a:r>
-                        <a:rPr lang="de-DE" sz="1600" baseline="0" dirty="0" err="1" smtClean="0"/>
+                        <a:rPr lang="de-DE" sz="1600" baseline="0" dirty="0" err="1" smtClean="0">
+                          <a:solidFill>
+                            <a:srgbClr val="C00000"/>
+                          </a:solidFill>
+                        </a:rPr>
                         <a:t>scattering</a:t>
                       </a:r>
-                      <a:endParaRPr lang="de-DE" sz="1600" baseline="0" dirty="0" smtClean="0"/>
+                      <a:endParaRPr lang="de-DE" sz="1600" baseline="0" dirty="0" smtClean="0">
+                        <a:solidFill>
+                          <a:srgbClr val="C00000"/>
+                        </a:solidFill>
+                      </a:endParaRPr>
                     </a:p>
                   </a:txBody>
                   <a:tcPr/>
@@ -12466,21 +13080,45 @@
                       </a:pPr>
                       <a:r>
                         <a:rPr lang="de-DE" sz="1600" baseline="0" dirty="0" smtClean="0"/>
-                        <a:t> Client-</a:t>
-                      </a:r>
-                      <a:r>
-                        <a:rPr lang="de-DE" sz="1600" baseline="0" dirty="0" err="1" smtClean="0"/>
+                        <a:t> </a:t>
+                      </a:r>
+                      <a:r>
+                        <a:rPr lang="de-DE" sz="1600" baseline="0" dirty="0" smtClean="0">
+                          <a:solidFill>
+                            <a:srgbClr val="C00000"/>
+                          </a:solidFill>
+                        </a:rPr>
+                        <a:t>Client-</a:t>
+                      </a:r>
+                      <a:r>
+                        <a:rPr lang="de-DE" sz="1600" baseline="0" dirty="0" err="1" smtClean="0">
+                          <a:solidFill>
+                            <a:srgbClr val="C00000"/>
+                          </a:solidFill>
+                        </a:rPr>
                         <a:t>menu</a:t>
                       </a:r>
                       <a:r>
-                        <a:rPr lang="de-DE" sz="1600" baseline="0" dirty="0" smtClean="0"/>
+                        <a:rPr lang="de-DE" sz="1600" baseline="0" dirty="0" smtClean="0">
+                          <a:solidFill>
+                            <a:srgbClr val="C00000"/>
+                          </a:solidFill>
+                        </a:rPr>
                         <a:t>-</a:t>
                       </a:r>
                       <a:r>
-                        <a:rPr lang="de-DE" sz="1600" baseline="0" dirty="0" err="1" smtClean="0"/>
+                        <a:rPr lang="de-DE" sz="1600" baseline="0" dirty="0" err="1" smtClean="0">
+                          <a:solidFill>
+                            <a:srgbClr val="C00000"/>
+                          </a:solidFill>
+                        </a:rPr>
                         <a:t>structure</a:t>
                       </a:r>
-                      <a:endParaRPr lang="de-DE" sz="1600" baseline="0" dirty="0" smtClean="0"/>
+                      <a:endParaRPr lang="de-DE" sz="1600" baseline="0" dirty="0" smtClean="0">
+                        <a:solidFill>
+                          <a:srgbClr val="C00000"/>
+                        </a:solidFill>
+                      </a:endParaRPr>
                     </a:p>
                     <a:p>
                       <a:pPr marL="0" marR="0" lvl="0" indent="0" algn="l" defTabSz="914400" rtl="0" eaLnBrk="1" fontAlgn="auto" latinLnBrk="0" hangingPunct="1">
@@ -12501,22 +13139,42 @@
                         <a:defRPr/>
                       </a:pPr>
                       <a:r>
-                        <a:rPr lang="de-DE" sz="1600" baseline="0" dirty="0" smtClean="0"/>
+                        <a:rPr lang="de-DE" sz="1600" baseline="0" dirty="0" smtClean="0">
+                          <a:solidFill>
+                            <a:srgbClr val="C00000"/>
+                          </a:solidFill>
+                        </a:rPr>
                         <a:t> </a:t>
                       </a:r>
                       <a:r>
-                        <a:rPr lang="de-DE" sz="1600" baseline="0" dirty="0" err="1" smtClean="0"/>
+                        <a:rPr lang="de-DE" sz="1600" baseline="0" dirty="0" err="1" smtClean="0">
+                          <a:solidFill>
+                            <a:srgbClr val="C00000"/>
+                          </a:solidFill>
+                        </a:rPr>
                         <a:t>Menue</a:t>
                       </a:r>
                       <a:r>
-                        <a:rPr lang="de-DE" sz="1600" baseline="0" dirty="0" smtClean="0"/>
+                        <a:rPr lang="de-DE" sz="1600" baseline="0" dirty="0" smtClean="0">
+                          <a:solidFill>
+                            <a:srgbClr val="C00000"/>
+                          </a:solidFill>
+                        </a:rPr>
                         <a:t> </a:t>
                       </a:r>
                       <a:r>
-                        <a:rPr lang="de-DE" sz="1600" baseline="0" dirty="0" err="1" smtClean="0"/>
+                        <a:rPr lang="de-DE" sz="1600" baseline="0" dirty="0" err="1" smtClean="0">
+                          <a:solidFill>
+                            <a:srgbClr val="C00000"/>
+                          </a:solidFill>
+                        </a:rPr>
                         <a:t>functionality</a:t>
                       </a:r>
-                      <a:endParaRPr lang="de-DE" sz="1600" baseline="0" dirty="0" smtClean="0"/>
+                      <a:endParaRPr lang="de-DE" sz="1600" baseline="0" dirty="0" smtClean="0">
+                        <a:solidFill>
+                          <a:srgbClr val="C00000"/>
+                        </a:solidFill>
+                      </a:endParaRPr>
                     </a:p>
                   </a:txBody>
                   <a:tcPr/>
@@ -13088,7 +13746,7 @@
         </p:nvGraphicFramePr>
         <p:xfrm>
           <a:off x="179512" y="1201316"/>
-          <a:ext cx="8784978" cy="4019038"/>
+          <a:ext cx="8784978" cy="4450080"/>
         </p:xfrm>
         <a:graphic>
           <a:graphicData uri="http://schemas.openxmlformats.org/drawingml/2006/table">
@@ -13454,7 +14112,67 @@
                     <a:bodyPr/>
                     <a:lstStyle/>
                     <a:p>
-                      <a:endParaRPr lang="de-DE" dirty="0"/>
+                      <a:pPr>
+                        <a:buFont typeface="Arial" pitchFamily="34" charset="0"/>
+                        <a:buChar char="•"/>
+                      </a:pPr>
+                      <a:r>
+                        <a:rPr lang="de-DE" sz="1600" dirty="0" smtClean="0"/>
+                        <a:t>Working </a:t>
+                      </a:r>
+                      <a:r>
+                        <a:rPr lang="de-DE" sz="1600" dirty="0" err="1" smtClean="0"/>
+                        <a:t>into</a:t>
+                      </a:r>
+                      <a:r>
+                        <a:rPr lang="de-DE" sz="1600" dirty="0" smtClean="0"/>
+                        <a:t> </a:t>
+                      </a:r>
+                      <a:r>
+                        <a:rPr lang="de-DE" sz="1600" dirty="0" err="1" smtClean="0"/>
+                        <a:t>shaders</a:t>
+                      </a:r>
+                      <a:endParaRPr lang="de-DE" sz="1600" dirty="0" smtClean="0"/>
+                    </a:p>
+                    <a:p>
+                      <a:pPr>
+                        <a:buFont typeface="Arial" pitchFamily="34" charset="0"/>
+                        <a:buChar char="•"/>
+                      </a:pPr>
+                      <a:r>
+                        <a:rPr lang="de-DE" sz="1600" dirty="0" err="1" smtClean="0"/>
+                        <a:t>Testing</a:t>
+                      </a:r>
+                      <a:r>
+                        <a:rPr lang="de-DE" sz="1600" dirty="0" smtClean="0"/>
+                        <a:t> SSAO</a:t>
+                      </a:r>
+                    </a:p>
+                    <a:p>
+                      <a:pPr>
+                        <a:buFont typeface="Arial" pitchFamily="34" charset="0"/>
+                        <a:buChar char="•"/>
+                      </a:pPr>
+                      <a:r>
+                        <a:rPr lang="de-DE" sz="1600" dirty="0" err="1" smtClean="0"/>
+                        <a:t>Kinect</a:t>
+                      </a:r>
+                      <a:r>
+                        <a:rPr lang="de-DE" sz="1600" baseline="0" dirty="0" smtClean="0"/>
+                        <a:t> </a:t>
+                      </a:r>
+                      <a:r>
+                        <a:rPr lang="de-DE" sz="1600" baseline="0" dirty="0" err="1" smtClean="0"/>
+                        <a:t>tests</a:t>
+                      </a:r>
+                      <a:endParaRPr lang="de-DE" sz="1600" dirty="0" smtClean="0"/>
+                    </a:p>
+                    <a:p>
+                      <a:pPr>
+                        <a:buFont typeface="Arial" pitchFamily="34" charset="0"/>
+                        <a:buChar char="•"/>
+                      </a:pPr>
+                      <a:endParaRPr lang="de-DE" dirty="0" smtClean="0"/>
                     </a:p>
                   </a:txBody>
                   <a:tcPr/>
@@ -13621,7 +14339,57 @@
                     <a:bodyPr/>
                     <a:lstStyle/>
                     <a:p>
-                      <a:endParaRPr lang="de-DE"/>
+                      <a:pPr>
+                        <a:buFont typeface="Arial" pitchFamily="34" charset="0"/>
+                        <a:buChar char="•"/>
+                      </a:pPr>
+                      <a:r>
+                        <a:rPr lang="de-DE" sz="1400" dirty="0" smtClean="0"/>
+                        <a:t>Working </a:t>
+                      </a:r>
+                      <a:r>
+                        <a:rPr lang="de-DE" sz="1400" dirty="0" err="1" smtClean="0"/>
+                        <a:t>into</a:t>
+                      </a:r>
+                      <a:r>
+                        <a:rPr lang="de-DE" sz="1400" dirty="0" smtClean="0"/>
+                        <a:t> </a:t>
+                      </a:r>
+                      <a:r>
+                        <a:rPr lang="de-DE" sz="1400" dirty="0" err="1" smtClean="0"/>
+                        <a:t>shaders</a:t>
+                      </a:r>
+                      <a:endParaRPr lang="de-DE" sz="1400" dirty="0" smtClean="0"/>
+                    </a:p>
+                    <a:p>
+                      <a:pPr>
+                        <a:buFont typeface="Arial" pitchFamily="34" charset="0"/>
+                        <a:buChar char="•"/>
+                      </a:pPr>
+                      <a:r>
+                        <a:rPr lang="de-DE" sz="1400" dirty="0" err="1" smtClean="0"/>
+                        <a:t>Configuring</a:t>
+                      </a:r>
+                      <a:r>
+                        <a:rPr lang="de-DE" sz="1400" dirty="0" smtClean="0"/>
+                        <a:t> </a:t>
+                      </a:r>
+                      <a:r>
+                        <a:rPr lang="de-DE" sz="1400" dirty="0" err="1" smtClean="0"/>
+                        <a:t>spectator</a:t>
+                      </a:r>
+                      <a:r>
+                        <a:rPr lang="de-DE" sz="1400" baseline="0" dirty="0" smtClean="0"/>
+                        <a:t> </a:t>
+                      </a:r>
+                      <a:r>
+                        <a:rPr lang="de-DE" sz="1400" baseline="0" dirty="0" err="1" smtClean="0"/>
+                        <a:t>functions</a:t>
+                      </a:r>
+                      <a:endParaRPr lang="de-DE" sz="1400" dirty="0" smtClean="0"/>
+                    </a:p>
+                    <a:p>
+                      <a:endParaRPr lang="de-DE" dirty="0"/>
                     </a:p>
                   </a:txBody>
                   <a:tcPr/>
@@ -13814,6 +14582,56 @@
                   <a:txBody>
                     <a:bodyPr/>
                     <a:lstStyle/>
+                    <a:p>
+                      <a:pPr marL="0" marR="0" lvl="0" indent="0" algn="l" defTabSz="914400" rtl="0" eaLnBrk="1" fontAlgn="auto" latinLnBrk="0" hangingPunct="1">
+                        <a:lnSpc>
+                          <a:spcPct val="100000"/>
+                        </a:lnSpc>
+                        <a:spcBef>
+                          <a:spcPts val="0"/>
+                        </a:spcBef>
+                        <a:spcAft>
+                          <a:spcPts val="0"/>
+                        </a:spcAft>
+                        <a:buClrTx/>
+                        <a:buSzTx/>
+                        <a:buFont typeface="Arial" pitchFamily="34" charset="0"/>
+                        <a:buChar char="•"/>
+                        <a:tabLst/>
+                        <a:defRPr/>
+                      </a:pPr>
+                      <a:r>
+                        <a:rPr lang="de-DE" sz="1600" baseline="0" dirty="0" err="1" smtClean="0"/>
+                        <a:t>Menue</a:t>
+                      </a:r>
+                      <a:r>
+                        <a:rPr lang="de-DE" sz="1600" baseline="0" dirty="0" smtClean="0"/>
+                        <a:t> </a:t>
+                      </a:r>
+                      <a:r>
+                        <a:rPr lang="de-DE" sz="1600" baseline="0" dirty="0" err="1" smtClean="0"/>
+                        <a:t>funct</a:t>
+                      </a:r>
+                      <a:r>
+                        <a:rPr lang="de-DE" sz="1600" baseline="0" dirty="0" smtClean="0"/>
+                        <a:t>.</a:t>
+                      </a:r>
+                    </a:p>
+                    <a:p>
+                      <a:pPr>
+                        <a:buFont typeface="Arial" pitchFamily="34" charset="0"/>
+                        <a:buChar char="•"/>
+                      </a:pPr>
+                      <a:r>
+                        <a:rPr lang="de-DE" sz="1600" dirty="0" smtClean="0"/>
+                        <a:t> Gamepad </a:t>
+                      </a:r>
+                      <a:r>
+                        <a:rPr lang="de-DE" sz="1600" dirty="0" err="1" smtClean="0"/>
+                        <a:t>support</a:t>
+                      </a:r>
+                      <a:endParaRPr lang="de-DE" sz="1600" dirty="0" smtClean="0"/>
+                    </a:p>
                     <a:p>
                       <a:endParaRPr lang="de-DE" dirty="0"/>
                     </a:p>

--- a/Präsentationen/Zwischenpräsentation 16.06/Project proposal update 06.16 - Rift Wingsuit V2.pptx
+++ b/Präsentationen/Zwischenpräsentation 16.06/Project proposal update 06.16 - Rift Wingsuit V2.pptx
@@ -123,7 +123,7 @@
   </p:defaultTextStyle>
   <p:extLst>
     <p:ext uri="{EFAFB233-063F-42B5-8137-9DF3F51BA10A}">
-      <p15:sldGuideLst xmlns:p15="http://schemas.microsoft.com/office/powerpoint/2012/main" xmlns="">
+      <p15:sldGuideLst xmlns:p15="http://schemas.microsoft.com/office/powerpoint/2012/main">
         <p15:guide id="1" orient="horz" pos="1800">
           <p15:clr>
             <a:srgbClr val="A4A3A4"/>
@@ -393,7 +393,7 @@
     </p:spTree>
     <p:extLst>
       <p:ext uri="{BB962C8B-B14F-4D97-AF65-F5344CB8AC3E}">
-        <p14:creationId xmlns:p14="http://schemas.microsoft.com/office/powerpoint/2010/main" xmlns="" val="1727503161"/>
+        <p14:creationId xmlns:p14="http://schemas.microsoft.com/office/powerpoint/2010/main" val="1727503161"/>
       </p:ext>
     </p:extLst>
   </p:cSld>
@@ -578,7 +578,7 @@
     </p:spTree>
     <p:extLst>
       <p:ext uri="{BB962C8B-B14F-4D97-AF65-F5344CB8AC3E}">
-        <p14:creationId xmlns:p14="http://schemas.microsoft.com/office/powerpoint/2010/main" xmlns="" val="592270510"/>
+        <p14:creationId xmlns:p14="http://schemas.microsoft.com/office/powerpoint/2010/main" val="592270510"/>
       </p:ext>
     </p:extLst>
   </p:cSld>
@@ -5084,12 +5084,48 @@
                 <a:tableStyleId>{5C22544A-7EE6-4342-B048-85BDC9FD1C3A}</a:tableStyleId>
               </a:tblPr>
               <a:tblGrid>
-                <a:gridCol w="720080"/>
-                <a:gridCol w="1584176"/>
-                <a:gridCol w="1656184"/>
-                <a:gridCol w="1656184"/>
-                <a:gridCol w="1584176"/>
-                <a:gridCol w="1584178"/>
+                <a:gridCol w="720080">
+                  <a:extLst>
+                    <a:ext uri="{9D8B030D-6E8A-4147-A177-3AD203B41FA5}">
+                      <a16:colId xmlns:a16="http://schemas.microsoft.com/office/drawing/2014/main" val="20000"/>
+                    </a:ext>
+                  </a:extLst>
+                </a:gridCol>
+                <a:gridCol w="1584176">
+                  <a:extLst>
+                    <a:ext uri="{9D8B030D-6E8A-4147-A177-3AD203B41FA5}">
+                      <a16:colId xmlns:a16="http://schemas.microsoft.com/office/drawing/2014/main" val="20001"/>
+                    </a:ext>
+                  </a:extLst>
+                </a:gridCol>
+                <a:gridCol w="1656184">
+                  <a:extLst>
+                    <a:ext uri="{9D8B030D-6E8A-4147-A177-3AD203B41FA5}">
+                      <a16:colId xmlns:a16="http://schemas.microsoft.com/office/drawing/2014/main" val="20002"/>
+                    </a:ext>
+                  </a:extLst>
+                </a:gridCol>
+                <a:gridCol w="1656184">
+                  <a:extLst>
+                    <a:ext uri="{9D8B030D-6E8A-4147-A177-3AD203B41FA5}">
+                      <a16:colId xmlns:a16="http://schemas.microsoft.com/office/drawing/2014/main" val="20003"/>
+                    </a:ext>
+                  </a:extLst>
+                </a:gridCol>
+                <a:gridCol w="1584176">
+                  <a:extLst>
+                    <a:ext uri="{9D8B030D-6E8A-4147-A177-3AD203B41FA5}">
+                      <a16:colId xmlns:a16="http://schemas.microsoft.com/office/drawing/2014/main" val="20004"/>
+                    </a:ext>
+                  </a:extLst>
+                </a:gridCol>
+                <a:gridCol w="1584178">
+                  <a:extLst>
+                    <a:ext uri="{9D8B030D-6E8A-4147-A177-3AD203B41FA5}">
+                      <a16:colId xmlns:a16="http://schemas.microsoft.com/office/drawing/2014/main" val="20005"/>
+                    </a:ext>
+                  </a:extLst>
+                </a:gridCol>
               </a:tblGrid>
               <a:tr h="574727">
                 <a:tc>
@@ -5186,6 +5222,11 @@
                   </a:txBody>
                   <a:tcPr/>
                 </a:tc>
+                <a:extLst>
+                  <a:ext uri="{0D108BD9-81ED-4DB2-BD59-A6C34878D82A}">
+                    <a16:rowId xmlns:a16="http://schemas.microsoft.com/office/drawing/2014/main" val="10000"/>
+                  </a:ext>
+                </a:extLst>
               </a:tr>
               <a:tr h="816718">
                 <a:tc>
@@ -5428,6 +5469,11 @@
                   </a:txBody>
                   <a:tcPr/>
                 </a:tc>
+                <a:extLst>
+                  <a:ext uri="{0D108BD9-81ED-4DB2-BD59-A6C34878D82A}">
+                    <a16:rowId xmlns:a16="http://schemas.microsoft.com/office/drawing/2014/main" val="10001"/>
+                  </a:ext>
+                </a:extLst>
               </a:tr>
               <a:tr h="1058708">
                 <a:tc>
@@ -5761,6 +5807,11 @@
                   </a:txBody>
                   <a:tcPr/>
                 </a:tc>
+                <a:extLst>
+                  <a:ext uri="{0D108BD9-81ED-4DB2-BD59-A6C34878D82A}">
+                    <a16:rowId xmlns:a16="http://schemas.microsoft.com/office/drawing/2014/main" val="10002"/>
+                  </a:ext>
+                </a:extLst>
               </a:tr>
               <a:tr h="816718">
                 <a:tc>
@@ -6024,6 +6075,11 @@
                   </a:txBody>
                   <a:tcPr/>
                 </a:tc>
+                <a:extLst>
+                  <a:ext uri="{0D108BD9-81ED-4DB2-BD59-A6C34878D82A}">
+                    <a16:rowId xmlns:a16="http://schemas.microsoft.com/office/drawing/2014/main" val="10003"/>
+                  </a:ext>
+                </a:extLst>
               </a:tr>
               <a:tr h="837584">
                 <a:tc>
@@ -6403,6 +6459,11 @@
                   </a:txBody>
                   <a:tcPr/>
                 </a:tc>
+                <a:extLst>
+                  <a:ext uri="{0D108BD9-81ED-4DB2-BD59-A6C34878D82A}">
+                    <a16:rowId xmlns:a16="http://schemas.microsoft.com/office/drawing/2014/main" val="10004"/>
+                  </a:ext>
+                </a:extLst>
               </a:tr>
             </a:tbl>
           </a:graphicData>
@@ -6572,11 +6633,17 @@
           <p:cNvGraphicFramePr>
             <a:graphicFrameLocks noGrp="1"/>
           </p:cNvGraphicFramePr>
-          <p:nvPr/>
+          <p:nvPr>
+            <p:extLst>
+              <p:ext uri="{D42A27DB-BD31-4B8C-83A1-F6EECF244321}">
+                <p14:modId xmlns:p14="http://schemas.microsoft.com/office/powerpoint/2010/main" val="4143340361"/>
+              </p:ext>
+            </p:extLst>
+          </p:nvPr>
         </p:nvGraphicFramePr>
         <p:xfrm>
           <a:off x="179512" y="1201317"/>
-          <a:ext cx="8784978" cy="4206240"/>
+          <a:ext cx="8784978" cy="4663440"/>
         </p:xfrm>
         <a:graphic>
           <a:graphicData uri="http://schemas.openxmlformats.org/drawingml/2006/table">
@@ -6585,12 +6652,48 @@
                 <a:tableStyleId>{5C22544A-7EE6-4342-B048-85BDC9FD1C3A}</a:tableStyleId>
               </a:tblPr>
               <a:tblGrid>
-                <a:gridCol w="720080"/>
-                <a:gridCol w="1584176"/>
-                <a:gridCol w="1656184"/>
-                <a:gridCol w="1656184"/>
-                <a:gridCol w="1584176"/>
-                <a:gridCol w="1584178"/>
+                <a:gridCol w="720080">
+                  <a:extLst>
+                    <a:ext uri="{9D8B030D-6E8A-4147-A177-3AD203B41FA5}">
+                      <a16:colId xmlns:a16="http://schemas.microsoft.com/office/drawing/2014/main" val="20000"/>
+                    </a:ext>
+                  </a:extLst>
+                </a:gridCol>
+                <a:gridCol w="1584176">
+                  <a:extLst>
+                    <a:ext uri="{9D8B030D-6E8A-4147-A177-3AD203B41FA5}">
+                      <a16:colId xmlns:a16="http://schemas.microsoft.com/office/drawing/2014/main" val="20001"/>
+                    </a:ext>
+                  </a:extLst>
+                </a:gridCol>
+                <a:gridCol w="1656184">
+                  <a:extLst>
+                    <a:ext uri="{9D8B030D-6E8A-4147-A177-3AD203B41FA5}">
+                      <a16:colId xmlns:a16="http://schemas.microsoft.com/office/drawing/2014/main" val="20002"/>
+                    </a:ext>
+                  </a:extLst>
+                </a:gridCol>
+                <a:gridCol w="1656184">
+                  <a:extLst>
+                    <a:ext uri="{9D8B030D-6E8A-4147-A177-3AD203B41FA5}">
+                      <a16:colId xmlns:a16="http://schemas.microsoft.com/office/drawing/2014/main" val="20003"/>
+                    </a:ext>
+                  </a:extLst>
+                </a:gridCol>
+                <a:gridCol w="1584176">
+                  <a:extLst>
+                    <a:ext uri="{9D8B030D-6E8A-4147-A177-3AD203B41FA5}">
+                      <a16:colId xmlns:a16="http://schemas.microsoft.com/office/drawing/2014/main" val="20004"/>
+                    </a:ext>
+                  </a:extLst>
+                </a:gridCol>
+                <a:gridCol w="1584178">
+                  <a:extLst>
+                    <a:ext uri="{9D8B030D-6E8A-4147-A177-3AD203B41FA5}">
+                      <a16:colId xmlns:a16="http://schemas.microsoft.com/office/drawing/2014/main" val="20005"/>
+                    </a:ext>
+                  </a:extLst>
+                </a:gridCol>
               </a:tblGrid>
               <a:tr h="554012">
                 <a:tc>
@@ -6687,6 +6790,11 @@
                   </a:txBody>
                   <a:tcPr/>
                 </a:tc>
+                <a:extLst>
+                  <a:ext uri="{0D108BD9-81ED-4DB2-BD59-A6C34878D82A}">
+                    <a16:rowId xmlns:a16="http://schemas.microsoft.com/office/drawing/2014/main" val="10000"/>
+                  </a:ext>
+                </a:extLst>
               </a:tr>
               <a:tr h="500999">
                 <a:tc>
@@ -6825,11 +6933,89 @@
                     <a:bodyPr/>
                     <a:lstStyle/>
                     <a:p>
-                      <a:endParaRPr lang="de-DE" dirty="0"/>
+                      <a:pPr marL="0" marR="0" lvl="0" indent="0" algn="l" defTabSz="914400" rtl="0" eaLnBrk="1" fontAlgn="auto" latinLnBrk="0" hangingPunct="1">
+                        <a:lnSpc>
+                          <a:spcPct val="100000"/>
+                        </a:lnSpc>
+                        <a:spcBef>
+                          <a:spcPts val="0"/>
+                        </a:spcBef>
+                        <a:spcAft>
+                          <a:spcPts val="0"/>
+                        </a:spcAft>
+                        <a:buClrTx/>
+                        <a:buSzTx/>
+                        <a:buFont typeface="Arial" pitchFamily="34" charset="0"/>
+                        <a:buChar char="•"/>
+                        <a:tabLst/>
+                        <a:defRPr/>
+                      </a:pPr>
+                      <a:r>
+                        <a:rPr lang="de-DE" sz="1600" baseline="0" dirty="0" smtClean="0"/>
+                        <a:t> Game </a:t>
+                      </a:r>
+                      <a:r>
+                        <a:rPr lang="de-DE" sz="1600" baseline="0" dirty="0" err="1" smtClean="0"/>
+                        <a:t>Logic</a:t>
+                      </a:r>
+                      <a:r>
+                        <a:rPr lang="de-DE" sz="1600" baseline="0" dirty="0" smtClean="0"/>
+                        <a:t> / </a:t>
+                      </a:r>
+                      <a:r>
+                        <a:rPr lang="de-DE" sz="1600" baseline="0" dirty="0" err="1" smtClean="0"/>
+                        <a:t>Parachute</a:t>
+                      </a:r>
+                      <a:r>
+                        <a:rPr lang="de-DE" sz="1600" baseline="0" dirty="0" smtClean="0"/>
+                        <a:t> </a:t>
+                      </a:r>
+                      <a:r>
+                        <a:rPr lang="de-DE" sz="1600" baseline="0" dirty="0" err="1" smtClean="0"/>
+                        <a:t>landing</a:t>
+                      </a:r>
+                      <a:r>
+                        <a:rPr lang="de-DE" sz="1600" baseline="0" dirty="0" smtClean="0"/>
+                        <a:t> </a:t>
+                      </a:r>
+                      <a:r>
+                        <a:rPr lang="de-DE" sz="1600" baseline="0" dirty="0" err="1" smtClean="0"/>
+                        <a:t>Buffer</a:t>
+                      </a:r>
+                      <a:endParaRPr lang="de-DE" sz="1600" baseline="0" dirty="0" smtClean="0"/>
+                    </a:p>
+                    <a:p>
+                      <a:pPr marL="0" marR="0" lvl="0" indent="0" algn="l" defTabSz="914400" rtl="0" eaLnBrk="1" fontAlgn="auto" latinLnBrk="0" hangingPunct="1">
+                        <a:lnSpc>
+                          <a:spcPct val="100000"/>
+                        </a:lnSpc>
+                        <a:spcBef>
+                          <a:spcPts val="0"/>
+                        </a:spcBef>
+                        <a:spcAft>
+                          <a:spcPts val="0"/>
+                        </a:spcAft>
+                        <a:buClrTx/>
+                        <a:buSzTx/>
+                        <a:buFont typeface="Arial" pitchFamily="34" charset="0"/>
+                        <a:buChar char="•"/>
+                        <a:tabLst/>
+                        <a:defRPr/>
+                      </a:pPr>
+                      <a:r>
+                        <a:rPr lang="de-DE" sz="1600" baseline="0" dirty="0" smtClean="0"/>
+                        <a:t> Player Model</a:t>
+                      </a:r>
+                      <a:endParaRPr lang="de-DE" sz="1600" dirty="0" smtClean="0"/>
                     </a:p>
                   </a:txBody>
                   <a:tcPr/>
                 </a:tc>
+                <a:extLst>
+                  <a:ext uri="{0D108BD9-81ED-4DB2-BD59-A6C34878D82A}">
+                    <a16:rowId xmlns:a16="http://schemas.microsoft.com/office/drawing/2014/main" val="10001"/>
+                  </a:ext>
+                </a:extLst>
               </a:tr>
               <a:tr h="740985">
                 <a:tc>
@@ -7013,84 +7199,7 @@
                     <a:bodyPr/>
                     <a:lstStyle/>
                     <a:p>
-                      <a:endParaRPr lang="de-DE"/>
-                    </a:p>
-                  </a:txBody>
-                  <a:tcPr/>
-                </a:tc>
-              </a:tr>
-              <a:tr h="825034">
-                <a:tc>
-                  <a:txBody>
-                    <a:bodyPr/>
-                    <a:lstStyle/>
-                    <a:p>
-                      <a:pPr algn="ctr"/>
-                      <a:r>
-                        <a:rPr lang="de-DE" sz="1600" dirty="0" smtClean="0"/>
-                        <a:t>08.16 – 24.08</a:t>
-                      </a:r>
-                      <a:endParaRPr lang="de-DE" sz="1600" dirty="0"/>
-                    </a:p>
-                  </a:txBody>
-                  <a:tcPr/>
-                </a:tc>
-                <a:tc>
-                  <a:txBody>
-                    <a:bodyPr/>
-                    <a:lstStyle/>
-                    <a:p>
-                      <a:pPr>
-                        <a:buFont typeface="Arial" pitchFamily="34" charset="0"/>
-                        <a:buChar char="•"/>
-                      </a:pPr>
-                      <a:r>
-                        <a:rPr lang="de-DE" sz="1600" dirty="0" smtClean="0"/>
-                        <a:t> Client </a:t>
-                      </a:r>
-                      <a:r>
-                        <a:rPr lang="de-DE" sz="1600" dirty="0" err="1" smtClean="0"/>
-                        <a:t>improvement</a:t>
-                      </a:r>
-                      <a:r>
-                        <a:rPr lang="de-DE" sz="1600" dirty="0" smtClean="0"/>
-                        <a:t> </a:t>
-                      </a:r>
-                      <a:r>
-                        <a:rPr lang="de-DE" sz="1600" dirty="0" err="1" smtClean="0"/>
-                        <a:t>buffer</a:t>
-                      </a:r>
-                      <a:endParaRPr lang="de-DE" sz="1600" dirty="0"/>
-                    </a:p>
-                  </a:txBody>
-                  <a:tcPr/>
-                </a:tc>
-                <a:tc>
-                  <a:txBody>
-                    <a:bodyPr/>
-                    <a:lstStyle/>
-                    <a:p>
-                      <a:endParaRPr lang="de-DE" dirty="0"/>
-                    </a:p>
-                  </a:txBody>
-                  <a:tcPr/>
-                </a:tc>
-                <a:tc>
-                  <a:txBody>
-                    <a:bodyPr/>
-                    <a:lstStyle/>
-                    <a:p>
-                      <a:endParaRPr lang="de-DE" dirty="0"/>
-                    </a:p>
-                  </a:txBody>
-                  <a:tcPr/>
-                </a:tc>
-                <a:tc>
-                  <a:txBody>
-                    <a:bodyPr/>
-                    <a:lstStyle/>
-                    <a:p>
-                      <a:pPr marL="0" marR="0" indent="0" algn="l" defTabSz="914400" rtl="0" eaLnBrk="1" fontAlgn="auto" latinLnBrk="0" hangingPunct="1">
+                      <a:pPr marL="0" marR="0" lvl="0" indent="0" algn="l" defTabSz="914400" rtl="0" eaLnBrk="1" fontAlgn="auto" latinLnBrk="0" hangingPunct="1">
                         <a:lnSpc>
                           <a:spcPct val="100000"/>
                         </a:lnSpc>
@@ -7108,41 +7217,78 @@
                         <a:defRPr/>
                       </a:pPr>
                       <a:r>
-                        <a:rPr lang="de-DE" sz="1800" dirty="0" smtClean="0"/>
-                        <a:t> </a:t>
+                        <a:rPr lang="de-DE" sz="1600" dirty="0" smtClean="0"/>
+                        <a:t> User Guide (</a:t>
                       </a:r>
                       <a:r>
                         <a:rPr lang="de-DE" sz="1600" dirty="0" err="1" smtClean="0"/>
-                        <a:t>Buffer</a:t>
-                      </a:r>
-                      <a:r>
-                        <a:rPr lang="de-DE" sz="1600" baseline="0" dirty="0" smtClean="0"/>
-                        <a:t> </a:t>
-                      </a:r>
-                      <a:r>
-                        <a:rPr lang="de-DE" sz="1600" baseline="0" dirty="0" err="1" smtClean="0"/>
-                        <a:t>for</a:t>
-                      </a:r>
-                      <a:r>
-                        <a:rPr lang="de-DE" sz="1600" baseline="0" dirty="0" smtClean="0"/>
-                        <a:t> </a:t>
-                      </a:r>
-                      <a:r>
-                        <a:rPr lang="de-DE" sz="1600" baseline="0" dirty="0" err="1" smtClean="0"/>
-                        <a:t>any</a:t>
-                      </a:r>
-                      <a:r>
-                        <a:rPr lang="de-DE" sz="1600" baseline="0" dirty="0" smtClean="0"/>
-                        <a:t> relevant </a:t>
-                      </a:r>
-                      <a:r>
-                        <a:rPr lang="de-DE" sz="1600" baseline="0" dirty="0" err="1" smtClean="0"/>
-                        <a:t>work</a:t>
-                      </a:r>
-                      <a:endParaRPr lang="de-DE" sz="1600" dirty="0" smtClean="0"/>
-                    </a:p>
-                    <a:p>
-                      <a:endParaRPr lang="de-DE" dirty="0"/>
+                        <a:t>client</a:t>
+                      </a:r>
+                      <a:r>
+                        <a:rPr lang="de-DE" sz="1600" dirty="0" smtClean="0"/>
+                        <a:t>) </a:t>
+                      </a:r>
+                    </a:p>
+                    <a:p>
+                      <a:pPr marL="0" marR="0" indent="0" algn="l" defTabSz="914400" rtl="0" eaLnBrk="1" fontAlgn="auto" latinLnBrk="0" hangingPunct="1">
+                        <a:lnSpc>
+                          <a:spcPct val="100000"/>
+                        </a:lnSpc>
+                        <a:spcBef>
+                          <a:spcPts val="0"/>
+                        </a:spcBef>
+                        <a:spcAft>
+                          <a:spcPts val="0"/>
+                        </a:spcAft>
+                        <a:buClrTx/>
+                        <a:buSzTx/>
+                        <a:buFont typeface="Arial" pitchFamily="34" charset="0"/>
+                        <a:buChar char="•"/>
+                        <a:tabLst/>
+                        <a:defRPr/>
+                      </a:pPr>
+                      <a:r>
+                        <a:rPr lang="de-DE" sz="1600" dirty="0" smtClean="0"/>
+                        <a:t> </a:t>
+                      </a:r>
+                      <a:r>
+                        <a:rPr lang="de-DE" sz="1600" dirty="0" err="1" smtClean="0"/>
+                        <a:t>Documen-tation</a:t>
+                      </a:r>
+                      <a:r>
+                        <a:rPr lang="de-DE" sz="1600" dirty="0" smtClean="0"/>
+                        <a:t> (</a:t>
+                      </a:r>
+                      <a:r>
+                        <a:rPr lang="de-DE" sz="1600" dirty="0" err="1" smtClean="0"/>
+                        <a:t>client</a:t>
+                      </a:r>
+                      <a:r>
+                        <a:rPr lang="de-DE" sz="1600" dirty="0" smtClean="0"/>
+                        <a:t>)</a:t>
+                      </a:r>
+                    </a:p>
+                  </a:txBody>
+                  <a:tcPr/>
+                </a:tc>
+                <a:extLst>
+                  <a:ext uri="{0D108BD9-81ED-4DB2-BD59-A6C34878D82A}">
+                    <a16:rowId xmlns:a16="http://schemas.microsoft.com/office/drawing/2014/main" val="10002"/>
+                  </a:ext>
+                </a:extLst>
+              </a:tr>
+              <a:tr h="825034">
+                <a:tc>
+                  <a:txBody>
+                    <a:bodyPr/>
+                    <a:lstStyle/>
+                    <a:p>
+                      <a:pPr algn="ctr"/>
+                      <a:r>
+                        <a:rPr lang="de-DE" sz="1600" dirty="0" smtClean="0"/>
+                        <a:t>08.16 – 24.08</a:t>
+                      </a:r>
+                      <a:endParaRPr lang="de-DE" sz="1600" dirty="0"/>
                     </a:p>
                   </a:txBody>
                   <a:tcPr/>
@@ -7152,11 +7298,177 @@
                     <a:bodyPr/>
                     <a:lstStyle/>
                     <a:p>
-                      <a:endParaRPr lang="de-DE" dirty="0"/>
+                      <a:pPr>
+                        <a:buFont typeface="Arial" pitchFamily="34" charset="0"/>
+                        <a:buChar char="•"/>
+                      </a:pPr>
+                      <a:r>
+                        <a:rPr lang="de-DE" sz="1600" dirty="0" smtClean="0"/>
+                        <a:t> Client </a:t>
+                      </a:r>
+                      <a:r>
+                        <a:rPr lang="de-DE" sz="1600" dirty="0" err="1" smtClean="0"/>
+                        <a:t>improvement</a:t>
+                      </a:r>
+                      <a:r>
+                        <a:rPr lang="de-DE" sz="1600" dirty="0" smtClean="0"/>
+                        <a:t> </a:t>
+                      </a:r>
+                      <a:r>
+                        <a:rPr lang="de-DE" sz="1600" dirty="0" err="1" smtClean="0"/>
+                        <a:t>buffer</a:t>
+                      </a:r>
+                      <a:endParaRPr lang="de-DE" sz="1600" dirty="0"/>
                     </a:p>
                   </a:txBody>
                   <a:tcPr/>
                 </a:tc>
+                <a:tc>
+                  <a:txBody>
+                    <a:bodyPr/>
+                    <a:lstStyle/>
+                    <a:p>
+                      <a:endParaRPr lang="de-DE" dirty="0"/>
+                    </a:p>
+                  </a:txBody>
+                  <a:tcPr/>
+                </a:tc>
+                <a:tc>
+                  <a:txBody>
+                    <a:bodyPr/>
+                    <a:lstStyle/>
+                    <a:p>
+                      <a:endParaRPr lang="de-DE" dirty="0"/>
+                    </a:p>
+                  </a:txBody>
+                  <a:tcPr/>
+                </a:tc>
+                <a:tc>
+                  <a:txBody>
+                    <a:bodyPr/>
+                    <a:lstStyle/>
+                    <a:p>
+                      <a:pPr marL="0" marR="0" indent="0" algn="l" defTabSz="914400" rtl="0" eaLnBrk="1" fontAlgn="auto" latinLnBrk="0" hangingPunct="1">
+                        <a:lnSpc>
+                          <a:spcPct val="100000"/>
+                        </a:lnSpc>
+                        <a:spcBef>
+                          <a:spcPts val="0"/>
+                        </a:spcBef>
+                        <a:spcAft>
+                          <a:spcPts val="0"/>
+                        </a:spcAft>
+                        <a:buClrTx/>
+                        <a:buSzTx/>
+                        <a:buFont typeface="Arial" pitchFamily="34" charset="0"/>
+                        <a:buChar char="•"/>
+                        <a:tabLst/>
+                        <a:defRPr/>
+                      </a:pPr>
+                      <a:r>
+                        <a:rPr lang="de-DE" sz="1800" dirty="0" smtClean="0"/>
+                        <a:t> </a:t>
+                      </a:r>
+                      <a:r>
+                        <a:rPr lang="de-DE" sz="1600" dirty="0" err="1" smtClean="0"/>
+                        <a:t>Buffer</a:t>
+                      </a:r>
+                      <a:r>
+                        <a:rPr lang="de-DE" sz="1600" baseline="0" dirty="0" smtClean="0"/>
+                        <a:t> </a:t>
+                      </a:r>
+                      <a:r>
+                        <a:rPr lang="de-DE" sz="1600" baseline="0" dirty="0" err="1" smtClean="0"/>
+                        <a:t>for</a:t>
+                      </a:r>
+                      <a:r>
+                        <a:rPr lang="de-DE" sz="1600" baseline="0" dirty="0" smtClean="0"/>
+                        <a:t> </a:t>
+                      </a:r>
+                      <a:r>
+                        <a:rPr lang="de-DE" sz="1600" baseline="0" dirty="0" err="1" smtClean="0"/>
+                        <a:t>any</a:t>
+                      </a:r>
+                      <a:r>
+                        <a:rPr lang="de-DE" sz="1600" baseline="0" dirty="0" smtClean="0"/>
+                        <a:t> relevant </a:t>
+                      </a:r>
+                      <a:r>
+                        <a:rPr lang="de-DE" sz="1600" baseline="0" dirty="0" err="1" smtClean="0"/>
+                        <a:t>work</a:t>
+                      </a:r>
+                      <a:endParaRPr lang="de-DE" sz="1600" dirty="0" smtClean="0"/>
+                    </a:p>
+                    <a:p>
+                      <a:endParaRPr lang="de-DE" dirty="0"/>
+                    </a:p>
+                  </a:txBody>
+                  <a:tcPr/>
+                </a:tc>
+                <a:tc>
+                  <a:txBody>
+                    <a:bodyPr/>
+                    <a:lstStyle/>
+                    <a:p>
+                      <a:pPr marL="0" marR="0" lvl="0" indent="0" algn="l" defTabSz="914400" rtl="0" eaLnBrk="1" fontAlgn="auto" latinLnBrk="0" hangingPunct="1">
+                        <a:lnSpc>
+                          <a:spcPct val="100000"/>
+                        </a:lnSpc>
+                        <a:spcBef>
+                          <a:spcPts val="0"/>
+                        </a:spcBef>
+                        <a:spcAft>
+                          <a:spcPts val="0"/>
+                        </a:spcAft>
+                        <a:buClrTx/>
+                        <a:buSzTx/>
+                        <a:buFont typeface="Arial" pitchFamily="34" charset="0"/>
+                        <a:buChar char="•"/>
+                        <a:tabLst/>
+                        <a:defRPr/>
+                      </a:pPr>
+                      <a:r>
+                        <a:rPr lang="de-DE" sz="1600" dirty="0" smtClean="0"/>
+                        <a:t> </a:t>
+                      </a:r>
+                      <a:r>
+                        <a:rPr lang="de-DE" sz="1600" dirty="0" err="1" smtClean="0"/>
+                        <a:t>Buffer</a:t>
+                      </a:r>
+                      <a:r>
+                        <a:rPr lang="de-DE" sz="1600" baseline="0" dirty="0" smtClean="0"/>
+                        <a:t> </a:t>
+                      </a:r>
+                      <a:r>
+                        <a:rPr lang="de-DE" sz="1600" baseline="0" dirty="0" err="1" smtClean="0"/>
+                        <a:t>for</a:t>
+                      </a:r>
+                      <a:r>
+                        <a:rPr lang="de-DE" sz="1600" baseline="0" dirty="0" smtClean="0"/>
+                        <a:t> </a:t>
+                      </a:r>
+                      <a:r>
+                        <a:rPr lang="de-DE" sz="1600" baseline="0" dirty="0" err="1" smtClean="0"/>
+                        <a:t>any</a:t>
+                      </a:r>
+                      <a:r>
+                        <a:rPr lang="de-DE" sz="1600" baseline="0" dirty="0" smtClean="0"/>
+                        <a:t> relevant </a:t>
+                      </a:r>
+                      <a:r>
+                        <a:rPr lang="de-DE" sz="1600" baseline="0" dirty="0" err="1" smtClean="0"/>
+                        <a:t>work</a:t>
+                      </a:r>
+                      <a:endParaRPr lang="de-DE" sz="1600" dirty="0" smtClean="0"/>
+                    </a:p>
+                  </a:txBody>
+                  <a:tcPr/>
+                </a:tc>
+                <a:extLst>
+                  <a:ext uri="{0D108BD9-81ED-4DB2-BD59-A6C34878D82A}">
+                    <a16:rowId xmlns:a16="http://schemas.microsoft.com/office/drawing/2014/main" val="10003"/>
+                  </a:ext>
+                </a:extLst>
               </a:tr>
               <a:tr h="1020548">
                 <a:tc>
@@ -7351,11 +7663,65 @@
                     <a:bodyPr/>
                     <a:lstStyle/>
                     <a:p>
-                      <a:endParaRPr lang="de-DE" dirty="0"/>
+                      <a:pPr marL="0" marR="0" indent="0" algn="l" defTabSz="914400" rtl="0" eaLnBrk="1" fontAlgn="auto" latinLnBrk="0" hangingPunct="1">
+                        <a:lnSpc>
+                          <a:spcPct val="100000"/>
+                        </a:lnSpc>
+                        <a:spcBef>
+                          <a:spcPts val="0"/>
+                        </a:spcBef>
+                        <a:spcAft>
+                          <a:spcPts val="0"/>
+                        </a:spcAft>
+                        <a:buClrTx/>
+                        <a:buSzTx/>
+                        <a:buFont typeface="Arial" pitchFamily="34" charset="0"/>
+                        <a:buChar char="•"/>
+                        <a:tabLst/>
+                        <a:defRPr/>
+                      </a:pPr>
+                      <a:r>
+                        <a:rPr lang="de-DE" sz="1600" dirty="0" smtClean="0"/>
+                        <a:t> </a:t>
+                      </a:r>
+                      <a:r>
+                        <a:rPr lang="de-DE" sz="1600" dirty="0" err="1" smtClean="0"/>
+                        <a:t>Buffer</a:t>
+                      </a:r>
+                      <a:r>
+                        <a:rPr lang="de-DE" sz="1600" baseline="0" dirty="0" smtClean="0"/>
+                        <a:t> </a:t>
+                      </a:r>
+                      <a:r>
+                        <a:rPr lang="de-DE" sz="1600" baseline="0" dirty="0" err="1" smtClean="0"/>
+                        <a:t>for</a:t>
+                      </a:r>
+                      <a:r>
+                        <a:rPr lang="de-DE" sz="1600" baseline="0" dirty="0" smtClean="0"/>
+                        <a:t> </a:t>
+                      </a:r>
+                      <a:r>
+                        <a:rPr lang="de-DE" sz="1600" baseline="0" dirty="0" err="1" smtClean="0"/>
+                        <a:t>any</a:t>
+                      </a:r>
+                      <a:r>
+                        <a:rPr lang="de-DE" sz="1600" baseline="0" dirty="0" smtClean="0"/>
+                        <a:t> relevant </a:t>
+                      </a:r>
+                      <a:r>
+                        <a:rPr lang="de-DE" sz="1600" baseline="0" dirty="0" err="1" smtClean="0"/>
+                        <a:t>work</a:t>
+                      </a:r>
+                      <a:endParaRPr lang="de-DE" sz="1600" dirty="0" smtClean="0"/>
                     </a:p>
                   </a:txBody>
                   <a:tcPr/>
                 </a:tc>
+                <a:extLst>
+                  <a:ext uri="{0D108BD9-81ED-4DB2-BD59-A6C34878D82A}">
+                    <a16:rowId xmlns:a16="http://schemas.microsoft.com/office/drawing/2014/main" val="10004"/>
+                  </a:ext>
+                </a:extLst>
               </a:tr>
             </a:tbl>
           </a:graphicData>
@@ -9471,7 +9837,13 @@
           <p:cNvGraphicFramePr>
             <a:graphicFrameLocks noGrp="1"/>
           </p:cNvGraphicFramePr>
-          <p:nvPr/>
+          <p:nvPr>
+            <p:extLst>
+              <p:ext uri="{D42A27DB-BD31-4B8C-83A1-F6EECF244321}">
+                <p14:modId xmlns:p14="http://schemas.microsoft.com/office/powerpoint/2010/main" val="1145570153"/>
+              </p:ext>
+            </p:extLst>
+          </p:nvPr>
         </p:nvGraphicFramePr>
         <p:xfrm>
           <a:off x="179512" y="1201316"/>
@@ -9484,12 +9856,48 @@
                 <a:tableStyleId>{5C22544A-7EE6-4342-B048-85BDC9FD1C3A}</a:tableStyleId>
               </a:tblPr>
               <a:tblGrid>
-                <a:gridCol w="720080"/>
-                <a:gridCol w="1584176"/>
-                <a:gridCol w="1656184"/>
-                <a:gridCol w="1656184"/>
-                <a:gridCol w="1584176"/>
-                <a:gridCol w="1584178"/>
+                <a:gridCol w="720080">
+                  <a:extLst>
+                    <a:ext uri="{9D8B030D-6E8A-4147-A177-3AD203B41FA5}">
+                      <a16:colId xmlns:a16="http://schemas.microsoft.com/office/drawing/2014/main" val="20000"/>
+                    </a:ext>
+                  </a:extLst>
+                </a:gridCol>
+                <a:gridCol w="1584176">
+                  <a:extLst>
+                    <a:ext uri="{9D8B030D-6E8A-4147-A177-3AD203B41FA5}">
+                      <a16:colId xmlns:a16="http://schemas.microsoft.com/office/drawing/2014/main" val="20001"/>
+                    </a:ext>
+                  </a:extLst>
+                </a:gridCol>
+                <a:gridCol w="1656184">
+                  <a:extLst>
+                    <a:ext uri="{9D8B030D-6E8A-4147-A177-3AD203B41FA5}">
+                      <a16:colId xmlns:a16="http://schemas.microsoft.com/office/drawing/2014/main" val="20002"/>
+                    </a:ext>
+                  </a:extLst>
+                </a:gridCol>
+                <a:gridCol w="1656184">
+                  <a:extLst>
+                    <a:ext uri="{9D8B030D-6E8A-4147-A177-3AD203B41FA5}">
+                      <a16:colId xmlns:a16="http://schemas.microsoft.com/office/drawing/2014/main" val="20003"/>
+                    </a:ext>
+                  </a:extLst>
+                </a:gridCol>
+                <a:gridCol w="1584176">
+                  <a:extLst>
+                    <a:ext uri="{9D8B030D-6E8A-4147-A177-3AD203B41FA5}">
+                      <a16:colId xmlns:a16="http://schemas.microsoft.com/office/drawing/2014/main" val="20004"/>
+                    </a:ext>
+                  </a:extLst>
+                </a:gridCol>
+                <a:gridCol w="1584178">
+                  <a:extLst>
+                    <a:ext uri="{9D8B030D-6E8A-4147-A177-3AD203B41FA5}">
+                      <a16:colId xmlns:a16="http://schemas.microsoft.com/office/drawing/2014/main" val="20005"/>
+                    </a:ext>
+                  </a:extLst>
+                </a:gridCol>
               </a:tblGrid>
               <a:tr h="504057">
                 <a:tc>
@@ -9585,6 +9993,11 @@
                   </a:txBody>
                   <a:tcPr/>
                 </a:tc>
+                <a:extLst>
+                  <a:ext uri="{0D108BD9-81ED-4DB2-BD59-A6C34878D82A}">
+                    <a16:rowId xmlns:a16="http://schemas.microsoft.com/office/drawing/2014/main" val="10000"/>
+                  </a:ext>
+                </a:extLst>
               </a:tr>
               <a:tr h="1019108">
                 <a:tc>
@@ -9914,17 +10327,30 @@
                         <a:defRPr/>
                       </a:pPr>
                       <a:r>
-                        <a:rPr lang="de-DE" sz="1600" dirty="0" smtClean="0"/>
-                        <a:t> </a:t>
-                      </a:r>
-                      <a:r>
-                        <a:rPr lang="en-US" sz="1600" dirty="0" smtClean="0"/>
+                        <a:rPr lang="de-DE" sz="1600" dirty="0" smtClean="0">
+                          <a:solidFill>
+                            <a:srgbClr val="008000"/>
+                          </a:solidFill>
+                        </a:rPr>
+                        <a:t> </a:t>
+                      </a:r>
+                      <a:r>
+                        <a:rPr lang="en-US" sz="1600" dirty="0" smtClean="0">
+                          <a:solidFill>
+                            <a:srgbClr val="008000"/>
+                          </a:solidFill>
+                        </a:rPr>
                         <a:t>Working into the project and Unity Engine</a:t>
                       </a:r>
                     </a:p>
                   </a:txBody>
                   <a:tcPr/>
                 </a:tc>
+                <a:extLst>
+                  <a:ext uri="{0D108BD9-81ED-4DB2-BD59-A6C34878D82A}">
+                    <a16:rowId xmlns:a16="http://schemas.microsoft.com/office/drawing/2014/main" val="10001"/>
+                  </a:ext>
+                </a:extLst>
               </a:tr>
               <a:tr h="1032428">
                 <a:tc>
@@ -10367,50 +10793,99 @@
                         <a:defRPr/>
                       </a:pPr>
                       <a:r>
-                        <a:rPr lang="de-DE" sz="1600" dirty="0" smtClean="0"/>
+                        <a:rPr lang="de-DE" sz="1600" dirty="0" smtClean="0">
+                          <a:solidFill>
+                            <a:srgbClr val="C00000"/>
+                          </a:solidFill>
+                        </a:rPr>
                         <a:t> Working </a:t>
                       </a:r>
                       <a:r>
-                        <a:rPr lang="de-DE" sz="1600" dirty="0" err="1" smtClean="0"/>
+                        <a:rPr lang="de-DE" sz="1600" dirty="0" err="1" smtClean="0">
+                          <a:solidFill>
+                            <a:srgbClr val="C00000"/>
+                          </a:solidFill>
+                        </a:rPr>
                         <a:t>into</a:t>
                       </a:r>
                       <a:r>
-                        <a:rPr lang="de-DE" sz="1600" dirty="0" smtClean="0"/>
-                        <a:t> </a:t>
-                      </a:r>
-                      <a:r>
-                        <a:rPr lang="de-DE" sz="1600" dirty="0" err="1" smtClean="0"/>
+                        <a:rPr lang="de-DE" sz="1600" dirty="0" smtClean="0">
+                          <a:solidFill>
+                            <a:srgbClr val="C00000"/>
+                          </a:solidFill>
+                        </a:rPr>
+                        <a:t> </a:t>
+                      </a:r>
+                      <a:r>
+                        <a:rPr lang="de-DE" sz="1600" dirty="0" err="1" smtClean="0">
+                          <a:solidFill>
+                            <a:srgbClr val="C00000"/>
+                          </a:solidFill>
+                        </a:rPr>
                         <a:t>Oculus</a:t>
                       </a:r>
                       <a:r>
-                        <a:rPr lang="de-DE" sz="1600" baseline="0" dirty="0" smtClean="0"/>
-                        <a:t> </a:t>
-                      </a:r>
-                      <a:r>
-                        <a:rPr lang="de-DE" sz="1600" baseline="0" dirty="0" err="1" smtClean="0"/>
+                        <a:rPr lang="de-DE" sz="1600" baseline="0" dirty="0" smtClean="0">
+                          <a:solidFill>
+                            <a:srgbClr val="C00000"/>
+                          </a:solidFill>
+                        </a:rPr>
+                        <a:t> </a:t>
+                      </a:r>
+                      <a:r>
+                        <a:rPr lang="de-DE" sz="1600" baseline="0" dirty="0" err="1" smtClean="0">
+                          <a:solidFill>
+                            <a:srgbClr val="C00000"/>
+                          </a:solidFill>
+                        </a:rPr>
                         <a:t>and</a:t>
                       </a:r>
                       <a:r>
-                        <a:rPr lang="de-DE" sz="1600" dirty="0" smtClean="0"/>
-                        <a:t> </a:t>
-                      </a:r>
-                      <a:r>
-                        <a:rPr lang="de-DE" sz="1600" dirty="0" err="1" smtClean="0"/>
+                        <a:rPr lang="de-DE" sz="1600" dirty="0" smtClean="0">
+                          <a:solidFill>
+                            <a:srgbClr val="C00000"/>
+                          </a:solidFill>
+                        </a:rPr>
+                        <a:t> </a:t>
+                      </a:r>
+                      <a:r>
+                        <a:rPr lang="de-DE" sz="1600" dirty="0" err="1" smtClean="0">
+                          <a:solidFill>
+                            <a:srgbClr val="C00000"/>
+                          </a:solidFill>
+                        </a:rPr>
                         <a:t>possible</a:t>
                       </a:r>
                       <a:r>
-                        <a:rPr lang="de-DE" sz="1600" dirty="0" smtClean="0"/>
-                        <a:t> </a:t>
-                      </a:r>
-                      <a:r>
-                        <a:rPr lang="de-DE" sz="1600" dirty="0" err="1" smtClean="0"/>
+                        <a:rPr lang="de-DE" sz="1600" dirty="0" smtClean="0">
+                          <a:solidFill>
+                            <a:srgbClr val="C00000"/>
+                          </a:solidFill>
+                        </a:rPr>
+                        <a:t> </a:t>
+                      </a:r>
+                      <a:r>
+                        <a:rPr lang="de-DE" sz="1600" dirty="0" err="1" smtClean="0">
+                          <a:solidFill>
+                            <a:srgbClr val="C00000"/>
+                          </a:solidFill>
+                        </a:rPr>
                         <a:t>improvements</a:t>
                       </a:r>
-                      <a:endParaRPr lang="de-DE" sz="1600" dirty="0" smtClean="0"/>
+                      <a:endParaRPr lang="de-DE" sz="1600" dirty="0" smtClean="0">
+                        <a:solidFill>
+                          <a:srgbClr val="C00000"/>
+                        </a:solidFill>
+                      </a:endParaRPr>
                     </a:p>
                   </a:txBody>
                   <a:tcPr/>
                 </a:tc>
+                <a:extLst>
+                  <a:ext uri="{0D108BD9-81ED-4DB2-BD59-A6C34878D82A}">
+                    <a16:rowId xmlns:a16="http://schemas.microsoft.com/office/drawing/2014/main" val="10002"/>
+                  </a:ext>
+                </a:extLst>
               </a:tr>
               <a:tr h="1096850">
                 <a:tc>
@@ -10732,26 +11207,51 @@
                         <a:t> </a:t>
                       </a:r>
                       <a:r>
-                        <a:rPr lang="de-DE" sz="1600" dirty="0" err="1" smtClean="0"/>
+                        <a:rPr lang="de-DE" sz="1600" dirty="0" err="1" smtClean="0">
+                          <a:solidFill>
+                            <a:srgbClr val="C00000"/>
+                          </a:solidFill>
+                        </a:rPr>
                         <a:t>Oculus</a:t>
                       </a:r>
                       <a:r>
-                        <a:rPr lang="de-DE" sz="1600" baseline="0" dirty="0" smtClean="0"/>
-                        <a:t> </a:t>
-                      </a:r>
-                      <a:r>
-                        <a:rPr lang="de-DE" sz="1600" baseline="0" dirty="0" err="1" smtClean="0"/>
+                        <a:rPr lang="de-DE" sz="1600" baseline="0" dirty="0" smtClean="0">
+                          <a:solidFill>
+                            <a:srgbClr val="C00000"/>
+                          </a:solidFill>
+                        </a:rPr>
+                        <a:t> </a:t>
+                      </a:r>
+                      <a:r>
+                        <a:rPr lang="de-DE" sz="1600" baseline="0" dirty="0" err="1" smtClean="0">
+                          <a:solidFill>
+                            <a:srgbClr val="C00000"/>
+                          </a:solidFill>
+                        </a:rPr>
                         <a:t>improvements</a:t>
                       </a:r>
                       <a:r>
-                        <a:rPr lang="de-DE" sz="1600" baseline="0" dirty="0" smtClean="0"/>
+                        <a:rPr lang="de-DE" sz="1600" baseline="0" dirty="0" smtClean="0">
+                          <a:solidFill>
+                            <a:srgbClr val="C00000"/>
+                          </a:solidFill>
+                        </a:rPr>
                         <a:t> (Menu, …)</a:t>
                       </a:r>
-                      <a:endParaRPr lang="de-DE" sz="1600" dirty="0" smtClean="0"/>
+                      <a:endParaRPr lang="de-DE" sz="1600" dirty="0" smtClean="0">
+                        <a:solidFill>
+                          <a:srgbClr val="C00000"/>
+                        </a:solidFill>
+                      </a:endParaRPr>
                     </a:p>
                   </a:txBody>
                   <a:tcPr/>
                 </a:tc>
+                <a:extLst>
+                  <a:ext uri="{0D108BD9-81ED-4DB2-BD59-A6C34878D82A}">
+                    <a16:rowId xmlns:a16="http://schemas.microsoft.com/office/drawing/2014/main" val="10003"/>
+                  </a:ext>
+                </a:extLst>
               </a:tr>
             </a:tbl>
           </a:graphicData>
@@ -10921,7 +11421,13 @@
           <p:cNvGraphicFramePr>
             <a:graphicFrameLocks noGrp="1"/>
           </p:cNvGraphicFramePr>
-          <p:nvPr/>
+          <p:nvPr>
+            <p:extLst>
+              <p:ext uri="{D42A27DB-BD31-4B8C-83A1-F6EECF244321}">
+                <p14:modId xmlns:p14="http://schemas.microsoft.com/office/powerpoint/2010/main" val="1811335383"/>
+              </p:ext>
+            </p:extLst>
+          </p:nvPr>
         </p:nvGraphicFramePr>
         <p:xfrm>
           <a:off x="179512" y="1201316"/>
@@ -10934,12 +11440,48 @@
                 <a:tableStyleId>{5C22544A-7EE6-4342-B048-85BDC9FD1C3A}</a:tableStyleId>
               </a:tblPr>
               <a:tblGrid>
-                <a:gridCol w="720080"/>
-                <a:gridCol w="1584176"/>
-                <a:gridCol w="1656184"/>
-                <a:gridCol w="1656184"/>
-                <a:gridCol w="1584176"/>
-                <a:gridCol w="1584178"/>
+                <a:gridCol w="720080">
+                  <a:extLst>
+                    <a:ext uri="{9D8B030D-6E8A-4147-A177-3AD203B41FA5}">
+                      <a16:colId xmlns:a16="http://schemas.microsoft.com/office/drawing/2014/main" val="20000"/>
+                    </a:ext>
+                  </a:extLst>
+                </a:gridCol>
+                <a:gridCol w="1584176">
+                  <a:extLst>
+                    <a:ext uri="{9D8B030D-6E8A-4147-A177-3AD203B41FA5}">
+                      <a16:colId xmlns:a16="http://schemas.microsoft.com/office/drawing/2014/main" val="20001"/>
+                    </a:ext>
+                  </a:extLst>
+                </a:gridCol>
+                <a:gridCol w="1656184">
+                  <a:extLst>
+                    <a:ext uri="{9D8B030D-6E8A-4147-A177-3AD203B41FA5}">
+                      <a16:colId xmlns:a16="http://schemas.microsoft.com/office/drawing/2014/main" val="20002"/>
+                    </a:ext>
+                  </a:extLst>
+                </a:gridCol>
+                <a:gridCol w="1656184">
+                  <a:extLst>
+                    <a:ext uri="{9D8B030D-6E8A-4147-A177-3AD203B41FA5}">
+                      <a16:colId xmlns:a16="http://schemas.microsoft.com/office/drawing/2014/main" val="20003"/>
+                    </a:ext>
+                  </a:extLst>
+                </a:gridCol>
+                <a:gridCol w="1584176">
+                  <a:extLst>
+                    <a:ext uri="{9D8B030D-6E8A-4147-A177-3AD203B41FA5}">
+                      <a16:colId xmlns:a16="http://schemas.microsoft.com/office/drawing/2014/main" val="20004"/>
+                    </a:ext>
+                  </a:extLst>
+                </a:gridCol>
+                <a:gridCol w="1584178">
+                  <a:extLst>
+                    <a:ext uri="{9D8B030D-6E8A-4147-A177-3AD203B41FA5}">
+                      <a16:colId xmlns:a16="http://schemas.microsoft.com/office/drawing/2014/main" val="20005"/>
+                    </a:ext>
+                  </a:extLst>
+                </a:gridCol>
               </a:tblGrid>
               <a:tr h="504057">
                 <a:tc>
@@ -11035,6 +11577,11 @@
                   </a:txBody>
                   <a:tcPr/>
                 </a:tc>
+                <a:extLst>
+                  <a:ext uri="{0D108BD9-81ED-4DB2-BD59-A6C34878D82A}">
+                    <a16:rowId xmlns:a16="http://schemas.microsoft.com/office/drawing/2014/main" val="10000"/>
+                  </a:ext>
+                </a:extLst>
               </a:tr>
               <a:tr h="1019108">
                 <a:tc>
@@ -11299,11 +11846,120 @@
                     <a:bodyPr/>
                     <a:lstStyle/>
                     <a:p>
-                      <a:endParaRPr lang="de-DE" dirty="0"/>
+                      <a:pPr lvl="0">
+                        <a:buFont typeface="Arial" pitchFamily="34" charset="0"/>
+                        <a:buChar char="•"/>
+                      </a:pPr>
+                      <a:r>
+                        <a:rPr lang="de-DE" sz="1600" dirty="0" smtClean="0">
+                          <a:solidFill>
+                            <a:schemeClr val="tx1"/>
+                          </a:solidFill>
+                        </a:rPr>
+                        <a:t> Working</a:t>
+                      </a:r>
+                      <a:r>
+                        <a:rPr lang="de-DE" sz="1600" baseline="0" dirty="0" smtClean="0">
+                          <a:solidFill>
+                            <a:schemeClr val="tx1"/>
+                          </a:solidFill>
+                        </a:rPr>
+                        <a:t> </a:t>
+                      </a:r>
+                      <a:r>
+                        <a:rPr lang="de-DE" sz="1600" baseline="0" dirty="0" err="1" smtClean="0">
+                          <a:solidFill>
+                            <a:schemeClr val="tx1"/>
+                          </a:solidFill>
+                        </a:rPr>
+                        <a:t>into</a:t>
+                      </a:r>
+                      <a:r>
+                        <a:rPr lang="de-DE" sz="1600" baseline="0" dirty="0" smtClean="0">
+                          <a:solidFill>
+                            <a:schemeClr val="tx1"/>
+                          </a:solidFill>
+                        </a:rPr>
+                        <a:t> </a:t>
+                      </a:r>
+                      <a:r>
+                        <a:rPr lang="de-DE" sz="1600" baseline="0" dirty="0" err="1" smtClean="0">
+                          <a:solidFill>
+                            <a:schemeClr val="tx1"/>
+                          </a:solidFill>
+                        </a:rPr>
+                        <a:t>the</a:t>
+                      </a:r>
+                      <a:r>
+                        <a:rPr lang="de-DE" sz="1600" baseline="0" dirty="0" smtClean="0">
+                          <a:solidFill>
+                            <a:schemeClr val="tx1"/>
+                          </a:solidFill>
+                        </a:rPr>
+                        <a:t> </a:t>
+                      </a:r>
+                      <a:r>
+                        <a:rPr lang="de-DE" sz="1600" baseline="0" dirty="0" err="1" smtClean="0">
+                          <a:solidFill>
+                            <a:schemeClr val="tx1"/>
+                          </a:solidFill>
+                        </a:rPr>
+                        <a:t>project</a:t>
+                      </a:r>
+                      <a:r>
+                        <a:rPr lang="de-DE" sz="1600" baseline="0" dirty="0" smtClean="0">
+                          <a:solidFill>
+                            <a:schemeClr val="tx1"/>
+                          </a:solidFill>
+                        </a:rPr>
+                        <a:t> </a:t>
+                      </a:r>
+                      <a:r>
+                        <a:rPr lang="de-DE" sz="1600" baseline="0" dirty="0" err="1" smtClean="0">
+                          <a:solidFill>
+                            <a:schemeClr val="tx1"/>
+                          </a:solidFill>
+                        </a:rPr>
+                        <a:t>and</a:t>
+                      </a:r>
+                      <a:r>
+                        <a:rPr lang="de-DE" sz="1600" baseline="0" dirty="0" smtClean="0">
+                          <a:solidFill>
+                            <a:schemeClr val="tx1"/>
+                          </a:solidFill>
+                        </a:rPr>
+                        <a:t> </a:t>
+                      </a:r>
+                      <a:r>
+                        <a:rPr lang="de-DE" sz="1600" baseline="0" dirty="0" err="1" smtClean="0">
+                          <a:solidFill>
+                            <a:schemeClr val="tx1"/>
+                          </a:solidFill>
+                        </a:rPr>
+                        <a:t>Unity</a:t>
+                      </a:r>
+                      <a:r>
+                        <a:rPr lang="de-DE" sz="1600" baseline="0" dirty="0" smtClean="0">
+                          <a:solidFill>
+                            <a:schemeClr val="tx1"/>
+                          </a:solidFill>
+                        </a:rPr>
+                        <a:t> Engine</a:t>
+                      </a:r>
+                      <a:endParaRPr lang="de-DE" sz="1600" dirty="0" smtClean="0">
+                        <a:solidFill>
+                          <a:schemeClr val="tx1"/>
+                        </a:solidFill>
+                      </a:endParaRPr>
                     </a:p>
                   </a:txBody>
                   <a:tcPr/>
                 </a:tc>
+                <a:extLst>
+                  <a:ext uri="{0D108BD9-81ED-4DB2-BD59-A6C34878D82A}">
+                    <a16:rowId xmlns:a16="http://schemas.microsoft.com/office/drawing/2014/main" val="10001"/>
+                  </a:ext>
+                </a:extLst>
               </a:tr>
               <a:tr h="1032428">
                 <a:tc>
@@ -11660,11 +12316,137 @@
                     <a:bodyPr/>
                     <a:lstStyle/>
                     <a:p>
-                      <a:endParaRPr lang="de-DE"/>
+                      <a:pPr lvl="0">
+                        <a:buFont typeface="Arial" pitchFamily="34" charset="0"/>
+                        <a:buChar char="•"/>
+                      </a:pPr>
+                      <a:r>
+                        <a:rPr lang="de-DE" sz="1600" dirty="0" smtClean="0">
+                          <a:solidFill>
+                            <a:schemeClr val="tx1"/>
+                          </a:solidFill>
+                        </a:rPr>
+                        <a:t> Working</a:t>
+                      </a:r>
+                      <a:r>
+                        <a:rPr lang="de-DE" sz="1600" baseline="0" dirty="0" smtClean="0">
+                          <a:solidFill>
+                            <a:schemeClr val="tx1"/>
+                          </a:solidFill>
+                        </a:rPr>
+                        <a:t> </a:t>
+                      </a:r>
+                      <a:r>
+                        <a:rPr lang="de-DE" sz="1600" baseline="0" dirty="0" err="1" smtClean="0">
+                          <a:solidFill>
+                            <a:schemeClr val="tx1"/>
+                          </a:solidFill>
+                        </a:rPr>
+                        <a:t>into</a:t>
+                      </a:r>
+                      <a:r>
+                        <a:rPr lang="de-DE" sz="1600" baseline="0" dirty="0" smtClean="0">
+                          <a:solidFill>
+                            <a:schemeClr val="tx1"/>
+                          </a:solidFill>
+                        </a:rPr>
+                        <a:t> </a:t>
+                      </a:r>
+                      <a:r>
+                        <a:rPr lang="de-DE" sz="1600" baseline="0" dirty="0" err="1" smtClean="0">
+                          <a:solidFill>
+                            <a:schemeClr val="tx1"/>
+                          </a:solidFill>
+                        </a:rPr>
+                        <a:t>the</a:t>
+                      </a:r>
+                      <a:r>
+                        <a:rPr lang="de-DE" sz="1600" baseline="0" dirty="0" smtClean="0">
+                          <a:solidFill>
+                            <a:schemeClr val="tx1"/>
+                          </a:solidFill>
+                        </a:rPr>
+                        <a:t> </a:t>
+                      </a:r>
+                      <a:r>
+                        <a:rPr lang="de-DE" sz="1600" baseline="0" dirty="0" err="1" smtClean="0">
+                          <a:solidFill>
+                            <a:schemeClr val="tx1"/>
+                          </a:solidFill>
+                        </a:rPr>
+                        <a:t>project</a:t>
+                      </a:r>
+                      <a:r>
+                        <a:rPr lang="de-DE" sz="1600" baseline="0" dirty="0" smtClean="0">
+                          <a:solidFill>
+                            <a:schemeClr val="tx1"/>
+                          </a:solidFill>
+                        </a:rPr>
+                        <a:t> </a:t>
+                      </a:r>
+                      <a:r>
+                        <a:rPr lang="de-DE" sz="1600" baseline="0" dirty="0" err="1" smtClean="0">
+                          <a:solidFill>
+                            <a:schemeClr val="tx1"/>
+                          </a:solidFill>
+                        </a:rPr>
+                        <a:t>and</a:t>
+                      </a:r>
+                      <a:r>
+                        <a:rPr lang="de-DE" sz="1600" baseline="0" dirty="0" smtClean="0">
+                          <a:solidFill>
+                            <a:schemeClr val="tx1"/>
+                          </a:solidFill>
+                        </a:rPr>
+                        <a:t> </a:t>
+                      </a:r>
+                      <a:r>
+                        <a:rPr lang="de-DE" sz="1600" baseline="0" dirty="0" err="1" smtClean="0">
+                          <a:solidFill>
+                            <a:schemeClr val="tx1"/>
+                          </a:solidFill>
+                        </a:rPr>
+                        <a:t>Unity</a:t>
+                      </a:r>
+                      <a:r>
+                        <a:rPr lang="de-DE" sz="1600" baseline="0" dirty="0" smtClean="0">
+                          <a:solidFill>
+                            <a:schemeClr val="tx1"/>
+                          </a:solidFill>
+                        </a:rPr>
+                        <a:t> Engine</a:t>
+                      </a:r>
+                      <a:endParaRPr lang="de-DE" sz="1600" dirty="0" smtClean="0">
+                        <a:solidFill>
+                          <a:schemeClr val="tx1"/>
+                        </a:solidFill>
+                      </a:endParaRPr>
+                    </a:p>
+                    <a:p>
+                      <a:pPr lvl="0">
+                        <a:buFont typeface="Arial" pitchFamily="34" charset="0"/>
+                        <a:buChar char="•"/>
+                      </a:pPr>
+                      <a:r>
+                        <a:rPr lang="de-DE" sz="1600" dirty="0" smtClean="0">
+                          <a:solidFill>
+                            <a:schemeClr val="tx1"/>
+                          </a:solidFill>
+                        </a:rPr>
+                        <a:t> Kinect V1/V2</a:t>
+                      </a:r>
+                    </a:p>
+                    <a:p>
+                      <a:endParaRPr lang="de-DE" dirty="0"/>
                     </a:p>
                   </a:txBody>
                   <a:tcPr/>
                 </a:tc>
+                <a:extLst>
+                  <a:ext uri="{0D108BD9-81ED-4DB2-BD59-A6C34878D82A}">
+                    <a16:rowId xmlns:a16="http://schemas.microsoft.com/office/drawing/2014/main" val="10002"/>
+                  </a:ext>
+                </a:extLst>
               </a:tr>
               <a:tr h="1096850">
                 <a:tc>
@@ -11945,11 +12727,102 @@
                     <a:bodyPr/>
                     <a:lstStyle/>
                     <a:p>
+                      <a:pPr lvl="0">
+                        <a:buFont typeface="Arial" pitchFamily="34" charset="0"/>
+                        <a:buChar char="•"/>
+                      </a:pPr>
+                      <a:r>
+                        <a:rPr lang="de-DE" sz="1600" dirty="0" smtClean="0">
+                          <a:solidFill>
+                            <a:schemeClr val="tx1"/>
+                          </a:solidFill>
+                        </a:rPr>
+                        <a:t> Kinect V1/2</a:t>
+                      </a:r>
+                    </a:p>
+                    <a:p>
+                      <a:pPr marL="0" marR="0" lvl="0" indent="0" algn="l" defTabSz="914400" rtl="0" eaLnBrk="1" fontAlgn="auto" latinLnBrk="0" hangingPunct="1">
+                        <a:lnSpc>
+                          <a:spcPct val="100000"/>
+                        </a:lnSpc>
+                        <a:spcBef>
+                          <a:spcPts val="0"/>
+                        </a:spcBef>
+                        <a:spcAft>
+                          <a:spcPts val="0"/>
+                        </a:spcAft>
+                        <a:buClrTx/>
+                        <a:buSzTx/>
+                        <a:buFont typeface="Arial" pitchFamily="34" charset="0"/>
+                        <a:buChar char="•"/>
+                        <a:tabLst/>
+                        <a:defRPr/>
+                      </a:pPr>
+                      <a:r>
+                        <a:rPr lang="de-DE" sz="1600" baseline="0" dirty="0" smtClean="0">
+                          <a:solidFill>
+                            <a:srgbClr val="C00000"/>
+                          </a:solidFill>
+                        </a:rPr>
+                        <a:t> </a:t>
+                      </a:r>
+                      <a:r>
+                        <a:rPr lang="de-DE" sz="1600" baseline="0" dirty="0" err="1" smtClean="0">
+                          <a:solidFill>
+                            <a:srgbClr val="C00000"/>
+                          </a:solidFill>
+                        </a:rPr>
+                        <a:t>Gameplay</a:t>
+                      </a:r>
+                      <a:r>
+                        <a:rPr lang="de-DE" sz="1600" baseline="0" dirty="0" smtClean="0">
+                          <a:solidFill>
+                            <a:srgbClr val="C00000"/>
+                          </a:solidFill>
+                        </a:rPr>
+                        <a:t>, </a:t>
+                      </a:r>
+                      <a:r>
+                        <a:rPr lang="de-DE" sz="1600" baseline="0" dirty="0" err="1" smtClean="0">
+                          <a:solidFill>
+                            <a:srgbClr val="C00000"/>
+                          </a:solidFill>
+                        </a:rPr>
+                        <a:t>Parachute</a:t>
+                      </a:r>
+                      <a:r>
+                        <a:rPr lang="de-DE" sz="1600" baseline="0" dirty="0" smtClean="0">
+                          <a:solidFill>
+                            <a:srgbClr val="C00000"/>
+                          </a:solidFill>
+                        </a:rPr>
+                        <a:t> </a:t>
+                      </a:r>
+                      <a:r>
+                        <a:rPr lang="de-DE" sz="1600" baseline="0" dirty="0" err="1" smtClean="0">
+                          <a:solidFill>
+                            <a:srgbClr val="C00000"/>
+                          </a:solidFill>
+                        </a:rPr>
+                        <a:t>landing</a:t>
+                      </a:r>
+                      <a:endParaRPr lang="de-DE" sz="1600" baseline="0" dirty="0" smtClean="0">
+                        <a:solidFill>
+                          <a:srgbClr val="C00000"/>
+                        </a:solidFill>
+                      </a:endParaRPr>
+                    </a:p>
+                    <a:p>
                       <a:endParaRPr lang="de-DE" dirty="0"/>
                     </a:p>
                   </a:txBody>
                   <a:tcPr/>
                 </a:tc>
+                <a:extLst>
+                  <a:ext uri="{0D108BD9-81ED-4DB2-BD59-A6C34878D82A}">
+                    <a16:rowId xmlns:a16="http://schemas.microsoft.com/office/drawing/2014/main" val="10003"/>
+                  </a:ext>
+                </a:extLst>
               </a:tr>
             </a:tbl>
           </a:graphicData>
@@ -12119,7 +12992,13 @@
           <p:cNvGraphicFramePr>
             <a:graphicFrameLocks noGrp="1"/>
           </p:cNvGraphicFramePr>
-          <p:nvPr/>
+          <p:nvPr>
+            <p:extLst>
+              <p:ext uri="{D42A27DB-BD31-4B8C-83A1-F6EECF244321}">
+                <p14:modId xmlns:p14="http://schemas.microsoft.com/office/powerpoint/2010/main" val="1790485558"/>
+              </p:ext>
+            </p:extLst>
+          </p:nvPr>
         </p:nvGraphicFramePr>
         <p:xfrm>
           <a:off x="179512" y="1201317"/>
@@ -12132,12 +13011,48 @@
                 <a:tableStyleId>{5C22544A-7EE6-4342-B048-85BDC9FD1C3A}</a:tableStyleId>
               </a:tblPr>
               <a:tblGrid>
-                <a:gridCol w="720080"/>
-                <a:gridCol w="1584176"/>
-                <a:gridCol w="1656184"/>
-                <a:gridCol w="1656184"/>
-                <a:gridCol w="1584176"/>
-                <a:gridCol w="1584178"/>
+                <a:gridCol w="720080">
+                  <a:extLst>
+                    <a:ext uri="{9D8B030D-6E8A-4147-A177-3AD203B41FA5}">
+                      <a16:colId xmlns:a16="http://schemas.microsoft.com/office/drawing/2014/main" val="20000"/>
+                    </a:ext>
+                  </a:extLst>
+                </a:gridCol>
+                <a:gridCol w="1584176">
+                  <a:extLst>
+                    <a:ext uri="{9D8B030D-6E8A-4147-A177-3AD203B41FA5}">
+                      <a16:colId xmlns:a16="http://schemas.microsoft.com/office/drawing/2014/main" val="20001"/>
+                    </a:ext>
+                  </a:extLst>
+                </a:gridCol>
+                <a:gridCol w="1656184">
+                  <a:extLst>
+                    <a:ext uri="{9D8B030D-6E8A-4147-A177-3AD203B41FA5}">
+                      <a16:colId xmlns:a16="http://schemas.microsoft.com/office/drawing/2014/main" val="20002"/>
+                    </a:ext>
+                  </a:extLst>
+                </a:gridCol>
+                <a:gridCol w="1656184">
+                  <a:extLst>
+                    <a:ext uri="{9D8B030D-6E8A-4147-A177-3AD203B41FA5}">
+                      <a16:colId xmlns:a16="http://schemas.microsoft.com/office/drawing/2014/main" val="20003"/>
+                    </a:ext>
+                  </a:extLst>
+                </a:gridCol>
+                <a:gridCol w="1584176">
+                  <a:extLst>
+                    <a:ext uri="{9D8B030D-6E8A-4147-A177-3AD203B41FA5}">
+                      <a16:colId xmlns:a16="http://schemas.microsoft.com/office/drawing/2014/main" val="20004"/>
+                    </a:ext>
+                  </a:extLst>
+                </a:gridCol>
+                <a:gridCol w="1584178">
+                  <a:extLst>
+                    <a:ext uri="{9D8B030D-6E8A-4147-A177-3AD203B41FA5}">
+                      <a16:colId xmlns:a16="http://schemas.microsoft.com/office/drawing/2014/main" val="20005"/>
+                    </a:ext>
+                  </a:extLst>
+                </a:gridCol>
               </a:tblGrid>
               <a:tr h="572552">
                 <a:tc>
@@ -12234,6 +13149,11 @@
                   </a:txBody>
                   <a:tcPr/>
                 </a:tc>
+                <a:extLst>
+                  <a:ext uri="{0D108BD9-81ED-4DB2-BD59-A6C34878D82A}">
+                    <a16:rowId xmlns:a16="http://schemas.microsoft.com/office/drawing/2014/main" val="10000"/>
+                  </a:ext>
+                </a:extLst>
               </a:tr>
               <a:tr h="1295775">
                 <a:tc>
@@ -12693,14 +13613,26 @@
                         <a:defRPr/>
                       </a:pPr>
                       <a:r>
-                        <a:rPr lang="de-DE" sz="1600" baseline="0" dirty="0" smtClean="0"/>
+                        <a:rPr lang="de-DE" sz="1600" baseline="0" dirty="0" smtClean="0">
+                          <a:solidFill>
+                            <a:srgbClr val="C00000"/>
+                          </a:solidFill>
+                        </a:rPr>
                         <a:t> Server-</a:t>
                       </a:r>
                       <a:r>
-                        <a:rPr lang="de-DE" sz="1600" baseline="0" dirty="0" err="1" smtClean="0"/>
+                        <a:rPr lang="de-DE" sz="1600" baseline="0" dirty="0" err="1" smtClean="0">
+                          <a:solidFill>
+                            <a:srgbClr val="C00000"/>
+                          </a:solidFill>
+                        </a:rPr>
                         <a:t>menue</a:t>
                       </a:r>
-                      <a:endParaRPr lang="de-DE" sz="1600" baseline="0" dirty="0" smtClean="0"/>
+                      <a:endParaRPr lang="de-DE" sz="1600" baseline="0" dirty="0" smtClean="0">
+                        <a:solidFill>
+                          <a:srgbClr val="C00000"/>
+                        </a:solidFill>
+                      </a:endParaRPr>
                     </a:p>
                     <a:p>
                       <a:pPr marL="0" marR="0" lvl="0" indent="0" algn="l" defTabSz="914400" rtl="0" eaLnBrk="1" fontAlgn="auto" latinLnBrk="0" hangingPunct="1">
@@ -12721,38 +13653,74 @@
                         <a:defRPr/>
                       </a:pPr>
                       <a:r>
-                        <a:rPr lang="de-DE" sz="1600" baseline="0" dirty="0" smtClean="0"/>
-                        <a:t> </a:t>
-                      </a:r>
-                      <a:r>
-                        <a:rPr lang="de-DE" sz="1600" baseline="0" dirty="0" err="1" smtClean="0"/>
+                        <a:rPr lang="de-DE" sz="1600" baseline="0" dirty="0" smtClean="0">
+                          <a:solidFill>
+                            <a:srgbClr val="C00000"/>
+                          </a:solidFill>
+                        </a:rPr>
+                        <a:t> </a:t>
+                      </a:r>
+                      <a:r>
+                        <a:rPr lang="de-DE" sz="1600" baseline="0" dirty="0" err="1" smtClean="0">
+                          <a:solidFill>
+                            <a:srgbClr val="C00000"/>
+                          </a:solidFill>
+                        </a:rPr>
                         <a:t>Oculus</a:t>
                       </a:r>
                       <a:r>
-                        <a:rPr lang="de-DE" sz="1600" baseline="0" dirty="0" smtClean="0"/>
-                        <a:t> </a:t>
-                      </a:r>
-                      <a:r>
-                        <a:rPr lang="de-DE" sz="1600" baseline="0" dirty="0" err="1" smtClean="0"/>
+                        <a:rPr lang="de-DE" sz="1600" baseline="0" dirty="0" smtClean="0">
+                          <a:solidFill>
+                            <a:srgbClr val="C00000"/>
+                          </a:solidFill>
+                        </a:rPr>
+                        <a:t> </a:t>
+                      </a:r>
+                      <a:r>
+                        <a:rPr lang="de-DE" sz="1600" baseline="0" dirty="0" err="1" smtClean="0">
+                          <a:solidFill>
+                            <a:srgbClr val="C00000"/>
+                          </a:solidFill>
+                        </a:rPr>
                         <a:t>Shader-menue</a:t>
                       </a:r>
                       <a:r>
-                        <a:rPr lang="de-DE" sz="1600" baseline="0" dirty="0" smtClean="0"/>
-                        <a:t> </a:t>
-                      </a:r>
-                      <a:r>
-                        <a:rPr lang="de-DE" sz="1600" baseline="0" dirty="0" err="1" smtClean="0"/>
+                        <a:rPr lang="de-DE" sz="1600" baseline="0" dirty="0" smtClean="0">
+                          <a:solidFill>
+                            <a:srgbClr val="C00000"/>
+                          </a:solidFill>
+                        </a:rPr>
+                        <a:t> </a:t>
+                      </a:r>
+                      <a:r>
+                        <a:rPr lang="de-DE" sz="1600" baseline="0" dirty="0" err="1" smtClean="0">
+                          <a:solidFill>
+                            <a:srgbClr val="C00000"/>
+                          </a:solidFill>
+                        </a:rPr>
                         <a:t>and</a:t>
                       </a:r>
                       <a:r>
-                        <a:rPr lang="de-DE" sz="1600" baseline="0" dirty="0" smtClean="0"/>
-                        <a:t> </a:t>
-                      </a:r>
-                      <a:r>
-                        <a:rPr lang="de-DE" sz="1600" baseline="0" dirty="0" err="1" smtClean="0"/>
+                        <a:rPr lang="de-DE" sz="1600" baseline="0" dirty="0" smtClean="0">
+                          <a:solidFill>
+                            <a:srgbClr val="C00000"/>
+                          </a:solidFill>
+                        </a:rPr>
+                        <a:t> </a:t>
+                      </a:r>
+                      <a:r>
+                        <a:rPr lang="de-DE" sz="1600" baseline="0" dirty="0" err="1" smtClean="0">
+                          <a:solidFill>
+                            <a:srgbClr val="C00000"/>
+                          </a:solidFill>
+                        </a:rPr>
                         <a:t>controls</a:t>
                       </a:r>
-                      <a:endParaRPr lang="de-DE" sz="1600" baseline="0" dirty="0" smtClean="0"/>
+                      <a:endParaRPr lang="de-DE" sz="1600" baseline="0" dirty="0" smtClean="0">
+                        <a:solidFill>
+                          <a:srgbClr val="C00000"/>
+                        </a:solidFill>
+                      </a:endParaRPr>
                     </a:p>
                     <a:p>
                       <a:endParaRPr lang="de-DE" sz="1600" dirty="0"/>
@@ -12760,6 +13728,11 @@
                   </a:txBody>
                   <a:tcPr/>
                 </a:tc>
+                <a:extLst>
+                  <a:ext uri="{0D108BD9-81ED-4DB2-BD59-A6C34878D82A}">
+                    <a16:rowId xmlns:a16="http://schemas.microsoft.com/office/drawing/2014/main" val="10001"/>
+                  </a:ext>
+                </a:extLst>
               </a:tr>
               <a:tr h="1295775">
                 <a:tc>
@@ -13202,37 +14175,70 @@
                         <a:defRPr/>
                       </a:pPr>
                       <a:r>
-                        <a:rPr lang="de-DE" sz="1600" baseline="0" dirty="0" smtClean="0"/>
+                        <a:rPr lang="de-DE" sz="1600" baseline="0" dirty="0" smtClean="0">
+                          <a:solidFill>
+                            <a:srgbClr val="C00000"/>
+                          </a:solidFill>
+                        </a:rPr>
                         <a:t> Game Interaction / - </a:t>
                       </a:r>
                       <a:r>
-                        <a:rPr lang="de-DE" sz="1600" baseline="0" dirty="0" err="1" smtClean="0"/>
+                        <a:rPr lang="de-DE" sz="1600" baseline="0" dirty="0" err="1" smtClean="0">
+                          <a:solidFill>
+                            <a:srgbClr val="C00000"/>
+                          </a:solidFill>
+                        </a:rPr>
                         <a:t>Logic</a:t>
                       </a:r>
                       <a:r>
-                        <a:rPr lang="de-DE" sz="1600" baseline="0" dirty="0" smtClean="0"/>
+                        <a:rPr lang="de-DE" sz="1600" baseline="0" dirty="0" smtClean="0">
+                          <a:solidFill>
+                            <a:srgbClr val="C00000"/>
+                          </a:solidFill>
+                        </a:rPr>
                         <a:t> / -Flow (</a:t>
                       </a:r>
                       <a:r>
-                        <a:rPr lang="de-DE" sz="1600" baseline="0" dirty="0" err="1" smtClean="0"/>
+                        <a:rPr lang="de-DE" sz="1600" baseline="0" dirty="0" err="1" smtClean="0">
+                          <a:solidFill>
+                            <a:srgbClr val="C00000"/>
+                          </a:solidFill>
+                        </a:rPr>
                         <a:t>Parachute</a:t>
                       </a:r>
                       <a:r>
-                        <a:rPr lang="de-DE" sz="1600" baseline="0" dirty="0" smtClean="0"/>
-                        <a:t> </a:t>
-                      </a:r>
-                      <a:r>
-                        <a:rPr lang="de-DE" sz="1600" baseline="0" dirty="0" err="1" smtClean="0"/>
+                        <a:rPr lang="de-DE" sz="1600" baseline="0" dirty="0" smtClean="0">
+                          <a:solidFill>
+                            <a:srgbClr val="C00000"/>
+                          </a:solidFill>
+                        </a:rPr>
+                        <a:t> </a:t>
+                      </a:r>
+                      <a:r>
+                        <a:rPr lang="de-DE" sz="1600" baseline="0" dirty="0" err="1" smtClean="0">
+                          <a:solidFill>
+                            <a:srgbClr val="C00000"/>
+                          </a:solidFill>
+                        </a:rPr>
                         <a:t>landing</a:t>
                       </a:r>
                       <a:r>
-                        <a:rPr lang="de-DE" sz="1600" baseline="0" dirty="0" smtClean="0"/>
+                        <a:rPr lang="de-DE" sz="1600" baseline="0" dirty="0" smtClean="0">
+                          <a:solidFill>
+                            <a:srgbClr val="C00000"/>
+                          </a:solidFill>
+                        </a:rPr>
                         <a:t>, …)</a:t>
                       </a:r>
                     </a:p>
                   </a:txBody>
                   <a:tcPr/>
                 </a:tc>
+                <a:extLst>
+                  <a:ext uri="{0D108BD9-81ED-4DB2-BD59-A6C34878D82A}">
+                    <a16:rowId xmlns:a16="http://schemas.microsoft.com/office/drawing/2014/main" val="10002"/>
+                  </a:ext>
+                </a:extLst>
               </a:tr>
               <a:tr h="868345">
                 <a:tc>
@@ -13535,30 +14541,58 @@
                         <a:buChar char="•"/>
                       </a:pPr>
                       <a:r>
-                        <a:rPr lang="de-DE" sz="1600" dirty="0" smtClean="0"/>
-                        <a:t> </a:t>
-                      </a:r>
-                      <a:r>
-                        <a:rPr lang="de-DE" sz="1600" dirty="0" err="1" smtClean="0"/>
+                        <a:rPr lang="de-DE" sz="1600" dirty="0" smtClean="0">
+                          <a:solidFill>
+                            <a:srgbClr val="C00000"/>
+                          </a:solidFill>
+                        </a:rPr>
+                        <a:t> </a:t>
+                      </a:r>
+                      <a:r>
+                        <a:rPr lang="de-DE" sz="1600" dirty="0" err="1" smtClean="0">
+                          <a:solidFill>
+                            <a:srgbClr val="C00000"/>
+                          </a:solidFill>
+                        </a:rPr>
                         <a:t>Buffer</a:t>
                       </a:r>
                       <a:r>
-                        <a:rPr lang="de-DE" sz="1600" dirty="0" smtClean="0"/>
-                        <a:t> </a:t>
-                      </a:r>
-                      <a:r>
-                        <a:rPr lang="de-DE" sz="1600" dirty="0" err="1" smtClean="0"/>
+                        <a:rPr lang="de-DE" sz="1600" dirty="0" smtClean="0">
+                          <a:solidFill>
+                            <a:srgbClr val="C00000"/>
+                          </a:solidFill>
+                        </a:rPr>
+                        <a:t> </a:t>
+                      </a:r>
+                      <a:r>
+                        <a:rPr lang="de-DE" sz="1600" dirty="0" err="1" smtClean="0">
+                          <a:solidFill>
+                            <a:srgbClr val="C00000"/>
+                          </a:solidFill>
+                        </a:rPr>
                         <a:t>for</a:t>
                       </a:r>
                       <a:r>
-                        <a:rPr lang="de-DE" sz="1600" dirty="0" smtClean="0"/>
-                        <a:t> </a:t>
-                      </a:r>
-                      <a:r>
-                        <a:rPr lang="de-DE" sz="1600" dirty="0" err="1" smtClean="0"/>
+                        <a:rPr lang="de-DE" sz="1600" dirty="0" smtClean="0">
+                          <a:solidFill>
+                            <a:srgbClr val="C00000"/>
+                          </a:solidFill>
+                        </a:rPr>
+                        <a:t> </a:t>
+                      </a:r>
+                      <a:r>
+                        <a:rPr lang="de-DE" sz="1600" dirty="0" err="1" smtClean="0">
+                          <a:solidFill>
+                            <a:srgbClr val="C00000"/>
+                          </a:solidFill>
+                        </a:rPr>
                         <a:t>GameLogic</a:t>
                       </a:r>
-                      <a:endParaRPr lang="de-DE" sz="1600" dirty="0" smtClean="0"/>
+                      <a:endParaRPr lang="de-DE" sz="1600" dirty="0" smtClean="0">
+                        <a:solidFill>
+                          <a:srgbClr val="C00000"/>
+                        </a:solidFill>
+                      </a:endParaRPr>
                     </a:p>
                     <a:p>
                       <a:pPr lvl="0">
@@ -13566,13 +14600,22 @@
                         <a:buChar char="•"/>
                       </a:pPr>
                       <a:r>
-                        <a:rPr lang="de-DE" sz="1600" dirty="0" smtClean="0"/>
+                        <a:rPr lang="de-DE" sz="1600" dirty="0" smtClean="0">
+                          <a:solidFill>
+                            <a:srgbClr val="C00000"/>
+                          </a:solidFill>
+                        </a:rPr>
                         <a:t> Playermodel</a:t>
                       </a:r>
                     </a:p>
                   </a:txBody>
                   <a:tcPr/>
                 </a:tc>
+                <a:extLst>
+                  <a:ext uri="{0D108BD9-81ED-4DB2-BD59-A6C34878D82A}">
+                    <a16:rowId xmlns:a16="http://schemas.microsoft.com/office/drawing/2014/main" val="10003"/>
+                  </a:ext>
+                </a:extLst>
               </a:tr>
             </a:tbl>
           </a:graphicData>
@@ -13742,11 +14785,17 @@
           <p:cNvGraphicFramePr>
             <a:graphicFrameLocks noGrp="1"/>
           </p:cNvGraphicFramePr>
-          <p:nvPr/>
+          <p:nvPr>
+            <p:extLst>
+              <p:ext uri="{D42A27DB-BD31-4B8C-83A1-F6EECF244321}">
+                <p14:modId xmlns:p14="http://schemas.microsoft.com/office/powerpoint/2010/main" val="275912304"/>
+              </p:ext>
+            </p:extLst>
+          </p:nvPr>
         </p:nvGraphicFramePr>
         <p:xfrm>
           <a:off x="179512" y="1201316"/>
-          <a:ext cx="8784978" cy="4450080"/>
+          <a:ext cx="8784978" cy="4541520"/>
         </p:xfrm>
         <a:graphic>
           <a:graphicData uri="http://schemas.openxmlformats.org/drawingml/2006/table">
@@ -13755,12 +14804,48 @@
                 <a:tableStyleId>{5C22544A-7EE6-4342-B048-85BDC9FD1C3A}</a:tableStyleId>
               </a:tblPr>
               <a:tblGrid>
-                <a:gridCol w="720080"/>
-                <a:gridCol w="1584176"/>
-                <a:gridCol w="1656184"/>
-                <a:gridCol w="1656184"/>
-                <a:gridCol w="1584176"/>
-                <a:gridCol w="1584178"/>
+                <a:gridCol w="720080">
+                  <a:extLst>
+                    <a:ext uri="{9D8B030D-6E8A-4147-A177-3AD203B41FA5}">
+                      <a16:colId xmlns:a16="http://schemas.microsoft.com/office/drawing/2014/main" val="20000"/>
+                    </a:ext>
+                  </a:extLst>
+                </a:gridCol>
+                <a:gridCol w="1584176">
+                  <a:extLst>
+                    <a:ext uri="{9D8B030D-6E8A-4147-A177-3AD203B41FA5}">
+                      <a16:colId xmlns:a16="http://schemas.microsoft.com/office/drawing/2014/main" val="20001"/>
+                    </a:ext>
+                  </a:extLst>
+                </a:gridCol>
+                <a:gridCol w="1656184">
+                  <a:extLst>
+                    <a:ext uri="{9D8B030D-6E8A-4147-A177-3AD203B41FA5}">
+                      <a16:colId xmlns:a16="http://schemas.microsoft.com/office/drawing/2014/main" val="20002"/>
+                    </a:ext>
+                  </a:extLst>
+                </a:gridCol>
+                <a:gridCol w="1656184">
+                  <a:extLst>
+                    <a:ext uri="{9D8B030D-6E8A-4147-A177-3AD203B41FA5}">
+                      <a16:colId xmlns:a16="http://schemas.microsoft.com/office/drawing/2014/main" val="20003"/>
+                    </a:ext>
+                  </a:extLst>
+                </a:gridCol>
+                <a:gridCol w="1584176">
+                  <a:extLst>
+                    <a:ext uri="{9D8B030D-6E8A-4147-A177-3AD203B41FA5}">
+                      <a16:colId xmlns:a16="http://schemas.microsoft.com/office/drawing/2014/main" val="20004"/>
+                    </a:ext>
+                  </a:extLst>
+                </a:gridCol>
+                <a:gridCol w="1584178">
+                  <a:extLst>
+                    <a:ext uri="{9D8B030D-6E8A-4147-A177-3AD203B41FA5}">
+                      <a16:colId xmlns:a16="http://schemas.microsoft.com/office/drawing/2014/main" val="20005"/>
+                    </a:ext>
+                  </a:extLst>
+                </a:gridCol>
               </a:tblGrid>
               <a:tr h="504057">
                 <a:tc>
@@ -13857,6 +14942,11 @@
                   </a:txBody>
                   <a:tcPr/>
                 </a:tc>
+                <a:extLst>
+                  <a:ext uri="{0D108BD9-81ED-4DB2-BD59-A6C34878D82A}">
+                    <a16:rowId xmlns:a16="http://schemas.microsoft.com/office/drawing/2014/main" val="10000"/>
+                  </a:ext>
+                </a:extLst>
               </a:tr>
               <a:tr h="1019108">
                 <a:tc>
@@ -14182,11 +15272,132 @@
                     <a:bodyPr/>
                     <a:lstStyle/>
                     <a:p>
-                      <a:endParaRPr lang="de-DE" dirty="0"/>
+                      <a:pPr lvl="0">
+                        <a:buFont typeface="Arial" pitchFamily="34" charset="0"/>
+                        <a:buChar char="•"/>
+                      </a:pPr>
+                      <a:r>
+                        <a:rPr lang="de-DE" sz="1400" baseline="0" dirty="0" smtClean="0">
+                          <a:solidFill>
+                            <a:schemeClr val="tx1"/>
+                          </a:solidFill>
+                        </a:rPr>
+                        <a:t> </a:t>
+                      </a:r>
+                      <a:r>
+                        <a:rPr lang="de-DE" sz="1400" baseline="0" dirty="0" err="1" smtClean="0">
+                          <a:solidFill>
+                            <a:srgbClr val="C00000"/>
+                          </a:solidFill>
+                        </a:rPr>
+                        <a:t>Gameplay</a:t>
+                      </a:r>
+                      <a:r>
+                        <a:rPr lang="de-DE" sz="1400" baseline="0" dirty="0" smtClean="0">
+                          <a:solidFill>
+                            <a:srgbClr val="C00000"/>
+                          </a:solidFill>
+                        </a:rPr>
+                        <a:t>, </a:t>
+                      </a:r>
+                      <a:r>
+                        <a:rPr lang="de-DE" sz="1400" baseline="0" dirty="0" err="1" smtClean="0">
+                          <a:solidFill>
+                            <a:srgbClr val="C00000"/>
+                          </a:solidFill>
+                        </a:rPr>
+                        <a:t>Parachute</a:t>
+                      </a:r>
+                      <a:r>
+                        <a:rPr lang="de-DE" sz="1400" baseline="0" dirty="0" smtClean="0">
+                          <a:solidFill>
+                            <a:srgbClr val="C00000"/>
+                          </a:solidFill>
+                        </a:rPr>
+                        <a:t> </a:t>
+                      </a:r>
+                      <a:r>
+                        <a:rPr lang="de-DE" sz="1400" baseline="0" dirty="0" err="1" smtClean="0">
+                          <a:solidFill>
+                            <a:srgbClr val="C00000"/>
+                          </a:solidFill>
+                        </a:rPr>
+                        <a:t>landing</a:t>
+                      </a:r>
+                      <a:endParaRPr lang="de-DE" sz="1400" baseline="0" dirty="0" smtClean="0">
+                        <a:solidFill>
+                          <a:srgbClr val="C00000"/>
+                        </a:solidFill>
+                      </a:endParaRPr>
+                    </a:p>
+                    <a:p>
+                      <a:pPr marL="0" marR="0" lvl="0" indent="0" algn="l" defTabSz="914400" rtl="0" eaLnBrk="1" fontAlgn="auto" latinLnBrk="0" hangingPunct="1">
+                        <a:lnSpc>
+                          <a:spcPct val="100000"/>
+                        </a:lnSpc>
+                        <a:spcBef>
+                          <a:spcPts val="0"/>
+                        </a:spcBef>
+                        <a:spcAft>
+                          <a:spcPts val="0"/>
+                        </a:spcAft>
+                        <a:buClrTx/>
+                        <a:buSzTx/>
+                        <a:buFont typeface="Arial" pitchFamily="34" charset="0"/>
+                        <a:buChar char="•"/>
+                        <a:tabLst/>
+                        <a:defRPr/>
+                      </a:pPr>
+                      <a:r>
+                        <a:rPr lang="de-DE" sz="1400" dirty="0" smtClean="0"/>
+                        <a:t> Working </a:t>
+                      </a:r>
+                      <a:r>
+                        <a:rPr lang="de-DE" sz="1400" dirty="0" err="1" smtClean="0"/>
+                        <a:t>into</a:t>
+                      </a:r>
+                      <a:r>
+                        <a:rPr lang="de-DE" sz="1400" dirty="0" smtClean="0"/>
+                        <a:t> </a:t>
+                      </a:r>
+                      <a:r>
+                        <a:rPr lang="de-DE" sz="1400" dirty="0" err="1" smtClean="0"/>
+                        <a:t>Oculus</a:t>
+                      </a:r>
+                      <a:r>
+                        <a:rPr lang="de-DE" sz="1400" baseline="0" dirty="0" smtClean="0"/>
+                        <a:t> </a:t>
+                      </a:r>
+                      <a:r>
+                        <a:rPr lang="de-DE" sz="1400" baseline="0" dirty="0" err="1" smtClean="0"/>
+                        <a:t>and</a:t>
+                      </a:r>
+                      <a:r>
+                        <a:rPr lang="de-DE" sz="1400" dirty="0" smtClean="0"/>
+                        <a:t> </a:t>
+                      </a:r>
+                      <a:r>
+                        <a:rPr lang="de-DE" sz="1400" dirty="0" err="1" smtClean="0"/>
+                        <a:t>possible</a:t>
+                      </a:r>
+                      <a:r>
+                        <a:rPr lang="de-DE" sz="1400" dirty="0" smtClean="0"/>
+                        <a:t> </a:t>
+                      </a:r>
+                      <a:r>
+                        <a:rPr lang="de-DE" sz="1400" dirty="0" err="1" smtClean="0"/>
+                        <a:t>improvements</a:t>
+                      </a:r>
+                      <a:endParaRPr lang="de-DE" sz="1400" dirty="0" smtClean="0"/>
                     </a:p>
                   </a:txBody>
                   <a:tcPr/>
                 </a:tc>
+                <a:extLst>
+                  <a:ext uri="{0D108BD9-81ED-4DB2-BD59-A6C34878D82A}">
+                    <a16:rowId xmlns:a16="http://schemas.microsoft.com/office/drawing/2014/main" val="10001"/>
+                  </a:ext>
+                </a:extLst>
               </a:tr>
               <a:tr h="1032428">
                 <a:tc>
@@ -14329,7 +15540,7 @@
                     <a:bodyPr/>
                     <a:lstStyle/>
                     <a:p>
-                      <a:endParaRPr lang="de-DE"/>
+                      <a:endParaRPr lang="de-DE" dirty="0"/>
                     </a:p>
                   </a:txBody>
                   <a:tcPr/>
@@ -14399,11 +15610,100 @@
                     <a:bodyPr/>
                     <a:lstStyle/>
                     <a:p>
-                      <a:endParaRPr lang="de-DE"/>
+                      <a:pPr lvl="0">
+                        <a:buFont typeface="Arial" pitchFamily="34" charset="0"/>
+                        <a:buChar char="•"/>
+                      </a:pPr>
+                      <a:r>
+                        <a:rPr lang="de-DE" sz="1600" baseline="0" dirty="0" smtClean="0">
+                          <a:solidFill>
+                            <a:srgbClr val="C00000"/>
+                          </a:solidFill>
+                        </a:rPr>
+                        <a:t> </a:t>
+                      </a:r>
+                      <a:r>
+                        <a:rPr lang="de-DE" sz="1600" baseline="0" dirty="0" err="1" smtClean="0">
+                          <a:solidFill>
+                            <a:srgbClr val="C00000"/>
+                          </a:solidFill>
+                        </a:rPr>
+                        <a:t>Oculus</a:t>
+                      </a:r>
+                      <a:r>
+                        <a:rPr lang="de-DE" sz="1600" baseline="0" dirty="0" smtClean="0">
+                          <a:solidFill>
+                            <a:srgbClr val="C00000"/>
+                          </a:solidFill>
+                        </a:rPr>
+                        <a:t> </a:t>
+                      </a:r>
+                      <a:r>
+                        <a:rPr lang="de-DE" sz="1600" baseline="0" dirty="0" err="1" smtClean="0">
+                          <a:solidFill>
+                            <a:srgbClr val="C00000"/>
+                          </a:solidFill>
+                        </a:rPr>
+                        <a:t>setup</a:t>
+                      </a:r>
+                      <a:endParaRPr lang="de-DE" sz="1600" dirty="0" smtClean="0">
+                        <a:solidFill>
+                          <a:schemeClr val="tx1"/>
+                        </a:solidFill>
+                      </a:endParaRPr>
+                    </a:p>
+                    <a:p>
+                      <a:pPr lvl="0">
+                        <a:buFont typeface="Arial" pitchFamily="34" charset="0"/>
+                        <a:buChar char="•"/>
+                      </a:pPr>
+                      <a:r>
+                        <a:rPr lang="de-DE" sz="1600" baseline="0" dirty="0" smtClean="0">
+                          <a:solidFill>
+                            <a:schemeClr val="tx1"/>
+                          </a:solidFill>
+                        </a:rPr>
+                        <a:t> Setup 06.10</a:t>
+                      </a:r>
+                    </a:p>
+                    <a:p>
+                      <a:pPr lvl="0">
+                        <a:buFont typeface="Arial" pitchFamily="34" charset="0"/>
+                        <a:buChar char="•"/>
+                      </a:pPr>
+                      <a:r>
+                        <a:rPr lang="de-DE" sz="1600" baseline="0" dirty="0" smtClean="0">
+                          <a:solidFill>
+                            <a:srgbClr val="C00000"/>
+                          </a:solidFill>
+                        </a:rPr>
+                        <a:t> </a:t>
+                      </a:r>
+                      <a:r>
+                        <a:rPr lang="de-DE" sz="1600" baseline="0" dirty="0" err="1" smtClean="0">
+                          <a:solidFill>
+                            <a:srgbClr val="C00000"/>
+                          </a:solidFill>
+                        </a:rPr>
+                        <a:t>Oculus</a:t>
+                      </a:r>
+                      <a:r>
+                        <a:rPr lang="de-DE" sz="1600" baseline="0" dirty="0" smtClean="0">
+                          <a:solidFill>
+                            <a:srgbClr val="C00000"/>
+                          </a:solidFill>
+                        </a:rPr>
+                        <a:t> Reintegration</a:t>
+                      </a:r>
                     </a:p>
                   </a:txBody>
                   <a:tcPr/>
                 </a:tc>
+                <a:extLst>
+                  <a:ext uri="{0D108BD9-81ED-4DB2-BD59-A6C34878D82A}">
+                    <a16:rowId xmlns:a16="http://schemas.microsoft.com/office/drawing/2014/main" val="10002"/>
+                  </a:ext>
+                </a:extLst>
               </a:tr>
               <a:tr h="1096850">
                 <a:tc>
@@ -14643,11 +15943,95 @@
                     <a:bodyPr/>
                     <a:lstStyle/>
                     <a:p>
-                      <a:endParaRPr lang="de-DE" dirty="0"/>
+                      <a:pPr lvl="0">
+                        <a:buFont typeface="Arial" pitchFamily="34" charset="0"/>
+                        <a:buChar char="•"/>
+                      </a:pPr>
+                      <a:r>
+                        <a:rPr lang="de-DE" sz="1400" baseline="0" dirty="0" smtClean="0">
+                          <a:solidFill>
+                            <a:schemeClr val="tx1"/>
+                          </a:solidFill>
+                        </a:rPr>
+                        <a:t> </a:t>
+                      </a:r>
+                      <a:r>
+                        <a:rPr lang="de-DE" sz="1400" baseline="0" dirty="0" err="1" smtClean="0">
+                          <a:solidFill>
+                            <a:schemeClr val="tx1"/>
+                          </a:solidFill>
+                        </a:rPr>
+                        <a:t>Oculus</a:t>
+                      </a:r>
+                      <a:r>
+                        <a:rPr lang="de-DE" sz="1400" baseline="0" dirty="0" smtClean="0">
+                          <a:solidFill>
+                            <a:schemeClr val="tx1"/>
+                          </a:solidFill>
+                        </a:rPr>
+                        <a:t> </a:t>
+                      </a:r>
+                      <a:r>
+                        <a:rPr lang="de-DE" sz="1400" baseline="0" dirty="0" smtClean="0">
+                          <a:solidFill>
+                            <a:schemeClr val="tx1"/>
+                          </a:solidFill>
+                        </a:rPr>
+                        <a:t>Reintegration / </a:t>
+                      </a:r>
+                      <a:r>
+                        <a:rPr lang="de-DE" sz="1400" baseline="0" dirty="0" err="1" smtClean="0"/>
+                        <a:t>Shader</a:t>
+                      </a:r>
+                      <a:r>
+                        <a:rPr lang="de-DE" sz="1400" baseline="0" dirty="0" smtClean="0"/>
+                        <a:t>-menu </a:t>
+                      </a:r>
+                      <a:r>
+                        <a:rPr lang="de-DE" sz="1400" baseline="0" dirty="0" err="1" smtClean="0"/>
+                        <a:t>and</a:t>
+                      </a:r>
+                      <a:r>
+                        <a:rPr lang="de-DE" sz="1400" baseline="0" dirty="0" smtClean="0"/>
+                        <a:t> </a:t>
+                      </a:r>
+                      <a:r>
+                        <a:rPr lang="de-DE" sz="1400" baseline="0" dirty="0" err="1" smtClean="0"/>
+                        <a:t>controls</a:t>
+                      </a:r>
+                      <a:endParaRPr lang="de-DE" sz="1400" baseline="0" dirty="0" smtClean="0"/>
+                    </a:p>
+                    <a:p>
+                      <a:pPr marL="0" marR="0" lvl="0" indent="0" algn="l" defTabSz="914400" rtl="0" eaLnBrk="1" fontAlgn="auto" latinLnBrk="0" hangingPunct="1">
+                        <a:lnSpc>
+                          <a:spcPct val="100000"/>
+                        </a:lnSpc>
+                        <a:spcBef>
+                          <a:spcPts val="0"/>
+                        </a:spcBef>
+                        <a:spcAft>
+                          <a:spcPts val="0"/>
+                        </a:spcAft>
+                        <a:buClrTx/>
+                        <a:buSzTx/>
+                        <a:buFont typeface="Arial" pitchFamily="34" charset="0"/>
+                        <a:buChar char="•"/>
+                        <a:tabLst/>
+                        <a:defRPr/>
+                      </a:pPr>
+                      <a:r>
+                        <a:rPr lang="de-DE" sz="1400" baseline="0" dirty="0" smtClean="0"/>
+                        <a:t> Server-menu</a:t>
+                      </a:r>
                     </a:p>
                   </a:txBody>
                   <a:tcPr/>
                 </a:tc>
+                <a:extLst>
+                  <a:ext uri="{0D108BD9-81ED-4DB2-BD59-A6C34878D82A}">
+                    <a16:rowId xmlns:a16="http://schemas.microsoft.com/office/drawing/2014/main" val="10003"/>
+                  </a:ext>
+                </a:extLst>
               </a:tr>
             </a:tbl>
           </a:graphicData>

--- a/Präsentationen/Zwischenpräsentation 16.06/Project proposal update 06.16 - Rift Wingsuit V2.pptx
+++ b/Präsentationen/Zwischenpräsentation 16.06/Project proposal update 06.16 - Rift Wingsuit V2.pptx
@@ -123,7 +123,7 @@
   </p:defaultTextStyle>
   <p:extLst>
     <p:ext uri="{EFAFB233-063F-42B5-8137-9DF3F51BA10A}">
-      <p15:sldGuideLst xmlns="" xmlns:p15="http://schemas.microsoft.com/office/powerpoint/2012/main">
+      <p15:sldGuideLst xmlns:p15="http://schemas.microsoft.com/office/powerpoint/2012/main">
         <p15:guide id="1" orient="horz" pos="1800">
           <p15:clr>
             <a:srgbClr val="A4A3A4"/>
@@ -223,7 +223,7 @@
             <a:fld id="{243825A9-FBEC-4183-9E10-7EA49C7B85FB}" type="datetimeFigureOut">
               <a:rPr lang="de-DE" smtClean="0"/>
               <a:pPr/>
-              <a:t>13.06.2016</a:t>
+              <a:t>15.06.2016</a:t>
             </a:fld>
             <a:endParaRPr lang="de-DE"/>
           </a:p>
@@ -393,7 +393,7 @@
     </p:spTree>
     <p:extLst>
       <p:ext uri="{BB962C8B-B14F-4D97-AF65-F5344CB8AC3E}">
-        <p14:creationId xmlns="" xmlns:p14="http://schemas.microsoft.com/office/powerpoint/2010/main" val="1727503161"/>
+        <p14:creationId xmlns:p14="http://schemas.microsoft.com/office/powerpoint/2010/main" val="1727503161"/>
       </p:ext>
     </p:extLst>
   </p:cSld>
@@ -578,7 +578,7 @@
     </p:spTree>
     <p:extLst>
       <p:ext uri="{BB962C8B-B14F-4D97-AF65-F5344CB8AC3E}">
-        <p14:creationId xmlns="" xmlns:p14="http://schemas.microsoft.com/office/powerpoint/2010/main" val="592270510"/>
+        <p14:creationId xmlns:p14="http://schemas.microsoft.com/office/powerpoint/2010/main" val="592270510"/>
       </p:ext>
     </p:extLst>
   </p:cSld>
@@ -762,7 +762,7 @@
             <a:fld id="{E3D2E8C1-5FD7-4691-AB68-D6297B4D5F43}" type="datetime1">
               <a:rPr lang="de-DE" smtClean="0"/>
               <a:pPr/>
-              <a:t>13.06.2016</a:t>
+              <a:t>15.06.2016</a:t>
             </a:fld>
             <a:endParaRPr lang="de-DE"/>
           </a:p>
@@ -929,7 +929,7 @@
             <a:fld id="{6555916C-EC3E-4A59-A202-E3BDAC789789}" type="datetime1">
               <a:rPr lang="de-DE" smtClean="0"/>
               <a:pPr/>
-              <a:t>13.06.2016</a:t>
+              <a:t>15.06.2016</a:t>
             </a:fld>
             <a:endParaRPr lang="de-DE"/>
           </a:p>
@@ -1106,7 +1106,7 @@
             <a:fld id="{B0BAAC96-984A-4C42-A65C-1E30F77A26C5}" type="datetime1">
               <a:rPr lang="de-DE" smtClean="0"/>
               <a:pPr/>
-              <a:t>13.06.2016</a:t>
+              <a:t>15.06.2016</a:t>
             </a:fld>
             <a:endParaRPr lang="de-DE"/>
           </a:p>
@@ -1273,7 +1273,7 @@
             <a:fld id="{0AF80EA2-653E-48EB-A275-D811A53BA918}" type="datetime1">
               <a:rPr lang="de-DE" smtClean="0"/>
               <a:pPr/>
-              <a:t>13.06.2016</a:t>
+              <a:t>15.06.2016</a:t>
             </a:fld>
             <a:endParaRPr lang="de-DE"/>
           </a:p>
@@ -1517,7 +1517,7 @@
             <a:fld id="{E5BD76EC-8BFC-4DBC-81BC-788FF00AD01A}" type="datetime1">
               <a:rPr lang="de-DE" smtClean="0"/>
               <a:pPr/>
-              <a:t>13.06.2016</a:t>
+              <a:t>15.06.2016</a:t>
             </a:fld>
             <a:endParaRPr lang="de-DE"/>
           </a:p>
@@ -1783,7 +1783,7 @@
             <a:fld id="{42D10058-B0DA-4CAD-91DA-40F8A0FB6522}" type="datetime1">
               <a:rPr lang="de-DE" smtClean="0"/>
               <a:pPr/>
-              <a:t>13.06.2016</a:t>
+              <a:t>15.06.2016</a:t>
             </a:fld>
             <a:endParaRPr lang="de-DE"/>
           </a:p>
@@ -2163,7 +2163,7 @@
             <a:fld id="{30F2673F-3B0B-4E2B-A302-85F12C63CE58}" type="datetime1">
               <a:rPr lang="de-DE" smtClean="0"/>
               <a:pPr/>
-              <a:t>13.06.2016</a:t>
+              <a:t>15.06.2016</a:t>
             </a:fld>
             <a:endParaRPr lang="de-DE"/>
           </a:p>
@@ -2315,7 +2315,7 @@
             <a:fld id="{99C24A88-FE37-415B-BBD5-612EBB0081EA}" type="datetime1">
               <a:rPr lang="de-DE" smtClean="0"/>
               <a:pPr/>
-              <a:t>13.06.2016</a:t>
+              <a:t>15.06.2016</a:t>
             </a:fld>
             <a:endParaRPr lang="de-DE"/>
           </a:p>
@@ -2407,7 +2407,7 @@
             <a:fld id="{D4BBCC0C-5DC1-47B9-9437-A552677B599E}" type="datetime1">
               <a:rPr lang="de-DE" smtClean="0"/>
               <a:pPr/>
-              <a:t>13.06.2016</a:t>
+              <a:t>15.06.2016</a:t>
             </a:fld>
             <a:endParaRPr lang="de-DE"/>
           </a:p>
@@ -2670,7 +2670,7 @@
             <a:fld id="{5D8961AA-03AC-4A6B-AD4E-C8A3670A08F8}" type="datetime1">
               <a:rPr lang="de-DE" smtClean="0"/>
               <a:pPr/>
-              <a:t>13.06.2016</a:t>
+              <a:t>15.06.2016</a:t>
             </a:fld>
             <a:endParaRPr lang="de-DE"/>
           </a:p>
@@ -2960,7 +2960,7 @@
             <a:fld id="{9565BAF1-4771-44D7-80BB-E70855042F1C}" type="datetime1">
               <a:rPr lang="de-DE" smtClean="0"/>
               <a:pPr/>
-              <a:t>13.06.2016</a:t>
+              <a:t>15.06.2016</a:t>
             </a:fld>
             <a:endParaRPr lang="de-DE"/>
           </a:p>
@@ -3733,7 +3733,7 @@
             <a:fld id="{48B16CC1-F4AA-4BAA-A083-6C6353824805}" type="datetime1">
               <a:rPr lang="de-DE" smtClean="0"/>
               <a:pPr/>
-              <a:t>13.06.2016</a:t>
+              <a:t>15.06.2016</a:t>
             </a:fld>
             <a:endParaRPr lang="de-DE"/>
           </a:p>
@@ -5064,7 +5064,13 @@
           <p:cNvGraphicFramePr>
             <a:graphicFrameLocks noGrp="1"/>
           </p:cNvGraphicFramePr>
-          <p:nvPr/>
+          <p:nvPr>
+            <p:extLst>
+              <p:ext uri="{D42A27DB-BD31-4B8C-83A1-F6EECF244321}">
+                <p14:modId xmlns:p14="http://schemas.microsoft.com/office/powerpoint/2010/main" val="4186651237"/>
+              </p:ext>
+            </p:extLst>
+          </p:nvPr>
         </p:nvGraphicFramePr>
         <p:xfrm>
           <a:off x="179512" y="1201317"/>
@@ -5270,14 +5276,26 @@
                         <a:t> </a:t>
                       </a:r>
                       <a:r>
-                        <a:rPr lang="en-US" sz="1600" dirty="0" smtClean="0"/>
+                        <a:rPr lang="en-US" sz="1600" dirty="0" smtClean="0">
+                          <a:solidFill>
+                            <a:srgbClr val="FF0000"/>
+                          </a:solidFill>
+                        </a:rPr>
                         <a:t>Evaluation</a:t>
                       </a:r>
                       <a:r>
-                        <a:rPr lang="en-US" sz="1600" baseline="0" dirty="0" smtClean="0"/>
+                        <a:rPr lang="en-US" sz="1600" baseline="0" dirty="0" smtClean="0">
+                          <a:solidFill>
+                            <a:srgbClr val="FF0000"/>
+                          </a:solidFill>
+                        </a:rPr>
                         <a:t> of open-source KinectV2 driver</a:t>
                       </a:r>
-                      <a:endParaRPr lang="de-DE" sz="1600" dirty="0" smtClean="0"/>
+                      <a:endParaRPr lang="de-DE" sz="1600" dirty="0" smtClean="0">
+                        <a:solidFill>
+                          <a:srgbClr val="FF0000"/>
+                        </a:solidFill>
+                      </a:endParaRPr>
                     </a:p>
                   </a:txBody>
                   <a:tcPr/>
@@ -6565,11 +6583,17 @@
           <p:cNvGraphicFramePr>
             <a:graphicFrameLocks noGrp="1"/>
           </p:cNvGraphicFramePr>
-          <p:nvPr/>
+          <p:nvPr>
+            <p:extLst>
+              <p:ext uri="{D42A27DB-BD31-4B8C-83A1-F6EECF244321}">
+                <p14:modId xmlns:p14="http://schemas.microsoft.com/office/powerpoint/2010/main" val="1745785134"/>
+              </p:ext>
+            </p:extLst>
+          </p:nvPr>
         </p:nvGraphicFramePr>
         <p:xfrm>
           <a:off x="179512" y="1201317"/>
-          <a:ext cx="8784978" cy="4116874"/>
+          <a:ext cx="8784978" cy="4602480"/>
         </p:xfrm>
         <a:graphic>
           <a:graphicData uri="http://schemas.openxmlformats.org/drawingml/2006/table">
@@ -6752,7 +6776,99 @@
                     <a:bodyPr/>
                     <a:lstStyle/>
                     <a:p>
-                      <a:endParaRPr lang="de-DE" dirty="0"/>
+                      <a:pPr marL="0" marR="0" lvl="1" indent="0" algn="l" defTabSz="914400" rtl="0" eaLnBrk="1" fontAlgn="auto" latinLnBrk="0" hangingPunct="1">
+                        <a:lnSpc>
+                          <a:spcPct val="100000"/>
+                        </a:lnSpc>
+                        <a:spcBef>
+                          <a:spcPts val="0"/>
+                        </a:spcBef>
+                        <a:spcAft>
+                          <a:spcPts val="0"/>
+                        </a:spcAft>
+                        <a:buClrTx/>
+                        <a:buSzTx/>
+                        <a:buFont typeface="Arial" pitchFamily="34" charset="0"/>
+                        <a:buChar char="•"/>
+                        <a:tabLst/>
+                        <a:defRPr/>
+                      </a:pPr>
+                      <a:r>
+                        <a:rPr lang="de-DE" sz="1600" baseline="0" dirty="0" err="1" smtClean="0"/>
+                        <a:t>Assisting</a:t>
+                      </a:r>
+                      <a:r>
+                        <a:rPr lang="de-DE" sz="1600" baseline="0" dirty="0" smtClean="0"/>
+                        <a:t> </a:t>
+                      </a:r>
+                      <a:r>
+                        <a:rPr lang="de-DE" sz="1600" baseline="0" dirty="0" err="1" smtClean="0"/>
+                        <a:t>with</a:t>
+                      </a:r>
+                      <a:r>
+                        <a:rPr lang="de-DE" sz="1600" baseline="0" dirty="0" smtClean="0"/>
+                        <a:t> </a:t>
+                      </a:r>
+                      <a:r>
+                        <a:rPr lang="de-DE" sz="1600" baseline="0" dirty="0" err="1" smtClean="0"/>
+                        <a:t>the</a:t>
+                      </a:r>
+                      <a:r>
+                        <a:rPr lang="de-DE" sz="1600" baseline="0" dirty="0" smtClean="0"/>
+                        <a:t> </a:t>
+                      </a:r>
+                      <a:r>
+                        <a:rPr lang="de-DE" sz="1600" baseline="0" dirty="0" err="1" smtClean="0"/>
+                        <a:t>menu</a:t>
+                      </a:r>
+                      <a:r>
+                        <a:rPr lang="de-DE" sz="1600" baseline="0" dirty="0" smtClean="0"/>
+                        <a:t> </a:t>
+                      </a:r>
+                      <a:r>
+                        <a:rPr lang="de-DE" sz="1600" baseline="0" dirty="0" err="1" smtClean="0"/>
+                        <a:t>struct</a:t>
+                      </a:r>
+                      <a:r>
+                        <a:rPr lang="de-DE" sz="1600" baseline="0" dirty="0" smtClean="0"/>
+                        <a:t>.</a:t>
+                      </a:r>
+                    </a:p>
+                    <a:p>
+                      <a:pPr marL="0" marR="0" lvl="1" indent="0" algn="l" defTabSz="914400" rtl="0" eaLnBrk="1" fontAlgn="auto" latinLnBrk="0" hangingPunct="1">
+                        <a:lnSpc>
+                          <a:spcPct val="100000"/>
+                        </a:lnSpc>
+                        <a:spcBef>
+                          <a:spcPts val="0"/>
+                        </a:spcBef>
+                        <a:spcAft>
+                          <a:spcPts val="0"/>
+                        </a:spcAft>
+                        <a:buClrTx/>
+                        <a:buSzTx/>
+                        <a:buFont typeface="Arial" pitchFamily="34" charset="0"/>
+                        <a:buChar char="•"/>
+                        <a:tabLst/>
+                        <a:defRPr/>
+                      </a:pPr>
+                      <a:r>
+                        <a:rPr lang="de-DE" sz="1600" baseline="0" dirty="0" smtClean="0"/>
+                        <a:t> e.g.: </a:t>
+                      </a:r>
+                      <a:r>
+                        <a:rPr lang="de-DE" sz="1600" baseline="0" dirty="0" err="1" smtClean="0"/>
+                        <a:t>possible</a:t>
+                      </a:r>
+                      <a:r>
+                        <a:rPr lang="de-DE" sz="1600" baseline="0" dirty="0" smtClean="0"/>
+                        <a:t> </a:t>
+                      </a:r>
+                      <a:r>
+                        <a:rPr lang="de-DE" sz="1600" baseline="0" dirty="0" err="1" smtClean="0"/>
+                        <a:t>improvements</a:t>
+                      </a:r>
+                      <a:endParaRPr lang="de-DE" sz="1600" baseline="0" dirty="0" smtClean="0"/>
                     </a:p>
                   </a:txBody>
                   <a:tcPr/>
@@ -6924,7 +7040,130 @@
                     <a:bodyPr/>
                     <a:lstStyle/>
                     <a:p>
-                      <a:endParaRPr lang="de-DE"/>
+                      <a:pPr marL="0" marR="0" lvl="1" indent="0" algn="l" defTabSz="914400" rtl="0" eaLnBrk="1" fontAlgn="auto" latinLnBrk="0" hangingPunct="1">
+                        <a:lnSpc>
+                          <a:spcPct val="100000"/>
+                        </a:lnSpc>
+                        <a:spcBef>
+                          <a:spcPts val="0"/>
+                        </a:spcBef>
+                        <a:spcAft>
+                          <a:spcPts val="0"/>
+                        </a:spcAft>
+                        <a:buClrTx/>
+                        <a:buSzTx/>
+                        <a:buFont typeface="Arial" pitchFamily="34" charset="0"/>
+                        <a:buChar char="•"/>
+                        <a:tabLst/>
+                        <a:defRPr/>
+                      </a:pPr>
+                      <a:r>
+                        <a:rPr kumimoji="0" lang="de-DE" sz="1600" kern="1200" baseline="0" dirty="0" smtClean="0">
+                          <a:solidFill>
+                            <a:schemeClr val="dk1"/>
+                          </a:solidFill>
+                          <a:latin typeface="+mn-lt"/>
+                          <a:ea typeface="+mn-ea"/>
+                          <a:cs typeface="+mn-cs"/>
+                        </a:rPr>
+                        <a:t> „The </a:t>
+                      </a:r>
+                      <a:r>
+                        <a:rPr kumimoji="0" lang="de-DE" sz="1600" kern="1200" baseline="0" dirty="0" err="1" smtClean="0">
+                          <a:solidFill>
+                            <a:schemeClr val="dk1"/>
+                          </a:solidFill>
+                          <a:latin typeface="+mn-lt"/>
+                          <a:ea typeface="+mn-ea"/>
+                          <a:cs typeface="+mn-cs"/>
+                        </a:rPr>
+                        <a:t>helping</a:t>
+                      </a:r>
+                      <a:r>
+                        <a:rPr kumimoji="0" lang="de-DE" sz="1600" kern="1200" baseline="0" dirty="0" smtClean="0">
+                          <a:solidFill>
+                            <a:schemeClr val="dk1"/>
+                          </a:solidFill>
+                          <a:latin typeface="+mn-lt"/>
+                          <a:ea typeface="+mn-ea"/>
+                          <a:cs typeface="+mn-cs"/>
+                        </a:rPr>
+                        <a:t> </a:t>
+                      </a:r>
+                      <a:r>
+                        <a:rPr kumimoji="0" lang="de-DE" sz="1600" kern="1200" baseline="0" dirty="0" err="1" smtClean="0">
+                          <a:solidFill>
+                            <a:schemeClr val="dk1"/>
+                          </a:solidFill>
+                          <a:latin typeface="+mn-lt"/>
+                          <a:ea typeface="+mn-ea"/>
+                          <a:cs typeface="+mn-cs"/>
+                        </a:rPr>
+                        <a:t>hand</a:t>
+                      </a:r>
+                      <a:r>
+                        <a:rPr kumimoji="0" lang="de-DE" sz="1600" kern="1200" baseline="0" dirty="0" smtClean="0">
+                          <a:solidFill>
+                            <a:schemeClr val="dk1"/>
+                          </a:solidFill>
+                          <a:latin typeface="+mn-lt"/>
+                          <a:ea typeface="+mn-ea"/>
+                          <a:cs typeface="+mn-cs"/>
+                        </a:rPr>
+                        <a:t> </a:t>
+                      </a:r>
+                      <a:r>
+                        <a:rPr kumimoji="0" lang="de-DE" sz="1600" kern="1200" baseline="0" dirty="0" err="1" smtClean="0">
+                          <a:solidFill>
+                            <a:schemeClr val="dk1"/>
+                          </a:solidFill>
+                          <a:latin typeface="+mn-lt"/>
+                          <a:ea typeface="+mn-ea"/>
+                          <a:cs typeface="+mn-cs"/>
+                        </a:rPr>
+                        <a:t>for</a:t>
+                      </a:r>
+                      <a:r>
+                        <a:rPr kumimoji="0" lang="de-DE" sz="1600" kern="1200" baseline="0" dirty="0" smtClean="0">
+                          <a:solidFill>
+                            <a:schemeClr val="dk1"/>
+                          </a:solidFill>
+                          <a:latin typeface="+mn-lt"/>
+                          <a:ea typeface="+mn-ea"/>
+                          <a:cs typeface="+mn-cs"/>
+                        </a:rPr>
+                        <a:t> </a:t>
+                      </a:r>
+                      <a:r>
+                        <a:rPr kumimoji="0" lang="de-DE" sz="1600" kern="1200" baseline="0" dirty="0" err="1" smtClean="0">
+                          <a:solidFill>
+                            <a:schemeClr val="dk1"/>
+                          </a:solidFill>
+                          <a:latin typeface="+mn-lt"/>
+                          <a:ea typeface="+mn-ea"/>
+                          <a:cs typeface="+mn-cs"/>
+                        </a:rPr>
+                        <a:t>emergencies</a:t>
+                      </a:r>
+                      <a:r>
+                        <a:rPr kumimoji="0" lang="de-DE" sz="1600" kern="1200" baseline="0" dirty="0" smtClean="0">
+                          <a:solidFill>
+                            <a:schemeClr val="dk1"/>
+                          </a:solidFill>
+                          <a:latin typeface="+mn-lt"/>
+                          <a:ea typeface="+mn-ea"/>
+                          <a:cs typeface="+mn-cs"/>
+                        </a:rPr>
+                        <a:t>“</a:t>
+                      </a:r>
+                      <a:endParaRPr kumimoji="0" lang="de-DE" sz="1600" kern="1200" dirty="0">
+                        <a:solidFill>
+                          <a:schemeClr val="dk1"/>
+                        </a:solidFill>
+                        <a:latin typeface="+mn-lt"/>
+                        <a:ea typeface="+mn-ea"/>
+                        <a:cs typeface="+mn-cs"/>
+                      </a:endParaRPr>
                     </a:p>
                   </a:txBody>
                   <a:tcPr/>
@@ -7011,7 +7250,103 @@
                     <a:bodyPr/>
                     <a:lstStyle/>
                     <a:p>
-                      <a:endParaRPr lang="de-DE" dirty="0"/>
+                      <a:pPr marL="0" marR="0" lvl="0" indent="-285750" algn="l" defTabSz="914400" rtl="0" eaLnBrk="1" fontAlgn="auto" latinLnBrk="0" hangingPunct="1">
+                        <a:lnSpc>
+                          <a:spcPct val="100000"/>
+                        </a:lnSpc>
+                        <a:spcBef>
+                          <a:spcPts val="0"/>
+                        </a:spcBef>
+                        <a:spcAft>
+                          <a:spcPts val="0"/>
+                        </a:spcAft>
+                        <a:buClrTx/>
+                        <a:buSzTx/>
+                        <a:buFont typeface="Arial" pitchFamily="34" charset="0"/>
+                        <a:buChar char="•"/>
+                        <a:tabLst/>
+                        <a:defRPr/>
+                      </a:pPr>
+                      <a:r>
+                        <a:rPr kumimoji="0" lang="de-DE" sz="1600" kern="1200" dirty="0" err="1" smtClean="0">
+                          <a:solidFill>
+                            <a:schemeClr val="dk1"/>
+                          </a:solidFill>
+                          <a:latin typeface="+mn-lt"/>
+                          <a:ea typeface="+mn-ea"/>
+                          <a:cs typeface="+mn-cs"/>
+                        </a:rPr>
+                        <a:t>Buffer</a:t>
+                      </a:r>
+                      <a:r>
+                        <a:rPr kumimoji="0" lang="de-DE" sz="1600" kern="1200" dirty="0" smtClean="0">
+                          <a:solidFill>
+                            <a:schemeClr val="dk1"/>
+                          </a:solidFill>
+                          <a:latin typeface="+mn-lt"/>
+                          <a:ea typeface="+mn-ea"/>
+                          <a:cs typeface="+mn-cs"/>
+                        </a:rPr>
+                        <a:t>; Overall </a:t>
+                      </a:r>
+                      <a:r>
+                        <a:rPr kumimoji="0" lang="de-DE" sz="1600" kern="1200" dirty="0" err="1" smtClean="0">
+                          <a:solidFill>
+                            <a:schemeClr val="dk1"/>
+                          </a:solidFill>
+                          <a:latin typeface="+mn-lt"/>
+                          <a:ea typeface="+mn-ea"/>
+                          <a:cs typeface="+mn-cs"/>
+                        </a:rPr>
+                        <a:t>testing</a:t>
+                      </a:r>
+                      <a:r>
+                        <a:rPr kumimoji="0" lang="de-DE" sz="1600" kern="1200" dirty="0" smtClean="0">
+                          <a:solidFill>
+                            <a:schemeClr val="dk1"/>
+                          </a:solidFill>
+                          <a:latin typeface="+mn-lt"/>
+                          <a:ea typeface="+mn-ea"/>
+                          <a:cs typeface="+mn-cs"/>
+                        </a:rPr>
+                        <a:t> („Bug </a:t>
+                      </a:r>
+                      <a:r>
+                        <a:rPr kumimoji="0" lang="de-DE" sz="1600" kern="1200" dirty="0" err="1" smtClean="0">
+                          <a:solidFill>
+                            <a:schemeClr val="dk1"/>
+                          </a:solidFill>
+                          <a:latin typeface="+mn-lt"/>
+                          <a:ea typeface="+mn-ea"/>
+                          <a:cs typeface="+mn-cs"/>
+                        </a:rPr>
+                        <a:t>hunting</a:t>
+                      </a:r>
+                      <a:r>
+                        <a:rPr kumimoji="0" lang="de-DE" sz="1600" kern="1200" dirty="0" smtClean="0">
+                          <a:solidFill>
+                            <a:schemeClr val="dk1"/>
+                          </a:solidFill>
+                          <a:latin typeface="+mn-lt"/>
+                          <a:ea typeface="+mn-ea"/>
+                          <a:cs typeface="+mn-cs"/>
+                        </a:rPr>
+                        <a:t>“)</a:t>
+                      </a:r>
+                    </a:p>
+                    <a:p>
+                      <a:pPr marL="0" lvl="0" indent="-285750" algn="l" rtl="0" eaLnBrk="1" latinLnBrk="0" hangingPunct="1">
+                        <a:buFont typeface="Arial" pitchFamily="34" charset="0"/>
+                        <a:buChar char="•"/>
+                      </a:pPr>
+                      <a:endParaRPr kumimoji="0" lang="de-DE" sz="1600" kern="1200" dirty="0">
+                        <a:solidFill>
+                          <a:schemeClr val="dk1"/>
+                        </a:solidFill>
+                        <a:latin typeface="+mn-lt"/>
+                        <a:ea typeface="+mn-ea"/>
+                        <a:cs typeface="+mn-cs"/>
+                      </a:endParaRPr>
                     </a:p>
                   </a:txBody>
                   <a:tcPr/>
@@ -7158,7 +7493,166 @@
                     <a:bodyPr/>
                     <a:lstStyle/>
                     <a:p>
-                      <a:endParaRPr lang="de-DE" dirty="0"/>
+                      <a:pPr marL="0" marR="0" lvl="0" indent="-285750" algn="l" defTabSz="914400" rtl="0" eaLnBrk="1" fontAlgn="auto" latinLnBrk="0" hangingPunct="1">
+                        <a:lnSpc>
+                          <a:spcPct val="100000"/>
+                        </a:lnSpc>
+                        <a:spcBef>
+                          <a:spcPts val="0"/>
+                        </a:spcBef>
+                        <a:spcAft>
+                          <a:spcPts val="0"/>
+                        </a:spcAft>
+                        <a:buClrTx/>
+                        <a:buSzTx/>
+                        <a:buFont typeface="Arial" pitchFamily="34" charset="0"/>
+                        <a:buChar char="•"/>
+                        <a:tabLst/>
+                        <a:defRPr/>
+                      </a:pPr>
+                      <a:r>
+                        <a:rPr kumimoji="0" lang="de-DE" sz="1600" kern="1200" dirty="0" smtClean="0">
+                          <a:solidFill>
+                            <a:schemeClr val="dk1"/>
+                          </a:solidFill>
+                          <a:latin typeface="+mn-lt"/>
+                          <a:ea typeface="+mn-ea"/>
+                          <a:cs typeface="+mn-cs"/>
+                        </a:rPr>
+                        <a:t> </a:t>
+                      </a:r>
+                      <a:r>
+                        <a:rPr kumimoji="0" lang="de-DE" sz="1600" kern="1200" dirty="0" err="1" smtClean="0">
+                          <a:solidFill>
+                            <a:schemeClr val="dk1"/>
+                          </a:solidFill>
+                          <a:latin typeface="+mn-lt"/>
+                          <a:ea typeface="+mn-ea"/>
+                          <a:cs typeface="+mn-cs"/>
+                        </a:rPr>
+                        <a:t>Buffer</a:t>
+                      </a:r>
+                      <a:r>
+                        <a:rPr kumimoji="0" lang="de-DE" sz="1600" kern="1200" dirty="0" smtClean="0">
+                          <a:solidFill>
+                            <a:schemeClr val="dk1"/>
+                          </a:solidFill>
+                          <a:latin typeface="+mn-lt"/>
+                          <a:ea typeface="+mn-ea"/>
+                          <a:cs typeface="+mn-cs"/>
+                        </a:rPr>
+                        <a:t> (</a:t>
+                      </a:r>
+                      <a:r>
+                        <a:rPr kumimoji="0" lang="de-DE" sz="1600" kern="1200" dirty="0" err="1" smtClean="0">
+                          <a:solidFill>
+                            <a:schemeClr val="dk1"/>
+                          </a:solidFill>
+                          <a:latin typeface="+mn-lt"/>
+                          <a:ea typeface="+mn-ea"/>
+                          <a:cs typeface="+mn-cs"/>
+                        </a:rPr>
+                        <a:t>fly</a:t>
+                      </a:r>
+                      <a:r>
+                        <a:rPr kumimoji="0" lang="de-DE" sz="1600" kern="1200" dirty="0" smtClean="0">
+                          <a:solidFill>
+                            <a:schemeClr val="dk1"/>
+                          </a:solidFill>
+                          <a:latin typeface="+mn-lt"/>
+                          <a:ea typeface="+mn-ea"/>
+                          <a:cs typeface="+mn-cs"/>
+                        </a:rPr>
+                        <a:t> </a:t>
+                      </a:r>
+                      <a:r>
+                        <a:rPr kumimoji="0" lang="de-DE" sz="1600" kern="1200" dirty="0" err="1" smtClean="0">
+                          <a:solidFill>
+                            <a:schemeClr val="dk1"/>
+                          </a:solidFill>
+                          <a:latin typeface="+mn-lt"/>
+                          <a:ea typeface="+mn-ea"/>
+                          <a:cs typeface="+mn-cs"/>
+                        </a:rPr>
+                        <a:t>physics</a:t>
+                      </a:r>
+                      <a:r>
+                        <a:rPr kumimoji="0" lang="de-DE" sz="1600" kern="1200" dirty="0" smtClean="0">
+                          <a:solidFill>
+                            <a:schemeClr val="dk1"/>
+                          </a:solidFill>
+                          <a:latin typeface="+mn-lt"/>
+                          <a:ea typeface="+mn-ea"/>
+                          <a:cs typeface="+mn-cs"/>
+                        </a:rPr>
+                        <a:t>, </a:t>
+                      </a:r>
+                      <a:r>
+                        <a:rPr kumimoji="0" lang="de-DE" sz="1600" kern="1200" dirty="0" err="1" smtClean="0">
+                          <a:solidFill>
+                            <a:schemeClr val="dk1"/>
+                          </a:solidFill>
+                          <a:latin typeface="+mn-lt"/>
+                          <a:ea typeface="+mn-ea"/>
+                          <a:cs typeface="+mn-cs"/>
+                        </a:rPr>
+                        <a:t>game</a:t>
+                      </a:r>
+                      <a:r>
+                        <a:rPr kumimoji="0" lang="de-DE" sz="1600" kern="1200" dirty="0" smtClean="0">
+                          <a:solidFill>
+                            <a:schemeClr val="dk1"/>
+                          </a:solidFill>
+                          <a:latin typeface="+mn-lt"/>
+                          <a:ea typeface="+mn-ea"/>
+                          <a:cs typeface="+mn-cs"/>
+                        </a:rPr>
+                        <a:t> </a:t>
+                      </a:r>
+                      <a:r>
+                        <a:rPr kumimoji="0" lang="de-DE" sz="1600" kern="1200" dirty="0" err="1" smtClean="0">
+                          <a:solidFill>
+                            <a:schemeClr val="dk1"/>
+                          </a:solidFill>
+                          <a:latin typeface="+mn-lt"/>
+                          <a:ea typeface="+mn-ea"/>
+                          <a:cs typeface="+mn-cs"/>
+                        </a:rPr>
+                        <a:t>logics</a:t>
+                      </a:r>
+                      <a:r>
+                        <a:rPr kumimoji="0" lang="de-DE" sz="1600" kern="1200" dirty="0" smtClean="0">
+                          <a:solidFill>
+                            <a:schemeClr val="dk1"/>
+                          </a:solidFill>
+                          <a:latin typeface="+mn-lt"/>
+                          <a:ea typeface="+mn-ea"/>
+                          <a:cs typeface="+mn-cs"/>
+                        </a:rPr>
+                        <a:t>, </a:t>
+                      </a:r>
+                      <a:r>
+                        <a:rPr kumimoji="0" lang="de-DE" sz="1600" kern="1200" dirty="0" err="1" smtClean="0">
+                          <a:solidFill>
+                            <a:schemeClr val="dk1"/>
+                          </a:solidFill>
+                          <a:latin typeface="+mn-lt"/>
+                          <a:ea typeface="+mn-ea"/>
+                          <a:cs typeface="+mn-cs"/>
+                        </a:rPr>
+                        <a:t>assistant</a:t>
+                      </a:r>
+                      <a:r>
+                        <a:rPr kumimoji="0" lang="de-DE" sz="1600" kern="1200" dirty="0" smtClean="0">
+                          <a:solidFill>
+                            <a:schemeClr val="dk1"/>
+                          </a:solidFill>
+                          <a:latin typeface="+mn-lt"/>
+                          <a:ea typeface="+mn-ea"/>
+                          <a:cs typeface="+mn-cs"/>
+                        </a:rPr>
+                        <a:t>)</a:t>
+                      </a:r>
                     </a:p>
                   </a:txBody>
                   <a:tcPr/>
@@ -9301,7 +9795,13 @@
           <p:cNvGraphicFramePr>
             <a:graphicFrameLocks noGrp="1"/>
           </p:cNvGraphicFramePr>
-          <p:nvPr/>
+          <p:nvPr>
+            <p:extLst>
+              <p:ext uri="{D42A27DB-BD31-4B8C-83A1-F6EECF244321}">
+                <p14:modId xmlns:p14="http://schemas.microsoft.com/office/powerpoint/2010/main" val="1963479039"/>
+              </p:ext>
+            </p:extLst>
+          </p:nvPr>
         </p:nvGraphicFramePr>
         <p:xfrm>
           <a:off x="179512" y="1201316"/>
@@ -9617,7 +10117,7 @@
                     <a:bodyPr/>
                     <a:lstStyle/>
                     <a:p>
-                      <a:pPr marL="0" marR="0" indent="0" algn="l" defTabSz="914400" rtl="0" eaLnBrk="1" fontAlgn="auto" latinLnBrk="0" hangingPunct="1">
+                      <a:pPr marL="0" marR="0" lvl="0" indent="-285750" algn="l" defTabSz="914400" rtl="0" eaLnBrk="1" fontAlgn="auto" latinLnBrk="0" hangingPunct="1">
                         <a:lnSpc>
                           <a:spcPct val="100000"/>
                         </a:lnSpc>
@@ -9635,22 +10135,57 @@
                         <a:defRPr/>
                       </a:pPr>
                       <a:r>
-                        <a:rPr lang="de-DE" sz="1600" baseline="0" dirty="0" smtClean="0"/>
+                        <a:rPr kumimoji="0" lang="de-DE" sz="1600" kern="1200" dirty="0" smtClean="0">
+                          <a:solidFill>
+                            <a:srgbClr val="008000"/>
+                          </a:solidFill>
+                          <a:latin typeface="+mn-lt"/>
+                          <a:ea typeface="+mn-ea"/>
+                          <a:cs typeface="+mn-cs"/>
+                        </a:rPr>
                         <a:t> Laws </a:t>
                       </a:r>
                       <a:r>
-                        <a:rPr lang="de-DE" sz="1600" baseline="0" dirty="0" err="1" smtClean="0"/>
+                        <a:rPr kumimoji="0" lang="de-DE" sz="1600" kern="1200" dirty="0" err="1" smtClean="0">
+                          <a:solidFill>
+                            <a:srgbClr val="008000"/>
+                          </a:solidFill>
+                          <a:latin typeface="+mn-lt"/>
+                          <a:ea typeface="+mn-ea"/>
+                          <a:cs typeface="+mn-cs"/>
+                        </a:rPr>
                         <a:t>of</a:t>
                       </a:r>
                       <a:r>
-                        <a:rPr lang="de-DE" sz="1600" baseline="0" dirty="0" smtClean="0"/>
+                        <a:rPr kumimoji="0" lang="de-DE" sz="1600" kern="1200" dirty="0" smtClean="0">
+                          <a:solidFill>
+                            <a:srgbClr val="008000"/>
+                          </a:solidFill>
+                          <a:latin typeface="+mn-lt"/>
+                          <a:ea typeface="+mn-ea"/>
+                          <a:cs typeface="+mn-cs"/>
+                        </a:rPr>
                         <a:t> </a:t>
                       </a:r>
                       <a:r>
-                        <a:rPr lang="de-DE" sz="1600" baseline="0" dirty="0" err="1" smtClean="0"/>
+                        <a:rPr kumimoji="0" lang="de-DE" sz="1600" kern="1200" dirty="0" err="1" smtClean="0">
+                          <a:solidFill>
+                            <a:srgbClr val="008000"/>
+                          </a:solidFill>
+                          <a:latin typeface="+mn-lt"/>
+                          <a:ea typeface="+mn-ea"/>
+                          <a:cs typeface="+mn-cs"/>
+                        </a:rPr>
                         <a:t>aerodynamics</a:t>
                       </a:r>
-                      <a:endParaRPr lang="de-DE" sz="1600" dirty="0" smtClean="0"/>
+                      <a:endParaRPr kumimoji="0" lang="de-DE" sz="1600" kern="1200" dirty="0" smtClean="0">
+                        <a:solidFill>
+                          <a:srgbClr val="008000"/>
+                        </a:solidFill>
+                        <a:latin typeface="+mn-lt"/>
+                        <a:ea typeface="+mn-ea"/>
+                        <a:cs typeface="+mn-cs"/>
+                      </a:endParaRPr>
                     </a:p>
                   </a:txBody>
                   <a:tcPr/>
@@ -9933,7 +10468,7 @@
                     <a:bodyPr/>
                     <a:lstStyle/>
                     <a:p>
-                      <a:pPr marL="0" marR="0" lvl="0" indent="0" algn="l" defTabSz="914400" rtl="0" eaLnBrk="1" fontAlgn="auto" latinLnBrk="0" hangingPunct="1">
+                      <a:pPr marL="0" marR="0" lvl="0" indent="-285750" algn="l" defTabSz="914400" rtl="0" eaLnBrk="1" fontAlgn="auto" latinLnBrk="0" hangingPunct="1">
                         <a:lnSpc>
                           <a:spcPct val="100000"/>
                         </a:lnSpc>
@@ -9951,21 +10486,101 @@
                         <a:defRPr/>
                       </a:pPr>
                       <a:r>
-                        <a:rPr lang="de-DE" sz="1600" dirty="0" smtClean="0"/>
-                        <a:t> F</a:t>
-                      </a:r>
-                      <a:r>
-                        <a:rPr lang="de-DE" sz="1600" baseline="0" dirty="0" smtClean="0"/>
-                        <a:t>irst </a:t>
-                      </a:r>
-                      <a:r>
-                        <a:rPr lang="de-DE" sz="1600" baseline="0" dirty="0" err="1" smtClean="0"/>
-                        <a:t>aerodynamic</a:t>
-                      </a:r>
-                      <a:r>
-                        <a:rPr lang="de-DE" sz="1600" baseline="0" dirty="0" smtClean="0"/>
-                        <a:t> (ad) model</a:t>
-                      </a:r>
+                        <a:rPr kumimoji="0" lang="de-DE" sz="1600" kern="1200" dirty="0" smtClean="0">
+                          <a:solidFill>
+                            <a:srgbClr val="008000"/>
+                          </a:solidFill>
+                          <a:latin typeface="+mn-lt"/>
+                          <a:ea typeface="+mn-ea"/>
+                          <a:cs typeface="+mn-cs"/>
+                        </a:rPr>
+                        <a:t> First </a:t>
+                      </a:r>
+                      <a:r>
+                        <a:rPr kumimoji="0" lang="de-DE" sz="1600" kern="1200" dirty="0" err="1" smtClean="0">
+                          <a:solidFill>
+                            <a:srgbClr val="008000"/>
+                          </a:solidFill>
+                          <a:latin typeface="+mn-lt"/>
+                          <a:ea typeface="+mn-ea"/>
+                          <a:cs typeface="+mn-cs"/>
+                        </a:rPr>
+                        <a:t>model</a:t>
+                      </a:r>
+                      <a:r>
+                        <a:rPr kumimoji="0" lang="de-DE" sz="1600" kern="1200" dirty="0" smtClean="0">
+                          <a:solidFill>
+                            <a:srgbClr val="008000"/>
+                          </a:solidFill>
+                          <a:latin typeface="+mn-lt"/>
+                          <a:ea typeface="+mn-ea"/>
+                          <a:cs typeface="+mn-cs"/>
+                        </a:rPr>
+                        <a:t> </a:t>
+                      </a:r>
+                      <a:r>
+                        <a:rPr kumimoji="0" lang="de-DE" sz="1600" kern="1200" dirty="0" err="1" smtClean="0">
+                          <a:solidFill>
+                            <a:srgbClr val="008000"/>
+                          </a:solidFill>
+                          <a:latin typeface="+mn-lt"/>
+                          <a:ea typeface="+mn-ea"/>
+                          <a:cs typeface="+mn-cs"/>
+                        </a:rPr>
+                        <a:t>based</a:t>
+                      </a:r>
+                      <a:r>
+                        <a:rPr kumimoji="0" lang="de-DE" sz="1600" kern="1200" dirty="0" smtClean="0">
+                          <a:solidFill>
+                            <a:srgbClr val="008000"/>
+                          </a:solidFill>
+                          <a:latin typeface="+mn-lt"/>
+                          <a:ea typeface="+mn-ea"/>
+                          <a:cs typeface="+mn-cs"/>
+                        </a:rPr>
+                        <a:t> on real </a:t>
+                      </a:r>
+                      <a:r>
+                        <a:rPr kumimoji="0" lang="de-DE" sz="1600" kern="1200" dirty="0" err="1" smtClean="0">
+                          <a:solidFill>
+                            <a:srgbClr val="008000"/>
+                          </a:solidFill>
+                          <a:latin typeface="+mn-lt"/>
+                          <a:ea typeface="+mn-ea"/>
+                          <a:cs typeface="+mn-cs"/>
+                        </a:rPr>
+                        <a:t>physic</a:t>
+                      </a:r>
+                      <a:r>
+                        <a:rPr kumimoji="0" lang="de-DE" sz="1600" kern="1200" dirty="0" smtClean="0">
+                          <a:solidFill>
+                            <a:srgbClr val="008000"/>
+                          </a:solidFill>
+                          <a:latin typeface="+mn-lt"/>
+                          <a:ea typeface="+mn-ea"/>
+                          <a:cs typeface="+mn-cs"/>
+                        </a:rPr>
+                        <a:t> </a:t>
+                      </a:r>
+                      <a:r>
+                        <a:rPr kumimoji="0" lang="de-DE" sz="1600" kern="1200" dirty="0" err="1" smtClean="0">
+                          <a:solidFill>
+                            <a:srgbClr val="008000"/>
+                          </a:solidFill>
+                          <a:latin typeface="+mn-lt"/>
+                          <a:ea typeface="+mn-ea"/>
+                          <a:cs typeface="+mn-cs"/>
+                        </a:rPr>
+                        <a:t>laws</a:t>
+                      </a:r>
+                      <a:endParaRPr kumimoji="0" lang="de-DE" sz="1600" kern="1200" dirty="0" smtClean="0">
+                        <a:solidFill>
+                          <a:srgbClr val="008000"/>
+                        </a:solidFill>
+                        <a:latin typeface="+mn-lt"/>
+                        <a:ea typeface="+mn-ea"/>
+                        <a:cs typeface="+mn-cs"/>
+                      </a:endParaRPr>
                     </a:p>
                   </a:txBody>
                   <a:tcPr/>
@@ -10336,7 +10951,7 @@
                     <a:bodyPr/>
                     <a:lstStyle/>
                     <a:p>
-                      <a:pPr marL="0" marR="0" lvl="0" indent="0" algn="l" defTabSz="914400" rtl="0" eaLnBrk="1" fontAlgn="auto" latinLnBrk="0" hangingPunct="1">
+                      <a:pPr marL="0" marR="0" lvl="0" indent="-285750" algn="l" defTabSz="914400" rtl="0" eaLnBrk="1" fontAlgn="auto" latinLnBrk="0" hangingPunct="1">
                         <a:lnSpc>
                           <a:spcPct val="100000"/>
                         </a:lnSpc>
@@ -10354,25 +10969,145 @@
                         <a:defRPr/>
                       </a:pPr>
                       <a:r>
-                        <a:rPr lang="de-DE" sz="1600" dirty="0" smtClean="0"/>
+                        <a:rPr kumimoji="0" lang="de-DE" sz="1600" kern="1200" dirty="0" smtClean="0">
+                          <a:solidFill>
+                            <a:srgbClr val="008000"/>
+                          </a:solidFill>
+                          <a:latin typeface="+mn-lt"/>
+                          <a:ea typeface="+mn-ea"/>
+                          <a:cs typeface="+mn-cs"/>
+                        </a:rPr>
                         <a:t> </a:t>
                       </a:r>
                       <a:r>
-                        <a:rPr lang="de-DE" sz="1600" dirty="0" err="1" smtClean="0"/>
-                        <a:t>Continue</a:t>
-                      </a:r>
-                      <a:r>
-                        <a:rPr lang="de-DE" sz="1600" dirty="0" smtClean="0"/>
+                        <a:rPr kumimoji="0" lang="de-DE" sz="1600" kern="1200" dirty="0" err="1" smtClean="0">
+                          <a:solidFill>
+                            <a:srgbClr val="008000"/>
+                          </a:solidFill>
+                          <a:latin typeface="+mn-lt"/>
+                          <a:ea typeface="+mn-ea"/>
+                          <a:cs typeface="+mn-cs"/>
+                        </a:rPr>
+                        <a:t>Continuing</a:t>
+                      </a:r>
+                      <a:r>
+                        <a:rPr kumimoji="0" lang="de-DE" sz="1600" kern="1200" dirty="0" smtClean="0">
+                          <a:solidFill>
+                            <a:srgbClr val="008000"/>
+                          </a:solidFill>
+                          <a:latin typeface="+mn-lt"/>
+                          <a:ea typeface="+mn-ea"/>
+                          <a:cs typeface="+mn-cs"/>
+                        </a:rPr>
                         <a:t> </a:t>
                       </a:r>
                       <a:r>
-                        <a:rPr lang="de-DE" sz="1600" dirty="0" err="1" smtClean="0"/>
+                        <a:rPr kumimoji="0" lang="de-DE" sz="1600" kern="1200" dirty="0" err="1" smtClean="0">
+                          <a:solidFill>
+                            <a:srgbClr val="008000"/>
+                          </a:solidFill>
+                          <a:latin typeface="+mn-lt"/>
+                          <a:ea typeface="+mn-ea"/>
+                          <a:cs typeface="+mn-cs"/>
+                        </a:rPr>
                         <a:t>work</a:t>
                       </a:r>
                       <a:r>
-                        <a:rPr lang="de-DE" sz="1600" dirty="0" smtClean="0"/>
-                        <a:t> ad. model</a:t>
-                      </a:r>
+                        <a:rPr kumimoji="0" lang="de-DE" sz="1600" kern="1200" dirty="0" smtClean="0">
+                          <a:solidFill>
+                            <a:srgbClr val="008000"/>
+                          </a:solidFill>
+                          <a:latin typeface="+mn-lt"/>
+                          <a:ea typeface="+mn-ea"/>
+                          <a:cs typeface="+mn-cs"/>
+                        </a:rPr>
+                        <a:t> on </a:t>
+                      </a:r>
+                      <a:r>
+                        <a:rPr kumimoji="0" lang="de-DE" sz="1600" kern="1200" dirty="0" err="1" smtClean="0">
+                          <a:solidFill>
+                            <a:srgbClr val="008000"/>
+                          </a:solidFill>
+                          <a:latin typeface="+mn-lt"/>
+                          <a:ea typeface="+mn-ea"/>
+                          <a:cs typeface="+mn-cs"/>
+                        </a:rPr>
+                        <a:t>the</a:t>
+                      </a:r>
+                      <a:r>
+                        <a:rPr kumimoji="0" lang="de-DE" sz="1600" kern="1200" dirty="0" smtClean="0">
+                          <a:solidFill>
+                            <a:srgbClr val="008000"/>
+                          </a:solidFill>
+                          <a:latin typeface="+mn-lt"/>
+                          <a:ea typeface="+mn-ea"/>
+                          <a:cs typeface="+mn-cs"/>
+                        </a:rPr>
+                        <a:t> </a:t>
+                      </a:r>
+                      <a:r>
+                        <a:rPr kumimoji="0" lang="de-DE" sz="1600" kern="1200" dirty="0" err="1" smtClean="0">
+                          <a:solidFill>
+                            <a:srgbClr val="008000"/>
+                          </a:solidFill>
+                          <a:latin typeface="+mn-lt"/>
+                          <a:ea typeface="+mn-ea"/>
+                          <a:cs typeface="+mn-cs"/>
+                        </a:rPr>
+                        <a:t>flying</a:t>
+                      </a:r>
+                      <a:r>
+                        <a:rPr kumimoji="0" lang="de-DE" sz="1600" kern="1200" dirty="0" smtClean="0">
+                          <a:solidFill>
+                            <a:srgbClr val="008000"/>
+                          </a:solidFill>
+                          <a:latin typeface="+mn-lt"/>
+                          <a:ea typeface="+mn-ea"/>
+                          <a:cs typeface="+mn-cs"/>
+                        </a:rPr>
+                        <a:t> </a:t>
+                      </a:r>
+                      <a:r>
+                        <a:rPr kumimoji="0" lang="de-DE" sz="1600" kern="1200" dirty="0" err="1" smtClean="0">
+                          <a:solidFill>
+                            <a:srgbClr val="008000"/>
+                          </a:solidFill>
+                          <a:latin typeface="+mn-lt"/>
+                          <a:ea typeface="+mn-ea"/>
+                          <a:cs typeface="+mn-cs"/>
+                        </a:rPr>
+                        <a:t>physics</a:t>
+                      </a:r>
+                      <a:r>
+                        <a:rPr kumimoji="0" lang="de-DE" sz="1600" kern="1200" dirty="0" smtClean="0">
+                          <a:solidFill>
+                            <a:srgbClr val="008000"/>
+                          </a:solidFill>
+                          <a:latin typeface="+mn-lt"/>
+                          <a:ea typeface="+mn-ea"/>
+                          <a:cs typeface="+mn-cs"/>
+                        </a:rPr>
+                        <a:t> </a:t>
+                      </a:r>
+                      <a:r>
+                        <a:rPr kumimoji="0" lang="de-DE" sz="1600" kern="1200" dirty="0" err="1" smtClean="0">
+                          <a:solidFill>
+                            <a:srgbClr val="008000"/>
+                          </a:solidFill>
+                          <a:latin typeface="+mn-lt"/>
+                          <a:ea typeface="+mn-ea"/>
+                          <a:cs typeface="+mn-cs"/>
+                        </a:rPr>
+                        <a:t>model</a:t>
+                      </a:r>
+                      <a:endParaRPr kumimoji="0" lang="de-DE" sz="1600" kern="1200" dirty="0" smtClean="0">
+                        <a:solidFill>
+                          <a:srgbClr val="008000"/>
+                        </a:solidFill>
+                        <a:latin typeface="+mn-lt"/>
+                        <a:ea typeface="+mn-ea"/>
+                        <a:cs typeface="+mn-cs"/>
+                      </a:endParaRPr>
                     </a:p>
                   </a:txBody>
                   <a:tcPr/>
@@ -10671,7 +11406,13 @@
           <p:cNvGraphicFramePr>
             <a:graphicFrameLocks noGrp="1"/>
           </p:cNvGraphicFramePr>
-          <p:nvPr/>
+          <p:nvPr>
+            <p:extLst>
+              <p:ext uri="{D42A27DB-BD31-4B8C-83A1-F6EECF244321}">
+                <p14:modId xmlns:p14="http://schemas.microsoft.com/office/powerpoint/2010/main" val="313239159"/>
+              </p:ext>
+            </p:extLst>
+          </p:nvPr>
         </p:nvGraphicFramePr>
         <p:xfrm>
           <a:off x="179512" y="1201316"/>
@@ -10987,7 +11728,40 @@
                     <a:bodyPr/>
                     <a:lstStyle/>
                     <a:p>
-                      <a:endParaRPr lang="de-DE" dirty="0"/>
+                      <a:pPr marL="0" marR="0" indent="0" algn="l" defTabSz="914400" rtl="0" eaLnBrk="1" fontAlgn="auto" latinLnBrk="0" hangingPunct="1">
+                        <a:lnSpc>
+                          <a:spcPct val="100000"/>
+                        </a:lnSpc>
+                        <a:spcBef>
+                          <a:spcPts val="0"/>
+                        </a:spcBef>
+                        <a:spcAft>
+                          <a:spcPts val="0"/>
+                        </a:spcAft>
+                        <a:buClrTx/>
+                        <a:buSzTx/>
+                        <a:buFont typeface="Arial" pitchFamily="34" charset="0"/>
+                        <a:buChar char="•"/>
+                        <a:tabLst/>
+                        <a:defRPr/>
+                      </a:pPr>
+                      <a:r>
+                        <a:rPr lang="de-DE" sz="1600" baseline="0" dirty="0" smtClean="0"/>
+                        <a:t> Laws </a:t>
+                      </a:r>
+                      <a:r>
+                        <a:rPr lang="de-DE" sz="1600" baseline="0" dirty="0" err="1" smtClean="0"/>
+                        <a:t>of</a:t>
+                      </a:r>
+                      <a:r>
+                        <a:rPr lang="de-DE" sz="1600" baseline="0" dirty="0" smtClean="0"/>
+                        <a:t> </a:t>
+                      </a:r>
+                      <a:r>
+                        <a:rPr lang="de-DE" sz="1600" baseline="0" dirty="0" err="1" smtClean="0"/>
+                        <a:t>aerodynamics</a:t>
+                      </a:r>
+                      <a:endParaRPr lang="de-DE" sz="1600" dirty="0" smtClean="0"/>
                     </a:p>
                   </a:txBody>
                   <a:tcPr/>
@@ -11172,7 +11946,64 @@
                     <a:bodyPr/>
                     <a:lstStyle/>
                     <a:p>
-                      <a:endParaRPr lang="de-DE"/>
+                      <a:pPr marL="0" marR="0" lvl="0" indent="0" algn="l" defTabSz="914400" rtl="0" eaLnBrk="1" fontAlgn="auto" latinLnBrk="0" hangingPunct="1">
+                        <a:lnSpc>
+                          <a:spcPct val="100000"/>
+                        </a:lnSpc>
+                        <a:spcBef>
+                          <a:spcPts val="0"/>
+                        </a:spcBef>
+                        <a:spcAft>
+                          <a:spcPts val="0"/>
+                        </a:spcAft>
+                        <a:buClrTx/>
+                        <a:buSzTx/>
+                        <a:buFont typeface="Arial" pitchFamily="34" charset="0"/>
+                        <a:buChar char="•"/>
+                        <a:tabLst/>
+                        <a:defRPr/>
+                      </a:pPr>
+                      <a:r>
+                        <a:rPr lang="de-DE" sz="1600" dirty="0" smtClean="0"/>
+                        <a:t> </a:t>
+                      </a:r>
+                      <a:r>
+                        <a:rPr lang="de-DE" sz="1600" dirty="0" smtClean="0"/>
+                        <a:t>F</a:t>
+                      </a:r>
+                      <a:r>
+                        <a:rPr lang="de-DE" sz="1600" baseline="0" dirty="0" smtClean="0"/>
+                        <a:t>irst </a:t>
+                      </a:r>
+                      <a:r>
+                        <a:rPr lang="de-DE" sz="1600" baseline="0" dirty="0" err="1" smtClean="0"/>
+                        <a:t>model</a:t>
+                      </a:r>
+                      <a:r>
+                        <a:rPr lang="de-DE" sz="1600" baseline="0" dirty="0" smtClean="0"/>
+                        <a:t> </a:t>
+                      </a:r>
+                      <a:r>
+                        <a:rPr lang="de-DE" sz="1600" baseline="0" dirty="0" err="1" smtClean="0"/>
+                        <a:t>based</a:t>
+                      </a:r>
+                      <a:r>
+                        <a:rPr lang="de-DE" sz="1600" baseline="0" dirty="0" smtClean="0"/>
+                        <a:t> on real </a:t>
+                      </a:r>
+                      <a:r>
+                        <a:rPr lang="de-DE" sz="1600" baseline="0" dirty="0" err="1" smtClean="0"/>
+                        <a:t>physic</a:t>
+                      </a:r>
+                      <a:r>
+                        <a:rPr lang="de-DE" sz="1600" baseline="0" dirty="0" smtClean="0"/>
+                        <a:t> </a:t>
+                      </a:r>
+                      <a:r>
+                        <a:rPr lang="de-DE" sz="1600" baseline="0" dirty="0" err="1" smtClean="0"/>
+                        <a:t>laws</a:t>
+                      </a:r>
+                      <a:endParaRPr lang="de-DE" sz="1600" baseline="0" dirty="0" smtClean="0"/>
                     </a:p>
                   </a:txBody>
                   <a:tcPr/>
@@ -11373,7 +12204,72 @@
                     <a:bodyPr/>
                     <a:lstStyle/>
                     <a:p>
-                      <a:endParaRPr lang="de-DE" dirty="0"/>
+                      <a:pPr marL="0" marR="0" lvl="0" indent="0" algn="l" defTabSz="914400" rtl="0" eaLnBrk="1" fontAlgn="auto" latinLnBrk="0" hangingPunct="1">
+                        <a:lnSpc>
+                          <a:spcPct val="100000"/>
+                        </a:lnSpc>
+                        <a:spcBef>
+                          <a:spcPts val="0"/>
+                        </a:spcBef>
+                        <a:spcAft>
+                          <a:spcPts val="0"/>
+                        </a:spcAft>
+                        <a:buClrTx/>
+                        <a:buSzTx/>
+                        <a:buFont typeface="Arial" pitchFamily="34" charset="0"/>
+                        <a:buChar char="•"/>
+                        <a:tabLst/>
+                        <a:defRPr/>
+                      </a:pPr>
+                      <a:r>
+                        <a:rPr lang="de-DE" sz="1600" dirty="0" smtClean="0"/>
+                        <a:t> </a:t>
+                      </a:r>
+                      <a:r>
+                        <a:rPr lang="de-DE" sz="1600" dirty="0" err="1" smtClean="0"/>
+                        <a:t>Continuing</a:t>
+                      </a:r>
+                      <a:r>
+                        <a:rPr lang="de-DE" sz="1600" baseline="0" dirty="0" smtClean="0"/>
+                        <a:t> </a:t>
+                      </a:r>
+                      <a:r>
+                        <a:rPr lang="de-DE" sz="1600" baseline="0" dirty="0" err="1" smtClean="0"/>
+                        <a:t>work</a:t>
+                      </a:r>
+                      <a:r>
+                        <a:rPr lang="de-DE" sz="1600" baseline="0" dirty="0" smtClean="0"/>
+                        <a:t> on </a:t>
+                      </a:r>
+                      <a:r>
+                        <a:rPr lang="de-DE" sz="1600" baseline="0" dirty="0" err="1" smtClean="0"/>
+                        <a:t>the</a:t>
+                      </a:r>
+                      <a:r>
+                        <a:rPr lang="de-DE" sz="1600" baseline="0" dirty="0" smtClean="0"/>
+                        <a:t> </a:t>
+                      </a:r>
+                      <a:r>
+                        <a:rPr lang="de-DE" sz="1600" baseline="0" dirty="0" err="1" smtClean="0"/>
+                        <a:t>flying</a:t>
+                      </a:r>
+                      <a:r>
+                        <a:rPr lang="de-DE" sz="1600" baseline="0" dirty="0" smtClean="0"/>
+                        <a:t> </a:t>
+                      </a:r>
+                      <a:r>
+                        <a:rPr lang="de-DE" sz="1600" baseline="0" dirty="0" err="1" smtClean="0"/>
+                        <a:t>physics</a:t>
+                      </a:r>
+                      <a:r>
+                        <a:rPr lang="de-DE" sz="1600" baseline="0" dirty="0" smtClean="0"/>
+                        <a:t> </a:t>
+                      </a:r>
+                      <a:r>
+                        <a:rPr lang="de-DE" sz="1600" baseline="0" dirty="0" err="1" smtClean="0"/>
+                        <a:t>model</a:t>
+                      </a:r>
+                      <a:endParaRPr lang="de-DE" sz="1600" dirty="0" smtClean="0"/>
                     </a:p>
                   </a:txBody>
                   <a:tcPr/>
@@ -11577,7 +12473,13 @@
           <p:cNvGraphicFramePr>
             <a:graphicFrameLocks noGrp="1"/>
           </p:cNvGraphicFramePr>
-          <p:nvPr/>
+          <p:nvPr>
+            <p:extLst>
+              <p:ext uri="{D42A27DB-BD31-4B8C-83A1-F6EECF244321}">
+                <p14:modId xmlns:p14="http://schemas.microsoft.com/office/powerpoint/2010/main" val="3925395150"/>
+              </p:ext>
+            </p:extLst>
+          </p:nvPr>
         </p:nvGraphicFramePr>
         <p:xfrm>
           <a:off x="179512" y="1201317"/>
@@ -11693,7 +12595,7 @@
                   <a:tcPr/>
                 </a:tc>
               </a:tr>
-              <a:tr h="1295775">
+              <a:tr h="1221079">
                 <a:tc>
                   <a:txBody>
                     <a:bodyPr/>
@@ -11888,6 +12790,79 @@
                     <a:bodyPr/>
                     <a:lstStyle/>
                     <a:p>
+                      <a:pPr marL="0" lvl="0" indent="-285750" algn="l" rtl="0" eaLnBrk="1" latinLnBrk="0" hangingPunct="1">
+                        <a:buFont typeface="Arial" pitchFamily="34" charset="0"/>
+                        <a:buChar char="•"/>
+                      </a:pPr>
+                      <a:r>
+                        <a:rPr lang="de-DE" sz="1600" baseline="0" dirty="0" smtClean="0"/>
+                        <a:t> </a:t>
+                      </a:r>
+                      <a:r>
+                        <a:rPr kumimoji="0" lang="de-DE" sz="1600" kern="1200" dirty="0" err="1" smtClean="0">
+                          <a:solidFill>
+                            <a:srgbClr val="008000"/>
+                          </a:solidFill>
+                          <a:latin typeface="+mn-lt"/>
+                          <a:ea typeface="+mn-ea"/>
+                          <a:cs typeface="+mn-cs"/>
+                        </a:rPr>
+                        <a:t>Improve</a:t>
+                      </a:r>
+                      <a:r>
+                        <a:rPr kumimoji="0" lang="de-DE" sz="1600" kern="1200" dirty="0" smtClean="0">
+                          <a:solidFill>
+                            <a:srgbClr val="008000"/>
+                          </a:solidFill>
+                          <a:latin typeface="+mn-lt"/>
+                          <a:ea typeface="+mn-ea"/>
+                          <a:cs typeface="+mn-cs"/>
+                        </a:rPr>
+                        <a:t> </a:t>
+                      </a:r>
+                      <a:r>
+                        <a:rPr kumimoji="0" lang="de-DE" sz="1600" kern="1200" dirty="0" err="1" smtClean="0">
+                          <a:solidFill>
+                            <a:srgbClr val="008000"/>
+                          </a:solidFill>
+                          <a:latin typeface="+mn-lt"/>
+                          <a:ea typeface="+mn-ea"/>
+                          <a:cs typeface="+mn-cs"/>
+                        </a:rPr>
+                        <a:t>fly-physics</a:t>
+                      </a:r>
+                      <a:r>
+                        <a:rPr kumimoji="0" lang="de-DE" sz="1600" kern="1200" dirty="0" smtClean="0">
+                          <a:solidFill>
+                            <a:srgbClr val="008000"/>
+                          </a:solidFill>
+                          <a:latin typeface="+mn-lt"/>
+                          <a:ea typeface="+mn-ea"/>
+                          <a:cs typeface="+mn-cs"/>
+                        </a:rPr>
+                        <a:t> </a:t>
+                      </a:r>
+                      <a:r>
+                        <a:rPr kumimoji="0" lang="de-DE" sz="1600" kern="1200" dirty="0" err="1" smtClean="0">
+                          <a:solidFill>
+                            <a:srgbClr val="008000"/>
+                          </a:solidFill>
+                          <a:latin typeface="+mn-lt"/>
+                          <a:ea typeface="+mn-ea"/>
+                          <a:cs typeface="+mn-cs"/>
+                        </a:rPr>
+                        <a:t>model</a:t>
+                      </a:r>
+                      <a:endParaRPr kumimoji="0" lang="de-DE" sz="1600" kern="1200" dirty="0" smtClean="0">
+                        <a:solidFill>
+                          <a:srgbClr val="008000"/>
+                        </a:solidFill>
+                        <a:latin typeface="+mn-lt"/>
+                        <a:ea typeface="+mn-ea"/>
+                        <a:cs typeface="+mn-cs"/>
+                      </a:endParaRPr>
+                    </a:p>
+                    <a:p>
                       <a:pPr lvl="0">
                         <a:buFont typeface="Arial" pitchFamily="34" charset="0"/>
                         <a:buChar char="•"/>
@@ -11897,33 +12872,26 @@
                         <a:t> </a:t>
                       </a:r>
                       <a:r>
-                        <a:rPr lang="de-DE" sz="1600" baseline="0" dirty="0" err="1" smtClean="0"/>
-                        <a:t>Increase</a:t>
-                      </a:r>
-                      <a:r>
-                        <a:rPr lang="de-DE" sz="1600" baseline="0" dirty="0" smtClean="0"/>
-                        <a:t> </a:t>
-                      </a:r>
-                      <a:r>
-                        <a:rPr lang="de-DE" sz="1600" baseline="0" dirty="0" err="1" smtClean="0"/>
-                        <a:t>flyphysics</a:t>
-                      </a:r>
-                      <a:endParaRPr lang="de-DE" sz="1600" baseline="0" dirty="0" smtClean="0"/>
-                    </a:p>
-                    <a:p>
-                      <a:pPr lvl="0">
-                        <a:buFont typeface="Arial" pitchFamily="34" charset="0"/>
-                        <a:buChar char="•"/>
-                      </a:pPr>
-                      <a:r>
-                        <a:rPr lang="de-DE" sz="1600" baseline="0" dirty="0" smtClean="0"/>
-                        <a:t> Error </a:t>
-                      </a:r>
-                      <a:r>
-                        <a:rPr lang="de-DE" sz="1600" baseline="0" dirty="0" err="1" smtClean="0"/>
+                        <a:rPr lang="de-DE" sz="1600" baseline="0" dirty="0" smtClean="0">
+                          <a:solidFill>
+                            <a:srgbClr val="FF0000"/>
+                          </a:solidFill>
+                        </a:rPr>
+                        <a:t>Error </a:t>
+                      </a:r>
+                      <a:r>
+                        <a:rPr lang="de-DE" sz="1600" baseline="0" dirty="0" err="1" smtClean="0">
+                          <a:solidFill>
+                            <a:srgbClr val="FF0000"/>
+                          </a:solidFill>
+                        </a:rPr>
                         <a:t>tolerance</a:t>
                       </a:r>
-                      <a:endParaRPr lang="de-DE" sz="1600" baseline="0" dirty="0" smtClean="0"/>
+                      <a:endParaRPr lang="de-DE" sz="1600" baseline="0" dirty="0" smtClean="0">
+                        <a:solidFill>
+                          <a:srgbClr val="FF0000"/>
+                        </a:solidFill>
+                      </a:endParaRPr>
                     </a:p>
                   </a:txBody>
                   <a:tcPr/>
@@ -12307,44 +13275,107 @@
                     <a:bodyPr/>
                     <a:lstStyle/>
                     <a:p>
-                      <a:pPr lvl="0">
+                      <a:pPr marL="0" lvl="0" indent="-285750" algn="l" rtl="0" eaLnBrk="1" latinLnBrk="0" hangingPunct="1">
                         <a:buFont typeface="Arial" pitchFamily="34" charset="0"/>
                         <a:buChar char="•"/>
                       </a:pPr>
                       <a:r>
-                        <a:rPr lang="de-DE" sz="1600" baseline="0" dirty="0" smtClean="0"/>
+                        <a:rPr kumimoji="0" lang="de-DE" sz="1600" kern="1200" dirty="0" smtClean="0">
+                          <a:solidFill>
+                            <a:srgbClr val="008000"/>
+                          </a:solidFill>
+                          <a:latin typeface="+mn-lt"/>
+                          <a:ea typeface="+mn-ea"/>
+                          <a:cs typeface="+mn-cs"/>
+                        </a:rPr>
                         <a:t>Add </a:t>
                       </a:r>
                       <a:r>
-                        <a:rPr lang="de-DE" sz="1600" baseline="0" dirty="0" err="1" smtClean="0"/>
+                        <a:rPr kumimoji="0" lang="de-DE" sz="1600" kern="1200" dirty="0" err="1" smtClean="0">
+                          <a:solidFill>
+                            <a:srgbClr val="008000"/>
+                          </a:solidFill>
+                          <a:latin typeface="+mn-lt"/>
+                          <a:ea typeface="+mn-ea"/>
+                          <a:cs typeface="+mn-cs"/>
+                        </a:rPr>
                         <a:t>configuratable</a:t>
                       </a:r>
                       <a:r>
-                        <a:rPr lang="de-DE" sz="1600" baseline="0" dirty="0" smtClean="0"/>
+                        <a:rPr kumimoji="0" lang="de-DE" sz="1600" kern="1200" dirty="0" smtClean="0">
+                          <a:solidFill>
+                            <a:srgbClr val="008000"/>
+                          </a:solidFill>
+                          <a:latin typeface="+mn-lt"/>
+                          <a:ea typeface="+mn-ea"/>
+                          <a:cs typeface="+mn-cs"/>
+                        </a:rPr>
                         <a:t> </a:t>
                       </a:r>
                       <a:r>
-                        <a:rPr lang="de-DE" sz="1600" baseline="0" dirty="0" err="1" smtClean="0"/>
+                        <a:rPr kumimoji="0" lang="de-DE" sz="1600" kern="1200" dirty="0" err="1" smtClean="0">
+                          <a:solidFill>
+                            <a:srgbClr val="008000"/>
+                          </a:solidFill>
+                          <a:latin typeface="+mn-lt"/>
+                          <a:ea typeface="+mn-ea"/>
+                          <a:cs typeface="+mn-cs"/>
+                        </a:rPr>
                         <a:t>properties</a:t>
                       </a:r>
                       <a:r>
-                        <a:rPr lang="de-DE" sz="1600" baseline="0" dirty="0" smtClean="0"/>
+                        <a:rPr kumimoji="0" lang="de-DE" sz="1600" kern="1200" dirty="0" smtClean="0">
+                          <a:solidFill>
+                            <a:srgbClr val="008000"/>
+                          </a:solidFill>
+                          <a:latin typeface="+mn-lt"/>
+                          <a:ea typeface="+mn-ea"/>
+                          <a:cs typeface="+mn-cs"/>
+                        </a:rPr>
                         <a:t> </a:t>
                       </a:r>
                       <a:r>
-                        <a:rPr lang="de-DE" sz="1600" baseline="0" dirty="0" err="1" smtClean="0"/>
+                        <a:rPr kumimoji="0" lang="de-DE" sz="1600" kern="1200" dirty="0" err="1" smtClean="0">
+                          <a:solidFill>
+                            <a:srgbClr val="008000"/>
+                          </a:solidFill>
+                          <a:latin typeface="+mn-lt"/>
+                          <a:ea typeface="+mn-ea"/>
+                          <a:cs typeface="+mn-cs"/>
+                        </a:rPr>
                         <a:t>to</a:t>
                       </a:r>
                       <a:r>
-                        <a:rPr lang="de-DE" sz="1600" baseline="0" dirty="0" smtClean="0"/>
+                        <a:rPr kumimoji="0" lang="de-DE" sz="1600" kern="1200" dirty="0" smtClean="0">
+                          <a:solidFill>
+                            <a:srgbClr val="008000"/>
+                          </a:solidFill>
+                          <a:latin typeface="+mn-lt"/>
+                          <a:ea typeface="+mn-ea"/>
+                          <a:cs typeface="+mn-cs"/>
+                        </a:rPr>
                         <a:t> </a:t>
                       </a:r>
                       <a:r>
-                        <a:rPr lang="de-DE" sz="1600" baseline="0" dirty="0" err="1" smtClean="0"/>
+                        <a:rPr kumimoji="0" lang="de-DE" sz="1600" kern="1200" dirty="0" err="1" smtClean="0">
+                          <a:solidFill>
+                            <a:srgbClr val="008000"/>
+                          </a:solidFill>
+                          <a:latin typeface="+mn-lt"/>
+                          <a:ea typeface="+mn-ea"/>
+                          <a:cs typeface="+mn-cs"/>
+                        </a:rPr>
                         <a:t>flying</a:t>
                       </a:r>
                       <a:r>
-                        <a:rPr lang="de-DE" sz="1600" baseline="0" dirty="0" smtClean="0"/>
+                        <a:rPr kumimoji="0" lang="de-DE" sz="1600" kern="1200" dirty="0" smtClean="0">
+                          <a:solidFill>
+                            <a:srgbClr val="008000"/>
+                          </a:solidFill>
+                          <a:latin typeface="+mn-lt"/>
+                          <a:ea typeface="+mn-ea"/>
+                          <a:cs typeface="+mn-cs"/>
+                        </a:rPr>
                         <a:t>-model</a:t>
                       </a:r>
                     </a:p>
@@ -13084,11 +14115,17 @@
           <p:cNvGraphicFramePr>
             <a:graphicFrameLocks noGrp="1"/>
           </p:cNvGraphicFramePr>
-          <p:nvPr/>
+          <p:nvPr>
+            <p:extLst>
+              <p:ext uri="{D42A27DB-BD31-4B8C-83A1-F6EECF244321}">
+                <p14:modId xmlns:p14="http://schemas.microsoft.com/office/powerpoint/2010/main" val="1934926722"/>
+              </p:ext>
+            </p:extLst>
+          </p:nvPr>
         </p:nvGraphicFramePr>
         <p:xfrm>
           <a:off x="179512" y="1201316"/>
-          <a:ext cx="8784978" cy="4019038"/>
+          <a:ext cx="8784978" cy="4573096"/>
         </p:xfrm>
         <a:graphic>
           <a:graphicData uri="http://schemas.openxmlformats.org/drawingml/2006/table">
@@ -13434,7 +14471,159 @@
                     <a:bodyPr/>
                     <a:lstStyle/>
                     <a:p>
-                      <a:endParaRPr lang="de-DE" dirty="0"/>
+                      <a:pPr lvl="0">
+                        <a:buFont typeface="Arial" pitchFamily="34" charset="0"/>
+                        <a:buChar char="•"/>
+                      </a:pPr>
+                      <a:r>
+                        <a:rPr lang="de-DE" sz="1600" dirty="0" smtClean="0">
+                          <a:solidFill>
+                            <a:schemeClr val="tx1"/>
+                          </a:solidFill>
+                        </a:rPr>
+                        <a:t> </a:t>
+                      </a:r>
+                      <a:r>
+                        <a:rPr lang="de-DE" sz="1600" dirty="0" err="1" smtClean="0">
+                          <a:solidFill>
+                            <a:schemeClr val="tx1"/>
+                          </a:solidFill>
+                        </a:rPr>
+                        <a:t>Improve</a:t>
+                      </a:r>
+                      <a:r>
+                        <a:rPr lang="de-DE" sz="1600" dirty="0" smtClean="0">
+                          <a:solidFill>
+                            <a:schemeClr val="tx1"/>
+                          </a:solidFill>
+                        </a:rPr>
+                        <a:t> </a:t>
+                      </a:r>
+                      <a:r>
+                        <a:rPr lang="de-DE" sz="1600" dirty="0" err="1" smtClean="0">
+                          <a:solidFill>
+                            <a:schemeClr val="tx1"/>
+                          </a:solidFill>
+                        </a:rPr>
+                        <a:t>fly-physics</a:t>
+                      </a:r>
+                      <a:r>
+                        <a:rPr lang="de-DE" sz="1600" baseline="0" dirty="0" smtClean="0">
+                          <a:solidFill>
+                            <a:schemeClr val="tx1"/>
+                          </a:solidFill>
+                        </a:rPr>
+                        <a:t> </a:t>
+                      </a:r>
+                      <a:r>
+                        <a:rPr lang="de-DE" sz="1600" dirty="0" err="1" smtClean="0">
+                          <a:solidFill>
+                            <a:schemeClr val="tx1"/>
+                          </a:solidFill>
+                        </a:rPr>
+                        <a:t>model</a:t>
+                      </a:r>
+                      <a:endParaRPr lang="de-DE" sz="1600" baseline="0" dirty="0" smtClean="0">
+                        <a:solidFill>
+                          <a:schemeClr val="tx1"/>
+                        </a:solidFill>
+                      </a:endParaRPr>
+                    </a:p>
+                    <a:p>
+                      <a:pPr marL="0" marR="0" lvl="0" indent="0" algn="l" defTabSz="914400" rtl="0" eaLnBrk="1" fontAlgn="auto" latinLnBrk="0" hangingPunct="1">
+                        <a:lnSpc>
+                          <a:spcPct val="100000"/>
+                        </a:lnSpc>
+                        <a:spcBef>
+                          <a:spcPts val="0"/>
+                        </a:spcBef>
+                        <a:spcAft>
+                          <a:spcPts val="0"/>
+                        </a:spcAft>
+                        <a:buClrTx/>
+                        <a:buSzTx/>
+                        <a:buFont typeface="Arial" pitchFamily="34" charset="0"/>
+                        <a:buChar char="•"/>
+                        <a:tabLst/>
+                        <a:defRPr/>
+                      </a:pPr>
+                      <a:r>
+                        <a:rPr lang="de-DE" sz="1600" baseline="0" dirty="0" err="1" smtClean="0">
+                          <a:solidFill>
+                            <a:schemeClr val="tx1"/>
+                          </a:solidFill>
+                        </a:rPr>
+                        <a:t>Configurable</a:t>
+                      </a:r>
+                      <a:endParaRPr lang="de-DE" sz="1600" baseline="0" dirty="0" smtClean="0">
+                        <a:solidFill>
+                          <a:schemeClr val="tx1"/>
+                        </a:solidFill>
+                      </a:endParaRPr>
+                    </a:p>
+                    <a:p>
+                      <a:pPr marL="0" marR="0" lvl="0" indent="0" algn="l" defTabSz="914400" rtl="0" eaLnBrk="1" fontAlgn="auto" latinLnBrk="0" hangingPunct="1">
+                        <a:lnSpc>
+                          <a:spcPct val="100000"/>
+                        </a:lnSpc>
+                        <a:spcBef>
+                          <a:spcPts val="0"/>
+                        </a:spcBef>
+                        <a:spcAft>
+                          <a:spcPts val="0"/>
+                        </a:spcAft>
+                        <a:buClrTx/>
+                        <a:buSzTx/>
+                        <a:buFont typeface="Arial" pitchFamily="34" charset="0"/>
+                        <a:buChar char="•"/>
+                        <a:tabLst/>
+                        <a:defRPr/>
+                      </a:pPr>
+                      <a:r>
+                        <a:rPr lang="de-DE" sz="1800" baseline="0" dirty="0" err="1" smtClean="0">
+                          <a:solidFill>
+                            <a:schemeClr val="tx1"/>
+                          </a:solidFill>
+                        </a:rPr>
+                        <a:t>Bugfixed</a:t>
+                      </a:r>
+                      <a:r>
+                        <a:rPr lang="de-DE" sz="1800" baseline="0" dirty="0" smtClean="0">
+                          <a:solidFill>
+                            <a:schemeClr val="tx1"/>
+                          </a:solidFill>
+                        </a:rPr>
+                        <a:t> </a:t>
+                      </a:r>
+                      <a:r>
+                        <a:rPr lang="de-DE" sz="1800" baseline="0" dirty="0" err="1" smtClean="0">
+                          <a:solidFill>
+                            <a:schemeClr val="tx1"/>
+                          </a:solidFill>
+                        </a:rPr>
+                        <a:t>fly-physics</a:t>
+                      </a:r>
+                      <a:r>
+                        <a:rPr lang="de-DE" sz="1800" baseline="0" dirty="0" smtClean="0">
+                          <a:solidFill>
+                            <a:schemeClr val="tx1"/>
+                          </a:solidFill>
+                        </a:rPr>
+                        <a:t> </a:t>
+                      </a:r>
+                      <a:r>
+                        <a:rPr lang="de-DE" sz="1800" baseline="0" dirty="0" err="1" smtClean="0">
+                          <a:solidFill>
+                            <a:schemeClr val="tx1"/>
+                          </a:solidFill>
+                        </a:rPr>
+                        <a:t>issues</a:t>
+                      </a:r>
+                      <a:endParaRPr lang="de-DE" sz="1800" baseline="0" dirty="0" smtClean="0">
+                        <a:solidFill>
+                          <a:schemeClr val="tx1"/>
+                        </a:solidFill>
+                      </a:endParaRPr>
                     </a:p>
                   </a:txBody>
                   <a:tcPr/>
@@ -13470,7 +14659,7 @@
                   <a:tcPr/>
                 </a:tc>
               </a:tr>
-              <a:tr h="1032428">
+              <a:tr h="1433656">
                 <a:tc>
                   <a:txBody>
                     <a:bodyPr/>
@@ -13601,7 +14790,53 @@
                     <a:bodyPr/>
                     <a:lstStyle/>
                     <a:p>
-                      <a:endParaRPr lang="de-DE"/>
+                      <a:pPr lvl="0">
+                        <a:buFont typeface="Arial" pitchFamily="34" charset="0"/>
+                        <a:buChar char="•"/>
+                      </a:pPr>
+                      <a:r>
+                        <a:rPr lang="de-DE" sz="1800" dirty="0" smtClean="0">
+                          <a:solidFill>
+                            <a:schemeClr val="tx1"/>
+                          </a:solidFill>
+                        </a:rPr>
+                        <a:t> Bugfixin</a:t>
+                      </a:r>
+                      <a:r>
+                        <a:rPr lang="de-DE" sz="1800" baseline="0" dirty="0" smtClean="0">
+                          <a:solidFill>
+                            <a:schemeClr val="tx1"/>
+                          </a:solidFill>
+                        </a:rPr>
+                        <a:t>g</a:t>
+                      </a:r>
+                    </a:p>
+                    <a:p>
+                      <a:pPr lvl="0">
+                        <a:buFont typeface="Arial" pitchFamily="34" charset="0"/>
+                        <a:buChar char="•"/>
+                      </a:pPr>
+                      <a:r>
+                        <a:rPr lang="de-DE" sz="1800" baseline="0" dirty="0" smtClean="0">
+                          <a:solidFill>
+                            <a:schemeClr val="tx1"/>
+                          </a:solidFill>
+                        </a:rPr>
+                        <a:t> Error </a:t>
+                      </a:r>
+                      <a:r>
+                        <a:rPr lang="de-DE" sz="1800" baseline="0" dirty="0" err="1" smtClean="0">
+                          <a:solidFill>
+                            <a:schemeClr val="tx1"/>
+                          </a:solidFill>
+                        </a:rPr>
+                        <a:t>handling</a:t>
+                      </a:r>
+                      <a:endParaRPr lang="de-DE" sz="1800" baseline="0" dirty="0" smtClean="0">
+                        <a:solidFill>
+                          <a:schemeClr val="tx1"/>
+                        </a:solidFill>
+                      </a:endParaRPr>
                     </a:p>
                   </a:txBody>
                   <a:tcPr/>
@@ -13794,6 +15029,65 @@
                   <a:txBody>
                     <a:bodyPr/>
                     <a:lstStyle/>
+                    <a:p>
+                      <a:pPr lvl="0">
+                        <a:buFont typeface="Arial" pitchFamily="34" charset="0"/>
+                        <a:buChar char="•"/>
+                      </a:pPr>
+                      <a:r>
+                        <a:rPr lang="de-DE" sz="1800" dirty="0" smtClean="0">
+                          <a:solidFill>
+                            <a:schemeClr val="tx1"/>
+                          </a:solidFill>
+                        </a:rPr>
+                        <a:t> </a:t>
+                      </a:r>
+                      <a:r>
+                        <a:rPr lang="de-DE" sz="1800" dirty="0" err="1" smtClean="0">
+                          <a:solidFill>
+                            <a:schemeClr val="tx1"/>
+                          </a:solidFill>
+                        </a:rPr>
+                        <a:t>Thorough</a:t>
+                      </a:r>
+                      <a:r>
+                        <a:rPr lang="de-DE" sz="1800" dirty="0" smtClean="0">
+                          <a:solidFill>
+                            <a:schemeClr val="tx1"/>
+                          </a:solidFill>
+                        </a:rPr>
+                        <a:t> Fly-</a:t>
+                      </a:r>
+                      <a:r>
+                        <a:rPr lang="de-DE" sz="1800" dirty="0" err="1" smtClean="0">
+                          <a:solidFill>
+                            <a:schemeClr val="tx1"/>
+                          </a:solidFill>
+                        </a:rPr>
+                        <a:t>Physics</a:t>
+                      </a:r>
+                      <a:r>
+                        <a:rPr lang="de-DE" sz="1800" dirty="0" smtClean="0">
+                          <a:solidFill>
+                            <a:schemeClr val="tx1"/>
+                          </a:solidFill>
+                        </a:rPr>
+                        <a:t> </a:t>
+                      </a:r>
+                      <a:r>
+                        <a:rPr lang="de-DE" sz="1800" dirty="0" err="1" smtClean="0">
+                          <a:solidFill>
+                            <a:schemeClr val="tx1"/>
+                          </a:solidFill>
+                        </a:rPr>
+                        <a:t>tests</a:t>
+                      </a:r>
+                      <a:endParaRPr lang="de-DE" sz="1800" baseline="0" dirty="0" smtClean="0">
+                        <a:solidFill>
+                          <a:schemeClr val="tx1"/>
+                        </a:solidFill>
+                      </a:endParaRPr>
+                    </a:p>
                     <a:p>
                       <a:endParaRPr lang="de-DE" dirty="0"/>
                     </a:p>

--- a/Präsentationen/Zwischenpräsentation 16.06/Project proposal update 06.16 - Rift Wingsuit V2.pptx
+++ b/Präsentationen/Zwischenpräsentation 16.06/Project proposal update 06.16 - Rift Wingsuit V2.pptx
@@ -5,24 +5,25 @@
     <p:sldMasterId id="2147483660" r:id="rId1"/>
   </p:sldMasterIdLst>
   <p:notesMasterIdLst>
-    <p:notesMasterId r:id="rId17"/>
+    <p:notesMasterId r:id="rId18"/>
   </p:notesMasterIdLst>
   <p:sldIdLst>
     <p:sldId id="272" r:id="rId2"/>
     <p:sldId id="261" r:id="rId3"/>
     <p:sldId id="301" r:id="rId4"/>
     <p:sldId id="303" r:id="rId5"/>
-    <p:sldId id="308" r:id="rId6"/>
-    <p:sldId id="286" r:id="rId7"/>
-    <p:sldId id="333" r:id="rId8"/>
-    <p:sldId id="332" r:id="rId9"/>
-    <p:sldId id="334" r:id="rId10"/>
-    <p:sldId id="310" r:id="rId11"/>
-    <p:sldId id="335" r:id="rId12"/>
-    <p:sldId id="337" r:id="rId13"/>
-    <p:sldId id="270" r:id="rId14"/>
-    <p:sldId id="280" r:id="rId15"/>
-    <p:sldId id="279" r:id="rId16"/>
+    <p:sldId id="338" r:id="rId6"/>
+    <p:sldId id="339" r:id="rId7"/>
+    <p:sldId id="308" r:id="rId8"/>
+    <p:sldId id="286" r:id="rId9"/>
+    <p:sldId id="333" r:id="rId10"/>
+    <p:sldId id="332" r:id="rId11"/>
+    <p:sldId id="334" r:id="rId12"/>
+    <p:sldId id="310" r:id="rId13"/>
+    <p:sldId id="335" r:id="rId14"/>
+    <p:sldId id="337" r:id="rId15"/>
+    <p:sldId id="280" r:id="rId16"/>
+    <p:sldId id="279" r:id="rId17"/>
   </p:sldIdLst>
   <p:sldSz cx="9144000" cy="5715000" type="screen16x10"/>
   <p:notesSz cx="6858000" cy="9144000"/>
@@ -123,7 +124,7 @@
   </p:defaultTextStyle>
   <p:extLst>
     <p:ext uri="{EFAFB233-063F-42B5-8137-9DF3F51BA10A}">
-      <p15:sldGuideLst xmlns:p15="http://schemas.microsoft.com/office/powerpoint/2012/main">
+      <p15:sldGuideLst xmlns="" xmlns:p15="http://schemas.microsoft.com/office/powerpoint/2012/main">
         <p15:guide id="1" orient="horz" pos="1800">
           <p15:clr>
             <a:srgbClr val="A4A3A4"/>
@@ -223,7 +224,7 @@
             <a:fld id="{243825A9-FBEC-4183-9E10-7EA49C7B85FB}" type="datetimeFigureOut">
               <a:rPr lang="de-DE" smtClean="0"/>
               <a:pPr/>
-              <a:t>15.06.2016</a:t>
+              <a:t>16.06.2016</a:t>
             </a:fld>
             <a:endParaRPr lang="de-DE"/>
           </a:p>
@@ -393,7 +394,7 @@
     </p:spTree>
     <p:extLst>
       <p:ext uri="{BB962C8B-B14F-4D97-AF65-F5344CB8AC3E}">
-        <p14:creationId xmlns:p14="http://schemas.microsoft.com/office/powerpoint/2010/main" val="1727503161"/>
+        <p14:creationId xmlns="" xmlns:p14="http://schemas.microsoft.com/office/powerpoint/2010/main" val="1727503161"/>
       </p:ext>
     </p:extLst>
   </p:cSld>
@@ -578,7 +579,7 @@
     </p:spTree>
     <p:extLst>
       <p:ext uri="{BB962C8B-B14F-4D97-AF65-F5344CB8AC3E}">
-        <p14:creationId xmlns:p14="http://schemas.microsoft.com/office/powerpoint/2010/main" val="592270510"/>
+        <p14:creationId xmlns="" xmlns:p14="http://schemas.microsoft.com/office/powerpoint/2010/main" val="592270510"/>
       </p:ext>
     </p:extLst>
   </p:cSld>
@@ -762,7 +763,7 @@
             <a:fld id="{E3D2E8C1-5FD7-4691-AB68-D6297B4D5F43}" type="datetime1">
               <a:rPr lang="de-DE" smtClean="0"/>
               <a:pPr/>
-              <a:t>15.06.2016</a:t>
+              <a:t>16.06.2016</a:t>
             </a:fld>
             <a:endParaRPr lang="de-DE"/>
           </a:p>
@@ -929,7 +930,7 @@
             <a:fld id="{6555916C-EC3E-4A59-A202-E3BDAC789789}" type="datetime1">
               <a:rPr lang="de-DE" smtClean="0"/>
               <a:pPr/>
-              <a:t>15.06.2016</a:t>
+              <a:t>16.06.2016</a:t>
             </a:fld>
             <a:endParaRPr lang="de-DE"/>
           </a:p>
@@ -1106,7 +1107,7 @@
             <a:fld id="{B0BAAC96-984A-4C42-A65C-1E30F77A26C5}" type="datetime1">
               <a:rPr lang="de-DE" smtClean="0"/>
               <a:pPr/>
-              <a:t>15.06.2016</a:t>
+              <a:t>16.06.2016</a:t>
             </a:fld>
             <a:endParaRPr lang="de-DE"/>
           </a:p>
@@ -1273,7 +1274,7 @@
             <a:fld id="{0AF80EA2-653E-48EB-A275-D811A53BA918}" type="datetime1">
               <a:rPr lang="de-DE" smtClean="0"/>
               <a:pPr/>
-              <a:t>15.06.2016</a:t>
+              <a:t>16.06.2016</a:t>
             </a:fld>
             <a:endParaRPr lang="de-DE"/>
           </a:p>
@@ -1517,7 +1518,7 @@
             <a:fld id="{E5BD76EC-8BFC-4DBC-81BC-788FF00AD01A}" type="datetime1">
               <a:rPr lang="de-DE" smtClean="0"/>
               <a:pPr/>
-              <a:t>15.06.2016</a:t>
+              <a:t>16.06.2016</a:t>
             </a:fld>
             <a:endParaRPr lang="de-DE"/>
           </a:p>
@@ -1783,7 +1784,7 @@
             <a:fld id="{42D10058-B0DA-4CAD-91DA-40F8A0FB6522}" type="datetime1">
               <a:rPr lang="de-DE" smtClean="0"/>
               <a:pPr/>
-              <a:t>15.06.2016</a:t>
+              <a:t>16.06.2016</a:t>
             </a:fld>
             <a:endParaRPr lang="de-DE"/>
           </a:p>
@@ -2163,7 +2164,7 @@
             <a:fld id="{30F2673F-3B0B-4E2B-A302-85F12C63CE58}" type="datetime1">
               <a:rPr lang="de-DE" smtClean="0"/>
               <a:pPr/>
-              <a:t>15.06.2016</a:t>
+              <a:t>16.06.2016</a:t>
             </a:fld>
             <a:endParaRPr lang="de-DE"/>
           </a:p>
@@ -2315,7 +2316,7 @@
             <a:fld id="{99C24A88-FE37-415B-BBD5-612EBB0081EA}" type="datetime1">
               <a:rPr lang="de-DE" smtClean="0"/>
               <a:pPr/>
-              <a:t>15.06.2016</a:t>
+              <a:t>16.06.2016</a:t>
             </a:fld>
             <a:endParaRPr lang="de-DE"/>
           </a:p>
@@ -2407,7 +2408,7 @@
             <a:fld id="{D4BBCC0C-5DC1-47B9-9437-A552677B599E}" type="datetime1">
               <a:rPr lang="de-DE" smtClean="0"/>
               <a:pPr/>
-              <a:t>15.06.2016</a:t>
+              <a:t>16.06.2016</a:t>
             </a:fld>
             <a:endParaRPr lang="de-DE"/>
           </a:p>
@@ -2670,7 +2671,7 @@
             <a:fld id="{5D8961AA-03AC-4A6B-AD4E-C8A3670A08F8}" type="datetime1">
               <a:rPr lang="de-DE" smtClean="0"/>
               <a:pPr/>
-              <a:t>15.06.2016</a:t>
+              <a:t>16.06.2016</a:t>
             </a:fld>
             <a:endParaRPr lang="de-DE"/>
           </a:p>
@@ -2960,7 +2961,7 @@
             <a:fld id="{9565BAF1-4771-44D7-80BB-E70855042F1C}" type="datetime1">
               <a:rPr lang="de-DE" smtClean="0"/>
               <a:pPr/>
-              <a:t>15.06.2016</a:t>
+              <a:t>16.06.2016</a:t>
             </a:fld>
             <a:endParaRPr lang="de-DE"/>
           </a:p>
@@ -3733,7 +3734,7 @@
             <a:fld id="{48B16CC1-F4AA-4BAA-A083-6C6353824805}" type="datetime1">
               <a:rPr lang="de-DE" smtClean="0"/>
               <a:pPr/>
-              <a:t>15.06.2016</a:t>
+              <a:t>16.06.2016</a:t>
             </a:fld>
             <a:endParaRPr lang="de-DE"/>
           </a:p>
@@ -4758,9 +4759,16 @@
             <p:ph type="title"/>
           </p:nvPr>
         </p:nvSpPr>
-        <p:spPr/>
+        <p:spPr>
+          <a:xfrm>
+            <a:off x="457200" y="586740"/>
+            <a:ext cx="8229600" cy="542568"/>
+          </a:xfrm>
+        </p:spPr>
         <p:txBody>
-          <a:bodyPr/>
+          <a:bodyPr>
+            <a:normAutofit fontScale="90000"/>
+          </a:bodyPr>
           <a:lstStyle/>
           <a:p>
             <a:pPr algn="ctr"/>
@@ -4770,15 +4778,59 @@
                   <a:srgbClr val="FF0000"/>
                 </a:solidFill>
               </a:rPr>
-              <a:t>Exams</a:t>
-            </a:r>
-            <a:endParaRPr lang="de-DE" dirty="0"/>
+              <a:t>Milestone</a:t>
+            </a:r>
+            <a:r>
+              <a:rPr lang="de-DE" dirty="0">
+                <a:solidFill>
+                  <a:srgbClr val="FF0000"/>
+                </a:solidFill>
+              </a:rPr>
+              <a:t> </a:t>
+            </a:r>
+            <a:r>
+              <a:rPr lang="de-DE" dirty="0" err="1" smtClean="0">
+                <a:solidFill>
+                  <a:srgbClr val="FF0000"/>
+                </a:solidFill>
+              </a:rPr>
+              <a:t>Two</a:t>
+            </a:r>
+            <a:r>
+              <a:rPr lang="de-DE" dirty="0" smtClean="0">
+                <a:solidFill>
+                  <a:srgbClr val="FF0000"/>
+                </a:solidFill>
+              </a:rPr>
+              <a:t> (</a:t>
+            </a:r>
+            <a:r>
+              <a:rPr lang="de-DE" dirty="0" err="1" smtClean="0">
+                <a:solidFill>
+                  <a:srgbClr val="FF0000"/>
+                </a:solidFill>
+              </a:rPr>
+              <a:t>old</a:t>
+            </a:r>
+            <a:r>
+              <a:rPr lang="de-DE" dirty="0" smtClean="0">
+                <a:solidFill>
+                  <a:srgbClr val="FF0000"/>
+                </a:solidFill>
+              </a:rPr>
+              <a:t>)</a:t>
+            </a:r>
+            <a:endParaRPr lang="de-DE" dirty="0">
+              <a:solidFill>
+                <a:srgbClr val="FF0000"/>
+              </a:solidFill>
+            </a:endParaRPr>
           </a:p>
         </p:txBody>
       </p:sp>
       <p:sp>
         <p:nvSpPr>
-          <p:cNvPr id="3" name="Inhaltsplatzhalter 2"/>
+          <p:cNvPr id="9" name="Inhaltsplatzhalter 8"/>
           <p:cNvSpPr>
             <a:spLocks noGrp="1"/>
           </p:cNvSpPr>
@@ -4793,90 +4845,13 @@
           </a:bodyPr>
           <a:lstStyle/>
           <a:p>
-            <a:r>
-              <a:rPr lang="de-DE" sz="2400" dirty="0"/>
-              <a:t>16.07.2016 - 30.07.2016 </a:t>
-            </a:r>
-            <a:r>
-              <a:rPr lang="de-DE" sz="2400" dirty="0" err="1"/>
-              <a:t>and</a:t>
-            </a:r>
-            <a:r>
-              <a:rPr lang="de-DE" sz="2400" dirty="0"/>
-              <a:t> 12.09.2016 - 24.09.2016</a:t>
-            </a:r>
-          </a:p>
-          <a:p>
-            <a:pPr lvl="1"/>
-            <a:r>
-              <a:rPr lang="de-DE" dirty="0" err="1"/>
-              <a:t>Exam</a:t>
-            </a:r>
-            <a:r>
-              <a:rPr lang="de-DE" dirty="0"/>
-              <a:t> </a:t>
-            </a:r>
-            <a:r>
-              <a:rPr lang="de-DE" dirty="0" err="1"/>
-              <a:t>and</a:t>
-            </a:r>
-            <a:r>
-              <a:rPr lang="de-DE" dirty="0"/>
-              <a:t> </a:t>
-            </a:r>
-            <a:r>
-              <a:rPr lang="de-DE" dirty="0" err="1"/>
-              <a:t>preperation</a:t>
-            </a:r>
-            <a:r>
-              <a:rPr lang="de-DE" dirty="0"/>
-              <a:t> 23.06 - 30.07 </a:t>
-            </a:r>
-          </a:p>
-          <a:p>
-            <a:pPr lvl="1"/>
-            <a:r>
-              <a:rPr lang="de-DE" dirty="0"/>
-              <a:t>Sec. </a:t>
-            </a:r>
-            <a:r>
-              <a:rPr lang="de-DE" dirty="0" err="1"/>
-              <a:t>exam</a:t>
-            </a:r>
-            <a:r>
-              <a:rPr lang="de-DE" dirty="0"/>
-              <a:t> </a:t>
-            </a:r>
-            <a:r>
-              <a:rPr lang="de-DE" dirty="0" err="1"/>
-              <a:t>phase</a:t>
-            </a:r>
-            <a:r>
-              <a:rPr lang="de-DE" dirty="0"/>
-              <a:t> -&gt; individual </a:t>
-            </a:r>
-            <a:r>
-              <a:rPr lang="de-DE" dirty="0" err="1"/>
-              <a:t>schedule</a:t>
-            </a:r>
             <a:endParaRPr lang="de-DE" dirty="0"/>
           </a:p>
           <a:p>
+            <a:pPr>
+              <a:buNone/>
+            </a:pPr>
             <a:endParaRPr lang="de-DE" dirty="0"/>
-          </a:p>
-          <a:p>
-            <a:pPr lvl="1"/>
-            <a:endParaRPr lang="de-DE" dirty="0"/>
-          </a:p>
-          <a:p>
-            <a:pPr lvl="1"/>
-            <a:endParaRPr lang="de-DE" sz="2200" dirty="0"/>
-          </a:p>
-          <a:p>
-            <a:endParaRPr lang="de-DE" sz="2400" dirty="0"/>
-          </a:p>
-          <a:p>
-            <a:endParaRPr lang="de-DE" sz="2400" dirty="0"/>
           </a:p>
           <a:p>
             <a:endParaRPr lang="de-DE" dirty="0"/>
@@ -4885,7 +4860,7 @@
       </p:sp>
       <p:sp>
         <p:nvSpPr>
-          <p:cNvPr id="4" name="Foliennummernplatzhalter 3"/>
+          <p:cNvPr id="11" name="Foliennummernplatzhalter 10"/>
           <p:cNvSpPr>
             <a:spLocks noGrp="1"/>
           </p:cNvSpPr>
@@ -4907,11 +4882,1782 @@
           </a:p>
         </p:txBody>
       </p:sp>
+      <p:graphicFrame>
+        <p:nvGraphicFramePr>
+          <p:cNvPr id="7" name="Tabelle 6"/>
+          <p:cNvGraphicFramePr>
+            <a:graphicFrameLocks noGrp="1"/>
+          </p:cNvGraphicFramePr>
+          <p:nvPr>
+            <p:extLst>
+              <p:ext uri="{D42A27DB-BD31-4B8C-83A1-F6EECF244321}">
+                <p14:modId xmlns="" xmlns:p14="http://schemas.microsoft.com/office/powerpoint/2010/main" val="1790485558"/>
+              </p:ext>
+            </p:extLst>
+          </p:nvPr>
+        </p:nvGraphicFramePr>
+        <p:xfrm>
+          <a:off x="179512" y="1201317"/>
+          <a:ext cx="8784978" cy="4068745"/>
+        </p:xfrm>
+        <a:graphic>
+          <a:graphicData uri="http://schemas.openxmlformats.org/drawingml/2006/table">
+            <a:tbl>
+              <a:tblPr firstRow="1" bandRow="1">
+                <a:tableStyleId>{5C22544A-7EE6-4342-B048-85BDC9FD1C3A}</a:tableStyleId>
+              </a:tblPr>
+              <a:tblGrid>
+                <a:gridCol w="720080">
+                  <a:extLst>
+                    <a:ext uri="{9D8B030D-6E8A-4147-A177-3AD203B41FA5}">
+                      <a16:colId xmlns:a16="http://schemas.microsoft.com/office/drawing/2014/main" xmlns="" val="20000"/>
+                    </a:ext>
+                  </a:extLst>
+                </a:gridCol>
+                <a:gridCol w="1584176">
+                  <a:extLst>
+                    <a:ext uri="{9D8B030D-6E8A-4147-A177-3AD203B41FA5}">
+                      <a16:colId xmlns:a16="http://schemas.microsoft.com/office/drawing/2014/main" xmlns="" val="20001"/>
+                    </a:ext>
+                  </a:extLst>
+                </a:gridCol>
+                <a:gridCol w="1656184">
+                  <a:extLst>
+                    <a:ext uri="{9D8B030D-6E8A-4147-A177-3AD203B41FA5}">
+                      <a16:colId xmlns:a16="http://schemas.microsoft.com/office/drawing/2014/main" xmlns="" val="20002"/>
+                    </a:ext>
+                  </a:extLst>
+                </a:gridCol>
+                <a:gridCol w="1656184">
+                  <a:extLst>
+                    <a:ext uri="{9D8B030D-6E8A-4147-A177-3AD203B41FA5}">
+                      <a16:colId xmlns:a16="http://schemas.microsoft.com/office/drawing/2014/main" xmlns="" val="20003"/>
+                    </a:ext>
+                  </a:extLst>
+                </a:gridCol>
+                <a:gridCol w="1584176">
+                  <a:extLst>
+                    <a:ext uri="{9D8B030D-6E8A-4147-A177-3AD203B41FA5}">
+                      <a16:colId xmlns:a16="http://schemas.microsoft.com/office/drawing/2014/main" xmlns="" val="20004"/>
+                    </a:ext>
+                  </a:extLst>
+                </a:gridCol>
+                <a:gridCol w="1584178">
+                  <a:extLst>
+                    <a:ext uri="{9D8B030D-6E8A-4147-A177-3AD203B41FA5}">
+                      <a16:colId xmlns:a16="http://schemas.microsoft.com/office/drawing/2014/main" xmlns="" val="20005"/>
+                    </a:ext>
+                  </a:extLst>
+                </a:gridCol>
+              </a:tblGrid>
+              <a:tr h="572552">
+                <a:tc>
+                  <a:txBody>
+                    <a:bodyPr/>
+                    <a:lstStyle/>
+                    <a:p>
+                      <a:pPr algn="ctr"/>
+                      <a:r>
+                        <a:rPr lang="de-DE" sz="1600" dirty="0" err="1" smtClean="0"/>
+                        <a:t>Week</a:t>
+                      </a:r>
+                      <a:endParaRPr lang="de-DE" sz="1600" dirty="0"/>
+                    </a:p>
+                  </a:txBody>
+                  <a:tcPr/>
+                </a:tc>
+                <a:tc>
+                  <a:txBody>
+                    <a:bodyPr/>
+                    <a:lstStyle/>
+                    <a:p>
+                      <a:pPr algn="ctr"/>
+                      <a:r>
+                        <a:rPr lang="de-DE" sz="1600" dirty="0" smtClean="0"/>
+                        <a:t>Andras Dietze</a:t>
+                      </a:r>
+                      <a:endParaRPr lang="de-DE" sz="1600" dirty="0"/>
+                    </a:p>
+                  </a:txBody>
+                  <a:tcPr/>
+                </a:tc>
+                <a:tc>
+                  <a:txBody>
+                    <a:bodyPr/>
+                    <a:lstStyle/>
+                    <a:p>
+                      <a:pPr algn="ctr"/>
+                      <a:r>
+                        <a:rPr lang="de-DE" sz="1600" dirty="0" smtClean="0"/>
+                        <a:t>Sebastian Nickel</a:t>
+                      </a:r>
+                      <a:endParaRPr lang="de-DE" sz="1600" dirty="0"/>
+                    </a:p>
+                  </a:txBody>
+                  <a:tcPr/>
+                </a:tc>
+                <a:tc>
+                  <a:txBody>
+                    <a:bodyPr/>
+                    <a:lstStyle/>
+                    <a:p>
+                      <a:pPr algn="ctr"/>
+                      <a:r>
+                        <a:rPr lang="de-DE" sz="1600" dirty="0" smtClean="0"/>
+                        <a:t>Jonas Kleinkauf</a:t>
+                      </a:r>
+                      <a:endParaRPr lang="de-DE" sz="1600" dirty="0"/>
+                    </a:p>
+                  </a:txBody>
+                  <a:tcPr/>
+                </a:tc>
+                <a:tc>
+                  <a:txBody>
+                    <a:bodyPr/>
+                    <a:lstStyle/>
+                    <a:p>
+                      <a:pPr algn="ctr"/>
+                      <a:r>
+                        <a:rPr lang="de-DE" sz="1600" dirty="0" smtClean="0"/>
+                        <a:t>Manuel Schmitt</a:t>
+                      </a:r>
+                      <a:endParaRPr lang="de-DE" sz="1600" dirty="0"/>
+                    </a:p>
+                  </a:txBody>
+                  <a:tcPr/>
+                </a:tc>
+                <a:tc>
+                  <a:txBody>
+                    <a:bodyPr/>
+                    <a:lstStyle/>
+                    <a:p>
+                      <a:pPr algn="ctr"/>
+                      <a:r>
+                        <a:rPr lang="de-DE" sz="1600" dirty="0" smtClean="0"/>
+                        <a:t>Sascha </a:t>
+                      </a:r>
+                      <a:r>
+                        <a:rPr lang="de-DE" sz="1600" dirty="0" err="1" smtClean="0"/>
+                        <a:t>Ibach</a:t>
+                      </a:r>
+                      <a:endParaRPr lang="de-DE" sz="1600" dirty="0"/>
+                    </a:p>
+                  </a:txBody>
+                  <a:tcPr/>
+                </a:tc>
+                <a:extLst>
+                  <a:ext uri="{0D108BD9-81ED-4DB2-BD59-A6C34878D82A}">
+                    <a16:rowId xmlns:a16="http://schemas.microsoft.com/office/drawing/2014/main" xmlns="" val="10000"/>
+                  </a:ext>
+                </a:extLst>
+              </a:tr>
+              <a:tr h="1295775">
+                <a:tc>
+                  <a:txBody>
+                    <a:bodyPr/>
+                    <a:lstStyle/>
+                    <a:p>
+                      <a:pPr marL="0" marR="0" indent="0" algn="ctr" defTabSz="914400" rtl="0" eaLnBrk="1" fontAlgn="auto" latinLnBrk="0" hangingPunct="1">
+                        <a:lnSpc>
+                          <a:spcPct val="100000"/>
+                        </a:lnSpc>
+                        <a:spcBef>
+                          <a:spcPts val="0"/>
+                        </a:spcBef>
+                        <a:spcAft>
+                          <a:spcPts val="0"/>
+                        </a:spcAft>
+                        <a:buClrTx/>
+                        <a:buSzTx/>
+                        <a:buFontTx/>
+                        <a:buNone/>
+                        <a:tabLst/>
+                        <a:defRPr/>
+                      </a:pPr>
+                      <a:r>
+                        <a:rPr lang="de-DE" sz="1600" dirty="0" smtClean="0"/>
+                        <a:t>06.02 – 06.09</a:t>
+                      </a:r>
+                      <a:endParaRPr lang="de-DE" sz="1600" dirty="0"/>
+                    </a:p>
+                  </a:txBody>
+                  <a:tcPr/>
+                </a:tc>
+                <a:tc>
+                  <a:txBody>
+                    <a:bodyPr/>
+                    <a:lstStyle/>
+                    <a:p>
+                      <a:pPr lvl="0">
+                        <a:buFont typeface="Arial" pitchFamily="34" charset="0"/>
+                        <a:buChar char="•"/>
+                      </a:pPr>
+                      <a:r>
+                        <a:rPr lang="de-DE" sz="1600" dirty="0" smtClean="0">
+                          <a:solidFill>
+                            <a:srgbClr val="C00000"/>
+                          </a:solidFill>
+                        </a:rPr>
+                        <a:t> Vive </a:t>
+                      </a:r>
+                      <a:r>
+                        <a:rPr lang="de-DE" sz="1600" dirty="0" err="1" smtClean="0">
+                          <a:solidFill>
+                            <a:srgbClr val="C00000"/>
+                          </a:solidFill>
+                        </a:rPr>
+                        <a:t>inter</a:t>
+                      </a:r>
+                      <a:r>
+                        <a:rPr lang="de-DE" sz="1600" dirty="0" smtClean="0">
+                          <a:solidFill>
+                            <a:srgbClr val="C00000"/>
+                          </a:solidFill>
+                        </a:rPr>
+                        <a:t>. (</a:t>
+                      </a:r>
+                      <a:r>
+                        <a:rPr lang="de-DE" sz="1600" dirty="0" err="1" smtClean="0">
+                          <a:solidFill>
+                            <a:srgbClr val="C00000"/>
+                          </a:solidFill>
+                        </a:rPr>
+                        <a:t>haptic</a:t>
+                      </a:r>
+                      <a:r>
+                        <a:rPr lang="de-DE" sz="1600" dirty="0" smtClean="0">
+                          <a:solidFill>
+                            <a:srgbClr val="C00000"/>
+                          </a:solidFill>
+                        </a:rPr>
+                        <a:t>)</a:t>
+                      </a:r>
+                    </a:p>
+                    <a:p>
+                      <a:pPr lvl="0">
+                        <a:buFont typeface="Arial" pitchFamily="34" charset="0"/>
+                        <a:buChar char="•"/>
+                      </a:pPr>
+                      <a:r>
+                        <a:rPr lang="de-DE" sz="1600" dirty="0" smtClean="0">
+                          <a:solidFill>
+                            <a:srgbClr val="008000"/>
+                          </a:solidFill>
+                        </a:rPr>
+                        <a:t> </a:t>
+                      </a:r>
+                      <a:r>
+                        <a:rPr lang="de-DE" sz="1600" dirty="0" err="1" smtClean="0">
+                          <a:solidFill>
+                            <a:srgbClr val="008000"/>
+                          </a:solidFill>
+                        </a:rPr>
+                        <a:t>Kinect</a:t>
+                      </a:r>
+                      <a:r>
+                        <a:rPr lang="de-DE" sz="1600" dirty="0" smtClean="0">
+                          <a:solidFill>
+                            <a:srgbClr val="008000"/>
+                          </a:solidFill>
+                        </a:rPr>
+                        <a:t> </a:t>
+                      </a:r>
+                      <a:r>
+                        <a:rPr lang="de-DE" sz="1600" dirty="0" err="1" smtClean="0">
+                          <a:solidFill>
+                            <a:srgbClr val="008000"/>
+                          </a:solidFill>
+                        </a:rPr>
+                        <a:t>impr</a:t>
+                      </a:r>
+                      <a:r>
+                        <a:rPr lang="de-DE" sz="1600" dirty="0" smtClean="0">
+                          <a:solidFill>
+                            <a:srgbClr val="008000"/>
+                          </a:solidFill>
+                        </a:rPr>
+                        <a:t>.</a:t>
+                      </a:r>
+                    </a:p>
+                    <a:p>
+                      <a:pPr lvl="0">
+                        <a:buFont typeface="Arial" pitchFamily="34" charset="0"/>
+                        <a:buChar char="•"/>
+                      </a:pPr>
+                      <a:r>
+                        <a:rPr lang="de-DE" sz="1600" dirty="0" smtClean="0">
+                          <a:solidFill>
+                            <a:srgbClr val="008000"/>
+                          </a:solidFill>
+                        </a:rPr>
+                        <a:t> </a:t>
+                      </a:r>
+                      <a:r>
+                        <a:rPr lang="de-DE" sz="1600" dirty="0" err="1" smtClean="0">
+                          <a:solidFill>
+                            <a:srgbClr val="008000"/>
+                          </a:solidFill>
+                        </a:rPr>
+                        <a:t>Balancing</a:t>
+                      </a:r>
+                      <a:r>
+                        <a:rPr lang="de-DE" sz="1600" dirty="0" smtClean="0">
+                          <a:solidFill>
+                            <a:srgbClr val="008000"/>
+                          </a:solidFill>
+                        </a:rPr>
+                        <a:t> </a:t>
+                      </a:r>
+                      <a:r>
+                        <a:rPr lang="de-DE" sz="1600" dirty="0" err="1" smtClean="0">
+                          <a:solidFill>
+                            <a:srgbClr val="008000"/>
+                          </a:solidFill>
+                        </a:rPr>
+                        <a:t>new</a:t>
+                      </a:r>
+                      <a:r>
+                        <a:rPr lang="de-DE" sz="1600" dirty="0" smtClean="0">
+                          <a:solidFill>
+                            <a:srgbClr val="008000"/>
+                          </a:solidFill>
+                        </a:rPr>
+                        <a:t> </a:t>
+                      </a:r>
+                      <a:r>
+                        <a:rPr lang="de-DE" sz="1600" dirty="0" err="1" smtClean="0">
+                          <a:solidFill>
+                            <a:srgbClr val="008000"/>
+                          </a:solidFill>
+                        </a:rPr>
+                        <a:t>features</a:t>
+                      </a:r>
+                      <a:endParaRPr lang="de-DE" sz="1600" dirty="0">
+                        <a:solidFill>
+                          <a:srgbClr val="008000"/>
+                        </a:solidFill>
+                      </a:endParaRPr>
+                    </a:p>
+                  </a:txBody>
+                  <a:tcPr/>
+                </a:tc>
+                <a:tc>
+                  <a:txBody>
+                    <a:bodyPr/>
+                    <a:lstStyle/>
+                    <a:p>
+                      <a:pPr marL="0" lvl="0" indent="-285750" algn="l" rtl="0" eaLnBrk="1" latinLnBrk="0" hangingPunct="1">
+                        <a:buFont typeface="Arial" pitchFamily="34" charset="0"/>
+                        <a:buChar char="•"/>
+                      </a:pPr>
+                      <a:r>
+                        <a:rPr lang="de-DE" sz="1600" baseline="0" dirty="0" smtClean="0"/>
+                        <a:t> </a:t>
+                      </a:r>
+                      <a:r>
+                        <a:rPr kumimoji="0" lang="de-DE" sz="1600" kern="1200" dirty="0" err="1" smtClean="0">
+                          <a:solidFill>
+                            <a:srgbClr val="008000"/>
+                          </a:solidFill>
+                          <a:latin typeface="+mn-lt"/>
+                          <a:ea typeface="+mn-ea"/>
+                          <a:cs typeface="+mn-cs"/>
+                        </a:rPr>
+                        <a:t>Improve</a:t>
+                      </a:r>
+                      <a:r>
+                        <a:rPr kumimoji="0" lang="de-DE" sz="1600" kern="1200" dirty="0" smtClean="0">
+                          <a:solidFill>
+                            <a:srgbClr val="008000"/>
+                          </a:solidFill>
+                          <a:latin typeface="+mn-lt"/>
+                          <a:ea typeface="+mn-ea"/>
+                          <a:cs typeface="+mn-cs"/>
+                        </a:rPr>
+                        <a:t> </a:t>
+                      </a:r>
+                      <a:r>
+                        <a:rPr kumimoji="0" lang="de-DE" sz="1600" kern="1200" dirty="0" err="1" smtClean="0">
+                          <a:solidFill>
+                            <a:srgbClr val="008000"/>
+                          </a:solidFill>
+                          <a:latin typeface="+mn-lt"/>
+                          <a:ea typeface="+mn-ea"/>
+                          <a:cs typeface="+mn-cs"/>
+                        </a:rPr>
+                        <a:t>fly-physics</a:t>
+                      </a:r>
+                      <a:r>
+                        <a:rPr kumimoji="0" lang="de-DE" sz="1600" kern="1200" dirty="0" smtClean="0">
+                          <a:solidFill>
+                            <a:srgbClr val="008000"/>
+                          </a:solidFill>
+                          <a:latin typeface="+mn-lt"/>
+                          <a:ea typeface="+mn-ea"/>
+                          <a:cs typeface="+mn-cs"/>
+                        </a:rPr>
+                        <a:t> </a:t>
+                      </a:r>
+                      <a:r>
+                        <a:rPr kumimoji="0" lang="de-DE" sz="1600" kern="1200" dirty="0" err="1" smtClean="0">
+                          <a:solidFill>
+                            <a:srgbClr val="008000"/>
+                          </a:solidFill>
+                          <a:latin typeface="+mn-lt"/>
+                          <a:ea typeface="+mn-ea"/>
+                          <a:cs typeface="+mn-cs"/>
+                        </a:rPr>
+                        <a:t>model</a:t>
+                      </a:r>
+                      <a:endParaRPr kumimoji="0" lang="de-DE" sz="1600" kern="1200" dirty="0" smtClean="0">
+                        <a:solidFill>
+                          <a:srgbClr val="008000"/>
+                        </a:solidFill>
+                        <a:latin typeface="+mn-lt"/>
+                        <a:ea typeface="+mn-ea"/>
+                        <a:cs typeface="+mn-cs"/>
+                      </a:endParaRPr>
+                    </a:p>
+                    <a:p>
+                      <a:pPr lvl="0">
+                        <a:buFont typeface="Arial" pitchFamily="34" charset="0"/>
+                        <a:buChar char="•"/>
+                      </a:pPr>
+                      <a:r>
+                        <a:rPr lang="de-DE" sz="1600" baseline="0" dirty="0" smtClean="0"/>
+                        <a:t> </a:t>
+                      </a:r>
+                      <a:r>
+                        <a:rPr lang="de-DE" sz="1600" baseline="0" dirty="0" smtClean="0">
+                          <a:solidFill>
+                            <a:srgbClr val="FF0000"/>
+                          </a:solidFill>
+                        </a:rPr>
+                        <a:t>Error </a:t>
+                      </a:r>
+                      <a:r>
+                        <a:rPr lang="de-DE" sz="1600" baseline="0" dirty="0" err="1" smtClean="0">
+                          <a:solidFill>
+                            <a:srgbClr val="FF0000"/>
+                          </a:solidFill>
+                        </a:rPr>
+                        <a:t>tolerance</a:t>
+                      </a:r>
+                      <a:endParaRPr lang="de-DE" sz="1600" baseline="0" dirty="0" smtClean="0">
+                        <a:solidFill>
+                          <a:srgbClr val="FF0000"/>
+                        </a:solidFill>
+                      </a:endParaRPr>
+                    </a:p>
+                  </a:txBody>
+                  <a:tcPr/>
+                </a:tc>
+                <a:tc>
+                  <a:txBody>
+                    <a:bodyPr/>
+                    <a:lstStyle/>
+                    <a:p>
+                      <a:pPr lvl="0">
+                        <a:buFont typeface="Arial" pitchFamily="34" charset="0"/>
+                        <a:buChar char="•"/>
+                      </a:pPr>
+                      <a:r>
+                        <a:rPr lang="de-DE" sz="1600" dirty="0" smtClean="0"/>
+                        <a:t> Level Design,</a:t>
+                      </a:r>
+                      <a:r>
+                        <a:rPr lang="de-DE" sz="1600" baseline="0" dirty="0" smtClean="0"/>
+                        <a:t> </a:t>
+                      </a:r>
+                      <a:r>
+                        <a:rPr lang="de-DE" sz="1600" dirty="0" smtClean="0"/>
+                        <a:t>Programming</a:t>
+                      </a:r>
+                    </a:p>
+                    <a:p>
+                      <a:pPr lvl="0">
+                        <a:buFont typeface="Arial" pitchFamily="34" charset="0"/>
+                        <a:buChar char="•"/>
+                      </a:pPr>
+                      <a:r>
+                        <a:rPr lang="de-DE" sz="1600" dirty="0" smtClean="0"/>
+                        <a:t> </a:t>
+                      </a:r>
+                      <a:r>
+                        <a:rPr lang="de-DE" sz="1600" dirty="0" err="1" smtClean="0"/>
+                        <a:t>Obstacle</a:t>
+                      </a:r>
+                      <a:r>
+                        <a:rPr lang="de-DE" sz="1600" dirty="0" smtClean="0"/>
+                        <a:t> Placement, Player Path</a:t>
+                      </a:r>
+                    </a:p>
+                  </a:txBody>
+                  <a:tcPr/>
+                </a:tc>
+                <a:tc>
+                  <a:txBody>
+                    <a:bodyPr/>
+                    <a:lstStyle/>
+                    <a:p>
+                      <a:pPr lvl="0">
+                        <a:buFont typeface="Arial" pitchFamily="34" charset="0"/>
+                        <a:buChar char="•"/>
+                      </a:pPr>
+                      <a:r>
+                        <a:rPr lang="de-DE" sz="1600" baseline="0" dirty="0" smtClean="0">
+                          <a:solidFill>
+                            <a:srgbClr val="C00000"/>
+                          </a:solidFill>
+                        </a:rPr>
+                        <a:t> </a:t>
+                      </a:r>
+                      <a:r>
+                        <a:rPr lang="de-DE" sz="1600" baseline="0" dirty="0" err="1" smtClean="0">
+                          <a:solidFill>
+                            <a:srgbClr val="C00000"/>
+                          </a:solidFill>
+                        </a:rPr>
+                        <a:t>Buffer</a:t>
+                      </a:r>
+                      <a:r>
+                        <a:rPr lang="de-DE" sz="1600" baseline="0" dirty="0" smtClean="0">
+                          <a:solidFill>
+                            <a:srgbClr val="C00000"/>
+                          </a:solidFill>
+                        </a:rPr>
+                        <a:t> </a:t>
+                      </a:r>
+                      <a:r>
+                        <a:rPr lang="de-DE" sz="1600" baseline="0" dirty="0" err="1" smtClean="0">
+                          <a:solidFill>
+                            <a:srgbClr val="C00000"/>
+                          </a:solidFill>
+                        </a:rPr>
+                        <a:t>for</a:t>
+                      </a:r>
+                      <a:r>
+                        <a:rPr lang="de-DE" sz="1600" baseline="0" dirty="0" smtClean="0">
+                          <a:solidFill>
+                            <a:srgbClr val="C00000"/>
+                          </a:solidFill>
+                        </a:rPr>
+                        <a:t> </a:t>
+                      </a:r>
+                      <a:r>
+                        <a:rPr lang="de-DE" sz="1600" baseline="0" dirty="0" err="1" smtClean="0">
+                          <a:solidFill>
+                            <a:srgbClr val="C00000"/>
+                          </a:solidFill>
+                        </a:rPr>
+                        <a:t>ao</a:t>
+                      </a:r>
+                      <a:endParaRPr lang="de-DE" sz="1600" baseline="0" dirty="0" smtClean="0">
+                        <a:solidFill>
+                          <a:srgbClr val="C00000"/>
+                        </a:solidFill>
+                      </a:endParaRPr>
+                    </a:p>
+                    <a:p>
+                      <a:pPr lvl="0">
+                        <a:buFont typeface="Arial" pitchFamily="34" charset="0"/>
+                        <a:buChar char="•"/>
+                      </a:pPr>
+                      <a:r>
+                        <a:rPr lang="de-DE" sz="1600" baseline="0" dirty="0" smtClean="0">
+                          <a:solidFill>
+                            <a:srgbClr val="C00000"/>
+                          </a:solidFill>
+                        </a:rPr>
+                        <a:t> </a:t>
+                      </a:r>
+                      <a:r>
+                        <a:rPr lang="de-DE" sz="1600" baseline="0" dirty="0" err="1" smtClean="0">
+                          <a:solidFill>
+                            <a:srgbClr val="C00000"/>
+                          </a:solidFill>
+                        </a:rPr>
+                        <a:t>God-rays</a:t>
+                      </a:r>
+                      <a:r>
+                        <a:rPr lang="de-DE" sz="1600" baseline="0" dirty="0" smtClean="0">
+                          <a:solidFill>
+                            <a:srgbClr val="C00000"/>
+                          </a:solidFill>
+                        </a:rPr>
+                        <a:t> </a:t>
+                      </a:r>
+                      <a:r>
+                        <a:rPr lang="de-DE" sz="1600" baseline="0" dirty="0" err="1" smtClean="0">
+                          <a:solidFill>
+                            <a:srgbClr val="C00000"/>
+                          </a:solidFill>
+                        </a:rPr>
+                        <a:t>and</a:t>
+                      </a:r>
+                      <a:r>
+                        <a:rPr lang="de-DE" sz="1600" baseline="0" dirty="0" smtClean="0">
+                          <a:solidFill>
+                            <a:srgbClr val="C00000"/>
+                          </a:solidFill>
+                        </a:rPr>
+                        <a:t>/</a:t>
+                      </a:r>
+                      <a:r>
+                        <a:rPr lang="de-DE" sz="1600" baseline="0" dirty="0" err="1" smtClean="0">
+                          <a:solidFill>
+                            <a:srgbClr val="C00000"/>
+                          </a:solidFill>
+                        </a:rPr>
+                        <a:t>or</a:t>
+                      </a:r>
+                      <a:r>
+                        <a:rPr lang="de-DE" sz="1600" baseline="0" dirty="0" smtClean="0">
+                          <a:solidFill>
+                            <a:srgbClr val="C00000"/>
+                          </a:solidFill>
+                        </a:rPr>
+                        <a:t>  </a:t>
+                      </a:r>
+                      <a:r>
+                        <a:rPr lang="de-DE" sz="1600" baseline="0" dirty="0" err="1" smtClean="0">
+                          <a:solidFill>
+                            <a:srgbClr val="C00000"/>
+                          </a:solidFill>
+                        </a:rPr>
+                        <a:t>atmos</a:t>
+                      </a:r>
+                      <a:r>
+                        <a:rPr lang="de-DE" sz="1600" baseline="0" dirty="0" smtClean="0">
+                          <a:solidFill>
+                            <a:srgbClr val="C00000"/>
+                          </a:solidFill>
+                        </a:rPr>
+                        <a:t>. </a:t>
+                      </a:r>
+                      <a:r>
+                        <a:rPr lang="de-DE" sz="1600" baseline="0" dirty="0" err="1" smtClean="0">
+                          <a:solidFill>
+                            <a:srgbClr val="C00000"/>
+                          </a:solidFill>
+                        </a:rPr>
+                        <a:t>scattering</a:t>
+                      </a:r>
+                      <a:endParaRPr lang="de-DE" sz="1600" baseline="0" dirty="0" smtClean="0">
+                        <a:solidFill>
+                          <a:srgbClr val="C00000"/>
+                        </a:solidFill>
+                      </a:endParaRPr>
+                    </a:p>
+                  </a:txBody>
+                  <a:tcPr/>
+                </a:tc>
+                <a:tc>
+                  <a:txBody>
+                    <a:bodyPr/>
+                    <a:lstStyle/>
+                    <a:p>
+                      <a:pPr marL="0" marR="0" lvl="0" indent="0" algn="l" defTabSz="914400" rtl="0" eaLnBrk="1" fontAlgn="auto" latinLnBrk="0" hangingPunct="1">
+                        <a:lnSpc>
+                          <a:spcPct val="100000"/>
+                        </a:lnSpc>
+                        <a:spcBef>
+                          <a:spcPts val="0"/>
+                        </a:spcBef>
+                        <a:spcAft>
+                          <a:spcPts val="0"/>
+                        </a:spcAft>
+                        <a:buClrTx/>
+                        <a:buSzTx/>
+                        <a:buFont typeface="Arial" pitchFamily="34" charset="0"/>
+                        <a:buChar char="•"/>
+                        <a:tabLst/>
+                        <a:defRPr/>
+                      </a:pPr>
+                      <a:r>
+                        <a:rPr lang="de-DE" sz="1600" baseline="0" dirty="0" smtClean="0">
+                          <a:solidFill>
+                            <a:srgbClr val="C00000"/>
+                          </a:solidFill>
+                        </a:rPr>
+                        <a:t> Server-</a:t>
+                      </a:r>
+                      <a:r>
+                        <a:rPr lang="de-DE" sz="1600" baseline="0" dirty="0" err="1" smtClean="0">
+                          <a:solidFill>
+                            <a:srgbClr val="C00000"/>
+                          </a:solidFill>
+                        </a:rPr>
+                        <a:t>menue</a:t>
+                      </a:r>
+                      <a:endParaRPr lang="de-DE" sz="1600" baseline="0" dirty="0" smtClean="0">
+                        <a:solidFill>
+                          <a:srgbClr val="C00000"/>
+                        </a:solidFill>
+                      </a:endParaRPr>
+                    </a:p>
+                    <a:p>
+                      <a:pPr marL="0" marR="0" lvl="0" indent="0" algn="l" defTabSz="914400" rtl="0" eaLnBrk="1" fontAlgn="auto" latinLnBrk="0" hangingPunct="1">
+                        <a:lnSpc>
+                          <a:spcPct val="100000"/>
+                        </a:lnSpc>
+                        <a:spcBef>
+                          <a:spcPts val="0"/>
+                        </a:spcBef>
+                        <a:spcAft>
+                          <a:spcPts val="0"/>
+                        </a:spcAft>
+                        <a:buClrTx/>
+                        <a:buSzTx/>
+                        <a:buFont typeface="Arial" pitchFamily="34" charset="0"/>
+                        <a:buChar char="•"/>
+                        <a:tabLst/>
+                        <a:defRPr/>
+                      </a:pPr>
+                      <a:r>
+                        <a:rPr lang="de-DE" sz="1600" baseline="0" dirty="0" smtClean="0">
+                          <a:solidFill>
+                            <a:srgbClr val="C00000"/>
+                          </a:solidFill>
+                        </a:rPr>
+                        <a:t> </a:t>
+                      </a:r>
+                      <a:r>
+                        <a:rPr lang="de-DE" sz="1600" baseline="0" dirty="0" err="1" smtClean="0">
+                          <a:solidFill>
+                            <a:srgbClr val="C00000"/>
+                          </a:solidFill>
+                        </a:rPr>
+                        <a:t>Oculus</a:t>
+                      </a:r>
+                      <a:r>
+                        <a:rPr lang="de-DE" sz="1600" baseline="0" dirty="0" smtClean="0">
+                          <a:solidFill>
+                            <a:srgbClr val="C00000"/>
+                          </a:solidFill>
+                        </a:rPr>
+                        <a:t> </a:t>
+                      </a:r>
+                      <a:r>
+                        <a:rPr lang="de-DE" sz="1600" baseline="0" dirty="0" err="1" smtClean="0">
+                          <a:solidFill>
+                            <a:srgbClr val="C00000"/>
+                          </a:solidFill>
+                        </a:rPr>
+                        <a:t>Shader-menue</a:t>
+                      </a:r>
+                      <a:r>
+                        <a:rPr lang="de-DE" sz="1600" baseline="0" dirty="0" smtClean="0">
+                          <a:solidFill>
+                            <a:srgbClr val="C00000"/>
+                          </a:solidFill>
+                        </a:rPr>
+                        <a:t> </a:t>
+                      </a:r>
+                      <a:r>
+                        <a:rPr lang="de-DE" sz="1600" baseline="0" dirty="0" err="1" smtClean="0">
+                          <a:solidFill>
+                            <a:srgbClr val="C00000"/>
+                          </a:solidFill>
+                        </a:rPr>
+                        <a:t>and</a:t>
+                      </a:r>
+                      <a:r>
+                        <a:rPr lang="de-DE" sz="1600" baseline="0" dirty="0" smtClean="0">
+                          <a:solidFill>
+                            <a:srgbClr val="C00000"/>
+                          </a:solidFill>
+                        </a:rPr>
+                        <a:t> </a:t>
+                      </a:r>
+                      <a:r>
+                        <a:rPr lang="de-DE" sz="1600" baseline="0" dirty="0" err="1" smtClean="0">
+                          <a:solidFill>
+                            <a:srgbClr val="C00000"/>
+                          </a:solidFill>
+                        </a:rPr>
+                        <a:t>controls</a:t>
+                      </a:r>
+                      <a:endParaRPr lang="de-DE" sz="1600" baseline="0" dirty="0" smtClean="0">
+                        <a:solidFill>
+                          <a:srgbClr val="C00000"/>
+                        </a:solidFill>
+                      </a:endParaRPr>
+                    </a:p>
+                    <a:p>
+                      <a:endParaRPr lang="de-DE" sz="1600" dirty="0"/>
+                    </a:p>
+                  </a:txBody>
+                  <a:tcPr/>
+                </a:tc>
+                <a:extLst>
+                  <a:ext uri="{0D108BD9-81ED-4DB2-BD59-A6C34878D82A}">
+                    <a16:rowId xmlns:a16="http://schemas.microsoft.com/office/drawing/2014/main" xmlns="" val="10001"/>
+                  </a:ext>
+                </a:extLst>
+              </a:tr>
+              <a:tr h="1295775">
+                <a:tc>
+                  <a:txBody>
+                    <a:bodyPr/>
+                    <a:lstStyle/>
+                    <a:p>
+                      <a:pPr marL="0" marR="0" indent="0" algn="ctr" defTabSz="914400" rtl="0" eaLnBrk="1" fontAlgn="auto" latinLnBrk="0" hangingPunct="1">
+                        <a:lnSpc>
+                          <a:spcPct val="100000"/>
+                        </a:lnSpc>
+                        <a:spcBef>
+                          <a:spcPts val="0"/>
+                        </a:spcBef>
+                        <a:spcAft>
+                          <a:spcPts val="0"/>
+                        </a:spcAft>
+                        <a:buClrTx/>
+                        <a:buSzTx/>
+                        <a:buFontTx/>
+                        <a:buNone/>
+                        <a:tabLst/>
+                        <a:defRPr/>
+                      </a:pPr>
+                      <a:r>
+                        <a:rPr lang="de-DE" sz="1600" dirty="0" smtClean="0"/>
+                        <a:t>06.09 – 06.16</a:t>
+                      </a:r>
+                      <a:endParaRPr lang="de-DE" sz="1600" dirty="0"/>
+                    </a:p>
+                  </a:txBody>
+                  <a:tcPr/>
+                </a:tc>
+                <a:tc>
+                  <a:txBody>
+                    <a:bodyPr/>
+                    <a:lstStyle/>
+                    <a:p>
+                      <a:pPr lvl="0">
+                        <a:buFont typeface="Arial" pitchFamily="34" charset="0"/>
+                        <a:buChar char="•"/>
+                      </a:pPr>
+                      <a:r>
+                        <a:rPr lang="de-DE" sz="1600" dirty="0" smtClean="0">
+                          <a:solidFill>
+                            <a:srgbClr val="C00000"/>
+                          </a:solidFill>
+                        </a:rPr>
+                        <a:t> Vive</a:t>
+                      </a:r>
+                      <a:r>
+                        <a:rPr lang="de-DE" sz="1600" baseline="0" dirty="0" smtClean="0">
+                          <a:solidFill>
+                            <a:srgbClr val="C00000"/>
+                          </a:solidFill>
+                        </a:rPr>
+                        <a:t> </a:t>
+                      </a:r>
+                      <a:r>
+                        <a:rPr lang="de-DE" sz="1600" baseline="0" dirty="0" err="1" smtClean="0">
+                          <a:solidFill>
+                            <a:srgbClr val="C00000"/>
+                          </a:solidFill>
+                        </a:rPr>
+                        <a:t>location</a:t>
+                      </a:r>
+                      <a:r>
+                        <a:rPr lang="de-DE" sz="1600" baseline="0" dirty="0" smtClean="0">
+                          <a:solidFill>
+                            <a:srgbClr val="C00000"/>
+                          </a:solidFill>
+                        </a:rPr>
+                        <a:t> </a:t>
+                      </a:r>
+                      <a:r>
+                        <a:rPr lang="de-DE" sz="1600" baseline="0" dirty="0" err="1" smtClean="0">
+                          <a:solidFill>
+                            <a:srgbClr val="C00000"/>
+                          </a:solidFill>
+                        </a:rPr>
+                        <a:t>setup</a:t>
+                      </a:r>
+                      <a:r>
+                        <a:rPr lang="de-DE" sz="1600" baseline="0" dirty="0" smtClean="0">
+                          <a:solidFill>
+                            <a:srgbClr val="C00000"/>
+                          </a:solidFill>
+                        </a:rPr>
+                        <a:t>,  </a:t>
+                      </a:r>
+                      <a:r>
+                        <a:rPr lang="de-DE" sz="1600" baseline="0" dirty="0" err="1" smtClean="0">
+                          <a:solidFill>
+                            <a:srgbClr val="C00000"/>
+                          </a:solidFill>
+                        </a:rPr>
+                        <a:t>impr</a:t>
+                      </a:r>
+                      <a:r>
+                        <a:rPr lang="de-DE" sz="1600" baseline="0" dirty="0" smtClean="0">
+                          <a:solidFill>
+                            <a:srgbClr val="C00000"/>
+                          </a:solidFill>
+                        </a:rPr>
+                        <a:t>.</a:t>
+                      </a:r>
+                      <a:endParaRPr lang="de-DE" sz="1600" dirty="0" smtClean="0">
+                        <a:solidFill>
+                          <a:srgbClr val="C00000"/>
+                        </a:solidFill>
+                      </a:endParaRPr>
+                    </a:p>
+                    <a:p>
+                      <a:pPr lvl="0">
+                        <a:buFont typeface="Arial" pitchFamily="34" charset="0"/>
+                        <a:buChar char="•"/>
+                      </a:pPr>
+                      <a:r>
+                        <a:rPr lang="de-DE" sz="1600" dirty="0" smtClean="0">
+                          <a:solidFill>
+                            <a:srgbClr val="C00000"/>
+                          </a:solidFill>
+                        </a:rPr>
+                        <a:t> Fly </a:t>
+                      </a:r>
+                      <a:r>
+                        <a:rPr lang="de-DE" sz="1600" dirty="0" err="1" smtClean="0">
+                          <a:solidFill>
+                            <a:srgbClr val="C00000"/>
+                          </a:solidFill>
+                        </a:rPr>
+                        <a:t>physics</a:t>
+                      </a:r>
+                      <a:endParaRPr lang="de-DE" sz="1600" dirty="0" smtClean="0">
+                        <a:solidFill>
+                          <a:srgbClr val="C00000"/>
+                        </a:solidFill>
+                      </a:endParaRPr>
+                    </a:p>
+                    <a:p>
+                      <a:pPr lvl="0">
+                        <a:buFont typeface="Arial" pitchFamily="34" charset="0"/>
+                        <a:buChar char="•"/>
+                      </a:pPr>
+                      <a:r>
+                        <a:rPr lang="de-DE" sz="1600" dirty="0" smtClean="0">
+                          <a:solidFill>
+                            <a:srgbClr val="C00000"/>
+                          </a:solidFill>
+                        </a:rPr>
+                        <a:t> Doc</a:t>
+                      </a:r>
+                    </a:p>
+                  </a:txBody>
+                  <a:tcPr/>
+                </a:tc>
+                <a:tc>
+                  <a:txBody>
+                    <a:bodyPr/>
+                    <a:lstStyle/>
+                    <a:p>
+                      <a:pPr marL="0" lvl="0" indent="-285750" algn="l" rtl="0" eaLnBrk="1" latinLnBrk="0" hangingPunct="1">
+                        <a:buFont typeface="Arial" pitchFamily="34" charset="0"/>
+                        <a:buChar char="•"/>
+                      </a:pPr>
+                      <a:r>
+                        <a:rPr kumimoji="0" lang="de-DE" sz="1600" kern="1200" dirty="0" smtClean="0">
+                          <a:solidFill>
+                            <a:srgbClr val="008000"/>
+                          </a:solidFill>
+                          <a:latin typeface="+mn-lt"/>
+                          <a:ea typeface="+mn-ea"/>
+                          <a:cs typeface="+mn-cs"/>
+                        </a:rPr>
+                        <a:t>Add </a:t>
+                      </a:r>
+                      <a:r>
+                        <a:rPr kumimoji="0" lang="de-DE" sz="1600" kern="1200" dirty="0" err="1" smtClean="0">
+                          <a:solidFill>
+                            <a:srgbClr val="008000"/>
+                          </a:solidFill>
+                          <a:latin typeface="+mn-lt"/>
+                          <a:ea typeface="+mn-ea"/>
+                          <a:cs typeface="+mn-cs"/>
+                        </a:rPr>
+                        <a:t>configuratable</a:t>
+                      </a:r>
+                      <a:r>
+                        <a:rPr kumimoji="0" lang="de-DE" sz="1600" kern="1200" dirty="0" smtClean="0">
+                          <a:solidFill>
+                            <a:srgbClr val="008000"/>
+                          </a:solidFill>
+                          <a:latin typeface="+mn-lt"/>
+                          <a:ea typeface="+mn-ea"/>
+                          <a:cs typeface="+mn-cs"/>
+                        </a:rPr>
+                        <a:t> </a:t>
+                      </a:r>
+                      <a:r>
+                        <a:rPr kumimoji="0" lang="de-DE" sz="1600" kern="1200" dirty="0" err="1" smtClean="0">
+                          <a:solidFill>
+                            <a:srgbClr val="008000"/>
+                          </a:solidFill>
+                          <a:latin typeface="+mn-lt"/>
+                          <a:ea typeface="+mn-ea"/>
+                          <a:cs typeface="+mn-cs"/>
+                        </a:rPr>
+                        <a:t>properties</a:t>
+                      </a:r>
+                      <a:r>
+                        <a:rPr kumimoji="0" lang="de-DE" sz="1600" kern="1200" dirty="0" smtClean="0">
+                          <a:solidFill>
+                            <a:srgbClr val="008000"/>
+                          </a:solidFill>
+                          <a:latin typeface="+mn-lt"/>
+                          <a:ea typeface="+mn-ea"/>
+                          <a:cs typeface="+mn-cs"/>
+                        </a:rPr>
+                        <a:t> </a:t>
+                      </a:r>
+                      <a:r>
+                        <a:rPr kumimoji="0" lang="de-DE" sz="1600" kern="1200" dirty="0" err="1" smtClean="0">
+                          <a:solidFill>
+                            <a:srgbClr val="008000"/>
+                          </a:solidFill>
+                          <a:latin typeface="+mn-lt"/>
+                          <a:ea typeface="+mn-ea"/>
+                          <a:cs typeface="+mn-cs"/>
+                        </a:rPr>
+                        <a:t>to</a:t>
+                      </a:r>
+                      <a:r>
+                        <a:rPr kumimoji="0" lang="de-DE" sz="1600" kern="1200" dirty="0" smtClean="0">
+                          <a:solidFill>
+                            <a:srgbClr val="008000"/>
+                          </a:solidFill>
+                          <a:latin typeface="+mn-lt"/>
+                          <a:ea typeface="+mn-ea"/>
+                          <a:cs typeface="+mn-cs"/>
+                        </a:rPr>
+                        <a:t> </a:t>
+                      </a:r>
+                      <a:r>
+                        <a:rPr kumimoji="0" lang="de-DE" sz="1600" kern="1200" dirty="0" err="1" smtClean="0">
+                          <a:solidFill>
+                            <a:srgbClr val="008000"/>
+                          </a:solidFill>
+                          <a:latin typeface="+mn-lt"/>
+                          <a:ea typeface="+mn-ea"/>
+                          <a:cs typeface="+mn-cs"/>
+                        </a:rPr>
+                        <a:t>flying</a:t>
+                      </a:r>
+                      <a:r>
+                        <a:rPr kumimoji="0" lang="de-DE" sz="1600" kern="1200" dirty="0" smtClean="0">
+                          <a:solidFill>
+                            <a:srgbClr val="008000"/>
+                          </a:solidFill>
+                          <a:latin typeface="+mn-lt"/>
+                          <a:ea typeface="+mn-ea"/>
+                          <a:cs typeface="+mn-cs"/>
+                        </a:rPr>
+                        <a:t>-model</a:t>
+                      </a:r>
+                    </a:p>
+                  </a:txBody>
+                  <a:tcPr/>
+                </a:tc>
+                <a:tc>
+                  <a:txBody>
+                    <a:bodyPr/>
+                    <a:lstStyle/>
+                    <a:p>
+                      <a:pPr marL="0" marR="0" lvl="0" indent="0" algn="l" defTabSz="914400" rtl="0" eaLnBrk="1" fontAlgn="auto" latinLnBrk="0" hangingPunct="1">
+                        <a:lnSpc>
+                          <a:spcPct val="100000"/>
+                        </a:lnSpc>
+                        <a:spcBef>
+                          <a:spcPts val="0"/>
+                        </a:spcBef>
+                        <a:spcAft>
+                          <a:spcPts val="0"/>
+                        </a:spcAft>
+                        <a:buClrTx/>
+                        <a:buSzTx/>
+                        <a:buFont typeface="Arial" pitchFamily="34" charset="0"/>
+                        <a:buChar char="•"/>
+                        <a:tabLst/>
+                        <a:defRPr/>
+                      </a:pPr>
+                      <a:r>
+                        <a:rPr lang="de-DE" sz="1600" dirty="0" smtClean="0"/>
+                        <a:t> </a:t>
+                      </a:r>
+                      <a:r>
+                        <a:rPr lang="de-DE" sz="1600" dirty="0" err="1" smtClean="0"/>
+                        <a:t>Secrets</a:t>
+                      </a:r>
+                      <a:endParaRPr lang="de-DE" sz="1600" dirty="0" smtClean="0"/>
+                    </a:p>
+                    <a:p>
+                      <a:pPr marL="0" marR="0" lvl="0" indent="0" algn="l" defTabSz="914400" rtl="0" eaLnBrk="1" fontAlgn="auto" latinLnBrk="0" hangingPunct="1">
+                        <a:lnSpc>
+                          <a:spcPct val="100000"/>
+                        </a:lnSpc>
+                        <a:spcBef>
+                          <a:spcPts val="0"/>
+                        </a:spcBef>
+                        <a:spcAft>
+                          <a:spcPts val="0"/>
+                        </a:spcAft>
+                        <a:buClrTx/>
+                        <a:buSzTx/>
+                        <a:buFont typeface="Arial" pitchFamily="34" charset="0"/>
+                        <a:buChar char="•"/>
+                        <a:tabLst/>
+                        <a:defRPr/>
+                      </a:pPr>
+                      <a:r>
+                        <a:rPr lang="de-DE" sz="1600" dirty="0" smtClean="0"/>
+                        <a:t> </a:t>
+                      </a:r>
+                      <a:r>
+                        <a:rPr lang="de-DE" sz="1600" dirty="0" err="1" smtClean="0"/>
+                        <a:t>Collectibles</a:t>
+                      </a:r>
+                      <a:endParaRPr lang="de-DE" sz="1600" baseline="0" dirty="0" smtClean="0"/>
+                    </a:p>
+                    <a:p>
+                      <a:pPr marL="0" marR="0" lvl="0" indent="0" algn="l" defTabSz="914400" rtl="0" eaLnBrk="1" fontAlgn="auto" latinLnBrk="0" hangingPunct="1">
+                        <a:lnSpc>
+                          <a:spcPct val="100000"/>
+                        </a:lnSpc>
+                        <a:spcBef>
+                          <a:spcPts val="0"/>
+                        </a:spcBef>
+                        <a:spcAft>
+                          <a:spcPts val="0"/>
+                        </a:spcAft>
+                        <a:buClrTx/>
+                        <a:buSzTx/>
+                        <a:buFont typeface="Arial" pitchFamily="34" charset="0"/>
+                        <a:buChar char="•"/>
+                        <a:tabLst/>
+                        <a:defRPr/>
+                      </a:pPr>
+                      <a:r>
+                        <a:rPr lang="de-DE" sz="1600" baseline="0" dirty="0" smtClean="0"/>
+                        <a:t> World </a:t>
+                      </a:r>
+                      <a:r>
+                        <a:rPr lang="de-DE" sz="1600" baseline="0" dirty="0" err="1" smtClean="0"/>
+                        <a:t>Refinement</a:t>
+                      </a:r>
+                      <a:endParaRPr lang="de-DE" sz="1600" dirty="0" smtClean="0"/>
+                    </a:p>
+                  </a:txBody>
+                  <a:tcPr/>
+                </a:tc>
+                <a:tc>
+                  <a:txBody>
+                    <a:bodyPr/>
+                    <a:lstStyle/>
+                    <a:p>
+                      <a:pPr marL="0" marR="0" lvl="0" indent="0" algn="l" defTabSz="914400" rtl="0" eaLnBrk="1" fontAlgn="auto" latinLnBrk="0" hangingPunct="1">
+                        <a:lnSpc>
+                          <a:spcPct val="100000"/>
+                        </a:lnSpc>
+                        <a:spcBef>
+                          <a:spcPts val="0"/>
+                        </a:spcBef>
+                        <a:spcAft>
+                          <a:spcPts val="0"/>
+                        </a:spcAft>
+                        <a:buClrTx/>
+                        <a:buSzTx/>
+                        <a:buFont typeface="Arial" pitchFamily="34" charset="0"/>
+                        <a:buChar char="•"/>
+                        <a:tabLst/>
+                        <a:defRPr/>
+                      </a:pPr>
+                      <a:r>
+                        <a:rPr lang="de-DE" sz="1600" baseline="0" dirty="0" smtClean="0"/>
+                        <a:t> </a:t>
+                      </a:r>
+                      <a:r>
+                        <a:rPr lang="de-DE" sz="1600" baseline="0" dirty="0" smtClean="0">
+                          <a:solidFill>
+                            <a:srgbClr val="C00000"/>
+                          </a:solidFill>
+                        </a:rPr>
+                        <a:t>Client-</a:t>
+                      </a:r>
+                      <a:r>
+                        <a:rPr lang="de-DE" sz="1600" baseline="0" dirty="0" err="1" smtClean="0">
+                          <a:solidFill>
+                            <a:srgbClr val="C00000"/>
+                          </a:solidFill>
+                        </a:rPr>
+                        <a:t>menu</a:t>
+                      </a:r>
+                      <a:r>
+                        <a:rPr lang="de-DE" sz="1600" baseline="0" dirty="0" smtClean="0">
+                          <a:solidFill>
+                            <a:srgbClr val="C00000"/>
+                          </a:solidFill>
+                        </a:rPr>
+                        <a:t>-</a:t>
+                      </a:r>
+                      <a:r>
+                        <a:rPr lang="de-DE" sz="1600" baseline="0" dirty="0" err="1" smtClean="0">
+                          <a:solidFill>
+                            <a:srgbClr val="C00000"/>
+                          </a:solidFill>
+                        </a:rPr>
+                        <a:t>structure</a:t>
+                      </a:r>
+                      <a:endParaRPr lang="de-DE" sz="1600" baseline="0" dirty="0" smtClean="0">
+                        <a:solidFill>
+                          <a:srgbClr val="C00000"/>
+                        </a:solidFill>
+                      </a:endParaRPr>
+                    </a:p>
+                    <a:p>
+                      <a:pPr marL="0" marR="0" lvl="0" indent="0" algn="l" defTabSz="914400" rtl="0" eaLnBrk="1" fontAlgn="auto" latinLnBrk="0" hangingPunct="1">
+                        <a:lnSpc>
+                          <a:spcPct val="100000"/>
+                        </a:lnSpc>
+                        <a:spcBef>
+                          <a:spcPts val="0"/>
+                        </a:spcBef>
+                        <a:spcAft>
+                          <a:spcPts val="0"/>
+                        </a:spcAft>
+                        <a:buClrTx/>
+                        <a:buSzTx/>
+                        <a:buFont typeface="Arial" pitchFamily="34" charset="0"/>
+                        <a:buChar char="•"/>
+                        <a:tabLst/>
+                        <a:defRPr/>
+                      </a:pPr>
+                      <a:r>
+                        <a:rPr lang="de-DE" sz="1600" baseline="0" dirty="0" smtClean="0">
+                          <a:solidFill>
+                            <a:srgbClr val="C00000"/>
+                          </a:solidFill>
+                        </a:rPr>
+                        <a:t> </a:t>
+                      </a:r>
+                      <a:r>
+                        <a:rPr lang="de-DE" sz="1600" baseline="0" dirty="0" err="1" smtClean="0">
+                          <a:solidFill>
+                            <a:srgbClr val="C00000"/>
+                          </a:solidFill>
+                        </a:rPr>
+                        <a:t>Menue</a:t>
+                      </a:r>
+                      <a:r>
+                        <a:rPr lang="de-DE" sz="1600" baseline="0" dirty="0" smtClean="0">
+                          <a:solidFill>
+                            <a:srgbClr val="C00000"/>
+                          </a:solidFill>
+                        </a:rPr>
+                        <a:t> </a:t>
+                      </a:r>
+                      <a:r>
+                        <a:rPr lang="de-DE" sz="1600" baseline="0" dirty="0" err="1" smtClean="0">
+                          <a:solidFill>
+                            <a:srgbClr val="C00000"/>
+                          </a:solidFill>
+                        </a:rPr>
+                        <a:t>functionality</a:t>
+                      </a:r>
+                      <a:endParaRPr lang="de-DE" sz="1600" baseline="0" dirty="0" smtClean="0">
+                        <a:solidFill>
+                          <a:srgbClr val="C00000"/>
+                        </a:solidFill>
+                      </a:endParaRPr>
+                    </a:p>
+                  </a:txBody>
+                  <a:tcPr/>
+                </a:tc>
+                <a:tc>
+                  <a:txBody>
+                    <a:bodyPr/>
+                    <a:lstStyle/>
+                    <a:p>
+                      <a:pPr marL="0" marR="0" lvl="0" indent="0" algn="l" defTabSz="914400" rtl="0" eaLnBrk="1" fontAlgn="auto" latinLnBrk="0" hangingPunct="1">
+                        <a:lnSpc>
+                          <a:spcPct val="100000"/>
+                        </a:lnSpc>
+                        <a:spcBef>
+                          <a:spcPts val="0"/>
+                        </a:spcBef>
+                        <a:spcAft>
+                          <a:spcPts val="0"/>
+                        </a:spcAft>
+                        <a:buClrTx/>
+                        <a:buSzTx/>
+                        <a:buFont typeface="Arial" pitchFamily="34" charset="0"/>
+                        <a:buChar char="•"/>
+                        <a:tabLst/>
+                        <a:defRPr/>
+                      </a:pPr>
+                      <a:r>
+                        <a:rPr lang="de-DE" sz="1600" baseline="0" dirty="0" smtClean="0">
+                          <a:solidFill>
+                            <a:srgbClr val="C00000"/>
+                          </a:solidFill>
+                        </a:rPr>
+                        <a:t> Game Interaction / - </a:t>
+                      </a:r>
+                      <a:r>
+                        <a:rPr lang="de-DE" sz="1600" baseline="0" dirty="0" err="1" smtClean="0">
+                          <a:solidFill>
+                            <a:srgbClr val="C00000"/>
+                          </a:solidFill>
+                        </a:rPr>
+                        <a:t>Logic</a:t>
+                      </a:r>
+                      <a:r>
+                        <a:rPr lang="de-DE" sz="1600" baseline="0" dirty="0" smtClean="0">
+                          <a:solidFill>
+                            <a:srgbClr val="C00000"/>
+                          </a:solidFill>
+                        </a:rPr>
+                        <a:t> / -Flow (</a:t>
+                      </a:r>
+                      <a:r>
+                        <a:rPr lang="de-DE" sz="1600" baseline="0" dirty="0" err="1" smtClean="0">
+                          <a:solidFill>
+                            <a:srgbClr val="C00000"/>
+                          </a:solidFill>
+                        </a:rPr>
+                        <a:t>Parachute</a:t>
+                      </a:r>
+                      <a:r>
+                        <a:rPr lang="de-DE" sz="1600" baseline="0" dirty="0" smtClean="0">
+                          <a:solidFill>
+                            <a:srgbClr val="C00000"/>
+                          </a:solidFill>
+                        </a:rPr>
+                        <a:t> </a:t>
+                      </a:r>
+                      <a:r>
+                        <a:rPr lang="de-DE" sz="1600" baseline="0" dirty="0" err="1" smtClean="0">
+                          <a:solidFill>
+                            <a:srgbClr val="C00000"/>
+                          </a:solidFill>
+                        </a:rPr>
+                        <a:t>landing</a:t>
+                      </a:r>
+                      <a:r>
+                        <a:rPr lang="de-DE" sz="1600" baseline="0" dirty="0" smtClean="0">
+                          <a:solidFill>
+                            <a:srgbClr val="C00000"/>
+                          </a:solidFill>
+                        </a:rPr>
+                        <a:t>, …)</a:t>
+                      </a:r>
+                    </a:p>
+                  </a:txBody>
+                  <a:tcPr/>
+                </a:tc>
+                <a:extLst>
+                  <a:ext uri="{0D108BD9-81ED-4DB2-BD59-A6C34878D82A}">
+                    <a16:rowId xmlns:a16="http://schemas.microsoft.com/office/drawing/2014/main" xmlns="" val="10002"/>
+                  </a:ext>
+                </a:extLst>
+              </a:tr>
+              <a:tr h="868345">
+                <a:tc>
+                  <a:txBody>
+                    <a:bodyPr/>
+                    <a:lstStyle/>
+                    <a:p>
+                      <a:pPr marL="0" marR="0" indent="0" algn="ctr" defTabSz="914400" rtl="0" eaLnBrk="1" fontAlgn="auto" latinLnBrk="0" hangingPunct="1">
+                        <a:lnSpc>
+                          <a:spcPct val="100000"/>
+                        </a:lnSpc>
+                        <a:spcBef>
+                          <a:spcPts val="0"/>
+                        </a:spcBef>
+                        <a:spcAft>
+                          <a:spcPts val="0"/>
+                        </a:spcAft>
+                        <a:buClrTx/>
+                        <a:buSzTx/>
+                        <a:buFontTx/>
+                        <a:buNone/>
+                        <a:tabLst/>
+                        <a:defRPr/>
+                      </a:pPr>
+                      <a:r>
+                        <a:rPr lang="de-DE" sz="1600" dirty="0" smtClean="0"/>
+                        <a:t>06.16</a:t>
+                      </a:r>
+                      <a:r>
+                        <a:rPr lang="de-DE" sz="1600" baseline="0" dirty="0" smtClean="0"/>
+                        <a:t> – 06.23</a:t>
+                      </a:r>
+                      <a:endParaRPr lang="de-DE" sz="1600" dirty="0"/>
+                    </a:p>
+                  </a:txBody>
+                  <a:tcPr/>
+                </a:tc>
+                <a:tc>
+                  <a:txBody>
+                    <a:bodyPr/>
+                    <a:lstStyle/>
+                    <a:p>
+                      <a:pPr lvl="0">
+                        <a:buFont typeface="Arial" pitchFamily="34" charset="0"/>
+                        <a:buChar char="•"/>
+                      </a:pPr>
+                      <a:r>
+                        <a:rPr lang="de-DE" sz="1600" dirty="0" smtClean="0">
+                          <a:solidFill>
+                            <a:srgbClr val="C00000"/>
+                          </a:solidFill>
+                        </a:rPr>
+                        <a:t> Fly </a:t>
+                      </a:r>
+                      <a:r>
+                        <a:rPr lang="de-DE" sz="1600" dirty="0" err="1" smtClean="0">
+                          <a:solidFill>
+                            <a:srgbClr val="C00000"/>
+                          </a:solidFill>
+                        </a:rPr>
+                        <a:t>physics</a:t>
+                      </a:r>
+                      <a:endParaRPr lang="de-DE" sz="1600" dirty="0" smtClean="0">
+                        <a:solidFill>
+                          <a:srgbClr val="C00000"/>
+                        </a:solidFill>
+                      </a:endParaRPr>
+                    </a:p>
+                    <a:p>
+                      <a:pPr lvl="0">
+                        <a:buFont typeface="Arial" pitchFamily="34" charset="0"/>
+                        <a:buChar char="•"/>
+                      </a:pPr>
+                      <a:r>
+                        <a:rPr lang="de-DE" sz="1600" dirty="0" smtClean="0">
+                          <a:solidFill>
+                            <a:srgbClr val="C00000"/>
+                          </a:solidFill>
+                        </a:rPr>
+                        <a:t> Doc</a:t>
+                      </a:r>
+                    </a:p>
+                    <a:p>
+                      <a:pPr lvl="0">
+                        <a:buFont typeface="Arial" pitchFamily="34" charset="0"/>
+                        <a:buChar char="•"/>
+                      </a:pPr>
+                      <a:r>
+                        <a:rPr lang="de-DE" sz="1600" dirty="0" smtClean="0">
+                          <a:solidFill>
+                            <a:srgbClr val="C00000"/>
+                          </a:solidFill>
+                        </a:rPr>
+                        <a:t> User Guide</a:t>
+                      </a:r>
+                      <a:endParaRPr lang="de-DE" sz="1600" dirty="0">
+                        <a:solidFill>
+                          <a:srgbClr val="C00000"/>
+                        </a:solidFill>
+                      </a:endParaRPr>
+                    </a:p>
+                  </a:txBody>
+                  <a:tcPr/>
+                </a:tc>
+                <a:tc>
+                  <a:txBody>
+                    <a:bodyPr/>
+                    <a:lstStyle/>
+                    <a:p>
+                      <a:pPr marL="0" marR="0" lvl="0" indent="0" algn="l" defTabSz="914400" rtl="0" eaLnBrk="1" fontAlgn="auto" latinLnBrk="0" hangingPunct="1">
+                        <a:lnSpc>
+                          <a:spcPct val="100000"/>
+                        </a:lnSpc>
+                        <a:spcBef>
+                          <a:spcPts val="0"/>
+                        </a:spcBef>
+                        <a:spcAft>
+                          <a:spcPts val="0"/>
+                        </a:spcAft>
+                        <a:buClrTx/>
+                        <a:buSzTx/>
+                        <a:buFont typeface="Arial" pitchFamily="34" charset="0"/>
+                        <a:buChar char="•"/>
+                        <a:tabLst/>
+                        <a:defRPr/>
+                      </a:pPr>
+                      <a:r>
+                        <a:rPr lang="de-DE" sz="1600" dirty="0" smtClean="0"/>
+                        <a:t> </a:t>
+                      </a:r>
+                      <a:r>
+                        <a:rPr lang="en-US" sz="1600" dirty="0" smtClean="0"/>
+                        <a:t>Through testing of the flying</a:t>
+                      </a:r>
+                      <a:r>
+                        <a:rPr lang="en-US" sz="1600" baseline="0" dirty="0" smtClean="0"/>
+                        <a:t> physics</a:t>
+                      </a:r>
+                    </a:p>
+                  </a:txBody>
+                  <a:tcPr/>
+                </a:tc>
+                <a:tc>
+                  <a:txBody>
+                    <a:bodyPr/>
+                    <a:lstStyle/>
+                    <a:p>
+                      <a:pPr marL="0" marR="0" lvl="0" indent="0" algn="l" defTabSz="914400" rtl="0" eaLnBrk="1" fontAlgn="auto" latinLnBrk="0" hangingPunct="1">
+                        <a:lnSpc>
+                          <a:spcPct val="100000"/>
+                        </a:lnSpc>
+                        <a:spcBef>
+                          <a:spcPts val="0"/>
+                        </a:spcBef>
+                        <a:spcAft>
+                          <a:spcPts val="0"/>
+                        </a:spcAft>
+                        <a:buClrTx/>
+                        <a:buSzTx/>
+                        <a:buFont typeface="Arial" pitchFamily="34" charset="0"/>
+                        <a:buChar char="•"/>
+                        <a:tabLst/>
+                        <a:defRPr/>
+                      </a:pPr>
+                      <a:r>
+                        <a:rPr lang="de-DE" sz="1600" dirty="0" smtClean="0"/>
+                        <a:t> </a:t>
+                      </a:r>
+                      <a:r>
+                        <a:rPr lang="en-US" sz="1600" dirty="0" smtClean="0"/>
+                        <a:t>Player Model</a:t>
+                      </a:r>
+                    </a:p>
+                    <a:p>
+                      <a:pPr marL="0" marR="0" lvl="0" indent="0" algn="l" defTabSz="914400" rtl="0" eaLnBrk="1" fontAlgn="auto" latinLnBrk="0" hangingPunct="1">
+                        <a:lnSpc>
+                          <a:spcPct val="100000"/>
+                        </a:lnSpc>
+                        <a:spcBef>
+                          <a:spcPts val="0"/>
+                        </a:spcBef>
+                        <a:spcAft>
+                          <a:spcPts val="0"/>
+                        </a:spcAft>
+                        <a:buClrTx/>
+                        <a:buSzTx/>
+                        <a:buFont typeface="Arial" pitchFamily="34" charset="0"/>
+                        <a:buChar char="•"/>
+                        <a:tabLst/>
+                        <a:defRPr/>
+                      </a:pPr>
+                      <a:r>
+                        <a:rPr lang="en-US" sz="1600" baseline="0" dirty="0" smtClean="0"/>
+                        <a:t> </a:t>
+                      </a:r>
+                      <a:r>
+                        <a:rPr lang="en-US" sz="1600" dirty="0" smtClean="0"/>
+                        <a:t>Rigging</a:t>
+                      </a:r>
+                    </a:p>
+                    <a:p>
+                      <a:pPr marL="0" marR="0" lvl="0" indent="0" algn="l" defTabSz="914400" rtl="0" eaLnBrk="1" fontAlgn="auto" latinLnBrk="0" hangingPunct="1">
+                        <a:lnSpc>
+                          <a:spcPct val="100000"/>
+                        </a:lnSpc>
+                        <a:spcBef>
+                          <a:spcPts val="0"/>
+                        </a:spcBef>
+                        <a:spcAft>
+                          <a:spcPts val="0"/>
+                        </a:spcAft>
+                        <a:buClrTx/>
+                        <a:buSzTx/>
+                        <a:buFont typeface="Arial" pitchFamily="34" charset="0"/>
+                        <a:buChar char="•"/>
+                        <a:tabLst/>
+                        <a:defRPr/>
+                      </a:pPr>
+                      <a:r>
+                        <a:rPr lang="en-US" sz="1600" baseline="0" dirty="0" smtClean="0"/>
+                        <a:t> </a:t>
+                      </a:r>
+                      <a:r>
+                        <a:rPr lang="en-US" sz="1600" dirty="0" smtClean="0"/>
+                        <a:t>Texturing</a:t>
+                      </a:r>
+                      <a:endParaRPr lang="de-DE" sz="1600" dirty="0" smtClean="0"/>
+                    </a:p>
+                  </a:txBody>
+                  <a:tcPr/>
+                </a:tc>
+                <a:tc>
+                  <a:txBody>
+                    <a:bodyPr/>
+                    <a:lstStyle/>
+                    <a:p>
+                      <a:pPr marL="0" marR="0" lvl="0" indent="0" algn="l" defTabSz="914400" rtl="0" eaLnBrk="1" fontAlgn="auto" latinLnBrk="0" hangingPunct="1">
+                        <a:lnSpc>
+                          <a:spcPct val="100000"/>
+                        </a:lnSpc>
+                        <a:spcBef>
+                          <a:spcPts val="0"/>
+                        </a:spcBef>
+                        <a:spcAft>
+                          <a:spcPts val="0"/>
+                        </a:spcAft>
+                        <a:buClrTx/>
+                        <a:buSzTx/>
+                        <a:buFont typeface="Arial" pitchFamily="34" charset="0"/>
+                        <a:buChar char="•"/>
+                        <a:tabLst/>
+                        <a:defRPr/>
+                      </a:pPr>
+                      <a:r>
+                        <a:rPr lang="de-DE" sz="1600" baseline="0" dirty="0" smtClean="0"/>
+                        <a:t> </a:t>
+                      </a:r>
+                      <a:r>
+                        <a:rPr lang="de-DE" sz="1600" baseline="0" dirty="0" err="1" smtClean="0"/>
+                        <a:t>Menue</a:t>
+                      </a:r>
+                      <a:r>
+                        <a:rPr lang="de-DE" sz="1600" baseline="0" dirty="0" smtClean="0"/>
+                        <a:t> </a:t>
+                      </a:r>
+                      <a:r>
+                        <a:rPr lang="de-DE" sz="1600" baseline="0" dirty="0" err="1" smtClean="0"/>
+                        <a:t>funct</a:t>
+                      </a:r>
+                      <a:r>
+                        <a:rPr lang="de-DE" sz="1600" baseline="0" dirty="0" smtClean="0"/>
+                        <a:t>.</a:t>
+                      </a:r>
+                    </a:p>
+                    <a:p>
+                      <a:pPr>
+                        <a:buFont typeface="Arial" pitchFamily="34" charset="0"/>
+                        <a:buChar char="•"/>
+                      </a:pPr>
+                      <a:r>
+                        <a:rPr lang="de-DE" sz="1600" dirty="0" smtClean="0"/>
+                        <a:t> Gamepad </a:t>
+                      </a:r>
+                      <a:r>
+                        <a:rPr lang="de-DE" sz="1600" dirty="0" err="1" smtClean="0"/>
+                        <a:t>support</a:t>
+                      </a:r>
+                      <a:endParaRPr lang="de-DE" sz="1600" dirty="0"/>
+                    </a:p>
+                  </a:txBody>
+                  <a:tcPr/>
+                </a:tc>
+                <a:tc>
+                  <a:txBody>
+                    <a:bodyPr/>
+                    <a:lstStyle/>
+                    <a:p>
+                      <a:pPr lvl="0">
+                        <a:buFont typeface="Arial" pitchFamily="34" charset="0"/>
+                        <a:buChar char="•"/>
+                      </a:pPr>
+                      <a:r>
+                        <a:rPr lang="de-DE" sz="1600" dirty="0" smtClean="0">
+                          <a:solidFill>
+                            <a:srgbClr val="C00000"/>
+                          </a:solidFill>
+                        </a:rPr>
+                        <a:t> </a:t>
+                      </a:r>
+                      <a:r>
+                        <a:rPr lang="de-DE" sz="1600" dirty="0" err="1" smtClean="0">
+                          <a:solidFill>
+                            <a:srgbClr val="C00000"/>
+                          </a:solidFill>
+                        </a:rPr>
+                        <a:t>Buffer</a:t>
+                      </a:r>
+                      <a:r>
+                        <a:rPr lang="de-DE" sz="1600" dirty="0" smtClean="0">
+                          <a:solidFill>
+                            <a:srgbClr val="C00000"/>
+                          </a:solidFill>
+                        </a:rPr>
+                        <a:t> </a:t>
+                      </a:r>
+                      <a:r>
+                        <a:rPr lang="de-DE" sz="1600" dirty="0" err="1" smtClean="0">
+                          <a:solidFill>
+                            <a:srgbClr val="C00000"/>
+                          </a:solidFill>
+                        </a:rPr>
+                        <a:t>for</a:t>
+                      </a:r>
+                      <a:r>
+                        <a:rPr lang="de-DE" sz="1600" dirty="0" smtClean="0">
+                          <a:solidFill>
+                            <a:srgbClr val="C00000"/>
+                          </a:solidFill>
+                        </a:rPr>
+                        <a:t> </a:t>
+                      </a:r>
+                      <a:r>
+                        <a:rPr lang="de-DE" sz="1600" dirty="0" err="1" smtClean="0">
+                          <a:solidFill>
+                            <a:srgbClr val="C00000"/>
+                          </a:solidFill>
+                        </a:rPr>
+                        <a:t>GameLogic</a:t>
+                      </a:r>
+                      <a:endParaRPr lang="de-DE" sz="1600" dirty="0" smtClean="0">
+                        <a:solidFill>
+                          <a:srgbClr val="C00000"/>
+                        </a:solidFill>
+                      </a:endParaRPr>
+                    </a:p>
+                    <a:p>
+                      <a:pPr lvl="0">
+                        <a:buFont typeface="Arial" pitchFamily="34" charset="0"/>
+                        <a:buChar char="•"/>
+                      </a:pPr>
+                      <a:r>
+                        <a:rPr lang="de-DE" sz="1600" dirty="0" smtClean="0">
+                          <a:solidFill>
+                            <a:srgbClr val="C00000"/>
+                          </a:solidFill>
+                        </a:rPr>
+                        <a:t> Playermodel</a:t>
+                      </a:r>
+                    </a:p>
+                  </a:txBody>
+                  <a:tcPr/>
+                </a:tc>
+                <a:extLst>
+                  <a:ext uri="{0D108BD9-81ED-4DB2-BD59-A6C34878D82A}">
+                    <a16:rowId xmlns:a16="http://schemas.microsoft.com/office/drawing/2014/main" xmlns="" val="10003"/>
+                  </a:ext>
+                </a:extLst>
+              </a:tr>
+            </a:tbl>
+          </a:graphicData>
+        </a:graphic>
+      </p:graphicFrame>
     </p:spTree>
   </p:cSld>
   <p:clrMapOvr>
     <a:masterClrMapping/>
   </p:clrMapOvr>
+  <p:timing>
+    <p:tnLst>
+      <p:par>
+        <p:cTn id="1" dur="indefinite" restart="never" nodeType="tmRoot"/>
+      </p:par>
+    </p:tnLst>
+  </p:timing>
 </p:sld>
 </file>
 
@@ -4977,7 +6723,7 @@
                   <a:srgbClr val="FF0000"/>
                 </a:solidFill>
               </a:rPr>
-              <a:t>Three</a:t>
+              <a:t>Two</a:t>
             </a:r>
             <a:r>
               <a:rPr lang="de-DE" dirty="0" smtClean="0">
@@ -4993,7 +6739,7 @@
                   <a:srgbClr val="FF0000"/>
                 </a:solidFill>
               </a:rPr>
-              <a:t>old</a:t>
+              <a:t>updated</a:t>
             </a:r>
             <a:r>
               <a:rPr lang="de-DE" dirty="0" smtClean="0">
@@ -5060,6 +6806,1863 @@
               <a:rPr lang="de-DE" smtClean="0"/>
               <a:pPr/>
               <a:t>11</a:t>
+            </a:fld>
+            <a:endParaRPr lang="de-DE"/>
+          </a:p>
+        </p:txBody>
+      </p:sp>
+      <p:graphicFrame>
+        <p:nvGraphicFramePr>
+          <p:cNvPr id="7" name="Tabelle 6"/>
+          <p:cNvGraphicFramePr>
+            <a:graphicFrameLocks noGrp="1"/>
+          </p:cNvGraphicFramePr>
+          <p:nvPr>
+            <p:extLst>
+              <p:ext uri="{D42A27DB-BD31-4B8C-83A1-F6EECF244321}">
+                <p14:modId xmlns="" xmlns:p14="http://schemas.microsoft.com/office/powerpoint/2010/main" val="275912304"/>
+              </p:ext>
+            </p:extLst>
+          </p:nvPr>
+        </p:nvGraphicFramePr>
+        <p:xfrm>
+          <a:off x="179512" y="1201316"/>
+          <a:ext cx="8784978" cy="4267200"/>
+        </p:xfrm>
+        <a:graphic>
+          <a:graphicData uri="http://schemas.openxmlformats.org/drawingml/2006/table">
+            <a:tbl>
+              <a:tblPr firstRow="1" bandRow="1">
+                <a:tableStyleId>{5C22544A-7EE6-4342-B048-85BDC9FD1C3A}</a:tableStyleId>
+              </a:tblPr>
+              <a:tblGrid>
+                <a:gridCol w="720080">
+                  <a:extLst>
+                    <a:ext uri="{9D8B030D-6E8A-4147-A177-3AD203B41FA5}">
+                      <a16:colId xmlns:a16="http://schemas.microsoft.com/office/drawing/2014/main" xmlns="" val="20000"/>
+                    </a:ext>
+                  </a:extLst>
+                </a:gridCol>
+                <a:gridCol w="1584176">
+                  <a:extLst>
+                    <a:ext uri="{9D8B030D-6E8A-4147-A177-3AD203B41FA5}">
+                      <a16:colId xmlns:a16="http://schemas.microsoft.com/office/drawing/2014/main" xmlns="" val="20001"/>
+                    </a:ext>
+                  </a:extLst>
+                </a:gridCol>
+                <a:gridCol w="1656184">
+                  <a:extLst>
+                    <a:ext uri="{9D8B030D-6E8A-4147-A177-3AD203B41FA5}">
+                      <a16:colId xmlns:a16="http://schemas.microsoft.com/office/drawing/2014/main" xmlns="" val="20002"/>
+                    </a:ext>
+                  </a:extLst>
+                </a:gridCol>
+                <a:gridCol w="1656184">
+                  <a:extLst>
+                    <a:ext uri="{9D8B030D-6E8A-4147-A177-3AD203B41FA5}">
+                      <a16:colId xmlns:a16="http://schemas.microsoft.com/office/drawing/2014/main" xmlns="" val="20003"/>
+                    </a:ext>
+                  </a:extLst>
+                </a:gridCol>
+                <a:gridCol w="1584176">
+                  <a:extLst>
+                    <a:ext uri="{9D8B030D-6E8A-4147-A177-3AD203B41FA5}">
+                      <a16:colId xmlns:a16="http://schemas.microsoft.com/office/drawing/2014/main" xmlns="" val="20004"/>
+                    </a:ext>
+                  </a:extLst>
+                </a:gridCol>
+                <a:gridCol w="1584178">
+                  <a:extLst>
+                    <a:ext uri="{9D8B030D-6E8A-4147-A177-3AD203B41FA5}">
+                      <a16:colId xmlns:a16="http://schemas.microsoft.com/office/drawing/2014/main" xmlns="" val="20005"/>
+                    </a:ext>
+                  </a:extLst>
+                </a:gridCol>
+              </a:tblGrid>
+              <a:tr h="504057">
+                <a:tc>
+                  <a:txBody>
+                    <a:bodyPr/>
+                    <a:lstStyle/>
+                    <a:p>
+                      <a:pPr algn="ctr"/>
+                      <a:r>
+                        <a:rPr lang="de-DE" sz="1600" dirty="0" err="1" smtClean="0"/>
+                        <a:t>Week</a:t>
+                      </a:r>
+                      <a:endParaRPr lang="de-DE" sz="1600" dirty="0"/>
+                    </a:p>
+                  </a:txBody>
+                  <a:tcPr/>
+                </a:tc>
+                <a:tc>
+                  <a:txBody>
+                    <a:bodyPr/>
+                    <a:lstStyle/>
+                    <a:p>
+                      <a:pPr algn="ctr"/>
+                      <a:r>
+                        <a:rPr lang="de-DE" sz="1600" dirty="0" smtClean="0"/>
+                        <a:t>Andras Dietze</a:t>
+                      </a:r>
+                      <a:endParaRPr lang="de-DE" sz="1600" dirty="0"/>
+                    </a:p>
+                  </a:txBody>
+                  <a:tcPr/>
+                </a:tc>
+                <a:tc>
+                  <a:txBody>
+                    <a:bodyPr/>
+                    <a:lstStyle/>
+                    <a:p>
+                      <a:pPr algn="ctr"/>
+                      <a:r>
+                        <a:rPr lang="de-DE" sz="1600" dirty="0" smtClean="0"/>
+                        <a:t>Sebastian Nickel</a:t>
+                      </a:r>
+                      <a:endParaRPr lang="de-DE" sz="1600" dirty="0"/>
+                    </a:p>
+                  </a:txBody>
+                  <a:tcPr/>
+                </a:tc>
+                <a:tc>
+                  <a:txBody>
+                    <a:bodyPr/>
+                    <a:lstStyle/>
+                    <a:p>
+                      <a:pPr algn="ctr"/>
+                      <a:r>
+                        <a:rPr lang="de-DE" sz="1600" dirty="0" smtClean="0"/>
+                        <a:t>Jonas Kleinkauf</a:t>
+                      </a:r>
+                      <a:endParaRPr lang="de-DE" sz="1600" dirty="0"/>
+                    </a:p>
+                  </a:txBody>
+                  <a:tcPr/>
+                </a:tc>
+                <a:tc>
+                  <a:txBody>
+                    <a:bodyPr/>
+                    <a:lstStyle/>
+                    <a:p>
+                      <a:pPr algn="ctr"/>
+                      <a:r>
+                        <a:rPr lang="de-DE" sz="1600" dirty="0" smtClean="0"/>
+                        <a:t>Manuel Schmitt</a:t>
+                      </a:r>
+                      <a:endParaRPr lang="de-DE" sz="1600" dirty="0"/>
+                    </a:p>
+                  </a:txBody>
+                  <a:tcPr/>
+                </a:tc>
+                <a:tc>
+                  <a:txBody>
+                    <a:bodyPr/>
+                    <a:lstStyle/>
+                    <a:p>
+                      <a:pPr algn="ctr"/>
+                      <a:r>
+                        <a:rPr lang="de-DE" sz="1600" dirty="0" smtClean="0"/>
+                        <a:t>Sascha </a:t>
+                      </a:r>
+                      <a:r>
+                        <a:rPr lang="de-DE" sz="1600" dirty="0" err="1" smtClean="0"/>
+                        <a:t>Ibach</a:t>
+                      </a:r>
+                      <a:endParaRPr lang="de-DE" sz="1600" dirty="0"/>
+                    </a:p>
+                  </a:txBody>
+                  <a:tcPr/>
+                </a:tc>
+                <a:extLst>
+                  <a:ext uri="{0D108BD9-81ED-4DB2-BD59-A6C34878D82A}">
+                    <a16:rowId xmlns:a16="http://schemas.microsoft.com/office/drawing/2014/main" xmlns="" val="10000"/>
+                  </a:ext>
+                </a:extLst>
+              </a:tr>
+              <a:tr h="1019108">
+                <a:tc>
+                  <a:txBody>
+                    <a:bodyPr/>
+                    <a:lstStyle/>
+                    <a:p>
+                      <a:pPr marL="0" marR="0" indent="0" algn="ctr" defTabSz="914400" rtl="0" eaLnBrk="1" fontAlgn="auto" latinLnBrk="0" hangingPunct="1">
+                        <a:lnSpc>
+                          <a:spcPct val="100000"/>
+                        </a:lnSpc>
+                        <a:spcBef>
+                          <a:spcPts val="0"/>
+                        </a:spcBef>
+                        <a:spcAft>
+                          <a:spcPts val="0"/>
+                        </a:spcAft>
+                        <a:buClrTx/>
+                        <a:buSzTx/>
+                        <a:buFontTx/>
+                        <a:buNone/>
+                        <a:tabLst/>
+                        <a:defRPr/>
+                      </a:pPr>
+                      <a:r>
+                        <a:rPr lang="de-DE" sz="1600" dirty="0" smtClean="0"/>
+                        <a:t>06.02 – 06.09</a:t>
+                      </a:r>
+                      <a:endParaRPr lang="de-DE" sz="1600" dirty="0"/>
+                    </a:p>
+                  </a:txBody>
+                  <a:tcPr/>
+                </a:tc>
+                <a:tc>
+                  <a:txBody>
+                    <a:bodyPr/>
+                    <a:lstStyle/>
+                    <a:p>
+                      <a:pPr lvl="0">
+                        <a:buFont typeface="Arial" pitchFamily="34" charset="0"/>
+                        <a:buChar char="•"/>
+                      </a:pPr>
+                      <a:r>
+                        <a:rPr lang="de-DE" sz="1600" dirty="0" smtClean="0">
+                          <a:solidFill>
+                            <a:schemeClr val="tx1"/>
+                          </a:solidFill>
+                        </a:rPr>
+                        <a:t> </a:t>
+                      </a:r>
+                      <a:r>
+                        <a:rPr lang="de-DE" sz="1600" dirty="0" err="1" smtClean="0">
+                          <a:solidFill>
+                            <a:schemeClr val="tx1"/>
+                          </a:solidFill>
+                        </a:rPr>
+                        <a:t>Implem</a:t>
+                      </a:r>
+                      <a:r>
+                        <a:rPr lang="de-DE" sz="1600" dirty="0" smtClean="0">
+                          <a:solidFill>
+                            <a:schemeClr val="tx1"/>
+                          </a:solidFill>
+                        </a:rPr>
+                        <a:t>. </a:t>
+                      </a:r>
+                      <a:r>
+                        <a:rPr lang="de-DE" sz="1600" dirty="0" err="1" smtClean="0">
+                          <a:solidFill>
+                            <a:schemeClr val="tx1"/>
+                          </a:solidFill>
+                        </a:rPr>
+                        <a:t>new</a:t>
+                      </a:r>
+                      <a:r>
+                        <a:rPr lang="de-DE" sz="1600" baseline="0" dirty="0" smtClean="0">
+                          <a:solidFill>
+                            <a:schemeClr val="tx1"/>
+                          </a:solidFill>
+                        </a:rPr>
+                        <a:t> </a:t>
+                      </a:r>
+                      <a:r>
+                        <a:rPr lang="de-DE" sz="1600" baseline="0" dirty="0" err="1" smtClean="0">
+                          <a:solidFill>
+                            <a:schemeClr val="tx1"/>
+                          </a:solidFill>
+                        </a:rPr>
+                        <a:t>Kinect</a:t>
+                      </a:r>
+                      <a:r>
+                        <a:rPr lang="de-DE" sz="1600" baseline="0" dirty="0" smtClean="0">
+                          <a:solidFill>
+                            <a:schemeClr val="tx1"/>
+                          </a:solidFill>
+                        </a:rPr>
+                        <a:t> </a:t>
+                      </a:r>
+                      <a:r>
+                        <a:rPr lang="de-DE" sz="1600" baseline="0" dirty="0" err="1" smtClean="0">
+                          <a:solidFill>
+                            <a:schemeClr val="tx1"/>
+                          </a:solidFill>
+                        </a:rPr>
+                        <a:t>package</a:t>
+                      </a:r>
+                      <a:endParaRPr lang="de-DE" sz="1600" dirty="0" smtClean="0">
+                        <a:solidFill>
+                          <a:schemeClr val="tx1"/>
+                        </a:solidFill>
+                      </a:endParaRPr>
+                    </a:p>
+                    <a:p>
+                      <a:pPr lvl="0">
+                        <a:buFont typeface="Arial" pitchFamily="34" charset="0"/>
+                        <a:buChar char="•"/>
+                      </a:pPr>
+                      <a:r>
+                        <a:rPr lang="de-DE" sz="1600" dirty="0" smtClean="0">
+                          <a:solidFill>
+                            <a:schemeClr val="tx1"/>
+                          </a:solidFill>
+                        </a:rPr>
+                        <a:t> </a:t>
+                      </a:r>
+                      <a:r>
+                        <a:rPr lang="de-DE" sz="1600" dirty="0" err="1" smtClean="0">
+                          <a:solidFill>
+                            <a:schemeClr val="tx1"/>
+                          </a:solidFill>
+                        </a:rPr>
+                        <a:t>Kinect</a:t>
+                      </a:r>
+                      <a:r>
+                        <a:rPr lang="de-DE" sz="1600" dirty="0" smtClean="0">
+                          <a:solidFill>
+                            <a:schemeClr val="tx1"/>
+                          </a:solidFill>
+                        </a:rPr>
+                        <a:t> V1/2</a:t>
+                      </a:r>
+                      <a:r>
+                        <a:rPr lang="de-DE" sz="1600" baseline="0" dirty="0" smtClean="0">
+                          <a:solidFill>
+                            <a:schemeClr val="tx1"/>
+                          </a:solidFill>
+                        </a:rPr>
+                        <a:t> </a:t>
+                      </a:r>
+                      <a:r>
+                        <a:rPr lang="de-DE" sz="1600" baseline="0" dirty="0" err="1" smtClean="0">
+                          <a:solidFill>
+                            <a:schemeClr val="tx1"/>
+                          </a:solidFill>
+                        </a:rPr>
+                        <a:t>stable</a:t>
+                      </a:r>
+                      <a:r>
+                        <a:rPr lang="de-DE" sz="1600" baseline="0" dirty="0" smtClean="0">
+                          <a:solidFill>
+                            <a:schemeClr val="tx1"/>
+                          </a:solidFill>
+                        </a:rPr>
+                        <a:t>  </a:t>
+                      </a:r>
+                      <a:r>
+                        <a:rPr lang="de-DE" sz="1600" baseline="0" dirty="0" err="1" smtClean="0">
+                          <a:solidFill>
+                            <a:schemeClr val="tx1"/>
+                          </a:solidFill>
+                        </a:rPr>
+                        <a:t>config</a:t>
+                      </a:r>
+                      <a:endParaRPr lang="de-DE" sz="1600" baseline="0" dirty="0" smtClean="0">
+                        <a:solidFill>
+                          <a:schemeClr val="tx1"/>
+                        </a:solidFill>
+                      </a:endParaRPr>
+                    </a:p>
+                    <a:p>
+                      <a:pPr marL="0" marR="0" lvl="0" indent="0" algn="l" defTabSz="914400" rtl="0" eaLnBrk="1" fontAlgn="auto" latinLnBrk="0" hangingPunct="1">
+                        <a:lnSpc>
+                          <a:spcPct val="100000"/>
+                        </a:lnSpc>
+                        <a:spcBef>
+                          <a:spcPts val="0"/>
+                        </a:spcBef>
+                        <a:spcAft>
+                          <a:spcPts val="0"/>
+                        </a:spcAft>
+                        <a:buClrTx/>
+                        <a:buSzTx/>
+                        <a:buFont typeface="Arial" pitchFamily="34" charset="0"/>
+                        <a:buChar char="•"/>
+                        <a:tabLst/>
+                        <a:defRPr/>
+                      </a:pPr>
+                      <a:r>
+                        <a:rPr lang="de-DE" sz="1600" baseline="0" dirty="0" smtClean="0">
+                          <a:solidFill>
+                            <a:schemeClr val="tx1"/>
+                          </a:solidFill>
+                        </a:rPr>
+                        <a:t> Flight </a:t>
+                      </a:r>
+                      <a:r>
+                        <a:rPr lang="de-DE" sz="1600" baseline="0" dirty="0" err="1" smtClean="0">
+                          <a:solidFill>
+                            <a:schemeClr val="tx1"/>
+                          </a:solidFill>
+                        </a:rPr>
+                        <a:t>impr</a:t>
+                      </a:r>
+                      <a:r>
+                        <a:rPr lang="de-DE" sz="1600" baseline="0" dirty="0" smtClean="0">
+                          <a:solidFill>
+                            <a:schemeClr val="tx1"/>
+                          </a:solidFill>
+                        </a:rPr>
+                        <a:t>. </a:t>
+                      </a:r>
+                      <a:endParaRPr lang="de-DE" sz="1600" dirty="0" smtClean="0">
+                        <a:solidFill>
+                          <a:schemeClr val="tx1"/>
+                        </a:solidFill>
+                      </a:endParaRPr>
+                    </a:p>
+                  </a:txBody>
+                  <a:tcPr/>
+                </a:tc>
+                <a:tc>
+                  <a:txBody>
+                    <a:bodyPr/>
+                    <a:lstStyle/>
+                    <a:p>
+                      <a:pPr lvl="0">
+                        <a:buFont typeface="Arial" pitchFamily="34" charset="0"/>
+                        <a:buChar char="•"/>
+                      </a:pPr>
+                      <a:r>
+                        <a:rPr lang="de-DE" sz="1600" dirty="0" smtClean="0">
+                          <a:solidFill>
+                            <a:schemeClr val="tx1"/>
+                          </a:solidFill>
+                        </a:rPr>
+                        <a:t> </a:t>
+                      </a:r>
+                      <a:r>
+                        <a:rPr lang="de-DE" sz="1600" dirty="0" err="1" smtClean="0">
+                          <a:solidFill>
+                            <a:schemeClr val="tx1"/>
+                          </a:solidFill>
+                        </a:rPr>
+                        <a:t>Improve</a:t>
+                      </a:r>
+                      <a:r>
+                        <a:rPr lang="de-DE" sz="1600" dirty="0" smtClean="0">
+                          <a:solidFill>
+                            <a:schemeClr val="tx1"/>
+                          </a:solidFill>
+                        </a:rPr>
+                        <a:t> </a:t>
+                      </a:r>
+                      <a:r>
+                        <a:rPr lang="de-DE" sz="1600" dirty="0" err="1" smtClean="0">
+                          <a:solidFill>
+                            <a:schemeClr val="tx1"/>
+                          </a:solidFill>
+                        </a:rPr>
+                        <a:t>fly-physics</a:t>
+                      </a:r>
+                      <a:r>
+                        <a:rPr lang="de-DE" sz="1600" baseline="0" dirty="0" smtClean="0">
+                          <a:solidFill>
+                            <a:schemeClr val="tx1"/>
+                          </a:solidFill>
+                        </a:rPr>
+                        <a:t> </a:t>
+                      </a:r>
+                      <a:r>
+                        <a:rPr lang="de-DE" sz="1600" dirty="0" err="1" smtClean="0">
+                          <a:solidFill>
+                            <a:schemeClr val="tx1"/>
+                          </a:solidFill>
+                        </a:rPr>
+                        <a:t>model</a:t>
+                      </a:r>
+                      <a:endParaRPr lang="de-DE" sz="1600" baseline="0" dirty="0" smtClean="0">
+                        <a:solidFill>
+                          <a:schemeClr val="tx1"/>
+                        </a:solidFill>
+                      </a:endParaRPr>
+                    </a:p>
+                    <a:p>
+                      <a:pPr marL="0" marR="0" lvl="0" indent="0" algn="l" defTabSz="914400" rtl="0" eaLnBrk="1" fontAlgn="auto" latinLnBrk="0" hangingPunct="1">
+                        <a:lnSpc>
+                          <a:spcPct val="100000"/>
+                        </a:lnSpc>
+                        <a:spcBef>
+                          <a:spcPts val="0"/>
+                        </a:spcBef>
+                        <a:spcAft>
+                          <a:spcPts val="0"/>
+                        </a:spcAft>
+                        <a:buClrTx/>
+                        <a:buSzTx/>
+                        <a:buFont typeface="Arial" pitchFamily="34" charset="0"/>
+                        <a:buChar char="•"/>
+                        <a:tabLst/>
+                        <a:defRPr/>
+                      </a:pPr>
+                      <a:r>
+                        <a:rPr lang="de-DE" sz="1600" baseline="0" dirty="0" err="1" smtClean="0">
+                          <a:solidFill>
+                            <a:schemeClr val="tx1"/>
+                          </a:solidFill>
+                        </a:rPr>
+                        <a:t>Configurable</a:t>
+                      </a:r>
+                      <a:endParaRPr lang="de-DE" sz="1600" baseline="0" dirty="0" smtClean="0">
+                        <a:solidFill>
+                          <a:schemeClr val="tx1"/>
+                        </a:solidFill>
+                      </a:endParaRPr>
+                    </a:p>
+                    <a:p>
+                      <a:pPr marL="0" marR="0" lvl="0" indent="0" algn="l" defTabSz="914400" rtl="0" eaLnBrk="1" fontAlgn="auto" latinLnBrk="0" hangingPunct="1">
+                        <a:lnSpc>
+                          <a:spcPct val="100000"/>
+                        </a:lnSpc>
+                        <a:spcBef>
+                          <a:spcPts val="0"/>
+                        </a:spcBef>
+                        <a:spcAft>
+                          <a:spcPts val="0"/>
+                        </a:spcAft>
+                        <a:buClrTx/>
+                        <a:buSzTx/>
+                        <a:buFont typeface="Arial" pitchFamily="34" charset="0"/>
+                        <a:buChar char="•"/>
+                        <a:tabLst/>
+                        <a:defRPr/>
+                      </a:pPr>
+                      <a:r>
+                        <a:rPr lang="de-DE" sz="1600" baseline="0" dirty="0" err="1" smtClean="0">
+                          <a:solidFill>
+                            <a:schemeClr val="tx1"/>
+                          </a:solidFill>
+                        </a:rPr>
+                        <a:t>Bugfixed</a:t>
+                      </a:r>
+                      <a:r>
+                        <a:rPr lang="de-DE" sz="1600" baseline="0" dirty="0" smtClean="0">
+                          <a:solidFill>
+                            <a:schemeClr val="tx1"/>
+                          </a:solidFill>
+                        </a:rPr>
+                        <a:t> </a:t>
+                      </a:r>
+                      <a:r>
+                        <a:rPr lang="de-DE" sz="1600" baseline="0" dirty="0" err="1" smtClean="0">
+                          <a:solidFill>
+                            <a:schemeClr val="tx1"/>
+                          </a:solidFill>
+                        </a:rPr>
+                        <a:t>fly-physics</a:t>
+                      </a:r>
+                      <a:r>
+                        <a:rPr lang="de-DE" sz="1600" baseline="0" dirty="0" smtClean="0">
+                          <a:solidFill>
+                            <a:schemeClr val="tx1"/>
+                          </a:solidFill>
+                        </a:rPr>
+                        <a:t> </a:t>
+                      </a:r>
+                      <a:r>
+                        <a:rPr lang="de-DE" sz="1600" baseline="0" dirty="0" err="1" smtClean="0">
+                          <a:solidFill>
+                            <a:schemeClr val="tx1"/>
+                          </a:solidFill>
+                        </a:rPr>
+                        <a:t>issues</a:t>
+                      </a:r>
+                      <a:endParaRPr lang="de-DE" sz="1600" baseline="0" dirty="0" smtClean="0">
+                        <a:solidFill>
+                          <a:schemeClr val="tx1"/>
+                        </a:solidFill>
+                      </a:endParaRPr>
+                    </a:p>
+                  </a:txBody>
+                  <a:tcPr/>
+                </a:tc>
+                <a:tc>
+                  <a:txBody>
+                    <a:bodyPr/>
+                    <a:lstStyle/>
+                    <a:p>
+                      <a:endParaRPr lang="de-DE" dirty="0"/>
+                    </a:p>
+                  </a:txBody>
+                  <a:tcPr/>
+                </a:tc>
+                <a:tc>
+                  <a:txBody>
+                    <a:bodyPr/>
+                    <a:lstStyle/>
+                    <a:p>
+                      <a:pPr>
+                        <a:buFont typeface="Arial" pitchFamily="34" charset="0"/>
+                        <a:buChar char="•"/>
+                      </a:pPr>
+                      <a:r>
+                        <a:rPr lang="de-DE" sz="1600" dirty="0" smtClean="0"/>
+                        <a:t>Working </a:t>
+                      </a:r>
+                      <a:r>
+                        <a:rPr lang="de-DE" sz="1600" dirty="0" err="1" smtClean="0"/>
+                        <a:t>into</a:t>
+                      </a:r>
+                      <a:r>
+                        <a:rPr lang="de-DE" sz="1600" dirty="0" smtClean="0"/>
+                        <a:t> </a:t>
+                      </a:r>
+                      <a:r>
+                        <a:rPr lang="de-DE" sz="1600" dirty="0" err="1" smtClean="0"/>
+                        <a:t>shaders</a:t>
+                      </a:r>
+                      <a:endParaRPr lang="de-DE" sz="1600" dirty="0" smtClean="0"/>
+                    </a:p>
+                    <a:p>
+                      <a:pPr>
+                        <a:buFont typeface="Arial" pitchFamily="34" charset="0"/>
+                        <a:buChar char="•"/>
+                      </a:pPr>
+                      <a:r>
+                        <a:rPr lang="de-DE" sz="1600" dirty="0" err="1" smtClean="0"/>
+                        <a:t>Testing</a:t>
+                      </a:r>
+                      <a:r>
+                        <a:rPr lang="de-DE" sz="1600" dirty="0" smtClean="0"/>
+                        <a:t> SSAO</a:t>
+                      </a:r>
+                    </a:p>
+                    <a:p>
+                      <a:pPr>
+                        <a:buFont typeface="Arial" pitchFamily="34" charset="0"/>
+                        <a:buChar char="•"/>
+                      </a:pPr>
+                      <a:r>
+                        <a:rPr lang="de-DE" sz="1600" dirty="0" err="1" smtClean="0"/>
+                        <a:t>Kinect</a:t>
+                      </a:r>
+                      <a:r>
+                        <a:rPr lang="de-DE" sz="1600" baseline="0" dirty="0" smtClean="0"/>
+                        <a:t> </a:t>
+                      </a:r>
+                      <a:r>
+                        <a:rPr lang="de-DE" sz="1600" baseline="0" dirty="0" err="1" smtClean="0"/>
+                        <a:t>tests</a:t>
+                      </a:r>
+                      <a:endParaRPr lang="de-DE" sz="1600" dirty="0" smtClean="0"/>
+                    </a:p>
+                    <a:p>
+                      <a:pPr>
+                        <a:buFont typeface="Arial" pitchFamily="34" charset="0"/>
+                        <a:buChar char="•"/>
+                      </a:pPr>
+                      <a:endParaRPr lang="de-DE" dirty="0" smtClean="0"/>
+                    </a:p>
+                  </a:txBody>
+                  <a:tcPr/>
+                </a:tc>
+                <a:tc>
+                  <a:txBody>
+                    <a:bodyPr/>
+                    <a:lstStyle/>
+                    <a:p>
+                      <a:pPr lvl="0">
+                        <a:buFont typeface="Arial" pitchFamily="34" charset="0"/>
+                        <a:buChar char="•"/>
+                      </a:pPr>
+                      <a:r>
+                        <a:rPr lang="de-DE" sz="1400" baseline="0" dirty="0" smtClean="0">
+                          <a:solidFill>
+                            <a:schemeClr val="tx1"/>
+                          </a:solidFill>
+                        </a:rPr>
+                        <a:t> </a:t>
+                      </a:r>
+                      <a:r>
+                        <a:rPr lang="de-DE" sz="1400" baseline="0" dirty="0" err="1" smtClean="0">
+                          <a:solidFill>
+                            <a:srgbClr val="C00000"/>
+                          </a:solidFill>
+                        </a:rPr>
+                        <a:t>Gameplay</a:t>
+                      </a:r>
+                      <a:r>
+                        <a:rPr lang="de-DE" sz="1400" baseline="0" dirty="0" smtClean="0">
+                          <a:solidFill>
+                            <a:srgbClr val="C00000"/>
+                          </a:solidFill>
+                        </a:rPr>
+                        <a:t>, </a:t>
+                      </a:r>
+                      <a:r>
+                        <a:rPr lang="de-DE" sz="1400" baseline="0" dirty="0" err="1" smtClean="0">
+                          <a:solidFill>
+                            <a:srgbClr val="C00000"/>
+                          </a:solidFill>
+                        </a:rPr>
+                        <a:t>Parachute</a:t>
+                      </a:r>
+                      <a:r>
+                        <a:rPr lang="de-DE" sz="1400" baseline="0" dirty="0" smtClean="0">
+                          <a:solidFill>
+                            <a:srgbClr val="C00000"/>
+                          </a:solidFill>
+                        </a:rPr>
+                        <a:t> </a:t>
+                      </a:r>
+                      <a:r>
+                        <a:rPr lang="de-DE" sz="1400" baseline="0" dirty="0" err="1" smtClean="0">
+                          <a:solidFill>
+                            <a:srgbClr val="C00000"/>
+                          </a:solidFill>
+                        </a:rPr>
+                        <a:t>landing</a:t>
+                      </a:r>
+                      <a:endParaRPr lang="de-DE" sz="1400" baseline="0" dirty="0" smtClean="0">
+                        <a:solidFill>
+                          <a:srgbClr val="C00000"/>
+                        </a:solidFill>
+                      </a:endParaRPr>
+                    </a:p>
+                    <a:p>
+                      <a:pPr marL="0" marR="0" lvl="0" indent="0" algn="l" defTabSz="914400" rtl="0" eaLnBrk="1" fontAlgn="auto" latinLnBrk="0" hangingPunct="1">
+                        <a:lnSpc>
+                          <a:spcPct val="100000"/>
+                        </a:lnSpc>
+                        <a:spcBef>
+                          <a:spcPts val="0"/>
+                        </a:spcBef>
+                        <a:spcAft>
+                          <a:spcPts val="0"/>
+                        </a:spcAft>
+                        <a:buClrTx/>
+                        <a:buSzTx/>
+                        <a:buFont typeface="Arial" pitchFamily="34" charset="0"/>
+                        <a:buChar char="•"/>
+                        <a:tabLst/>
+                        <a:defRPr/>
+                      </a:pPr>
+                      <a:r>
+                        <a:rPr lang="de-DE" sz="1400" dirty="0" smtClean="0"/>
+                        <a:t> Working </a:t>
+                      </a:r>
+                      <a:r>
+                        <a:rPr lang="de-DE" sz="1400" dirty="0" err="1" smtClean="0"/>
+                        <a:t>into</a:t>
+                      </a:r>
+                      <a:r>
+                        <a:rPr lang="de-DE" sz="1400" dirty="0" smtClean="0"/>
+                        <a:t> </a:t>
+                      </a:r>
+                      <a:r>
+                        <a:rPr lang="de-DE" sz="1400" dirty="0" err="1" smtClean="0"/>
+                        <a:t>Oculus</a:t>
+                      </a:r>
+                      <a:r>
+                        <a:rPr lang="de-DE" sz="1400" baseline="0" dirty="0" smtClean="0"/>
+                        <a:t> </a:t>
+                      </a:r>
+                      <a:r>
+                        <a:rPr lang="de-DE" sz="1400" baseline="0" dirty="0" err="1" smtClean="0"/>
+                        <a:t>and</a:t>
+                      </a:r>
+                      <a:r>
+                        <a:rPr lang="de-DE" sz="1400" dirty="0" smtClean="0"/>
+                        <a:t> </a:t>
+                      </a:r>
+                      <a:r>
+                        <a:rPr lang="de-DE" sz="1400" dirty="0" err="1" smtClean="0"/>
+                        <a:t>possible</a:t>
+                      </a:r>
+                      <a:r>
+                        <a:rPr lang="de-DE" sz="1400" dirty="0" smtClean="0"/>
+                        <a:t> </a:t>
+                      </a:r>
+                      <a:r>
+                        <a:rPr lang="de-DE" sz="1400" dirty="0" err="1" smtClean="0"/>
+                        <a:t>improvements</a:t>
+                      </a:r>
+                      <a:endParaRPr lang="de-DE" sz="1400" dirty="0" smtClean="0"/>
+                    </a:p>
+                  </a:txBody>
+                  <a:tcPr/>
+                </a:tc>
+                <a:extLst>
+                  <a:ext uri="{0D108BD9-81ED-4DB2-BD59-A6C34878D82A}">
+                    <a16:rowId xmlns:a16="http://schemas.microsoft.com/office/drawing/2014/main" xmlns="" val="10001"/>
+                  </a:ext>
+                </a:extLst>
+              </a:tr>
+              <a:tr h="1032428">
+                <a:tc>
+                  <a:txBody>
+                    <a:bodyPr/>
+                    <a:lstStyle/>
+                    <a:p>
+                      <a:pPr marL="0" marR="0" indent="0" algn="ctr" defTabSz="914400" rtl="0" eaLnBrk="1" fontAlgn="auto" latinLnBrk="0" hangingPunct="1">
+                        <a:lnSpc>
+                          <a:spcPct val="100000"/>
+                        </a:lnSpc>
+                        <a:spcBef>
+                          <a:spcPts val="0"/>
+                        </a:spcBef>
+                        <a:spcAft>
+                          <a:spcPts val="0"/>
+                        </a:spcAft>
+                        <a:buClrTx/>
+                        <a:buSzTx/>
+                        <a:buFontTx/>
+                        <a:buNone/>
+                        <a:tabLst/>
+                        <a:defRPr/>
+                      </a:pPr>
+                      <a:r>
+                        <a:rPr lang="de-DE" sz="1600" dirty="0" smtClean="0"/>
+                        <a:t>06.09 – 06.16</a:t>
+                      </a:r>
+                      <a:endParaRPr lang="de-DE" sz="1600" dirty="0"/>
+                    </a:p>
+                  </a:txBody>
+                  <a:tcPr/>
+                </a:tc>
+                <a:tc>
+                  <a:txBody>
+                    <a:bodyPr/>
+                    <a:lstStyle/>
+                    <a:p>
+                      <a:pPr lvl="0">
+                        <a:buFont typeface="Arial" pitchFamily="34" charset="0"/>
+                        <a:buChar char="•"/>
+                      </a:pPr>
+                      <a:r>
+                        <a:rPr lang="de-DE" sz="1600" baseline="0" dirty="0" smtClean="0">
+                          <a:solidFill>
+                            <a:schemeClr val="tx1"/>
+                          </a:solidFill>
+                        </a:rPr>
+                        <a:t> Flight </a:t>
+                      </a:r>
+                      <a:r>
+                        <a:rPr lang="de-DE" sz="1600" baseline="0" dirty="0" err="1" smtClean="0">
+                          <a:solidFill>
+                            <a:schemeClr val="tx1"/>
+                          </a:solidFill>
+                        </a:rPr>
+                        <a:t>impr</a:t>
+                      </a:r>
+                      <a:r>
+                        <a:rPr lang="de-DE" sz="1600" baseline="0" dirty="0" smtClean="0">
+                          <a:solidFill>
+                            <a:schemeClr val="tx1"/>
+                          </a:solidFill>
+                        </a:rPr>
+                        <a:t>.</a:t>
+                      </a:r>
+                    </a:p>
+                    <a:p>
+                      <a:pPr lvl="0">
+                        <a:buFont typeface="Arial" pitchFamily="34" charset="0"/>
+                        <a:buChar char="•"/>
+                      </a:pPr>
+                      <a:r>
+                        <a:rPr lang="de-DE" sz="1600" baseline="0" dirty="0" smtClean="0">
+                          <a:solidFill>
+                            <a:srgbClr val="C00000"/>
+                          </a:solidFill>
+                        </a:rPr>
+                        <a:t> </a:t>
+                      </a:r>
+                      <a:r>
+                        <a:rPr lang="de-DE" sz="1600" baseline="0" dirty="0" err="1" smtClean="0">
+                          <a:solidFill>
+                            <a:srgbClr val="C00000"/>
+                          </a:solidFill>
+                        </a:rPr>
+                        <a:t>Oculus</a:t>
+                      </a:r>
+                      <a:r>
+                        <a:rPr lang="de-DE" sz="1600" baseline="0" dirty="0" smtClean="0">
+                          <a:solidFill>
+                            <a:srgbClr val="C00000"/>
+                          </a:solidFill>
+                        </a:rPr>
+                        <a:t> </a:t>
+                      </a:r>
+                      <a:r>
+                        <a:rPr lang="de-DE" sz="1600" baseline="0" dirty="0" err="1" smtClean="0">
+                          <a:solidFill>
+                            <a:srgbClr val="C00000"/>
+                          </a:solidFill>
+                        </a:rPr>
+                        <a:t>setup</a:t>
+                      </a:r>
+                      <a:endParaRPr lang="de-DE" sz="1600" dirty="0" smtClean="0">
+                        <a:solidFill>
+                          <a:schemeClr val="tx1"/>
+                        </a:solidFill>
+                      </a:endParaRPr>
+                    </a:p>
+                    <a:p>
+                      <a:pPr lvl="0">
+                        <a:buFont typeface="Arial" pitchFamily="34" charset="0"/>
+                        <a:buChar char="•"/>
+                      </a:pPr>
+                      <a:r>
+                        <a:rPr lang="de-DE" sz="1600" baseline="0" dirty="0" smtClean="0">
+                          <a:solidFill>
+                            <a:schemeClr val="tx1"/>
+                          </a:solidFill>
+                        </a:rPr>
+                        <a:t> Setup 06.10</a:t>
+                      </a:r>
+                    </a:p>
+                  </a:txBody>
+                  <a:tcPr/>
+                </a:tc>
+                <a:tc>
+                  <a:txBody>
+                    <a:bodyPr/>
+                    <a:lstStyle/>
+                    <a:p>
+                      <a:pPr lvl="0">
+                        <a:buFont typeface="Arial" pitchFamily="34" charset="0"/>
+                        <a:buChar char="•"/>
+                      </a:pPr>
+                      <a:r>
+                        <a:rPr lang="de-DE" sz="1600" dirty="0" smtClean="0">
+                          <a:solidFill>
+                            <a:schemeClr val="tx1"/>
+                          </a:solidFill>
+                        </a:rPr>
+                        <a:t> Bugfixin</a:t>
+                      </a:r>
+                      <a:r>
+                        <a:rPr lang="de-DE" sz="1600" baseline="0" dirty="0" smtClean="0">
+                          <a:solidFill>
+                            <a:schemeClr val="tx1"/>
+                          </a:solidFill>
+                        </a:rPr>
+                        <a:t>g</a:t>
+                      </a:r>
+                    </a:p>
+                    <a:p>
+                      <a:pPr lvl="0">
+                        <a:buFont typeface="Arial" pitchFamily="34" charset="0"/>
+                        <a:buChar char="•"/>
+                      </a:pPr>
+                      <a:r>
+                        <a:rPr lang="de-DE" sz="1600" baseline="0" dirty="0" smtClean="0">
+                          <a:solidFill>
+                            <a:schemeClr val="tx1"/>
+                          </a:solidFill>
+                        </a:rPr>
+                        <a:t> Error </a:t>
+                      </a:r>
+                      <a:r>
+                        <a:rPr lang="de-DE" sz="1600" baseline="0" dirty="0" err="1" smtClean="0">
+                          <a:solidFill>
+                            <a:schemeClr val="tx1"/>
+                          </a:solidFill>
+                        </a:rPr>
+                        <a:t>handling</a:t>
+                      </a:r>
+                      <a:endParaRPr lang="de-DE" sz="1600" baseline="0" dirty="0" smtClean="0">
+                        <a:solidFill>
+                          <a:schemeClr val="tx1"/>
+                        </a:solidFill>
+                      </a:endParaRPr>
+                    </a:p>
+                  </a:txBody>
+                  <a:tcPr/>
+                </a:tc>
+                <a:tc>
+                  <a:txBody>
+                    <a:bodyPr/>
+                    <a:lstStyle/>
+                    <a:p>
+                      <a:endParaRPr lang="de-DE" dirty="0"/>
+                    </a:p>
+                  </a:txBody>
+                  <a:tcPr/>
+                </a:tc>
+                <a:tc>
+                  <a:txBody>
+                    <a:bodyPr/>
+                    <a:lstStyle/>
+                    <a:p>
+                      <a:pPr>
+                        <a:buFont typeface="Arial" pitchFamily="34" charset="0"/>
+                        <a:buChar char="•"/>
+                      </a:pPr>
+                      <a:r>
+                        <a:rPr lang="de-DE" sz="1400" dirty="0" smtClean="0"/>
+                        <a:t>Working </a:t>
+                      </a:r>
+                      <a:r>
+                        <a:rPr lang="de-DE" sz="1400" dirty="0" err="1" smtClean="0"/>
+                        <a:t>into</a:t>
+                      </a:r>
+                      <a:r>
+                        <a:rPr lang="de-DE" sz="1400" dirty="0" smtClean="0"/>
+                        <a:t> </a:t>
+                      </a:r>
+                      <a:r>
+                        <a:rPr lang="de-DE" sz="1400" dirty="0" err="1" smtClean="0"/>
+                        <a:t>shaders</a:t>
+                      </a:r>
+                      <a:endParaRPr lang="de-DE" sz="1400" dirty="0" smtClean="0"/>
+                    </a:p>
+                    <a:p>
+                      <a:pPr>
+                        <a:buFont typeface="Arial" pitchFamily="34" charset="0"/>
+                        <a:buChar char="•"/>
+                      </a:pPr>
+                      <a:r>
+                        <a:rPr lang="de-DE" sz="1400" dirty="0" err="1" smtClean="0"/>
+                        <a:t>Configuring</a:t>
+                      </a:r>
+                      <a:r>
+                        <a:rPr lang="de-DE" sz="1400" dirty="0" smtClean="0"/>
+                        <a:t> </a:t>
+                      </a:r>
+                      <a:r>
+                        <a:rPr lang="de-DE" sz="1400" dirty="0" err="1" smtClean="0"/>
+                        <a:t>spectator</a:t>
+                      </a:r>
+                      <a:r>
+                        <a:rPr lang="de-DE" sz="1400" baseline="0" dirty="0" smtClean="0"/>
+                        <a:t> </a:t>
+                      </a:r>
+                      <a:r>
+                        <a:rPr lang="de-DE" sz="1400" baseline="0" dirty="0" err="1" smtClean="0"/>
+                        <a:t>functions</a:t>
+                      </a:r>
+                      <a:endParaRPr lang="de-DE" sz="1400" dirty="0" smtClean="0"/>
+                    </a:p>
+                  </a:txBody>
+                  <a:tcPr/>
+                </a:tc>
+                <a:tc>
+                  <a:txBody>
+                    <a:bodyPr/>
+                    <a:lstStyle/>
+                    <a:p>
+                      <a:pPr lvl="0">
+                        <a:buFont typeface="Arial" pitchFamily="34" charset="0"/>
+                        <a:buChar char="•"/>
+                      </a:pPr>
+                      <a:r>
+                        <a:rPr lang="de-DE" sz="1600" baseline="0" dirty="0" smtClean="0">
+                          <a:solidFill>
+                            <a:srgbClr val="C00000"/>
+                          </a:solidFill>
+                        </a:rPr>
+                        <a:t> </a:t>
+                      </a:r>
+                      <a:r>
+                        <a:rPr lang="de-DE" sz="1600" baseline="0" dirty="0" err="1" smtClean="0">
+                          <a:solidFill>
+                            <a:srgbClr val="C00000"/>
+                          </a:solidFill>
+                        </a:rPr>
+                        <a:t>Oculus</a:t>
+                      </a:r>
+                      <a:r>
+                        <a:rPr lang="de-DE" sz="1600" baseline="0" dirty="0" smtClean="0">
+                          <a:solidFill>
+                            <a:srgbClr val="C00000"/>
+                          </a:solidFill>
+                        </a:rPr>
+                        <a:t> </a:t>
+                      </a:r>
+                      <a:r>
+                        <a:rPr lang="de-DE" sz="1600" baseline="0" dirty="0" err="1" smtClean="0">
+                          <a:solidFill>
+                            <a:srgbClr val="C00000"/>
+                          </a:solidFill>
+                        </a:rPr>
+                        <a:t>setup</a:t>
+                      </a:r>
+                      <a:endParaRPr lang="de-DE" sz="1600" dirty="0" smtClean="0">
+                        <a:solidFill>
+                          <a:schemeClr val="tx1"/>
+                        </a:solidFill>
+                      </a:endParaRPr>
+                    </a:p>
+                    <a:p>
+                      <a:pPr lvl="0">
+                        <a:buFont typeface="Arial" pitchFamily="34" charset="0"/>
+                        <a:buChar char="•"/>
+                      </a:pPr>
+                      <a:r>
+                        <a:rPr lang="de-DE" sz="1600" baseline="0" dirty="0" smtClean="0">
+                          <a:solidFill>
+                            <a:schemeClr val="tx1"/>
+                          </a:solidFill>
+                        </a:rPr>
+                        <a:t> Setup 06.10</a:t>
+                      </a:r>
+                    </a:p>
+                    <a:p>
+                      <a:pPr lvl="0">
+                        <a:buFont typeface="Arial" pitchFamily="34" charset="0"/>
+                        <a:buChar char="•"/>
+                      </a:pPr>
+                      <a:r>
+                        <a:rPr lang="de-DE" sz="1600" baseline="0" dirty="0" smtClean="0">
+                          <a:solidFill>
+                            <a:srgbClr val="C00000"/>
+                          </a:solidFill>
+                        </a:rPr>
+                        <a:t> </a:t>
+                      </a:r>
+                      <a:r>
+                        <a:rPr lang="de-DE" sz="1600" baseline="0" dirty="0" err="1" smtClean="0">
+                          <a:solidFill>
+                            <a:srgbClr val="C00000"/>
+                          </a:solidFill>
+                        </a:rPr>
+                        <a:t>Oculus</a:t>
+                      </a:r>
+                      <a:r>
+                        <a:rPr lang="de-DE" sz="1600" baseline="0" dirty="0" smtClean="0">
+                          <a:solidFill>
+                            <a:srgbClr val="C00000"/>
+                          </a:solidFill>
+                        </a:rPr>
+                        <a:t> Reintegration</a:t>
+                      </a:r>
+                    </a:p>
+                  </a:txBody>
+                  <a:tcPr/>
+                </a:tc>
+                <a:extLst>
+                  <a:ext uri="{0D108BD9-81ED-4DB2-BD59-A6C34878D82A}">
+                    <a16:rowId xmlns:a16="http://schemas.microsoft.com/office/drawing/2014/main" xmlns="" val="10002"/>
+                  </a:ext>
+                </a:extLst>
+              </a:tr>
+              <a:tr h="1096850">
+                <a:tc>
+                  <a:txBody>
+                    <a:bodyPr/>
+                    <a:lstStyle/>
+                    <a:p>
+                      <a:pPr marL="0" marR="0" indent="0" algn="ctr" defTabSz="914400" rtl="0" eaLnBrk="1" fontAlgn="auto" latinLnBrk="0" hangingPunct="1">
+                        <a:lnSpc>
+                          <a:spcPct val="100000"/>
+                        </a:lnSpc>
+                        <a:spcBef>
+                          <a:spcPts val="0"/>
+                        </a:spcBef>
+                        <a:spcAft>
+                          <a:spcPts val="0"/>
+                        </a:spcAft>
+                        <a:buClrTx/>
+                        <a:buSzTx/>
+                        <a:buFontTx/>
+                        <a:buNone/>
+                        <a:tabLst/>
+                        <a:defRPr/>
+                      </a:pPr>
+                      <a:r>
+                        <a:rPr lang="de-DE" sz="1600" dirty="0" smtClean="0"/>
+                        <a:t>06.16</a:t>
+                      </a:r>
+                      <a:r>
+                        <a:rPr lang="de-DE" sz="1600" baseline="0" dirty="0" smtClean="0"/>
+                        <a:t> – 06.23</a:t>
+                      </a:r>
+                      <a:endParaRPr lang="de-DE" sz="1600" dirty="0"/>
+                    </a:p>
+                  </a:txBody>
+                  <a:tcPr/>
+                </a:tc>
+                <a:tc>
+                  <a:txBody>
+                    <a:bodyPr/>
+                    <a:lstStyle/>
+                    <a:p>
+                      <a:pPr lvl="0">
+                        <a:buFont typeface="Arial" pitchFamily="34" charset="0"/>
+                        <a:buChar char="•"/>
+                      </a:pPr>
+                      <a:r>
+                        <a:rPr lang="de-DE" sz="1600" dirty="0" smtClean="0">
+                          <a:solidFill>
+                            <a:schemeClr val="tx1"/>
+                          </a:solidFill>
+                        </a:rPr>
+                        <a:t> Vive</a:t>
+                      </a:r>
+                      <a:r>
+                        <a:rPr lang="de-DE" sz="1600" baseline="0" dirty="0" smtClean="0">
+                          <a:solidFill>
+                            <a:schemeClr val="tx1"/>
+                          </a:solidFill>
+                        </a:rPr>
+                        <a:t> </a:t>
+                      </a:r>
+                      <a:r>
+                        <a:rPr lang="de-DE" sz="1600" baseline="0" dirty="0" err="1" smtClean="0">
+                          <a:solidFill>
+                            <a:schemeClr val="tx1"/>
+                          </a:solidFill>
+                        </a:rPr>
+                        <a:t>integr</a:t>
+                      </a:r>
+                      <a:r>
+                        <a:rPr lang="de-DE" sz="1600" baseline="0" dirty="0" smtClean="0">
+                          <a:solidFill>
+                            <a:schemeClr val="tx1"/>
+                          </a:solidFill>
+                        </a:rPr>
+                        <a:t>. </a:t>
+                      </a:r>
+                      <a:r>
+                        <a:rPr lang="de-DE" sz="1600" baseline="0" dirty="0" err="1" smtClean="0">
+                          <a:solidFill>
+                            <a:schemeClr val="tx1"/>
+                          </a:solidFill>
+                        </a:rPr>
+                        <a:t>tests</a:t>
+                      </a:r>
+                      <a:r>
+                        <a:rPr lang="de-DE" sz="1600" baseline="0" dirty="0" smtClean="0">
+                          <a:solidFill>
+                            <a:schemeClr val="tx1"/>
+                          </a:solidFill>
+                        </a:rPr>
+                        <a:t> </a:t>
+                      </a:r>
+                      <a:r>
+                        <a:rPr lang="de-DE" sz="1600" baseline="0" dirty="0" smtClean="0">
+                          <a:solidFill>
+                            <a:schemeClr val="tx1"/>
+                          </a:solidFill>
+                          <a:sym typeface="Wingdings" pitchFamily="2" charset="2"/>
+                        </a:rPr>
+                        <a:t> </a:t>
+                      </a:r>
+                    </a:p>
+                    <a:p>
+                      <a:pPr lvl="0">
+                        <a:buFont typeface="Arial" pitchFamily="34" charset="0"/>
+                        <a:buChar char="•"/>
+                      </a:pPr>
+                      <a:r>
+                        <a:rPr lang="de-DE" sz="1600" baseline="0" dirty="0" smtClean="0">
+                          <a:solidFill>
+                            <a:schemeClr val="tx1"/>
+                          </a:solidFill>
+                          <a:sym typeface="Wingdings" pitchFamily="2" charset="2"/>
+                        </a:rPr>
+                        <a:t> Fly </a:t>
+                      </a:r>
+                      <a:r>
+                        <a:rPr lang="de-DE" sz="1600" baseline="0" dirty="0" err="1" smtClean="0">
+                          <a:solidFill>
+                            <a:schemeClr val="tx1"/>
+                          </a:solidFill>
+                          <a:sym typeface="Wingdings" pitchFamily="2" charset="2"/>
+                        </a:rPr>
+                        <a:t>physics</a:t>
+                      </a:r>
+                      <a:r>
+                        <a:rPr lang="de-DE" sz="1600" baseline="0" dirty="0" smtClean="0">
+                          <a:solidFill>
+                            <a:schemeClr val="tx1"/>
+                          </a:solidFill>
+                          <a:sym typeface="Wingdings" pitchFamily="2" charset="2"/>
+                        </a:rPr>
+                        <a:t> </a:t>
+                      </a:r>
+                      <a:r>
+                        <a:rPr lang="de-DE" sz="1600" baseline="0" dirty="0" err="1" smtClean="0">
+                          <a:solidFill>
+                            <a:schemeClr val="tx1"/>
+                          </a:solidFill>
+                          <a:sym typeface="Wingdings" pitchFamily="2" charset="2"/>
+                        </a:rPr>
+                        <a:t>support</a:t>
+                      </a:r>
+                      <a:endParaRPr lang="de-DE" sz="1600" dirty="0" smtClean="0">
+                        <a:solidFill>
+                          <a:schemeClr val="tx1"/>
+                        </a:solidFill>
+                      </a:endParaRPr>
+                    </a:p>
+                  </a:txBody>
+                  <a:tcPr/>
+                </a:tc>
+                <a:tc>
+                  <a:txBody>
+                    <a:bodyPr/>
+                    <a:lstStyle/>
+                    <a:p>
+                      <a:pPr lvl="0">
+                        <a:buFont typeface="Arial" pitchFamily="34" charset="0"/>
+                        <a:buChar char="•"/>
+                      </a:pPr>
+                      <a:r>
+                        <a:rPr lang="de-DE" sz="1600" dirty="0" smtClean="0">
+                          <a:solidFill>
+                            <a:schemeClr val="tx1"/>
+                          </a:solidFill>
+                        </a:rPr>
+                        <a:t> </a:t>
+                      </a:r>
+                      <a:r>
+                        <a:rPr lang="de-DE" sz="1600" dirty="0" err="1" smtClean="0">
+                          <a:solidFill>
+                            <a:schemeClr val="tx1"/>
+                          </a:solidFill>
+                        </a:rPr>
+                        <a:t>Thorough</a:t>
+                      </a:r>
+                      <a:r>
+                        <a:rPr lang="de-DE" sz="1600" dirty="0" smtClean="0">
+                          <a:solidFill>
+                            <a:schemeClr val="tx1"/>
+                          </a:solidFill>
+                        </a:rPr>
+                        <a:t> Fly-</a:t>
+                      </a:r>
+                      <a:r>
+                        <a:rPr lang="de-DE" sz="1600" dirty="0" err="1" smtClean="0">
+                          <a:solidFill>
+                            <a:schemeClr val="tx1"/>
+                          </a:solidFill>
+                        </a:rPr>
+                        <a:t>Physics</a:t>
+                      </a:r>
+                      <a:r>
+                        <a:rPr lang="de-DE" sz="1600" dirty="0" smtClean="0">
+                          <a:solidFill>
+                            <a:schemeClr val="tx1"/>
+                          </a:solidFill>
+                        </a:rPr>
+                        <a:t> </a:t>
+                      </a:r>
+                      <a:r>
+                        <a:rPr lang="de-DE" sz="1600" dirty="0" err="1" smtClean="0">
+                          <a:solidFill>
+                            <a:schemeClr val="tx1"/>
+                          </a:solidFill>
+                        </a:rPr>
+                        <a:t>tests</a:t>
+                      </a:r>
+                      <a:endParaRPr lang="de-DE" sz="1600" baseline="0" dirty="0" smtClean="0">
+                        <a:solidFill>
+                          <a:schemeClr val="tx1"/>
+                        </a:solidFill>
+                      </a:endParaRPr>
+                    </a:p>
+                  </a:txBody>
+                  <a:tcPr/>
+                </a:tc>
+                <a:tc>
+                  <a:txBody>
+                    <a:bodyPr/>
+                    <a:lstStyle/>
+                    <a:p>
+                      <a:endParaRPr lang="de-DE" dirty="0"/>
+                    </a:p>
+                  </a:txBody>
+                  <a:tcPr/>
+                </a:tc>
+                <a:tc>
+                  <a:txBody>
+                    <a:bodyPr/>
+                    <a:lstStyle/>
+                    <a:p>
+                      <a:pPr marL="0" marR="0" lvl="0" indent="0" algn="l" defTabSz="914400" rtl="0" eaLnBrk="1" fontAlgn="auto" latinLnBrk="0" hangingPunct="1">
+                        <a:lnSpc>
+                          <a:spcPct val="100000"/>
+                        </a:lnSpc>
+                        <a:spcBef>
+                          <a:spcPts val="0"/>
+                        </a:spcBef>
+                        <a:spcAft>
+                          <a:spcPts val="0"/>
+                        </a:spcAft>
+                        <a:buClrTx/>
+                        <a:buSzTx/>
+                        <a:buFont typeface="Arial" pitchFamily="34" charset="0"/>
+                        <a:buChar char="•"/>
+                        <a:tabLst/>
+                        <a:defRPr/>
+                      </a:pPr>
+                      <a:r>
+                        <a:rPr lang="de-DE" sz="1600" baseline="0" dirty="0" err="1" smtClean="0"/>
+                        <a:t>Menue</a:t>
+                      </a:r>
+                      <a:r>
+                        <a:rPr lang="de-DE" sz="1600" baseline="0" dirty="0" smtClean="0"/>
+                        <a:t> </a:t>
+                      </a:r>
+                      <a:r>
+                        <a:rPr lang="de-DE" sz="1600" baseline="0" dirty="0" err="1" smtClean="0"/>
+                        <a:t>funct</a:t>
+                      </a:r>
+                      <a:r>
+                        <a:rPr lang="de-DE" sz="1600" baseline="0" dirty="0" smtClean="0"/>
+                        <a:t>.</a:t>
+                      </a:r>
+                    </a:p>
+                    <a:p>
+                      <a:pPr>
+                        <a:buFont typeface="Arial" pitchFamily="34" charset="0"/>
+                        <a:buChar char="•"/>
+                      </a:pPr>
+                      <a:r>
+                        <a:rPr lang="de-DE" sz="1600" dirty="0" smtClean="0"/>
+                        <a:t> Gamepad </a:t>
+                      </a:r>
+                      <a:r>
+                        <a:rPr lang="de-DE" sz="1600" dirty="0" err="1" smtClean="0"/>
+                        <a:t>support</a:t>
+                      </a:r>
+                      <a:endParaRPr lang="de-DE" sz="1600" dirty="0" smtClean="0"/>
+                    </a:p>
+                    <a:p>
+                      <a:endParaRPr lang="de-DE" dirty="0"/>
+                    </a:p>
+                  </a:txBody>
+                  <a:tcPr/>
+                </a:tc>
+                <a:tc>
+                  <a:txBody>
+                    <a:bodyPr/>
+                    <a:lstStyle/>
+                    <a:p>
+                      <a:pPr lvl="0">
+                        <a:buFont typeface="Arial" pitchFamily="34" charset="0"/>
+                        <a:buChar char="•"/>
+                      </a:pPr>
+                      <a:r>
+                        <a:rPr lang="de-DE" sz="1400" baseline="0" dirty="0" smtClean="0">
+                          <a:solidFill>
+                            <a:schemeClr val="tx1"/>
+                          </a:solidFill>
+                        </a:rPr>
+                        <a:t> </a:t>
+                      </a:r>
+                      <a:r>
+                        <a:rPr lang="de-DE" sz="1400" baseline="0" dirty="0" err="1" smtClean="0">
+                          <a:solidFill>
+                            <a:schemeClr val="tx1"/>
+                          </a:solidFill>
+                        </a:rPr>
+                        <a:t>Oculus</a:t>
+                      </a:r>
+                      <a:r>
+                        <a:rPr lang="de-DE" sz="1400" baseline="0" dirty="0" smtClean="0">
+                          <a:solidFill>
+                            <a:schemeClr val="tx1"/>
+                          </a:solidFill>
+                        </a:rPr>
+                        <a:t> Reintegration / </a:t>
+                      </a:r>
+                      <a:r>
+                        <a:rPr lang="de-DE" sz="1400" baseline="0" dirty="0" err="1" smtClean="0"/>
+                        <a:t>Shader</a:t>
+                      </a:r>
+                      <a:r>
+                        <a:rPr lang="de-DE" sz="1400" baseline="0" dirty="0" smtClean="0"/>
+                        <a:t>-menu </a:t>
+                      </a:r>
+                      <a:r>
+                        <a:rPr lang="de-DE" sz="1400" baseline="0" dirty="0" err="1" smtClean="0"/>
+                        <a:t>and</a:t>
+                      </a:r>
+                      <a:r>
+                        <a:rPr lang="de-DE" sz="1400" baseline="0" dirty="0" smtClean="0"/>
+                        <a:t> </a:t>
+                      </a:r>
+                      <a:r>
+                        <a:rPr lang="de-DE" sz="1400" baseline="0" dirty="0" err="1" smtClean="0"/>
+                        <a:t>controls</a:t>
+                      </a:r>
+                      <a:endParaRPr lang="de-DE" sz="1400" baseline="0" dirty="0" smtClean="0"/>
+                    </a:p>
+                    <a:p>
+                      <a:pPr marL="0" marR="0" lvl="0" indent="0" algn="l" defTabSz="914400" rtl="0" eaLnBrk="1" fontAlgn="auto" latinLnBrk="0" hangingPunct="1">
+                        <a:lnSpc>
+                          <a:spcPct val="100000"/>
+                        </a:lnSpc>
+                        <a:spcBef>
+                          <a:spcPts val="0"/>
+                        </a:spcBef>
+                        <a:spcAft>
+                          <a:spcPts val="0"/>
+                        </a:spcAft>
+                        <a:buClrTx/>
+                        <a:buSzTx/>
+                        <a:buFont typeface="Arial" pitchFamily="34" charset="0"/>
+                        <a:buChar char="•"/>
+                        <a:tabLst/>
+                        <a:defRPr/>
+                      </a:pPr>
+                      <a:r>
+                        <a:rPr lang="de-DE" sz="1400" baseline="0" dirty="0" smtClean="0"/>
+                        <a:t> Server-menu</a:t>
+                      </a:r>
+                    </a:p>
+                  </a:txBody>
+                  <a:tcPr/>
+                </a:tc>
+                <a:extLst>
+                  <a:ext uri="{0D108BD9-81ED-4DB2-BD59-A6C34878D82A}">
+                    <a16:rowId xmlns:a16="http://schemas.microsoft.com/office/drawing/2014/main" xmlns="" val="10003"/>
+                  </a:ext>
+                </a:extLst>
+              </a:tr>
+            </a:tbl>
+          </a:graphicData>
+        </a:graphic>
+      </p:graphicFrame>
+    </p:spTree>
+  </p:cSld>
+  <p:clrMapOvr>
+    <a:masterClrMapping/>
+  </p:clrMapOvr>
+  <p:timing>
+    <p:tnLst>
+      <p:par>
+        <p:cTn id="1" dur="indefinite" restart="never" nodeType="tmRoot"/>
+      </p:par>
+    </p:tnLst>
+  </p:timing>
+</p:sld>
+</file>
+
+<file path=ppt/slides/slide12.xml><?xml version="1.0" encoding="utf-8"?>
+<p:sld xmlns:a="http://schemas.openxmlformats.org/drawingml/2006/main" xmlns:r="http://schemas.openxmlformats.org/officeDocument/2006/relationships" xmlns:p="http://schemas.openxmlformats.org/presentationml/2006/main">
+  <p:cSld>
+    <p:spTree>
+      <p:nvGrpSpPr>
+        <p:cNvPr id="1" name=""/>
+        <p:cNvGrpSpPr/>
+        <p:nvPr/>
+      </p:nvGrpSpPr>
+      <p:grpSpPr>
+        <a:xfrm>
+          <a:off x="0" y="0"/>
+          <a:ext cx="0" cy="0"/>
+          <a:chOff x="0" y="0"/>
+          <a:chExt cx="0" cy="0"/>
+        </a:xfrm>
+      </p:grpSpPr>
+      <p:sp>
+        <p:nvSpPr>
+          <p:cNvPr id="2" name="Titel 1"/>
+          <p:cNvSpPr>
+            <a:spLocks noGrp="1"/>
+          </p:cNvSpPr>
+          <p:nvPr>
+            <p:ph type="title"/>
+          </p:nvPr>
+        </p:nvSpPr>
+        <p:spPr/>
+        <p:txBody>
+          <a:bodyPr/>
+          <a:lstStyle/>
+          <a:p>
+            <a:pPr algn="ctr"/>
+            <a:r>
+              <a:rPr lang="de-DE" dirty="0" err="1">
+                <a:solidFill>
+                  <a:srgbClr val="FF0000"/>
+                </a:solidFill>
+              </a:rPr>
+              <a:t>Exams</a:t>
+            </a:r>
+            <a:endParaRPr lang="de-DE" dirty="0"/>
+          </a:p>
+        </p:txBody>
+      </p:sp>
+      <p:sp>
+        <p:nvSpPr>
+          <p:cNvPr id="3" name="Inhaltsplatzhalter 2"/>
+          <p:cNvSpPr>
+            <a:spLocks noGrp="1"/>
+          </p:cNvSpPr>
+          <p:nvPr>
+            <p:ph idx="1"/>
+          </p:nvPr>
+        </p:nvSpPr>
+        <p:spPr/>
+        <p:txBody>
+          <a:bodyPr>
+            <a:normAutofit/>
+          </a:bodyPr>
+          <a:lstStyle/>
+          <a:p>
+            <a:r>
+              <a:rPr lang="de-DE" sz="2400" dirty="0"/>
+              <a:t>16.07.2016 - 30.07.2016 </a:t>
+            </a:r>
+            <a:r>
+              <a:rPr lang="de-DE" sz="2400" dirty="0" err="1"/>
+              <a:t>and</a:t>
+            </a:r>
+            <a:r>
+              <a:rPr lang="de-DE" sz="2400" dirty="0"/>
+              <a:t> 12.09.2016 - 24.09.2016</a:t>
+            </a:r>
+          </a:p>
+          <a:p>
+            <a:pPr lvl="1"/>
+            <a:r>
+              <a:rPr lang="de-DE" dirty="0" err="1"/>
+              <a:t>Exam</a:t>
+            </a:r>
+            <a:r>
+              <a:rPr lang="de-DE" dirty="0"/>
+              <a:t> </a:t>
+            </a:r>
+            <a:r>
+              <a:rPr lang="de-DE" dirty="0" err="1"/>
+              <a:t>and</a:t>
+            </a:r>
+            <a:r>
+              <a:rPr lang="de-DE" dirty="0"/>
+              <a:t> </a:t>
+            </a:r>
+            <a:r>
+              <a:rPr lang="de-DE" dirty="0" err="1"/>
+              <a:t>preperation</a:t>
+            </a:r>
+            <a:r>
+              <a:rPr lang="de-DE" dirty="0"/>
+              <a:t> 23.06 - 30.07 </a:t>
+            </a:r>
+          </a:p>
+          <a:p>
+            <a:pPr lvl="1"/>
+            <a:r>
+              <a:rPr lang="de-DE" dirty="0"/>
+              <a:t>Sec. </a:t>
+            </a:r>
+            <a:r>
+              <a:rPr lang="de-DE" dirty="0" err="1"/>
+              <a:t>exam</a:t>
+            </a:r>
+            <a:r>
+              <a:rPr lang="de-DE" dirty="0"/>
+              <a:t> </a:t>
+            </a:r>
+            <a:r>
+              <a:rPr lang="de-DE" dirty="0" err="1"/>
+              <a:t>phase</a:t>
+            </a:r>
+            <a:r>
+              <a:rPr lang="de-DE" dirty="0"/>
+              <a:t> -&gt; individual </a:t>
+            </a:r>
+            <a:r>
+              <a:rPr lang="de-DE" dirty="0" err="1"/>
+              <a:t>schedule</a:t>
+            </a:r>
+            <a:endParaRPr lang="de-DE" dirty="0"/>
+          </a:p>
+          <a:p>
+            <a:endParaRPr lang="de-DE" dirty="0"/>
+          </a:p>
+          <a:p>
+            <a:pPr lvl="1"/>
+            <a:endParaRPr lang="de-DE" dirty="0"/>
+          </a:p>
+          <a:p>
+            <a:pPr lvl="1"/>
+            <a:endParaRPr lang="de-DE" sz="2200" dirty="0"/>
+          </a:p>
+          <a:p>
+            <a:endParaRPr lang="de-DE" sz="2400" dirty="0"/>
+          </a:p>
+          <a:p>
+            <a:endParaRPr lang="de-DE" sz="2400" dirty="0"/>
+          </a:p>
+          <a:p>
+            <a:endParaRPr lang="de-DE" dirty="0"/>
+          </a:p>
+        </p:txBody>
+      </p:sp>
+      <p:sp>
+        <p:nvSpPr>
+          <p:cNvPr id="4" name="Foliennummernplatzhalter 3"/>
+          <p:cNvSpPr>
+            <a:spLocks noGrp="1"/>
+          </p:cNvSpPr>
+          <p:nvPr>
+            <p:ph type="sldNum" sz="quarter" idx="12"/>
+          </p:nvPr>
+        </p:nvSpPr>
+        <p:spPr/>
+        <p:txBody>
+          <a:bodyPr/>
+          <a:lstStyle/>
+          <a:p>
+            <a:fld id="{6C6AE60A-B69C-4790-82F7-3882EDF23186}" type="slidenum">
+              <a:rPr lang="de-DE" smtClean="0"/>
+              <a:pPr/>
+              <a:t>12</a:t>
+            </a:fld>
+            <a:endParaRPr lang="de-DE"/>
+          </a:p>
+        </p:txBody>
+      </p:sp>
+    </p:spTree>
+  </p:cSld>
+  <p:clrMapOvr>
+    <a:masterClrMapping/>
+  </p:clrMapOvr>
+  <p:timing>
+    <p:tnLst>
+      <p:par>
+        <p:cTn id="1" dur="indefinite" restart="never" nodeType="tmRoot"/>
+      </p:par>
+    </p:tnLst>
+  </p:timing>
+</p:sld>
+</file>
+
+<file path=ppt/slides/slide13.xml><?xml version="1.0" encoding="utf-8"?>
+<p:sld xmlns:a="http://schemas.openxmlformats.org/drawingml/2006/main" xmlns:r="http://schemas.openxmlformats.org/officeDocument/2006/relationships" xmlns:p="http://schemas.openxmlformats.org/presentationml/2006/main">
+  <p:cSld>
+    <p:spTree>
+      <p:nvGrpSpPr>
+        <p:cNvPr id="1" name=""/>
+        <p:cNvGrpSpPr/>
+        <p:nvPr/>
+      </p:nvGrpSpPr>
+      <p:grpSpPr>
+        <a:xfrm>
+          <a:off x="0" y="0"/>
+          <a:ext cx="0" cy="0"/>
+          <a:chOff x="0" y="0"/>
+          <a:chExt cx="0" cy="0"/>
+        </a:xfrm>
+      </p:grpSpPr>
+      <p:sp>
+        <p:nvSpPr>
+          <p:cNvPr id="2" name="Titel 1"/>
+          <p:cNvSpPr>
+            <a:spLocks noGrp="1"/>
+          </p:cNvSpPr>
+          <p:nvPr>
+            <p:ph type="title"/>
+          </p:nvPr>
+        </p:nvSpPr>
+        <p:spPr>
+          <a:xfrm>
+            <a:off x="457200" y="586740"/>
+            <a:ext cx="8229600" cy="542568"/>
+          </a:xfrm>
+        </p:spPr>
+        <p:txBody>
+          <a:bodyPr>
+            <a:normAutofit fontScale="90000"/>
+          </a:bodyPr>
+          <a:lstStyle/>
+          <a:p>
+            <a:pPr algn="ctr"/>
+            <a:r>
+              <a:rPr lang="de-DE" dirty="0" err="1">
+                <a:solidFill>
+                  <a:srgbClr val="FF0000"/>
+                </a:solidFill>
+              </a:rPr>
+              <a:t>Milestone</a:t>
+            </a:r>
+            <a:r>
+              <a:rPr lang="de-DE" dirty="0">
+                <a:solidFill>
+                  <a:srgbClr val="FF0000"/>
+                </a:solidFill>
+              </a:rPr>
+              <a:t> </a:t>
+            </a:r>
+            <a:r>
+              <a:rPr lang="de-DE" dirty="0" err="1" smtClean="0">
+                <a:solidFill>
+                  <a:srgbClr val="FF0000"/>
+                </a:solidFill>
+              </a:rPr>
+              <a:t>Three</a:t>
+            </a:r>
+            <a:r>
+              <a:rPr lang="de-DE" dirty="0" smtClean="0">
+                <a:solidFill>
+                  <a:srgbClr val="FF0000"/>
+                </a:solidFill>
+              </a:rPr>
+              <a:t> (</a:t>
+            </a:r>
+            <a:r>
+              <a:rPr lang="de-DE" dirty="0" err="1" smtClean="0">
+                <a:solidFill>
+                  <a:srgbClr val="FF0000"/>
+                </a:solidFill>
+              </a:rPr>
+              <a:t>old</a:t>
+            </a:r>
+            <a:r>
+              <a:rPr lang="de-DE" dirty="0" smtClean="0">
+                <a:solidFill>
+                  <a:srgbClr val="FF0000"/>
+                </a:solidFill>
+              </a:rPr>
+              <a:t>)</a:t>
+            </a:r>
+            <a:endParaRPr lang="de-DE" dirty="0">
+              <a:solidFill>
+                <a:srgbClr val="FF0000"/>
+              </a:solidFill>
+            </a:endParaRPr>
+          </a:p>
+        </p:txBody>
+      </p:sp>
+      <p:sp>
+        <p:nvSpPr>
+          <p:cNvPr id="9" name="Inhaltsplatzhalter 8"/>
+          <p:cNvSpPr>
+            <a:spLocks noGrp="1"/>
+          </p:cNvSpPr>
+          <p:nvPr>
+            <p:ph idx="1"/>
+          </p:nvPr>
+        </p:nvSpPr>
+        <p:spPr/>
+        <p:txBody>
+          <a:bodyPr>
+            <a:normAutofit/>
+          </a:bodyPr>
+          <a:lstStyle/>
+          <a:p>
+            <a:endParaRPr lang="de-DE" dirty="0"/>
+          </a:p>
+          <a:p>
+            <a:pPr>
+              <a:buNone/>
+            </a:pPr>
+            <a:endParaRPr lang="de-DE" dirty="0"/>
+          </a:p>
+          <a:p>
+            <a:endParaRPr lang="de-DE" dirty="0"/>
+          </a:p>
+        </p:txBody>
+      </p:sp>
+      <p:sp>
+        <p:nvSpPr>
+          <p:cNvPr id="11" name="Foliennummernplatzhalter 10"/>
+          <p:cNvSpPr>
+            <a:spLocks noGrp="1"/>
+          </p:cNvSpPr>
+          <p:nvPr>
+            <p:ph type="sldNum" sz="quarter" idx="12"/>
+          </p:nvPr>
+        </p:nvSpPr>
+        <p:spPr/>
+        <p:txBody>
+          <a:bodyPr/>
+          <a:lstStyle/>
+          <a:p>
+            <a:fld id="{6C6AE60A-B69C-4790-82F7-3882EDF23186}" type="slidenum">
+              <a:rPr lang="de-DE" smtClean="0"/>
+              <a:pPr/>
+              <a:t>13</a:t>
             </a:fld>
             <a:endParaRPr lang="de-DE"/>
           </a:p>
@@ -6486,10 +10089,17 @@
   <p:clrMapOvr>
     <a:masterClrMapping/>
   </p:clrMapOvr>
+  <p:timing>
+    <p:tnLst>
+      <p:par>
+        <p:cTn id="1" dur="indefinite" restart="never" nodeType="tmRoot"/>
+      </p:par>
+    </p:tnLst>
+  </p:timing>
 </p:sld>
 </file>
 
-<file path=ppt/slides/slide12.xml><?xml version="1.0" encoding="utf-8"?>
+<file path=ppt/slides/slide14.xml><?xml version="1.0" encoding="utf-8"?>
 <p:sld xmlns:a="http://schemas.openxmlformats.org/drawingml/2006/main" xmlns:r="http://schemas.openxmlformats.org/officeDocument/2006/relationships" xmlns:p="http://schemas.openxmlformats.org/presentationml/2006/main">
   <p:cSld>
     <p:spTree>
@@ -6633,7 +10243,7 @@
             <a:fld id="{6C6AE60A-B69C-4790-82F7-3882EDF23186}" type="slidenum">
               <a:rPr lang="de-DE" smtClean="0"/>
               <a:pPr/>
-              <a:t>12</a:t>
+              <a:t>14</a:t>
             </a:fld>
             <a:endParaRPr lang="de-DE"/>
           </a:p>
@@ -6648,14 +10258,14 @@
           <p:nvPr>
             <p:extLst>
               <p:ext uri="{D42A27DB-BD31-4B8C-83A1-F6EECF244321}">
-                <p14:modId xmlns:p14="http://schemas.microsoft.com/office/powerpoint/2010/main" val="4143340361"/>
+                <p14:modId xmlns="" xmlns:p14="http://schemas.microsoft.com/office/powerpoint/2010/main" val="4143340361"/>
               </p:ext>
             </p:extLst>
           </p:nvPr>
         </p:nvGraphicFramePr>
         <p:xfrm>
           <a:off x="179512" y="1201317"/>
-          <a:ext cx="8784978" cy="4663440"/>
+          <a:ext cx="8784978" cy="4458457"/>
         </p:xfrm>
         <a:graphic>
           <a:graphicData uri="http://schemas.openxmlformats.org/drawingml/2006/table">
@@ -6707,7 +10317,7 @@
                   </a:extLst>
                 </a:gridCol>
               </a:tblGrid>
-              <a:tr h="554012">
+              <a:tr h="568498">
                 <a:tc>
                   <a:txBody>
                     <a:bodyPr/>
@@ -6808,7 +10418,7 @@
                   </a:ext>
                 </a:extLst>
               </a:tr>
-              <a:tr h="500999">
+              <a:tr h="1047233">
                 <a:tc>
                   <a:txBody>
                     <a:bodyPr/>
@@ -7121,7 +10731,7 @@
                   </a:ext>
                 </a:extLst>
               </a:tr>
-              <a:tr h="740985">
+              <a:tr h="1047233">
                 <a:tc>
                   <a:txBody>
                     <a:bodyPr/>
@@ -7504,7 +11114,7 @@
                   </a:ext>
                 </a:extLst>
               </a:tr>
-              <a:tr h="825034">
+              <a:tr h="867707">
                 <a:tc>
                   <a:txBody>
                     <a:bodyPr/>
@@ -7779,7 +11389,7 @@
                   </a:ext>
                 </a:extLst>
               </a:tr>
-              <a:tr h="1020548">
+              <a:tr h="861817">
                 <a:tc>
                   <a:txBody>
                     <a:bodyPr/>
@@ -7807,10 +11417,6 @@
                         <a:t>08.24 – 09.14</a:t>
                       </a:r>
                     </a:p>
-                    <a:p>
-                      <a:pPr algn="ctr"/>
-                      <a:endParaRPr lang="de-DE" sz="1600" dirty="0"/>
-                    </a:p>
                   </a:txBody>
                   <a:tcPr/>
                 </a:tc>
@@ -8119,9 +11725,6 @@
                         <a:t>work</a:t>
                       </a:r>
                       <a:endParaRPr lang="de-DE" sz="1600" dirty="0" smtClean="0"/>
-                    </a:p>
-                    <a:p>
-                      <a:endParaRPr lang="de-DE" dirty="0"/>
                     </a:p>
                   </a:txBody>
                   <a:tcPr/>
@@ -8200,10 +11803,17 @@
   <p:clrMapOvr>
     <a:masterClrMapping/>
   </p:clrMapOvr>
+  <p:timing>
+    <p:tnLst>
+      <p:par>
+        <p:cTn id="1" dur="indefinite" restart="never" nodeType="tmRoot"/>
+      </p:par>
+    </p:tnLst>
+  </p:timing>
 </p:sld>
 </file>
 
-<file path=ppt/slides/slide13.xml><?xml version="1.0" encoding="utf-8"?>
+<file path=ppt/slides/slide15.xml><?xml version="1.0" encoding="utf-8"?>
 <p:sld xmlns:a="http://schemas.openxmlformats.org/drawingml/2006/main" xmlns:r="http://schemas.openxmlformats.org/officeDocument/2006/relationships" xmlns:p="http://schemas.openxmlformats.org/presentationml/2006/main">
   <p:cSld>
     <p:spTree>
@@ -8240,473 +11850,6 @@
             <a:pPr algn="ctr"/>
             <a:r>
               <a:rPr lang="de-DE" dirty="0" err="1"/>
-              <a:t>Risks</a:t>
-            </a:r>
-            <a:endParaRPr lang="de-DE" dirty="0"/>
-          </a:p>
-        </p:txBody>
-      </p:sp>
-      <p:sp>
-        <p:nvSpPr>
-          <p:cNvPr id="9" name="Inhaltsplatzhalter 8"/>
-          <p:cNvSpPr>
-            <a:spLocks noGrp="1"/>
-          </p:cNvSpPr>
-          <p:nvPr>
-            <p:ph sz="half" idx="1"/>
-          </p:nvPr>
-        </p:nvSpPr>
-        <p:spPr/>
-        <p:txBody>
-          <a:bodyPr>
-            <a:normAutofit fontScale="92500" lnSpcReduction="10000"/>
-          </a:bodyPr>
-          <a:lstStyle/>
-          <a:p>
-            <a:r>
-              <a:rPr lang="de-DE" sz="2400" dirty="0"/>
-              <a:t>Fly </a:t>
-            </a:r>
-            <a:r>
-              <a:rPr lang="de-DE" sz="2400" dirty="0" err="1"/>
-              <a:t>physics</a:t>
-            </a:r>
-            <a:r>
-              <a:rPr lang="de-DE" sz="2400" dirty="0"/>
-              <a:t> - </a:t>
-            </a:r>
-            <a:r>
-              <a:rPr lang="de-DE" sz="2400" dirty="0" err="1"/>
-              <a:t>math</a:t>
-            </a:r>
-            <a:r>
-              <a:rPr lang="de-DE" sz="2400" dirty="0"/>
-              <a:t> </a:t>
-            </a:r>
-            <a:r>
-              <a:rPr lang="de-DE" sz="2400" dirty="0" err="1"/>
-              <a:t>too</a:t>
-            </a:r>
-            <a:r>
-              <a:rPr lang="de-DE" sz="2400" dirty="0"/>
-              <a:t> </a:t>
-            </a:r>
-            <a:r>
-              <a:rPr lang="de-DE" sz="2400" dirty="0" err="1"/>
-              <a:t>complex</a:t>
-            </a:r>
-            <a:r>
-              <a:rPr lang="de-DE" sz="2400" dirty="0"/>
-              <a:t>/</a:t>
-            </a:r>
-            <a:r>
-              <a:rPr lang="de-DE" sz="2400" dirty="0" err="1"/>
-              <a:t>complicated</a:t>
-            </a:r>
-            <a:endParaRPr lang="de-DE" dirty="0"/>
-          </a:p>
-          <a:p>
-            <a:r>
-              <a:rPr lang="de-DE" sz="2400" dirty="0"/>
-              <a:t>Arm </a:t>
-            </a:r>
-            <a:r>
-              <a:rPr lang="de-DE" sz="2400" dirty="0" err="1"/>
-              <a:t>network</a:t>
-            </a:r>
-            <a:r>
-              <a:rPr lang="de-DE" sz="2400" dirty="0"/>
-              <a:t> </a:t>
-            </a:r>
-            <a:r>
-              <a:rPr lang="de-DE" sz="2400" dirty="0" err="1"/>
-              <a:t>transmission</a:t>
-            </a:r>
-            <a:endParaRPr lang="de-DE" sz="2400" dirty="0"/>
-          </a:p>
-          <a:p>
-            <a:r>
-              <a:rPr lang="de-DE" sz="2400" dirty="0"/>
-              <a:t>Post-</a:t>
-            </a:r>
-            <a:r>
-              <a:rPr lang="de-DE" sz="2400" dirty="0" err="1"/>
-              <a:t>effects</a:t>
-            </a:r>
-            <a:r>
-              <a:rPr lang="de-DE" sz="2400" dirty="0"/>
-              <a:t> </a:t>
-            </a:r>
-            <a:r>
-              <a:rPr lang="de-DE" sz="2400" dirty="0" err="1"/>
-              <a:t>too</a:t>
-            </a:r>
-            <a:r>
-              <a:rPr lang="de-DE" sz="2400" dirty="0"/>
-              <a:t> performance- </a:t>
-            </a:r>
-            <a:r>
-              <a:rPr lang="de-DE" sz="2400" dirty="0" err="1"/>
-              <a:t>consuming</a:t>
-            </a:r>
-            <a:r>
-              <a:rPr lang="de-DE" sz="2400" dirty="0"/>
-              <a:t> (</a:t>
-            </a:r>
-            <a:r>
-              <a:rPr lang="de-DE" sz="2400" dirty="0" err="1"/>
-              <a:t>scattering</a:t>
-            </a:r>
-            <a:r>
-              <a:rPr lang="de-DE" sz="2400" dirty="0"/>
-              <a:t>, </a:t>
-            </a:r>
-            <a:r>
-              <a:rPr lang="de-DE" sz="2400" dirty="0" err="1"/>
-              <a:t>ambient</a:t>
-            </a:r>
-            <a:r>
-              <a:rPr lang="de-DE" sz="2400" dirty="0"/>
-              <a:t> </a:t>
-            </a:r>
-            <a:r>
-              <a:rPr lang="de-DE" sz="2400" dirty="0" err="1"/>
-              <a:t>occlusion</a:t>
-            </a:r>
-            <a:r>
-              <a:rPr lang="de-DE" sz="2400" dirty="0"/>
-              <a:t>)</a:t>
-            </a:r>
-          </a:p>
-          <a:p>
-            <a:r>
-              <a:rPr lang="de-DE" sz="2400" dirty="0"/>
-              <a:t>Realtime Performance </a:t>
-            </a:r>
-            <a:r>
-              <a:rPr lang="de-DE" sz="2400" dirty="0" err="1"/>
-              <a:t>Issues</a:t>
-            </a:r>
-            <a:r>
-              <a:rPr lang="de-DE" sz="2400" dirty="0"/>
-              <a:t> </a:t>
-            </a:r>
-            <a:r>
-              <a:rPr lang="de-DE" sz="2400" dirty="0" err="1"/>
-              <a:t>for</a:t>
-            </a:r>
-            <a:r>
-              <a:rPr lang="de-DE" sz="2400" dirty="0"/>
-              <a:t> </a:t>
-            </a:r>
-            <a:r>
-              <a:rPr lang="de-DE" sz="2400" dirty="0" err="1"/>
-              <a:t>slower</a:t>
-            </a:r>
-            <a:r>
-              <a:rPr lang="de-DE" sz="2400" dirty="0"/>
-              <a:t> PCs (Graphics Settings?)</a:t>
-            </a:r>
-          </a:p>
-          <a:p>
-            <a:r>
-              <a:rPr lang="de-DE" sz="2400" dirty="0"/>
-              <a:t>AR Performance Problems</a:t>
-            </a:r>
-            <a:endParaRPr lang="de-DE" dirty="0"/>
-          </a:p>
-          <a:p>
-            <a:pPr>
-              <a:buNone/>
-            </a:pPr>
-            <a:endParaRPr lang="de-DE" dirty="0"/>
-          </a:p>
-          <a:p>
-            <a:pPr>
-              <a:buNone/>
-            </a:pPr>
-            <a:endParaRPr lang="de-DE" dirty="0"/>
-          </a:p>
-          <a:p>
-            <a:pPr>
-              <a:buNone/>
-            </a:pPr>
-            <a:endParaRPr lang="de-DE" dirty="0"/>
-          </a:p>
-          <a:p>
-            <a:endParaRPr lang="de-DE" dirty="0"/>
-          </a:p>
-        </p:txBody>
-      </p:sp>
-      <p:sp>
-        <p:nvSpPr>
-          <p:cNvPr id="7" name="Inhaltsplatzhalter 6"/>
-          <p:cNvSpPr>
-            <a:spLocks noGrp="1"/>
-          </p:cNvSpPr>
-          <p:nvPr>
-            <p:ph sz="half" idx="2"/>
-          </p:nvPr>
-        </p:nvSpPr>
-        <p:spPr/>
-        <p:txBody>
-          <a:bodyPr>
-            <a:normAutofit fontScale="92500" lnSpcReduction="10000"/>
-          </a:bodyPr>
-          <a:lstStyle/>
-          <a:p>
-            <a:r>
-              <a:rPr lang="de-DE" sz="2400" dirty="0" err="1"/>
-              <a:t>Menue</a:t>
-            </a:r>
-            <a:r>
-              <a:rPr lang="de-DE" sz="2400" dirty="0"/>
-              <a:t> </a:t>
-            </a:r>
-            <a:r>
-              <a:rPr lang="de-DE" sz="2400" dirty="0" err="1"/>
-              <a:t>handling</a:t>
-            </a:r>
-            <a:r>
-              <a:rPr lang="de-DE" sz="2400" dirty="0"/>
-              <a:t> (</a:t>
-            </a:r>
-            <a:r>
-              <a:rPr lang="de-DE" sz="2400" dirty="0" err="1"/>
-              <a:t>Oculus</a:t>
-            </a:r>
-            <a:r>
-              <a:rPr lang="de-DE" sz="2400" dirty="0"/>
-              <a:t>)</a:t>
-            </a:r>
-          </a:p>
-          <a:p>
-            <a:r>
-              <a:rPr lang="de-DE" sz="2400" dirty="0" err="1"/>
-              <a:t>Gesture</a:t>
-            </a:r>
-            <a:r>
-              <a:rPr lang="de-DE" sz="2400" dirty="0"/>
-              <a:t> </a:t>
-            </a:r>
-            <a:r>
-              <a:rPr lang="de-DE" sz="2400" dirty="0" err="1"/>
-              <a:t>control</a:t>
-            </a:r>
-            <a:r>
-              <a:rPr lang="de-DE" sz="2400" dirty="0"/>
-              <a:t> </a:t>
-            </a:r>
-            <a:r>
-              <a:rPr lang="de-DE" sz="2400" dirty="0" err="1"/>
-              <a:t>problems</a:t>
-            </a:r>
-            <a:r>
-              <a:rPr lang="de-DE" sz="2400" dirty="0"/>
-              <a:t> (APIs </a:t>
-            </a:r>
-            <a:r>
-              <a:rPr lang="de-DE" sz="2400" dirty="0" err="1"/>
-              <a:t>for</a:t>
-            </a:r>
-            <a:r>
-              <a:rPr lang="de-DE" sz="2400" dirty="0"/>
-              <a:t> Vive not </a:t>
-            </a:r>
-            <a:r>
-              <a:rPr lang="de-DE" sz="2400" dirty="0" err="1"/>
-              <a:t>tested</a:t>
-            </a:r>
-            <a:r>
-              <a:rPr lang="de-DE" sz="2400" dirty="0"/>
-              <a:t> </a:t>
-            </a:r>
-            <a:r>
-              <a:rPr lang="de-DE" sz="2400" dirty="0" err="1"/>
-              <a:t>yet</a:t>
-            </a:r>
-            <a:r>
-              <a:rPr lang="de-DE" sz="2400" dirty="0"/>
-              <a:t>, </a:t>
-            </a:r>
-            <a:r>
-              <a:rPr lang="de-DE" sz="2400" dirty="0" err="1"/>
-              <a:t>currently</a:t>
-            </a:r>
-            <a:r>
-              <a:rPr lang="de-DE" sz="2400" dirty="0"/>
-              <a:t> </a:t>
-            </a:r>
-            <a:r>
-              <a:rPr lang="de-DE" sz="2400" dirty="0" err="1"/>
-              <a:t>unstable</a:t>
-            </a:r>
-            <a:r>
-              <a:rPr lang="de-DE" sz="2400" dirty="0"/>
-              <a:t> APIs </a:t>
-            </a:r>
-            <a:r>
-              <a:rPr lang="de-DE" sz="2400" dirty="0" err="1"/>
-              <a:t>for</a:t>
-            </a:r>
-            <a:r>
-              <a:rPr lang="de-DE" sz="2400" dirty="0"/>
-              <a:t> Kinect?)</a:t>
-            </a:r>
-          </a:p>
-          <a:p>
-            <a:r>
-              <a:rPr lang="de-DE" sz="2400" dirty="0" err="1"/>
-              <a:t>Suitable</a:t>
-            </a:r>
-            <a:r>
-              <a:rPr lang="de-DE" sz="2400" dirty="0"/>
-              <a:t> </a:t>
-            </a:r>
-            <a:r>
-              <a:rPr lang="de-DE" sz="2400" dirty="0" err="1"/>
-              <a:t>for</a:t>
-            </a:r>
-            <a:r>
-              <a:rPr lang="de-DE" sz="2400" dirty="0"/>
-              <a:t> HS-</a:t>
-            </a:r>
-            <a:r>
-              <a:rPr lang="de-DE" sz="2400" dirty="0" err="1"/>
-              <a:t>Lan</a:t>
-            </a:r>
-            <a:r>
-              <a:rPr lang="de-DE" sz="2400" dirty="0"/>
-              <a:t> </a:t>
-            </a:r>
-            <a:r>
-              <a:rPr lang="de-DE" sz="2400" dirty="0" err="1"/>
-              <a:t>and</a:t>
-            </a:r>
-            <a:r>
-              <a:rPr lang="de-DE" sz="2400" dirty="0"/>
-              <a:t> Open-Lab</a:t>
-            </a:r>
-          </a:p>
-          <a:p>
-            <a:r>
-              <a:rPr lang="de-DE" sz="2400" dirty="0" err="1"/>
-              <a:t>Ofc</a:t>
-            </a:r>
-            <a:r>
-              <a:rPr lang="de-DE" sz="2400" dirty="0"/>
-              <a:t>: </a:t>
-            </a:r>
-            <a:r>
-              <a:rPr lang="de-DE" sz="2400" dirty="0" err="1"/>
-              <a:t>Illness</a:t>
-            </a:r>
-            <a:r>
-              <a:rPr lang="de-DE" sz="2400" dirty="0"/>
-              <a:t> </a:t>
-            </a:r>
-            <a:r>
-              <a:rPr lang="de-DE" sz="2400" dirty="0" err="1"/>
-              <a:t>of</a:t>
-            </a:r>
-            <a:r>
-              <a:rPr lang="de-DE" sz="2400" dirty="0"/>
-              <a:t> Project Members (</a:t>
-            </a:r>
-            <a:r>
-              <a:rPr lang="de-DE" sz="2400" dirty="0" err="1"/>
-              <a:t>workload</a:t>
-            </a:r>
-            <a:r>
-              <a:rPr lang="de-DE" sz="2400" dirty="0"/>
-              <a:t> </a:t>
-            </a:r>
-            <a:r>
-              <a:rPr lang="de-DE" sz="2400" dirty="0" err="1"/>
-              <a:t>balancing</a:t>
-            </a:r>
-            <a:r>
-              <a:rPr lang="de-DE" sz="2400" dirty="0"/>
-              <a:t>)</a:t>
-            </a:r>
-          </a:p>
-          <a:p>
-            <a:pPr>
-              <a:buNone/>
-            </a:pPr>
-            <a:endParaRPr lang="de-DE" sz="2400" dirty="0"/>
-          </a:p>
-        </p:txBody>
-      </p:sp>
-      <p:sp>
-        <p:nvSpPr>
-          <p:cNvPr id="11" name="Foliennummernplatzhalter 10"/>
-          <p:cNvSpPr>
-            <a:spLocks noGrp="1"/>
-          </p:cNvSpPr>
-          <p:nvPr>
-            <p:ph type="sldNum" sz="quarter" idx="12"/>
-          </p:nvPr>
-        </p:nvSpPr>
-        <p:spPr/>
-        <p:txBody>
-          <a:bodyPr/>
-          <a:lstStyle/>
-          <a:p>
-            <a:fld id="{6C6AE60A-B69C-4790-82F7-3882EDF23186}" type="slidenum">
-              <a:rPr lang="de-DE" smtClean="0"/>
-              <a:pPr/>
-              <a:t>13</a:t>
-            </a:fld>
-            <a:endParaRPr lang="de-DE"/>
-          </a:p>
-        </p:txBody>
-      </p:sp>
-    </p:spTree>
-  </p:cSld>
-  <p:clrMapOvr>
-    <a:masterClrMapping/>
-  </p:clrMapOvr>
-</p:sld>
-</file>
-
-<file path=ppt/slides/slide14.xml><?xml version="1.0" encoding="utf-8"?>
-<p:sld xmlns:a="http://schemas.openxmlformats.org/drawingml/2006/main" xmlns:r="http://schemas.openxmlformats.org/officeDocument/2006/relationships" xmlns:p="http://schemas.openxmlformats.org/presentationml/2006/main">
-  <p:cSld>
-    <p:spTree>
-      <p:nvGrpSpPr>
-        <p:cNvPr id="1" name=""/>
-        <p:cNvGrpSpPr/>
-        <p:nvPr/>
-      </p:nvGrpSpPr>
-      <p:grpSpPr>
-        <a:xfrm>
-          <a:off x="0" y="0"/>
-          <a:ext cx="0" cy="0"/>
-          <a:chOff x="0" y="0"/>
-          <a:chExt cx="0" cy="0"/>
-        </a:xfrm>
-      </p:grpSpPr>
-      <p:sp>
-        <p:nvSpPr>
-          <p:cNvPr id="2" name="Titel 1"/>
-          <p:cNvSpPr>
-            <a:spLocks noGrp="1"/>
-          </p:cNvSpPr>
-          <p:nvPr>
-            <p:ph type="title"/>
-          </p:nvPr>
-        </p:nvSpPr>
-        <p:spPr/>
-        <p:txBody>
-          <a:bodyPr>
-            <a:normAutofit/>
-          </a:bodyPr>
-          <a:lstStyle/>
-          <a:p>
-            <a:pPr algn="ctr"/>
-            <a:r>
-              <a:rPr lang="de-DE" dirty="0" err="1"/>
               <a:t>Github</a:t>
             </a:r>
             <a:r>
@@ -8840,7 +11983,7 @@
             <a:fld id="{6C6AE60A-B69C-4790-82F7-3882EDF23186}" type="slidenum">
               <a:rPr lang="de-DE" smtClean="0"/>
               <a:pPr/>
-              <a:t>14</a:t>
+              <a:t>15</a:t>
             </a:fld>
             <a:endParaRPr lang="de-DE"/>
           </a:p>
@@ -8851,10 +11994,17 @@
   <p:clrMapOvr>
     <a:masterClrMapping/>
   </p:clrMapOvr>
+  <p:timing>
+    <p:tnLst>
+      <p:par>
+        <p:cTn id="1" dur="indefinite" restart="never" nodeType="tmRoot"/>
+      </p:par>
+    </p:tnLst>
+  </p:timing>
 </p:sld>
 </file>
 
-<file path=ppt/slides/slide15.xml><?xml version="1.0" encoding="utf-8"?>
+<file path=ppt/slides/slide16.xml><?xml version="1.0" encoding="utf-8"?>
 <p:sld xmlns:a="http://schemas.openxmlformats.org/drawingml/2006/main" xmlns:r="http://schemas.openxmlformats.org/officeDocument/2006/relationships" xmlns:p="http://schemas.openxmlformats.org/presentationml/2006/main">
   <p:cSld>
     <p:spTree>
@@ -8954,7 +12104,7 @@
             <a:fld id="{6C6AE60A-B69C-4790-82F7-3882EDF23186}" type="slidenum">
               <a:rPr lang="de-DE" smtClean="0"/>
               <a:pPr/>
-              <a:t>15</a:t>
+              <a:t>16</a:t>
             </a:fld>
             <a:endParaRPr lang="de-DE"/>
           </a:p>
@@ -8965,6 +12115,13 @@
   <p:clrMapOvr>
     <a:masterClrMapping/>
   </p:clrMapOvr>
+  <p:timing>
+    <p:tnLst>
+      <p:par>
+        <p:cTn id="1" dur="indefinite" restart="never" nodeType="tmRoot"/>
+      </p:par>
+    </p:tnLst>
+  </p:timing>
 </p:sld>
 </file>
 
@@ -9239,12 +12396,16 @@
           <a:p>
             <a:pPr lvl="1"/>
             <a:r>
+              <a:rPr lang="de-DE" sz="1900" dirty="0" err="1" smtClean="0"/>
+              <a:t>Based</a:t>
+            </a:r>
+            <a:r>
               <a:rPr lang="de-DE" sz="1900" dirty="0" smtClean="0"/>
-              <a:t>Hardware </a:t>
+              <a:t> </a:t>
             </a:r>
             <a:r>
               <a:rPr lang="de-DE" sz="1900" dirty="0" err="1" smtClean="0"/>
-              <a:t>sided</a:t>
+              <a:t>onHardware</a:t>
             </a:r>
             <a:r>
               <a:rPr lang="de-DE" sz="1900" dirty="0" smtClean="0"/>
@@ -9785,6 +12946,354 @@
           <a:p>
             <a:pPr algn="ctr"/>
             <a:r>
+              <a:rPr lang="de-DE" dirty="0" smtClean="0"/>
+              <a:t>Post Processing</a:t>
+            </a:r>
+            <a:endParaRPr lang="de-DE" dirty="0"/>
+          </a:p>
+        </p:txBody>
+      </p:sp>
+      <p:sp>
+        <p:nvSpPr>
+          <p:cNvPr id="11" name="Foliennummernplatzhalter 10"/>
+          <p:cNvSpPr>
+            <a:spLocks noGrp="1"/>
+          </p:cNvSpPr>
+          <p:nvPr>
+            <p:ph type="sldNum" sz="quarter" idx="12"/>
+          </p:nvPr>
+        </p:nvSpPr>
+        <p:spPr/>
+        <p:txBody>
+          <a:bodyPr/>
+          <a:lstStyle/>
+          <a:p>
+            <a:fld id="{6C6AE60A-B69C-4790-82F7-3882EDF23186}" type="slidenum">
+              <a:rPr lang="de-DE" smtClean="0"/>
+              <a:pPr/>
+              <a:t>5</a:t>
+            </a:fld>
+            <a:endParaRPr lang="de-DE"/>
+          </a:p>
+        </p:txBody>
+      </p:sp>
+      <p:sp>
+        <p:nvSpPr>
+          <p:cNvPr id="8" name="Inhaltsplatzhalter 5"/>
+          <p:cNvSpPr txBox="1">
+            <a:spLocks/>
+          </p:cNvSpPr>
+          <p:nvPr/>
+        </p:nvSpPr>
+        <p:spPr>
+          <a:xfrm>
+            <a:off x="395536" y="4225652"/>
+            <a:ext cx="4320480" cy="936104"/>
+          </a:xfrm>
+          <a:prstGeom prst="rect">
+            <a:avLst/>
+          </a:prstGeom>
+        </p:spPr>
+        <p:txBody>
+          <a:bodyPr vert="horz">
+            <a:normAutofit/>
+          </a:bodyPr>
+          <a:lstStyle/>
+          <a:p>
+            <a:pPr marL="274320" marR="0" lvl="0" indent="-274320" algn="l" defTabSz="914400" rtl="0" eaLnBrk="1" fontAlgn="auto" latinLnBrk="0" hangingPunct="1">
+              <a:lnSpc>
+                <a:spcPct val="100000"/>
+              </a:lnSpc>
+              <a:spcBef>
+                <a:spcPct val="20000"/>
+              </a:spcBef>
+              <a:spcAft>
+                <a:spcPts val="0"/>
+              </a:spcAft>
+              <a:buClr>
+                <a:schemeClr val="accent3"/>
+              </a:buClr>
+              <a:buSzPct val="95000"/>
+              <a:buFont typeface="Wingdings 2"/>
+              <a:buChar char=""/>
+              <a:tabLst/>
+              <a:defRPr/>
+            </a:pPr>
+            <a:endParaRPr kumimoji="0" lang="de-DE" sz="2600" b="0" i="0" u="none" strike="noStrike" kern="1200" cap="none" spc="0" normalizeH="0" baseline="0" noProof="0" dirty="0">
+              <a:ln>
+                <a:noFill/>
+              </a:ln>
+              <a:solidFill>
+                <a:schemeClr val="tx1"/>
+              </a:solidFill>
+              <a:effectLst/>
+              <a:uLnTx/>
+              <a:uFillTx/>
+              <a:latin typeface="+mn-lt"/>
+              <a:ea typeface="+mn-ea"/>
+              <a:cs typeface="+mn-cs"/>
+            </a:endParaRPr>
+          </a:p>
+        </p:txBody>
+      </p:sp>
+      <p:pic>
+        <p:nvPicPr>
+          <p:cNvPr id="1026" name="Picture 2" descr="C:\Users\Bambi\Desktop\depth of field.jpg"/>
+          <p:cNvPicPr>
+            <a:picLocks noChangeAspect="1" noChangeArrowheads="1"/>
+          </p:cNvPicPr>
+          <p:nvPr/>
+        </p:nvPicPr>
+        <p:blipFill>
+          <a:blip r:embed="rId2" cstate="print"/>
+          <a:srcRect/>
+          <a:stretch>
+            <a:fillRect/>
+          </a:stretch>
+        </p:blipFill>
+        <p:spPr bwMode="auto">
+          <a:xfrm>
+            <a:off x="395536" y="1489348"/>
+            <a:ext cx="8352928" cy="3667623"/>
+          </a:xfrm>
+          <a:prstGeom prst="rect">
+            <a:avLst/>
+          </a:prstGeom>
+          <a:noFill/>
+        </p:spPr>
+      </p:pic>
+    </p:spTree>
+  </p:cSld>
+  <p:clrMapOvr>
+    <a:masterClrMapping/>
+  </p:clrMapOvr>
+  <p:timing>
+    <p:tnLst>
+      <p:par>
+        <p:cTn id="1" dur="indefinite" restart="never" nodeType="tmRoot"/>
+      </p:par>
+    </p:tnLst>
+  </p:timing>
+</p:sld>
+</file>
+
+<file path=ppt/slides/slide6.xml><?xml version="1.0" encoding="utf-8"?>
+<p:sld xmlns:a="http://schemas.openxmlformats.org/drawingml/2006/main" xmlns:r="http://schemas.openxmlformats.org/officeDocument/2006/relationships" xmlns:p="http://schemas.openxmlformats.org/presentationml/2006/main">
+  <p:cSld>
+    <p:spTree>
+      <p:nvGrpSpPr>
+        <p:cNvPr id="1" name=""/>
+        <p:cNvGrpSpPr/>
+        <p:nvPr/>
+      </p:nvGrpSpPr>
+      <p:grpSpPr>
+        <a:xfrm>
+          <a:off x="0" y="0"/>
+          <a:ext cx="0" cy="0"/>
+          <a:chOff x="0" y="0"/>
+          <a:chExt cx="0" cy="0"/>
+        </a:xfrm>
+      </p:grpSpPr>
+      <p:sp>
+        <p:nvSpPr>
+          <p:cNvPr id="2" name="Titel 1"/>
+          <p:cNvSpPr>
+            <a:spLocks noGrp="1"/>
+          </p:cNvSpPr>
+          <p:nvPr>
+            <p:ph type="title"/>
+          </p:nvPr>
+        </p:nvSpPr>
+        <p:spPr>
+          <a:xfrm>
+            <a:off x="457200" y="586740"/>
+            <a:ext cx="8229600" cy="830600"/>
+          </a:xfrm>
+        </p:spPr>
+        <p:txBody>
+          <a:bodyPr>
+            <a:normAutofit/>
+          </a:bodyPr>
+          <a:lstStyle/>
+          <a:p>
+            <a:pPr algn="ctr"/>
+            <a:r>
+              <a:rPr lang="de-DE" dirty="0" smtClean="0"/>
+              <a:t>Fly </a:t>
+            </a:r>
+            <a:r>
+              <a:rPr lang="de-DE" dirty="0" err="1" smtClean="0"/>
+              <a:t>Physics</a:t>
+            </a:r>
+            <a:endParaRPr lang="de-DE" dirty="0"/>
+          </a:p>
+        </p:txBody>
+      </p:sp>
+      <p:sp>
+        <p:nvSpPr>
+          <p:cNvPr id="11" name="Foliennummernplatzhalter 10"/>
+          <p:cNvSpPr>
+            <a:spLocks noGrp="1"/>
+          </p:cNvSpPr>
+          <p:nvPr>
+            <p:ph type="sldNum" sz="quarter" idx="12"/>
+          </p:nvPr>
+        </p:nvSpPr>
+        <p:spPr/>
+        <p:txBody>
+          <a:bodyPr/>
+          <a:lstStyle/>
+          <a:p>
+            <a:fld id="{6C6AE60A-B69C-4790-82F7-3882EDF23186}" type="slidenum">
+              <a:rPr lang="de-DE" smtClean="0"/>
+              <a:pPr/>
+              <a:t>6</a:t>
+            </a:fld>
+            <a:endParaRPr lang="de-DE"/>
+          </a:p>
+        </p:txBody>
+      </p:sp>
+      <p:sp>
+        <p:nvSpPr>
+          <p:cNvPr id="8" name="Inhaltsplatzhalter 5"/>
+          <p:cNvSpPr txBox="1">
+            <a:spLocks/>
+          </p:cNvSpPr>
+          <p:nvPr/>
+        </p:nvSpPr>
+        <p:spPr>
+          <a:xfrm>
+            <a:off x="395536" y="4225652"/>
+            <a:ext cx="4320480" cy="936104"/>
+          </a:xfrm>
+          <a:prstGeom prst="rect">
+            <a:avLst/>
+          </a:prstGeom>
+        </p:spPr>
+        <p:txBody>
+          <a:bodyPr vert="horz">
+            <a:normAutofit/>
+          </a:bodyPr>
+          <a:lstStyle/>
+          <a:p>
+            <a:pPr marL="274320" marR="0" lvl="0" indent="-274320" algn="l" defTabSz="914400" rtl="0" eaLnBrk="1" fontAlgn="auto" latinLnBrk="0" hangingPunct="1">
+              <a:lnSpc>
+                <a:spcPct val="100000"/>
+              </a:lnSpc>
+              <a:spcBef>
+                <a:spcPct val="20000"/>
+              </a:spcBef>
+              <a:spcAft>
+                <a:spcPts val="0"/>
+              </a:spcAft>
+              <a:buClr>
+                <a:schemeClr val="accent3"/>
+              </a:buClr>
+              <a:buSzPct val="95000"/>
+              <a:buFont typeface="Wingdings 2"/>
+              <a:buChar char=""/>
+              <a:tabLst/>
+              <a:defRPr/>
+            </a:pPr>
+            <a:endParaRPr kumimoji="0" lang="de-DE" sz="2600" b="0" i="0" u="none" strike="noStrike" kern="1200" cap="none" spc="0" normalizeH="0" baseline="0" noProof="0" dirty="0">
+              <a:ln>
+                <a:noFill/>
+              </a:ln>
+              <a:solidFill>
+                <a:schemeClr val="tx1"/>
+              </a:solidFill>
+              <a:effectLst/>
+              <a:uLnTx/>
+              <a:uFillTx/>
+              <a:latin typeface="+mn-lt"/>
+              <a:ea typeface="+mn-ea"/>
+              <a:cs typeface="+mn-cs"/>
+            </a:endParaRPr>
+          </a:p>
+        </p:txBody>
+      </p:sp>
+      <p:pic>
+        <p:nvPicPr>
+          <p:cNvPr id="2050" name="Picture 2" descr="C:\Users\Bambi\Desktop\FlyPhysics.jpg"/>
+          <p:cNvPicPr>
+            <a:picLocks noChangeAspect="1" noChangeArrowheads="1"/>
+          </p:cNvPicPr>
+          <p:nvPr/>
+        </p:nvPicPr>
+        <p:blipFill>
+          <a:blip r:embed="rId2" cstate="print"/>
+          <a:srcRect/>
+          <a:stretch>
+            <a:fillRect/>
+          </a:stretch>
+        </p:blipFill>
+        <p:spPr bwMode="auto">
+          <a:xfrm>
+            <a:off x="323528" y="1561356"/>
+            <a:ext cx="8434203" cy="3456384"/>
+          </a:xfrm>
+          <a:prstGeom prst="rect">
+            <a:avLst/>
+          </a:prstGeom>
+          <a:noFill/>
+        </p:spPr>
+      </p:pic>
+    </p:spTree>
+  </p:cSld>
+  <p:clrMapOvr>
+    <a:masterClrMapping/>
+  </p:clrMapOvr>
+  <p:timing>
+    <p:tnLst>
+      <p:par>
+        <p:cTn id="1" dur="indefinite" restart="never" nodeType="tmRoot"/>
+      </p:par>
+    </p:tnLst>
+  </p:timing>
+</p:sld>
+</file>
+
+<file path=ppt/slides/slide7.xml><?xml version="1.0" encoding="utf-8"?>
+<p:sld xmlns:a="http://schemas.openxmlformats.org/drawingml/2006/main" xmlns:r="http://schemas.openxmlformats.org/officeDocument/2006/relationships" xmlns:p="http://schemas.openxmlformats.org/presentationml/2006/main">
+  <p:cSld>
+    <p:spTree>
+      <p:nvGrpSpPr>
+        <p:cNvPr id="1" name=""/>
+        <p:cNvGrpSpPr/>
+        <p:nvPr/>
+      </p:nvGrpSpPr>
+      <p:grpSpPr>
+        <a:xfrm>
+          <a:off x="0" y="0"/>
+          <a:ext cx="0" cy="0"/>
+          <a:chOff x="0" y="0"/>
+          <a:chExt cx="0" cy="0"/>
+        </a:xfrm>
+      </p:grpSpPr>
+      <p:sp>
+        <p:nvSpPr>
+          <p:cNvPr id="2" name="Titel 1"/>
+          <p:cNvSpPr>
+            <a:spLocks noGrp="1"/>
+          </p:cNvSpPr>
+          <p:nvPr>
+            <p:ph type="title"/>
+          </p:nvPr>
+        </p:nvSpPr>
+        <p:spPr>
+          <a:xfrm>
+            <a:off x="457200" y="586740"/>
+            <a:ext cx="8229600" cy="830600"/>
+          </a:xfrm>
+        </p:spPr>
+        <p:txBody>
+          <a:bodyPr>
+            <a:normAutofit/>
+          </a:bodyPr>
+          <a:lstStyle/>
+          <a:p>
+            <a:pPr algn="ctr"/>
+            <a:r>
               <a:rPr lang="de-DE" dirty="0" err="1"/>
               <a:t>Responsibilities</a:t>
             </a:r>
@@ -10135,7 +13644,7 @@
             <a:fld id="{6C6AE60A-B69C-4790-82F7-3882EDF23186}" type="slidenum">
               <a:rPr lang="de-DE" smtClean="0"/>
               <a:pPr/>
-              <a:t>5</a:t>
+              <a:t>7</a:t>
             </a:fld>
             <a:endParaRPr lang="de-DE"/>
           </a:p>
@@ -10146,10 +13655,17 @@
   <p:clrMapOvr>
     <a:masterClrMapping/>
   </p:clrMapOvr>
+  <p:timing>
+    <p:tnLst>
+      <p:par>
+        <p:cTn id="1" dur="indefinite" restart="never" nodeType="tmRoot"/>
+      </p:par>
+    </p:tnLst>
+  </p:timing>
 </p:sld>
 </file>
 
-<file path=ppt/slides/slide6.xml><?xml version="1.0" encoding="utf-8"?>
+<file path=ppt/slides/slide8.xml><?xml version="1.0" encoding="utf-8"?>
 <p:sld xmlns:a="http://schemas.openxmlformats.org/drawingml/2006/main" xmlns:r="http://schemas.openxmlformats.org/officeDocument/2006/relationships" xmlns:p="http://schemas.openxmlformats.org/presentationml/2006/main">
   <p:cSld>
     <p:spTree>
@@ -10293,7 +13809,7 @@
             <a:fld id="{6C6AE60A-B69C-4790-82F7-3882EDF23186}" type="slidenum">
               <a:rPr lang="de-DE" smtClean="0"/>
               <a:pPr/>
-              <a:t>6</a:t>
+              <a:t>8</a:t>
             </a:fld>
             <a:endParaRPr lang="de-DE"/>
           </a:p>
@@ -10308,7 +13824,7 @@
           <p:nvPr>
             <p:extLst>
               <p:ext uri="{D42A27DB-BD31-4B8C-83A1-F6EECF244321}">
-                <p14:modId xmlns:p14="http://schemas.microsoft.com/office/powerpoint/2010/main" val="1058966939"/>
+                <p14:modId xmlns="" xmlns:p14="http://schemas.microsoft.com/office/powerpoint/2010/main" val="1058966939"/>
               </p:ext>
             </p:extLst>
           </p:nvPr>
@@ -11965,10 +15481,17 @@
   <p:clrMapOvr>
     <a:masterClrMapping/>
   </p:clrMapOvr>
+  <p:timing>
+    <p:tnLst>
+      <p:par>
+        <p:cTn id="1" dur="indefinite" restart="never" nodeType="tmRoot"/>
+      </p:par>
+    </p:tnLst>
+  </p:timing>
 </p:sld>
 </file>
 
-<file path=ppt/slides/slide7.xml><?xml version="1.0" encoding="utf-8"?>
+<file path=ppt/slides/slide9.xml><?xml version="1.0" encoding="utf-8"?>
 <p:sld xmlns:a="http://schemas.openxmlformats.org/drawingml/2006/main" xmlns:r="http://schemas.openxmlformats.org/officeDocument/2006/relationships" xmlns:p="http://schemas.openxmlformats.org/presentationml/2006/main">
   <p:cSld>
     <p:spTree>
@@ -12112,7 +15635,7 @@
             <a:fld id="{6C6AE60A-B69C-4790-82F7-3882EDF23186}" type="slidenum">
               <a:rPr lang="de-DE" smtClean="0"/>
               <a:pPr/>
-              <a:t>7</a:t>
+              <a:t>9</a:t>
             </a:fld>
             <a:endParaRPr lang="de-DE"/>
           </a:p>
@@ -12127,14 +15650,14 @@
           <p:nvPr>
             <p:extLst>
               <p:ext uri="{D42A27DB-BD31-4B8C-83A1-F6EECF244321}">
-                <p14:modId xmlns:p14="http://schemas.microsoft.com/office/powerpoint/2010/main" val="1811335383"/>
+                <p14:modId xmlns="" xmlns:p14="http://schemas.microsoft.com/office/powerpoint/2010/main" val="1811335383"/>
               </p:ext>
             </p:extLst>
           </p:nvPr>
         </p:nvGraphicFramePr>
         <p:xfrm>
           <a:off x="179512" y="1201316"/>
-          <a:ext cx="8784978" cy="4371908"/>
+          <a:ext cx="8784978" cy="4158548"/>
         </p:xfrm>
         <a:graphic>
           <a:graphicData uri="http://schemas.openxmlformats.org/drawingml/2006/table">
@@ -13521,11 +17044,11 @@
                       </a:r>
                       <a:r>
                         <a:rPr lang="de-DE" sz="1400" baseline="0" dirty="0" err="1" smtClean="0"/>
-                        <a:t>programming</a:t>
+                        <a:t>prog</a:t>
                       </a:r>
                       <a:r>
                         <a:rPr lang="de-DE" sz="1400" baseline="0" dirty="0" smtClean="0"/>
-                        <a:t> </a:t>
+                        <a:t>. </a:t>
                       </a:r>
                       <a:r>
                         <a:rPr lang="de-DE" sz="1400" baseline="0" dirty="0" err="1" smtClean="0"/>
@@ -13665,9 +17188,6 @@
                           <a:srgbClr val="C00000"/>
                         </a:solidFill>
                       </a:endParaRPr>
-                    </a:p>
-                    <a:p>
-                      <a:endParaRPr lang="de-DE" dirty="0"/>
                     </a:p>
                   </a:txBody>
                   <a:tcPr/>
@@ -13687,3590 +17207,13 @@
   <p:clrMapOvr>
     <a:masterClrMapping/>
   </p:clrMapOvr>
-</p:sld>
-</file>
-
-<file path=ppt/slides/slide8.xml><?xml version="1.0" encoding="utf-8"?>
-<p:sld xmlns:a="http://schemas.openxmlformats.org/drawingml/2006/main" xmlns:r="http://schemas.openxmlformats.org/officeDocument/2006/relationships" xmlns:p="http://schemas.openxmlformats.org/presentationml/2006/main">
-  <p:cSld>
-    <p:spTree>
-      <p:nvGrpSpPr>
-        <p:cNvPr id="1" name=""/>
-        <p:cNvGrpSpPr/>
-        <p:nvPr/>
-      </p:nvGrpSpPr>
-      <p:grpSpPr>
-        <a:xfrm>
-          <a:off x="0" y="0"/>
-          <a:ext cx="0" cy="0"/>
-          <a:chOff x="0" y="0"/>
-          <a:chExt cx="0" cy="0"/>
-        </a:xfrm>
-      </p:grpSpPr>
-      <p:sp>
-        <p:nvSpPr>
-          <p:cNvPr id="2" name="Titel 1"/>
-          <p:cNvSpPr>
-            <a:spLocks noGrp="1"/>
-          </p:cNvSpPr>
-          <p:nvPr>
-            <p:ph type="title"/>
-          </p:nvPr>
-        </p:nvSpPr>
-        <p:spPr>
-          <a:xfrm>
-            <a:off x="457200" y="586740"/>
-            <a:ext cx="8229600" cy="542568"/>
-          </a:xfrm>
-        </p:spPr>
-        <p:txBody>
-          <a:bodyPr>
-            <a:normAutofit fontScale="90000"/>
-          </a:bodyPr>
-          <a:lstStyle/>
-          <a:p>
-            <a:pPr algn="ctr"/>
-            <a:r>
-              <a:rPr lang="de-DE" dirty="0" err="1">
-                <a:solidFill>
-                  <a:srgbClr val="FF0000"/>
-                </a:solidFill>
-              </a:rPr>
-              <a:t>Milestone</a:t>
-            </a:r>
-            <a:r>
-              <a:rPr lang="de-DE" dirty="0">
-                <a:solidFill>
-                  <a:srgbClr val="FF0000"/>
-                </a:solidFill>
-              </a:rPr>
-              <a:t> </a:t>
-            </a:r>
-            <a:r>
-              <a:rPr lang="de-DE" dirty="0" err="1" smtClean="0">
-                <a:solidFill>
-                  <a:srgbClr val="FF0000"/>
-                </a:solidFill>
-              </a:rPr>
-              <a:t>Two</a:t>
-            </a:r>
-            <a:r>
-              <a:rPr lang="de-DE" dirty="0" smtClean="0">
-                <a:solidFill>
-                  <a:srgbClr val="FF0000"/>
-                </a:solidFill>
-              </a:rPr>
-              <a:t> (</a:t>
-            </a:r>
-            <a:r>
-              <a:rPr lang="de-DE" dirty="0" err="1" smtClean="0">
-                <a:solidFill>
-                  <a:srgbClr val="FF0000"/>
-                </a:solidFill>
-              </a:rPr>
-              <a:t>old</a:t>
-            </a:r>
-            <a:r>
-              <a:rPr lang="de-DE" dirty="0" smtClean="0">
-                <a:solidFill>
-                  <a:srgbClr val="FF0000"/>
-                </a:solidFill>
-              </a:rPr>
-              <a:t>)</a:t>
-            </a:r>
-            <a:endParaRPr lang="de-DE" dirty="0">
-              <a:solidFill>
-                <a:srgbClr val="FF0000"/>
-              </a:solidFill>
-            </a:endParaRPr>
-          </a:p>
-        </p:txBody>
-      </p:sp>
-      <p:sp>
-        <p:nvSpPr>
-          <p:cNvPr id="9" name="Inhaltsplatzhalter 8"/>
-          <p:cNvSpPr>
-            <a:spLocks noGrp="1"/>
-          </p:cNvSpPr>
-          <p:nvPr>
-            <p:ph idx="1"/>
-          </p:nvPr>
-        </p:nvSpPr>
-        <p:spPr/>
-        <p:txBody>
-          <a:bodyPr>
-            <a:normAutofit/>
-          </a:bodyPr>
-          <a:lstStyle/>
-          <a:p>
-            <a:endParaRPr lang="de-DE" dirty="0"/>
-          </a:p>
-          <a:p>
-            <a:pPr>
-              <a:buNone/>
-            </a:pPr>
-            <a:endParaRPr lang="de-DE" dirty="0"/>
-          </a:p>
-          <a:p>
-            <a:endParaRPr lang="de-DE" dirty="0"/>
-          </a:p>
-        </p:txBody>
-      </p:sp>
-      <p:sp>
-        <p:nvSpPr>
-          <p:cNvPr id="11" name="Foliennummernplatzhalter 10"/>
-          <p:cNvSpPr>
-            <a:spLocks noGrp="1"/>
-          </p:cNvSpPr>
-          <p:nvPr>
-            <p:ph type="sldNum" sz="quarter" idx="12"/>
-          </p:nvPr>
-        </p:nvSpPr>
-        <p:spPr/>
-        <p:txBody>
-          <a:bodyPr/>
-          <a:lstStyle/>
-          <a:p>
-            <a:fld id="{6C6AE60A-B69C-4790-82F7-3882EDF23186}" type="slidenum">
-              <a:rPr lang="de-DE" smtClean="0"/>
-              <a:pPr/>
-              <a:t>8</a:t>
-            </a:fld>
-            <a:endParaRPr lang="de-DE"/>
-          </a:p>
-        </p:txBody>
-      </p:sp>
-      <p:graphicFrame>
-        <p:nvGraphicFramePr>
-          <p:cNvPr id="7" name="Tabelle 6"/>
-          <p:cNvGraphicFramePr>
-            <a:graphicFrameLocks noGrp="1"/>
-          </p:cNvGraphicFramePr>
-          <p:nvPr>
-            <p:extLst>
-              <p:ext uri="{D42A27DB-BD31-4B8C-83A1-F6EECF244321}">
-                <p14:modId xmlns:p14="http://schemas.microsoft.com/office/powerpoint/2010/main" val="1790485558"/>
-              </p:ext>
-            </p:extLst>
-          </p:nvPr>
-        </p:nvGraphicFramePr>
-        <p:xfrm>
-          <a:off x="179512" y="1201317"/>
-          <a:ext cx="8784978" cy="4068745"/>
-        </p:xfrm>
-        <a:graphic>
-          <a:graphicData uri="http://schemas.openxmlformats.org/drawingml/2006/table">
-            <a:tbl>
-              <a:tblPr firstRow="1" bandRow="1">
-                <a:tableStyleId>{5C22544A-7EE6-4342-B048-85BDC9FD1C3A}</a:tableStyleId>
-              </a:tblPr>
-              <a:tblGrid>
-                <a:gridCol w="720080">
-                  <a:extLst>
-                    <a:ext uri="{9D8B030D-6E8A-4147-A177-3AD203B41FA5}">
-                      <a16:colId xmlns:a16="http://schemas.microsoft.com/office/drawing/2014/main" xmlns="" val="20000"/>
-                    </a:ext>
-                  </a:extLst>
-                </a:gridCol>
-                <a:gridCol w="1584176">
-                  <a:extLst>
-                    <a:ext uri="{9D8B030D-6E8A-4147-A177-3AD203B41FA5}">
-                      <a16:colId xmlns:a16="http://schemas.microsoft.com/office/drawing/2014/main" xmlns="" val="20001"/>
-                    </a:ext>
-                  </a:extLst>
-                </a:gridCol>
-                <a:gridCol w="1656184">
-                  <a:extLst>
-                    <a:ext uri="{9D8B030D-6E8A-4147-A177-3AD203B41FA5}">
-                      <a16:colId xmlns:a16="http://schemas.microsoft.com/office/drawing/2014/main" xmlns="" val="20002"/>
-                    </a:ext>
-                  </a:extLst>
-                </a:gridCol>
-                <a:gridCol w="1656184">
-                  <a:extLst>
-                    <a:ext uri="{9D8B030D-6E8A-4147-A177-3AD203B41FA5}">
-                      <a16:colId xmlns:a16="http://schemas.microsoft.com/office/drawing/2014/main" xmlns="" val="20003"/>
-                    </a:ext>
-                  </a:extLst>
-                </a:gridCol>
-                <a:gridCol w="1584176">
-                  <a:extLst>
-                    <a:ext uri="{9D8B030D-6E8A-4147-A177-3AD203B41FA5}">
-                      <a16:colId xmlns:a16="http://schemas.microsoft.com/office/drawing/2014/main" xmlns="" val="20004"/>
-                    </a:ext>
-                  </a:extLst>
-                </a:gridCol>
-                <a:gridCol w="1584178">
-                  <a:extLst>
-                    <a:ext uri="{9D8B030D-6E8A-4147-A177-3AD203B41FA5}">
-                      <a16:colId xmlns:a16="http://schemas.microsoft.com/office/drawing/2014/main" xmlns="" val="20005"/>
-                    </a:ext>
-                  </a:extLst>
-                </a:gridCol>
-              </a:tblGrid>
-              <a:tr h="572552">
-                <a:tc>
-                  <a:txBody>
-                    <a:bodyPr/>
-                    <a:lstStyle/>
-                    <a:p>
-                      <a:pPr algn="ctr"/>
-                      <a:r>
-                        <a:rPr lang="de-DE" sz="1600" dirty="0" err="1" smtClean="0"/>
-                        <a:t>Week</a:t>
-                      </a:r>
-                      <a:endParaRPr lang="de-DE" sz="1600" dirty="0"/>
-                    </a:p>
-                  </a:txBody>
-                  <a:tcPr/>
-                </a:tc>
-                <a:tc>
-                  <a:txBody>
-                    <a:bodyPr/>
-                    <a:lstStyle/>
-                    <a:p>
-                      <a:pPr algn="ctr"/>
-                      <a:r>
-                        <a:rPr lang="de-DE" sz="1600" dirty="0" smtClean="0"/>
-                        <a:t>Andras Dietze</a:t>
-                      </a:r>
-                      <a:endParaRPr lang="de-DE" sz="1600" dirty="0"/>
-                    </a:p>
-                  </a:txBody>
-                  <a:tcPr/>
-                </a:tc>
-                <a:tc>
-                  <a:txBody>
-                    <a:bodyPr/>
-                    <a:lstStyle/>
-                    <a:p>
-                      <a:pPr algn="ctr"/>
-                      <a:r>
-                        <a:rPr lang="de-DE" sz="1600" dirty="0" smtClean="0"/>
-                        <a:t>Sebastian Nickel</a:t>
-                      </a:r>
-                      <a:endParaRPr lang="de-DE" sz="1600" dirty="0"/>
-                    </a:p>
-                  </a:txBody>
-                  <a:tcPr/>
-                </a:tc>
-                <a:tc>
-                  <a:txBody>
-                    <a:bodyPr/>
-                    <a:lstStyle/>
-                    <a:p>
-                      <a:pPr algn="ctr"/>
-                      <a:r>
-                        <a:rPr lang="de-DE" sz="1600" dirty="0" smtClean="0"/>
-                        <a:t>Jonas Kleinkauf</a:t>
-                      </a:r>
-                      <a:endParaRPr lang="de-DE" sz="1600" dirty="0"/>
-                    </a:p>
-                  </a:txBody>
-                  <a:tcPr/>
-                </a:tc>
-                <a:tc>
-                  <a:txBody>
-                    <a:bodyPr/>
-                    <a:lstStyle/>
-                    <a:p>
-                      <a:pPr algn="ctr"/>
-                      <a:r>
-                        <a:rPr lang="de-DE" sz="1600" dirty="0" smtClean="0"/>
-                        <a:t>Manuel Schmitt</a:t>
-                      </a:r>
-                      <a:endParaRPr lang="de-DE" sz="1600" dirty="0"/>
-                    </a:p>
-                  </a:txBody>
-                  <a:tcPr/>
-                </a:tc>
-                <a:tc>
-                  <a:txBody>
-                    <a:bodyPr/>
-                    <a:lstStyle/>
-                    <a:p>
-                      <a:pPr algn="ctr"/>
-                      <a:r>
-                        <a:rPr lang="de-DE" sz="1600" dirty="0" smtClean="0"/>
-                        <a:t>Sascha </a:t>
-                      </a:r>
-                      <a:r>
-                        <a:rPr lang="de-DE" sz="1600" dirty="0" err="1" smtClean="0"/>
-                        <a:t>Ibach</a:t>
-                      </a:r>
-                      <a:endParaRPr lang="de-DE" sz="1600" dirty="0"/>
-                    </a:p>
-                  </a:txBody>
-                  <a:tcPr/>
-                </a:tc>
-                <a:extLst>
-                  <a:ext uri="{0D108BD9-81ED-4DB2-BD59-A6C34878D82A}">
-                    <a16:rowId xmlns:a16="http://schemas.microsoft.com/office/drawing/2014/main" xmlns="" val="10000"/>
-                  </a:ext>
-                </a:extLst>
-              </a:tr>
-              <a:tr h="1295775">
-                <a:tc>
-                  <a:txBody>
-                    <a:bodyPr/>
-                    <a:lstStyle/>
-                    <a:p>
-                      <a:pPr marL="0" marR="0" indent="0" algn="ctr" defTabSz="914400" rtl="0" eaLnBrk="1" fontAlgn="auto" latinLnBrk="0" hangingPunct="1">
-                        <a:lnSpc>
-                          <a:spcPct val="100000"/>
-                        </a:lnSpc>
-                        <a:spcBef>
-                          <a:spcPts val="0"/>
-                        </a:spcBef>
-                        <a:spcAft>
-                          <a:spcPts val="0"/>
-                        </a:spcAft>
-                        <a:buClrTx/>
-                        <a:buSzTx/>
-                        <a:buFontTx/>
-                        <a:buNone/>
-                        <a:tabLst/>
-                        <a:defRPr/>
-                      </a:pPr>
-                      <a:r>
-                        <a:rPr lang="de-DE" sz="1600" dirty="0" smtClean="0"/>
-                        <a:t>06.02 – 06.09</a:t>
-                      </a:r>
-                      <a:endParaRPr lang="de-DE" sz="1600" dirty="0"/>
-                    </a:p>
-                  </a:txBody>
-                  <a:tcPr/>
-                </a:tc>
-                <a:tc>
-                  <a:txBody>
-                    <a:bodyPr/>
-                    <a:lstStyle/>
-                    <a:p>
-                      <a:pPr lvl="0">
-                        <a:buFont typeface="Arial" pitchFamily="34" charset="0"/>
-                        <a:buChar char="•"/>
-                      </a:pPr>
-                      <a:r>
-                        <a:rPr lang="de-DE" sz="1600" dirty="0" smtClean="0">
-                          <a:solidFill>
-                            <a:srgbClr val="C00000"/>
-                          </a:solidFill>
-                        </a:rPr>
-                        <a:t> Vive </a:t>
-                      </a:r>
-                      <a:r>
-                        <a:rPr lang="de-DE" sz="1600" dirty="0" err="1" smtClean="0">
-                          <a:solidFill>
-                            <a:srgbClr val="C00000"/>
-                          </a:solidFill>
-                        </a:rPr>
-                        <a:t>inter</a:t>
-                      </a:r>
-                      <a:r>
-                        <a:rPr lang="de-DE" sz="1600" dirty="0" smtClean="0">
-                          <a:solidFill>
-                            <a:srgbClr val="C00000"/>
-                          </a:solidFill>
-                        </a:rPr>
-                        <a:t>. (</a:t>
-                      </a:r>
-                      <a:r>
-                        <a:rPr lang="de-DE" sz="1600" dirty="0" err="1" smtClean="0">
-                          <a:solidFill>
-                            <a:srgbClr val="C00000"/>
-                          </a:solidFill>
-                        </a:rPr>
-                        <a:t>haptic</a:t>
-                      </a:r>
-                      <a:r>
-                        <a:rPr lang="de-DE" sz="1600" dirty="0" smtClean="0">
-                          <a:solidFill>
-                            <a:srgbClr val="C00000"/>
-                          </a:solidFill>
-                        </a:rPr>
-                        <a:t>)</a:t>
-                      </a:r>
-                    </a:p>
-                    <a:p>
-                      <a:pPr lvl="0">
-                        <a:buFont typeface="Arial" pitchFamily="34" charset="0"/>
-                        <a:buChar char="•"/>
-                      </a:pPr>
-                      <a:r>
-                        <a:rPr lang="de-DE" sz="1600" dirty="0" smtClean="0">
-                          <a:solidFill>
-                            <a:srgbClr val="008000"/>
-                          </a:solidFill>
-                        </a:rPr>
-                        <a:t> </a:t>
-                      </a:r>
-                      <a:r>
-                        <a:rPr lang="de-DE" sz="1600" dirty="0" err="1" smtClean="0">
-                          <a:solidFill>
-                            <a:srgbClr val="008000"/>
-                          </a:solidFill>
-                        </a:rPr>
-                        <a:t>Kinect</a:t>
-                      </a:r>
-                      <a:r>
-                        <a:rPr lang="de-DE" sz="1600" dirty="0" smtClean="0">
-                          <a:solidFill>
-                            <a:srgbClr val="008000"/>
-                          </a:solidFill>
-                        </a:rPr>
-                        <a:t> </a:t>
-                      </a:r>
-                      <a:r>
-                        <a:rPr lang="de-DE" sz="1600" dirty="0" err="1" smtClean="0">
-                          <a:solidFill>
-                            <a:srgbClr val="008000"/>
-                          </a:solidFill>
-                        </a:rPr>
-                        <a:t>impr</a:t>
-                      </a:r>
-                      <a:r>
-                        <a:rPr lang="de-DE" sz="1600" dirty="0" smtClean="0">
-                          <a:solidFill>
-                            <a:srgbClr val="008000"/>
-                          </a:solidFill>
-                        </a:rPr>
-                        <a:t>.</a:t>
-                      </a:r>
-                    </a:p>
-                    <a:p>
-                      <a:pPr lvl="0">
-                        <a:buFont typeface="Arial" pitchFamily="34" charset="0"/>
-                        <a:buChar char="•"/>
-                      </a:pPr>
-                      <a:r>
-                        <a:rPr lang="de-DE" sz="1600" dirty="0" smtClean="0">
-                          <a:solidFill>
-                            <a:srgbClr val="008000"/>
-                          </a:solidFill>
-                        </a:rPr>
-                        <a:t> </a:t>
-                      </a:r>
-                      <a:r>
-                        <a:rPr lang="de-DE" sz="1600" dirty="0" err="1" smtClean="0">
-                          <a:solidFill>
-                            <a:srgbClr val="008000"/>
-                          </a:solidFill>
-                        </a:rPr>
-                        <a:t>Balancing</a:t>
-                      </a:r>
-                      <a:r>
-                        <a:rPr lang="de-DE" sz="1600" dirty="0" smtClean="0">
-                          <a:solidFill>
-                            <a:srgbClr val="008000"/>
-                          </a:solidFill>
-                        </a:rPr>
-                        <a:t> </a:t>
-                      </a:r>
-                      <a:r>
-                        <a:rPr lang="de-DE" sz="1600" dirty="0" err="1" smtClean="0">
-                          <a:solidFill>
-                            <a:srgbClr val="008000"/>
-                          </a:solidFill>
-                        </a:rPr>
-                        <a:t>new</a:t>
-                      </a:r>
-                      <a:r>
-                        <a:rPr lang="de-DE" sz="1600" dirty="0" smtClean="0">
-                          <a:solidFill>
-                            <a:srgbClr val="008000"/>
-                          </a:solidFill>
-                        </a:rPr>
-                        <a:t> </a:t>
-                      </a:r>
-                      <a:r>
-                        <a:rPr lang="de-DE" sz="1600" dirty="0" err="1" smtClean="0">
-                          <a:solidFill>
-                            <a:srgbClr val="008000"/>
-                          </a:solidFill>
-                        </a:rPr>
-                        <a:t>features</a:t>
-                      </a:r>
-                      <a:endParaRPr lang="de-DE" sz="1600" dirty="0">
-                        <a:solidFill>
-                          <a:srgbClr val="008000"/>
-                        </a:solidFill>
-                      </a:endParaRPr>
-                    </a:p>
-                  </a:txBody>
-                  <a:tcPr/>
-                </a:tc>
-                <a:tc>
-                  <a:txBody>
-                    <a:bodyPr/>
-                    <a:lstStyle/>
-                    <a:p>
-                      <a:pPr marL="0" lvl="0" indent="-285750" algn="l" rtl="0" eaLnBrk="1" latinLnBrk="0" hangingPunct="1">
-                        <a:buFont typeface="Arial" pitchFamily="34" charset="0"/>
-                        <a:buChar char="•"/>
-                      </a:pPr>
-                      <a:r>
-                        <a:rPr lang="de-DE" sz="1600" baseline="0" dirty="0" smtClean="0"/>
-                        <a:t> </a:t>
-                      </a:r>
-                      <a:r>
-                        <a:rPr kumimoji="0" lang="de-DE" sz="1600" kern="1200" dirty="0" err="1" smtClean="0">
-                          <a:solidFill>
-                            <a:srgbClr val="008000"/>
-                          </a:solidFill>
-                          <a:latin typeface="+mn-lt"/>
-                          <a:ea typeface="+mn-ea"/>
-                          <a:cs typeface="+mn-cs"/>
-                        </a:rPr>
-                        <a:t>Improve</a:t>
-                      </a:r>
-                      <a:r>
-                        <a:rPr kumimoji="0" lang="de-DE" sz="1600" kern="1200" dirty="0" smtClean="0">
-                          <a:solidFill>
-                            <a:srgbClr val="008000"/>
-                          </a:solidFill>
-                          <a:latin typeface="+mn-lt"/>
-                          <a:ea typeface="+mn-ea"/>
-                          <a:cs typeface="+mn-cs"/>
-                        </a:rPr>
-                        <a:t> </a:t>
-                      </a:r>
-                      <a:r>
-                        <a:rPr kumimoji="0" lang="de-DE" sz="1600" kern="1200" dirty="0" err="1" smtClean="0">
-                          <a:solidFill>
-                            <a:srgbClr val="008000"/>
-                          </a:solidFill>
-                          <a:latin typeface="+mn-lt"/>
-                          <a:ea typeface="+mn-ea"/>
-                          <a:cs typeface="+mn-cs"/>
-                        </a:rPr>
-                        <a:t>fly-physics</a:t>
-                      </a:r>
-                      <a:r>
-                        <a:rPr kumimoji="0" lang="de-DE" sz="1600" kern="1200" dirty="0" smtClean="0">
-                          <a:solidFill>
-                            <a:srgbClr val="008000"/>
-                          </a:solidFill>
-                          <a:latin typeface="+mn-lt"/>
-                          <a:ea typeface="+mn-ea"/>
-                          <a:cs typeface="+mn-cs"/>
-                        </a:rPr>
-                        <a:t> </a:t>
-                      </a:r>
-                      <a:r>
-                        <a:rPr kumimoji="0" lang="de-DE" sz="1600" kern="1200" dirty="0" err="1" smtClean="0">
-                          <a:solidFill>
-                            <a:srgbClr val="008000"/>
-                          </a:solidFill>
-                          <a:latin typeface="+mn-lt"/>
-                          <a:ea typeface="+mn-ea"/>
-                          <a:cs typeface="+mn-cs"/>
-                        </a:rPr>
-                        <a:t>model</a:t>
-                      </a:r>
-                      <a:endParaRPr kumimoji="0" lang="de-DE" sz="1600" kern="1200" dirty="0" smtClean="0">
-                        <a:solidFill>
-                          <a:srgbClr val="008000"/>
-                        </a:solidFill>
-                        <a:latin typeface="+mn-lt"/>
-                        <a:ea typeface="+mn-ea"/>
-                        <a:cs typeface="+mn-cs"/>
-                      </a:endParaRPr>
-                    </a:p>
-                    <a:p>
-                      <a:pPr lvl="0">
-                        <a:buFont typeface="Arial" pitchFamily="34" charset="0"/>
-                        <a:buChar char="•"/>
-                      </a:pPr>
-                      <a:r>
-                        <a:rPr lang="de-DE" sz="1600" baseline="0" dirty="0" smtClean="0"/>
-                        <a:t> </a:t>
-                      </a:r>
-                      <a:r>
-                        <a:rPr lang="de-DE" sz="1600" baseline="0" dirty="0" smtClean="0">
-                          <a:solidFill>
-                            <a:srgbClr val="FF0000"/>
-                          </a:solidFill>
-                        </a:rPr>
-                        <a:t>Error </a:t>
-                      </a:r>
-                      <a:r>
-                        <a:rPr lang="de-DE" sz="1600" baseline="0" dirty="0" err="1" smtClean="0">
-                          <a:solidFill>
-                            <a:srgbClr val="FF0000"/>
-                          </a:solidFill>
-                        </a:rPr>
-                        <a:t>tolerance</a:t>
-                      </a:r>
-                      <a:endParaRPr lang="de-DE" sz="1600" baseline="0" dirty="0" smtClean="0">
-                        <a:solidFill>
-                          <a:srgbClr val="FF0000"/>
-                        </a:solidFill>
-                      </a:endParaRPr>
-                    </a:p>
-                  </a:txBody>
-                  <a:tcPr/>
-                </a:tc>
-                <a:tc>
-                  <a:txBody>
-                    <a:bodyPr/>
-                    <a:lstStyle/>
-                    <a:p>
-                      <a:pPr lvl="0">
-                        <a:buFont typeface="Arial" pitchFamily="34" charset="0"/>
-                        <a:buChar char="•"/>
-                      </a:pPr>
-                      <a:r>
-                        <a:rPr lang="de-DE" sz="1600" dirty="0" smtClean="0"/>
-                        <a:t> Level Design,</a:t>
-                      </a:r>
-                      <a:r>
-                        <a:rPr lang="de-DE" sz="1600" baseline="0" dirty="0" smtClean="0"/>
-                        <a:t> </a:t>
-                      </a:r>
-                      <a:r>
-                        <a:rPr lang="de-DE" sz="1600" dirty="0" smtClean="0"/>
-                        <a:t>Programming</a:t>
-                      </a:r>
-                    </a:p>
-                    <a:p>
-                      <a:pPr lvl="0">
-                        <a:buFont typeface="Arial" pitchFamily="34" charset="0"/>
-                        <a:buChar char="•"/>
-                      </a:pPr>
-                      <a:r>
-                        <a:rPr lang="de-DE" sz="1600" dirty="0" smtClean="0"/>
-                        <a:t> </a:t>
-                      </a:r>
-                      <a:r>
-                        <a:rPr lang="de-DE" sz="1600" dirty="0" err="1" smtClean="0"/>
-                        <a:t>Obstacle</a:t>
-                      </a:r>
-                      <a:r>
-                        <a:rPr lang="de-DE" sz="1600" dirty="0" smtClean="0"/>
-                        <a:t> Placement, Player Path</a:t>
-                      </a:r>
-                    </a:p>
-                  </a:txBody>
-                  <a:tcPr/>
-                </a:tc>
-                <a:tc>
-                  <a:txBody>
-                    <a:bodyPr/>
-                    <a:lstStyle/>
-                    <a:p>
-                      <a:pPr lvl="0">
-                        <a:buFont typeface="Arial" pitchFamily="34" charset="0"/>
-                        <a:buChar char="•"/>
-                      </a:pPr>
-                      <a:r>
-                        <a:rPr lang="de-DE" sz="1600" baseline="0" dirty="0" smtClean="0">
-                          <a:solidFill>
-                            <a:srgbClr val="C00000"/>
-                          </a:solidFill>
-                        </a:rPr>
-                        <a:t> </a:t>
-                      </a:r>
-                      <a:r>
-                        <a:rPr lang="de-DE" sz="1600" baseline="0" dirty="0" err="1" smtClean="0">
-                          <a:solidFill>
-                            <a:srgbClr val="C00000"/>
-                          </a:solidFill>
-                        </a:rPr>
-                        <a:t>Buffer</a:t>
-                      </a:r>
-                      <a:r>
-                        <a:rPr lang="de-DE" sz="1600" baseline="0" dirty="0" smtClean="0">
-                          <a:solidFill>
-                            <a:srgbClr val="C00000"/>
-                          </a:solidFill>
-                        </a:rPr>
-                        <a:t> </a:t>
-                      </a:r>
-                      <a:r>
-                        <a:rPr lang="de-DE" sz="1600" baseline="0" dirty="0" err="1" smtClean="0">
-                          <a:solidFill>
-                            <a:srgbClr val="C00000"/>
-                          </a:solidFill>
-                        </a:rPr>
-                        <a:t>for</a:t>
-                      </a:r>
-                      <a:r>
-                        <a:rPr lang="de-DE" sz="1600" baseline="0" dirty="0" smtClean="0">
-                          <a:solidFill>
-                            <a:srgbClr val="C00000"/>
-                          </a:solidFill>
-                        </a:rPr>
-                        <a:t> </a:t>
-                      </a:r>
-                      <a:r>
-                        <a:rPr lang="de-DE" sz="1600" baseline="0" dirty="0" err="1" smtClean="0">
-                          <a:solidFill>
-                            <a:srgbClr val="C00000"/>
-                          </a:solidFill>
-                        </a:rPr>
-                        <a:t>ao</a:t>
-                      </a:r>
-                      <a:endParaRPr lang="de-DE" sz="1600" baseline="0" dirty="0" smtClean="0">
-                        <a:solidFill>
-                          <a:srgbClr val="C00000"/>
-                        </a:solidFill>
-                      </a:endParaRPr>
-                    </a:p>
-                    <a:p>
-                      <a:pPr lvl="0">
-                        <a:buFont typeface="Arial" pitchFamily="34" charset="0"/>
-                        <a:buChar char="•"/>
-                      </a:pPr>
-                      <a:r>
-                        <a:rPr lang="de-DE" sz="1600" baseline="0" dirty="0" smtClean="0">
-                          <a:solidFill>
-                            <a:srgbClr val="C00000"/>
-                          </a:solidFill>
-                        </a:rPr>
-                        <a:t> </a:t>
-                      </a:r>
-                      <a:r>
-                        <a:rPr lang="de-DE" sz="1600" baseline="0" dirty="0" err="1" smtClean="0">
-                          <a:solidFill>
-                            <a:srgbClr val="C00000"/>
-                          </a:solidFill>
-                        </a:rPr>
-                        <a:t>God-rays</a:t>
-                      </a:r>
-                      <a:r>
-                        <a:rPr lang="de-DE" sz="1600" baseline="0" dirty="0" smtClean="0">
-                          <a:solidFill>
-                            <a:srgbClr val="C00000"/>
-                          </a:solidFill>
-                        </a:rPr>
-                        <a:t> </a:t>
-                      </a:r>
-                      <a:r>
-                        <a:rPr lang="de-DE" sz="1600" baseline="0" dirty="0" err="1" smtClean="0">
-                          <a:solidFill>
-                            <a:srgbClr val="C00000"/>
-                          </a:solidFill>
-                        </a:rPr>
-                        <a:t>and</a:t>
-                      </a:r>
-                      <a:r>
-                        <a:rPr lang="de-DE" sz="1600" baseline="0" dirty="0" smtClean="0">
-                          <a:solidFill>
-                            <a:srgbClr val="C00000"/>
-                          </a:solidFill>
-                        </a:rPr>
-                        <a:t>/</a:t>
-                      </a:r>
-                      <a:r>
-                        <a:rPr lang="de-DE" sz="1600" baseline="0" dirty="0" err="1" smtClean="0">
-                          <a:solidFill>
-                            <a:srgbClr val="C00000"/>
-                          </a:solidFill>
-                        </a:rPr>
-                        <a:t>or</a:t>
-                      </a:r>
-                      <a:r>
-                        <a:rPr lang="de-DE" sz="1600" baseline="0" dirty="0" smtClean="0">
-                          <a:solidFill>
-                            <a:srgbClr val="C00000"/>
-                          </a:solidFill>
-                        </a:rPr>
-                        <a:t>  </a:t>
-                      </a:r>
-                      <a:r>
-                        <a:rPr lang="de-DE" sz="1600" baseline="0" dirty="0" err="1" smtClean="0">
-                          <a:solidFill>
-                            <a:srgbClr val="C00000"/>
-                          </a:solidFill>
-                        </a:rPr>
-                        <a:t>atmos</a:t>
-                      </a:r>
-                      <a:r>
-                        <a:rPr lang="de-DE" sz="1600" baseline="0" dirty="0" smtClean="0">
-                          <a:solidFill>
-                            <a:srgbClr val="C00000"/>
-                          </a:solidFill>
-                        </a:rPr>
-                        <a:t>. </a:t>
-                      </a:r>
-                      <a:r>
-                        <a:rPr lang="de-DE" sz="1600" baseline="0" dirty="0" err="1" smtClean="0">
-                          <a:solidFill>
-                            <a:srgbClr val="C00000"/>
-                          </a:solidFill>
-                        </a:rPr>
-                        <a:t>scattering</a:t>
-                      </a:r>
-                      <a:endParaRPr lang="de-DE" sz="1600" baseline="0" dirty="0" smtClean="0">
-                        <a:solidFill>
-                          <a:srgbClr val="C00000"/>
-                        </a:solidFill>
-                      </a:endParaRPr>
-                    </a:p>
-                  </a:txBody>
-                  <a:tcPr/>
-                </a:tc>
-                <a:tc>
-                  <a:txBody>
-                    <a:bodyPr/>
-                    <a:lstStyle/>
-                    <a:p>
-                      <a:pPr marL="0" marR="0" lvl="0" indent="0" algn="l" defTabSz="914400" rtl="0" eaLnBrk="1" fontAlgn="auto" latinLnBrk="0" hangingPunct="1">
-                        <a:lnSpc>
-                          <a:spcPct val="100000"/>
-                        </a:lnSpc>
-                        <a:spcBef>
-                          <a:spcPts val="0"/>
-                        </a:spcBef>
-                        <a:spcAft>
-                          <a:spcPts val="0"/>
-                        </a:spcAft>
-                        <a:buClrTx/>
-                        <a:buSzTx/>
-                        <a:buFont typeface="Arial" pitchFamily="34" charset="0"/>
-                        <a:buChar char="•"/>
-                        <a:tabLst/>
-                        <a:defRPr/>
-                      </a:pPr>
-                      <a:r>
-                        <a:rPr lang="de-DE" sz="1600" baseline="0" dirty="0" smtClean="0">
-                          <a:solidFill>
-                            <a:srgbClr val="C00000"/>
-                          </a:solidFill>
-                        </a:rPr>
-                        <a:t> Server-</a:t>
-                      </a:r>
-                      <a:r>
-                        <a:rPr lang="de-DE" sz="1600" baseline="0" dirty="0" err="1" smtClean="0">
-                          <a:solidFill>
-                            <a:srgbClr val="C00000"/>
-                          </a:solidFill>
-                        </a:rPr>
-                        <a:t>menue</a:t>
-                      </a:r>
-                      <a:endParaRPr lang="de-DE" sz="1600" baseline="0" dirty="0" smtClean="0">
-                        <a:solidFill>
-                          <a:srgbClr val="C00000"/>
-                        </a:solidFill>
-                      </a:endParaRPr>
-                    </a:p>
-                    <a:p>
-                      <a:pPr marL="0" marR="0" lvl="0" indent="0" algn="l" defTabSz="914400" rtl="0" eaLnBrk="1" fontAlgn="auto" latinLnBrk="0" hangingPunct="1">
-                        <a:lnSpc>
-                          <a:spcPct val="100000"/>
-                        </a:lnSpc>
-                        <a:spcBef>
-                          <a:spcPts val="0"/>
-                        </a:spcBef>
-                        <a:spcAft>
-                          <a:spcPts val="0"/>
-                        </a:spcAft>
-                        <a:buClrTx/>
-                        <a:buSzTx/>
-                        <a:buFont typeface="Arial" pitchFamily="34" charset="0"/>
-                        <a:buChar char="•"/>
-                        <a:tabLst/>
-                        <a:defRPr/>
-                      </a:pPr>
-                      <a:r>
-                        <a:rPr lang="de-DE" sz="1600" baseline="0" dirty="0" smtClean="0">
-                          <a:solidFill>
-                            <a:srgbClr val="C00000"/>
-                          </a:solidFill>
-                        </a:rPr>
-                        <a:t> </a:t>
-                      </a:r>
-                      <a:r>
-                        <a:rPr lang="de-DE" sz="1600" baseline="0" dirty="0" err="1" smtClean="0">
-                          <a:solidFill>
-                            <a:srgbClr val="C00000"/>
-                          </a:solidFill>
-                        </a:rPr>
-                        <a:t>Oculus</a:t>
-                      </a:r>
-                      <a:r>
-                        <a:rPr lang="de-DE" sz="1600" baseline="0" dirty="0" smtClean="0">
-                          <a:solidFill>
-                            <a:srgbClr val="C00000"/>
-                          </a:solidFill>
-                        </a:rPr>
-                        <a:t> </a:t>
-                      </a:r>
-                      <a:r>
-                        <a:rPr lang="de-DE" sz="1600" baseline="0" dirty="0" err="1" smtClean="0">
-                          <a:solidFill>
-                            <a:srgbClr val="C00000"/>
-                          </a:solidFill>
-                        </a:rPr>
-                        <a:t>Shader-menue</a:t>
-                      </a:r>
-                      <a:r>
-                        <a:rPr lang="de-DE" sz="1600" baseline="0" dirty="0" smtClean="0">
-                          <a:solidFill>
-                            <a:srgbClr val="C00000"/>
-                          </a:solidFill>
-                        </a:rPr>
-                        <a:t> </a:t>
-                      </a:r>
-                      <a:r>
-                        <a:rPr lang="de-DE" sz="1600" baseline="0" dirty="0" err="1" smtClean="0">
-                          <a:solidFill>
-                            <a:srgbClr val="C00000"/>
-                          </a:solidFill>
-                        </a:rPr>
-                        <a:t>and</a:t>
-                      </a:r>
-                      <a:r>
-                        <a:rPr lang="de-DE" sz="1600" baseline="0" dirty="0" smtClean="0">
-                          <a:solidFill>
-                            <a:srgbClr val="C00000"/>
-                          </a:solidFill>
-                        </a:rPr>
-                        <a:t> </a:t>
-                      </a:r>
-                      <a:r>
-                        <a:rPr lang="de-DE" sz="1600" baseline="0" dirty="0" err="1" smtClean="0">
-                          <a:solidFill>
-                            <a:srgbClr val="C00000"/>
-                          </a:solidFill>
-                        </a:rPr>
-                        <a:t>controls</a:t>
-                      </a:r>
-                      <a:endParaRPr lang="de-DE" sz="1600" baseline="0" dirty="0" smtClean="0">
-                        <a:solidFill>
-                          <a:srgbClr val="C00000"/>
-                        </a:solidFill>
-                      </a:endParaRPr>
-                    </a:p>
-                    <a:p>
-                      <a:endParaRPr lang="de-DE" sz="1600" dirty="0"/>
-                    </a:p>
-                  </a:txBody>
-                  <a:tcPr/>
-                </a:tc>
-                <a:extLst>
-                  <a:ext uri="{0D108BD9-81ED-4DB2-BD59-A6C34878D82A}">
-                    <a16:rowId xmlns:a16="http://schemas.microsoft.com/office/drawing/2014/main" xmlns="" val="10001"/>
-                  </a:ext>
-                </a:extLst>
-              </a:tr>
-              <a:tr h="1295775">
-                <a:tc>
-                  <a:txBody>
-                    <a:bodyPr/>
-                    <a:lstStyle/>
-                    <a:p>
-                      <a:pPr marL="0" marR="0" indent="0" algn="ctr" defTabSz="914400" rtl="0" eaLnBrk="1" fontAlgn="auto" latinLnBrk="0" hangingPunct="1">
-                        <a:lnSpc>
-                          <a:spcPct val="100000"/>
-                        </a:lnSpc>
-                        <a:spcBef>
-                          <a:spcPts val="0"/>
-                        </a:spcBef>
-                        <a:spcAft>
-                          <a:spcPts val="0"/>
-                        </a:spcAft>
-                        <a:buClrTx/>
-                        <a:buSzTx/>
-                        <a:buFontTx/>
-                        <a:buNone/>
-                        <a:tabLst/>
-                        <a:defRPr/>
-                      </a:pPr>
-                      <a:r>
-                        <a:rPr lang="de-DE" sz="1600" dirty="0" smtClean="0"/>
-                        <a:t>06.09 – 06.16</a:t>
-                      </a:r>
-                      <a:endParaRPr lang="de-DE" sz="1600" dirty="0"/>
-                    </a:p>
-                  </a:txBody>
-                  <a:tcPr/>
-                </a:tc>
-                <a:tc>
-                  <a:txBody>
-                    <a:bodyPr/>
-                    <a:lstStyle/>
-                    <a:p>
-                      <a:pPr lvl="0">
-                        <a:buFont typeface="Arial" pitchFamily="34" charset="0"/>
-                        <a:buChar char="•"/>
-                      </a:pPr>
-                      <a:r>
-                        <a:rPr lang="de-DE" sz="1600" dirty="0" smtClean="0">
-                          <a:solidFill>
-                            <a:srgbClr val="C00000"/>
-                          </a:solidFill>
-                        </a:rPr>
-                        <a:t> Vive</a:t>
-                      </a:r>
-                      <a:r>
-                        <a:rPr lang="de-DE" sz="1600" baseline="0" dirty="0" smtClean="0">
-                          <a:solidFill>
-                            <a:srgbClr val="C00000"/>
-                          </a:solidFill>
-                        </a:rPr>
-                        <a:t> </a:t>
-                      </a:r>
-                      <a:r>
-                        <a:rPr lang="de-DE" sz="1600" baseline="0" dirty="0" err="1" smtClean="0">
-                          <a:solidFill>
-                            <a:srgbClr val="C00000"/>
-                          </a:solidFill>
-                        </a:rPr>
-                        <a:t>location</a:t>
-                      </a:r>
-                      <a:r>
-                        <a:rPr lang="de-DE" sz="1600" baseline="0" dirty="0" smtClean="0">
-                          <a:solidFill>
-                            <a:srgbClr val="C00000"/>
-                          </a:solidFill>
-                        </a:rPr>
-                        <a:t> </a:t>
-                      </a:r>
-                      <a:r>
-                        <a:rPr lang="de-DE" sz="1600" baseline="0" dirty="0" err="1" smtClean="0">
-                          <a:solidFill>
-                            <a:srgbClr val="C00000"/>
-                          </a:solidFill>
-                        </a:rPr>
-                        <a:t>setup</a:t>
-                      </a:r>
-                      <a:r>
-                        <a:rPr lang="de-DE" sz="1600" baseline="0" dirty="0" smtClean="0">
-                          <a:solidFill>
-                            <a:srgbClr val="C00000"/>
-                          </a:solidFill>
-                        </a:rPr>
-                        <a:t>,  </a:t>
-                      </a:r>
-                      <a:r>
-                        <a:rPr lang="de-DE" sz="1600" baseline="0" dirty="0" err="1" smtClean="0">
-                          <a:solidFill>
-                            <a:srgbClr val="C00000"/>
-                          </a:solidFill>
-                        </a:rPr>
-                        <a:t>impr</a:t>
-                      </a:r>
-                      <a:r>
-                        <a:rPr lang="de-DE" sz="1600" baseline="0" dirty="0" smtClean="0">
-                          <a:solidFill>
-                            <a:srgbClr val="C00000"/>
-                          </a:solidFill>
-                        </a:rPr>
-                        <a:t>.</a:t>
-                      </a:r>
-                      <a:endParaRPr lang="de-DE" sz="1600" dirty="0" smtClean="0">
-                        <a:solidFill>
-                          <a:srgbClr val="C00000"/>
-                        </a:solidFill>
-                      </a:endParaRPr>
-                    </a:p>
-                    <a:p>
-                      <a:pPr lvl="0">
-                        <a:buFont typeface="Arial" pitchFamily="34" charset="0"/>
-                        <a:buChar char="•"/>
-                      </a:pPr>
-                      <a:r>
-                        <a:rPr lang="de-DE" sz="1600" dirty="0" smtClean="0">
-                          <a:solidFill>
-                            <a:srgbClr val="C00000"/>
-                          </a:solidFill>
-                        </a:rPr>
-                        <a:t> Fly </a:t>
-                      </a:r>
-                      <a:r>
-                        <a:rPr lang="de-DE" sz="1600" dirty="0" err="1" smtClean="0">
-                          <a:solidFill>
-                            <a:srgbClr val="C00000"/>
-                          </a:solidFill>
-                        </a:rPr>
-                        <a:t>physics</a:t>
-                      </a:r>
-                      <a:endParaRPr lang="de-DE" sz="1600" dirty="0" smtClean="0">
-                        <a:solidFill>
-                          <a:srgbClr val="C00000"/>
-                        </a:solidFill>
-                      </a:endParaRPr>
-                    </a:p>
-                    <a:p>
-                      <a:pPr lvl="0">
-                        <a:buFont typeface="Arial" pitchFamily="34" charset="0"/>
-                        <a:buChar char="•"/>
-                      </a:pPr>
-                      <a:r>
-                        <a:rPr lang="de-DE" sz="1600" dirty="0" smtClean="0">
-                          <a:solidFill>
-                            <a:srgbClr val="C00000"/>
-                          </a:solidFill>
-                        </a:rPr>
-                        <a:t> Doc</a:t>
-                      </a:r>
-                    </a:p>
-                  </a:txBody>
-                  <a:tcPr/>
-                </a:tc>
-                <a:tc>
-                  <a:txBody>
-                    <a:bodyPr/>
-                    <a:lstStyle/>
-                    <a:p>
-                      <a:pPr marL="0" lvl="0" indent="-285750" algn="l" rtl="0" eaLnBrk="1" latinLnBrk="0" hangingPunct="1">
-                        <a:buFont typeface="Arial" pitchFamily="34" charset="0"/>
-                        <a:buChar char="•"/>
-                      </a:pPr>
-                      <a:r>
-                        <a:rPr kumimoji="0" lang="de-DE" sz="1600" kern="1200" dirty="0" smtClean="0">
-                          <a:solidFill>
-                            <a:srgbClr val="008000"/>
-                          </a:solidFill>
-                          <a:latin typeface="+mn-lt"/>
-                          <a:ea typeface="+mn-ea"/>
-                          <a:cs typeface="+mn-cs"/>
-                        </a:rPr>
-                        <a:t>Add </a:t>
-                      </a:r>
-                      <a:r>
-                        <a:rPr kumimoji="0" lang="de-DE" sz="1600" kern="1200" dirty="0" err="1" smtClean="0">
-                          <a:solidFill>
-                            <a:srgbClr val="008000"/>
-                          </a:solidFill>
-                          <a:latin typeface="+mn-lt"/>
-                          <a:ea typeface="+mn-ea"/>
-                          <a:cs typeface="+mn-cs"/>
-                        </a:rPr>
-                        <a:t>configuratable</a:t>
-                      </a:r>
-                      <a:r>
-                        <a:rPr kumimoji="0" lang="de-DE" sz="1600" kern="1200" dirty="0" smtClean="0">
-                          <a:solidFill>
-                            <a:srgbClr val="008000"/>
-                          </a:solidFill>
-                          <a:latin typeface="+mn-lt"/>
-                          <a:ea typeface="+mn-ea"/>
-                          <a:cs typeface="+mn-cs"/>
-                        </a:rPr>
-                        <a:t> </a:t>
-                      </a:r>
-                      <a:r>
-                        <a:rPr kumimoji="0" lang="de-DE" sz="1600" kern="1200" dirty="0" err="1" smtClean="0">
-                          <a:solidFill>
-                            <a:srgbClr val="008000"/>
-                          </a:solidFill>
-                          <a:latin typeface="+mn-lt"/>
-                          <a:ea typeface="+mn-ea"/>
-                          <a:cs typeface="+mn-cs"/>
-                        </a:rPr>
-                        <a:t>properties</a:t>
-                      </a:r>
-                      <a:r>
-                        <a:rPr kumimoji="0" lang="de-DE" sz="1600" kern="1200" dirty="0" smtClean="0">
-                          <a:solidFill>
-                            <a:srgbClr val="008000"/>
-                          </a:solidFill>
-                          <a:latin typeface="+mn-lt"/>
-                          <a:ea typeface="+mn-ea"/>
-                          <a:cs typeface="+mn-cs"/>
-                        </a:rPr>
-                        <a:t> </a:t>
-                      </a:r>
-                      <a:r>
-                        <a:rPr kumimoji="0" lang="de-DE" sz="1600" kern="1200" dirty="0" err="1" smtClean="0">
-                          <a:solidFill>
-                            <a:srgbClr val="008000"/>
-                          </a:solidFill>
-                          <a:latin typeface="+mn-lt"/>
-                          <a:ea typeface="+mn-ea"/>
-                          <a:cs typeface="+mn-cs"/>
-                        </a:rPr>
-                        <a:t>to</a:t>
-                      </a:r>
-                      <a:r>
-                        <a:rPr kumimoji="0" lang="de-DE" sz="1600" kern="1200" dirty="0" smtClean="0">
-                          <a:solidFill>
-                            <a:srgbClr val="008000"/>
-                          </a:solidFill>
-                          <a:latin typeface="+mn-lt"/>
-                          <a:ea typeface="+mn-ea"/>
-                          <a:cs typeface="+mn-cs"/>
-                        </a:rPr>
-                        <a:t> </a:t>
-                      </a:r>
-                      <a:r>
-                        <a:rPr kumimoji="0" lang="de-DE" sz="1600" kern="1200" dirty="0" err="1" smtClean="0">
-                          <a:solidFill>
-                            <a:srgbClr val="008000"/>
-                          </a:solidFill>
-                          <a:latin typeface="+mn-lt"/>
-                          <a:ea typeface="+mn-ea"/>
-                          <a:cs typeface="+mn-cs"/>
-                        </a:rPr>
-                        <a:t>flying</a:t>
-                      </a:r>
-                      <a:r>
-                        <a:rPr kumimoji="0" lang="de-DE" sz="1600" kern="1200" dirty="0" smtClean="0">
-                          <a:solidFill>
-                            <a:srgbClr val="008000"/>
-                          </a:solidFill>
-                          <a:latin typeface="+mn-lt"/>
-                          <a:ea typeface="+mn-ea"/>
-                          <a:cs typeface="+mn-cs"/>
-                        </a:rPr>
-                        <a:t>-model</a:t>
-                      </a:r>
-                    </a:p>
-                  </a:txBody>
-                  <a:tcPr/>
-                </a:tc>
-                <a:tc>
-                  <a:txBody>
-                    <a:bodyPr/>
-                    <a:lstStyle/>
-                    <a:p>
-                      <a:pPr marL="0" marR="0" lvl="0" indent="0" algn="l" defTabSz="914400" rtl="0" eaLnBrk="1" fontAlgn="auto" latinLnBrk="0" hangingPunct="1">
-                        <a:lnSpc>
-                          <a:spcPct val="100000"/>
-                        </a:lnSpc>
-                        <a:spcBef>
-                          <a:spcPts val="0"/>
-                        </a:spcBef>
-                        <a:spcAft>
-                          <a:spcPts val="0"/>
-                        </a:spcAft>
-                        <a:buClrTx/>
-                        <a:buSzTx/>
-                        <a:buFont typeface="Arial" pitchFamily="34" charset="0"/>
-                        <a:buChar char="•"/>
-                        <a:tabLst/>
-                        <a:defRPr/>
-                      </a:pPr>
-                      <a:r>
-                        <a:rPr lang="de-DE" sz="1600" dirty="0" smtClean="0"/>
-                        <a:t> </a:t>
-                      </a:r>
-                      <a:r>
-                        <a:rPr lang="de-DE" sz="1600" dirty="0" err="1" smtClean="0"/>
-                        <a:t>Secrets</a:t>
-                      </a:r>
-                      <a:endParaRPr lang="de-DE" sz="1600" dirty="0" smtClean="0"/>
-                    </a:p>
-                    <a:p>
-                      <a:pPr marL="0" marR="0" lvl="0" indent="0" algn="l" defTabSz="914400" rtl="0" eaLnBrk="1" fontAlgn="auto" latinLnBrk="0" hangingPunct="1">
-                        <a:lnSpc>
-                          <a:spcPct val="100000"/>
-                        </a:lnSpc>
-                        <a:spcBef>
-                          <a:spcPts val="0"/>
-                        </a:spcBef>
-                        <a:spcAft>
-                          <a:spcPts val="0"/>
-                        </a:spcAft>
-                        <a:buClrTx/>
-                        <a:buSzTx/>
-                        <a:buFont typeface="Arial" pitchFamily="34" charset="0"/>
-                        <a:buChar char="•"/>
-                        <a:tabLst/>
-                        <a:defRPr/>
-                      </a:pPr>
-                      <a:r>
-                        <a:rPr lang="de-DE" sz="1600" dirty="0" smtClean="0"/>
-                        <a:t> </a:t>
-                      </a:r>
-                      <a:r>
-                        <a:rPr lang="de-DE" sz="1600" dirty="0" err="1" smtClean="0"/>
-                        <a:t>Collectibles</a:t>
-                      </a:r>
-                      <a:endParaRPr lang="de-DE" sz="1600" baseline="0" dirty="0" smtClean="0"/>
-                    </a:p>
-                    <a:p>
-                      <a:pPr marL="0" marR="0" lvl="0" indent="0" algn="l" defTabSz="914400" rtl="0" eaLnBrk="1" fontAlgn="auto" latinLnBrk="0" hangingPunct="1">
-                        <a:lnSpc>
-                          <a:spcPct val="100000"/>
-                        </a:lnSpc>
-                        <a:spcBef>
-                          <a:spcPts val="0"/>
-                        </a:spcBef>
-                        <a:spcAft>
-                          <a:spcPts val="0"/>
-                        </a:spcAft>
-                        <a:buClrTx/>
-                        <a:buSzTx/>
-                        <a:buFont typeface="Arial" pitchFamily="34" charset="0"/>
-                        <a:buChar char="•"/>
-                        <a:tabLst/>
-                        <a:defRPr/>
-                      </a:pPr>
-                      <a:r>
-                        <a:rPr lang="de-DE" sz="1600" baseline="0" dirty="0" smtClean="0"/>
-                        <a:t> World </a:t>
-                      </a:r>
-                      <a:r>
-                        <a:rPr lang="de-DE" sz="1600" baseline="0" dirty="0" err="1" smtClean="0"/>
-                        <a:t>Refinement</a:t>
-                      </a:r>
-                      <a:endParaRPr lang="de-DE" sz="1600" dirty="0" smtClean="0"/>
-                    </a:p>
-                  </a:txBody>
-                  <a:tcPr/>
-                </a:tc>
-                <a:tc>
-                  <a:txBody>
-                    <a:bodyPr/>
-                    <a:lstStyle/>
-                    <a:p>
-                      <a:pPr marL="0" marR="0" lvl="0" indent="0" algn="l" defTabSz="914400" rtl="0" eaLnBrk="1" fontAlgn="auto" latinLnBrk="0" hangingPunct="1">
-                        <a:lnSpc>
-                          <a:spcPct val="100000"/>
-                        </a:lnSpc>
-                        <a:spcBef>
-                          <a:spcPts val="0"/>
-                        </a:spcBef>
-                        <a:spcAft>
-                          <a:spcPts val="0"/>
-                        </a:spcAft>
-                        <a:buClrTx/>
-                        <a:buSzTx/>
-                        <a:buFont typeface="Arial" pitchFamily="34" charset="0"/>
-                        <a:buChar char="•"/>
-                        <a:tabLst/>
-                        <a:defRPr/>
-                      </a:pPr>
-                      <a:r>
-                        <a:rPr lang="de-DE" sz="1600" baseline="0" dirty="0" smtClean="0"/>
-                        <a:t> </a:t>
-                      </a:r>
-                      <a:r>
-                        <a:rPr lang="de-DE" sz="1600" baseline="0" dirty="0" smtClean="0">
-                          <a:solidFill>
-                            <a:srgbClr val="C00000"/>
-                          </a:solidFill>
-                        </a:rPr>
-                        <a:t>Client-</a:t>
-                      </a:r>
-                      <a:r>
-                        <a:rPr lang="de-DE" sz="1600" baseline="0" dirty="0" err="1" smtClean="0">
-                          <a:solidFill>
-                            <a:srgbClr val="C00000"/>
-                          </a:solidFill>
-                        </a:rPr>
-                        <a:t>menu</a:t>
-                      </a:r>
-                      <a:r>
-                        <a:rPr lang="de-DE" sz="1600" baseline="0" dirty="0" smtClean="0">
-                          <a:solidFill>
-                            <a:srgbClr val="C00000"/>
-                          </a:solidFill>
-                        </a:rPr>
-                        <a:t>-</a:t>
-                      </a:r>
-                      <a:r>
-                        <a:rPr lang="de-DE" sz="1600" baseline="0" dirty="0" err="1" smtClean="0">
-                          <a:solidFill>
-                            <a:srgbClr val="C00000"/>
-                          </a:solidFill>
-                        </a:rPr>
-                        <a:t>structure</a:t>
-                      </a:r>
-                      <a:endParaRPr lang="de-DE" sz="1600" baseline="0" dirty="0" smtClean="0">
-                        <a:solidFill>
-                          <a:srgbClr val="C00000"/>
-                        </a:solidFill>
-                      </a:endParaRPr>
-                    </a:p>
-                    <a:p>
-                      <a:pPr marL="0" marR="0" lvl="0" indent="0" algn="l" defTabSz="914400" rtl="0" eaLnBrk="1" fontAlgn="auto" latinLnBrk="0" hangingPunct="1">
-                        <a:lnSpc>
-                          <a:spcPct val="100000"/>
-                        </a:lnSpc>
-                        <a:spcBef>
-                          <a:spcPts val="0"/>
-                        </a:spcBef>
-                        <a:spcAft>
-                          <a:spcPts val="0"/>
-                        </a:spcAft>
-                        <a:buClrTx/>
-                        <a:buSzTx/>
-                        <a:buFont typeface="Arial" pitchFamily="34" charset="0"/>
-                        <a:buChar char="•"/>
-                        <a:tabLst/>
-                        <a:defRPr/>
-                      </a:pPr>
-                      <a:r>
-                        <a:rPr lang="de-DE" sz="1600" baseline="0" dirty="0" smtClean="0">
-                          <a:solidFill>
-                            <a:srgbClr val="C00000"/>
-                          </a:solidFill>
-                        </a:rPr>
-                        <a:t> </a:t>
-                      </a:r>
-                      <a:r>
-                        <a:rPr lang="de-DE" sz="1600" baseline="0" dirty="0" err="1" smtClean="0">
-                          <a:solidFill>
-                            <a:srgbClr val="C00000"/>
-                          </a:solidFill>
-                        </a:rPr>
-                        <a:t>Menue</a:t>
-                      </a:r>
-                      <a:r>
-                        <a:rPr lang="de-DE" sz="1600" baseline="0" dirty="0" smtClean="0">
-                          <a:solidFill>
-                            <a:srgbClr val="C00000"/>
-                          </a:solidFill>
-                        </a:rPr>
-                        <a:t> </a:t>
-                      </a:r>
-                      <a:r>
-                        <a:rPr lang="de-DE" sz="1600" baseline="0" dirty="0" err="1" smtClean="0">
-                          <a:solidFill>
-                            <a:srgbClr val="C00000"/>
-                          </a:solidFill>
-                        </a:rPr>
-                        <a:t>functionality</a:t>
-                      </a:r>
-                      <a:endParaRPr lang="de-DE" sz="1600" baseline="0" dirty="0" smtClean="0">
-                        <a:solidFill>
-                          <a:srgbClr val="C00000"/>
-                        </a:solidFill>
-                      </a:endParaRPr>
-                    </a:p>
-                  </a:txBody>
-                  <a:tcPr/>
-                </a:tc>
-                <a:tc>
-                  <a:txBody>
-                    <a:bodyPr/>
-                    <a:lstStyle/>
-                    <a:p>
-                      <a:pPr marL="0" marR="0" lvl="0" indent="0" algn="l" defTabSz="914400" rtl="0" eaLnBrk="1" fontAlgn="auto" latinLnBrk="0" hangingPunct="1">
-                        <a:lnSpc>
-                          <a:spcPct val="100000"/>
-                        </a:lnSpc>
-                        <a:spcBef>
-                          <a:spcPts val="0"/>
-                        </a:spcBef>
-                        <a:spcAft>
-                          <a:spcPts val="0"/>
-                        </a:spcAft>
-                        <a:buClrTx/>
-                        <a:buSzTx/>
-                        <a:buFont typeface="Arial" pitchFamily="34" charset="0"/>
-                        <a:buChar char="•"/>
-                        <a:tabLst/>
-                        <a:defRPr/>
-                      </a:pPr>
-                      <a:r>
-                        <a:rPr lang="de-DE" sz="1600" baseline="0" dirty="0" smtClean="0">
-                          <a:solidFill>
-                            <a:srgbClr val="C00000"/>
-                          </a:solidFill>
-                        </a:rPr>
-                        <a:t> Game Interaction / - </a:t>
-                      </a:r>
-                      <a:r>
-                        <a:rPr lang="de-DE" sz="1600" baseline="0" dirty="0" err="1" smtClean="0">
-                          <a:solidFill>
-                            <a:srgbClr val="C00000"/>
-                          </a:solidFill>
-                        </a:rPr>
-                        <a:t>Logic</a:t>
-                      </a:r>
-                      <a:r>
-                        <a:rPr lang="de-DE" sz="1600" baseline="0" dirty="0" smtClean="0">
-                          <a:solidFill>
-                            <a:srgbClr val="C00000"/>
-                          </a:solidFill>
-                        </a:rPr>
-                        <a:t> / -Flow (</a:t>
-                      </a:r>
-                      <a:r>
-                        <a:rPr lang="de-DE" sz="1600" baseline="0" dirty="0" err="1" smtClean="0">
-                          <a:solidFill>
-                            <a:srgbClr val="C00000"/>
-                          </a:solidFill>
-                        </a:rPr>
-                        <a:t>Parachute</a:t>
-                      </a:r>
-                      <a:r>
-                        <a:rPr lang="de-DE" sz="1600" baseline="0" dirty="0" smtClean="0">
-                          <a:solidFill>
-                            <a:srgbClr val="C00000"/>
-                          </a:solidFill>
-                        </a:rPr>
-                        <a:t> </a:t>
-                      </a:r>
-                      <a:r>
-                        <a:rPr lang="de-DE" sz="1600" baseline="0" dirty="0" err="1" smtClean="0">
-                          <a:solidFill>
-                            <a:srgbClr val="C00000"/>
-                          </a:solidFill>
-                        </a:rPr>
-                        <a:t>landing</a:t>
-                      </a:r>
-                      <a:r>
-                        <a:rPr lang="de-DE" sz="1600" baseline="0" dirty="0" smtClean="0">
-                          <a:solidFill>
-                            <a:srgbClr val="C00000"/>
-                          </a:solidFill>
-                        </a:rPr>
-                        <a:t>, …)</a:t>
-                      </a:r>
-                    </a:p>
-                  </a:txBody>
-                  <a:tcPr/>
-                </a:tc>
-                <a:extLst>
-                  <a:ext uri="{0D108BD9-81ED-4DB2-BD59-A6C34878D82A}">
-                    <a16:rowId xmlns:a16="http://schemas.microsoft.com/office/drawing/2014/main" xmlns="" val="10002"/>
-                  </a:ext>
-                </a:extLst>
-              </a:tr>
-              <a:tr h="868345">
-                <a:tc>
-                  <a:txBody>
-                    <a:bodyPr/>
-                    <a:lstStyle/>
-                    <a:p>
-                      <a:pPr marL="0" marR="0" indent="0" algn="ctr" defTabSz="914400" rtl="0" eaLnBrk="1" fontAlgn="auto" latinLnBrk="0" hangingPunct="1">
-                        <a:lnSpc>
-                          <a:spcPct val="100000"/>
-                        </a:lnSpc>
-                        <a:spcBef>
-                          <a:spcPts val="0"/>
-                        </a:spcBef>
-                        <a:spcAft>
-                          <a:spcPts val="0"/>
-                        </a:spcAft>
-                        <a:buClrTx/>
-                        <a:buSzTx/>
-                        <a:buFontTx/>
-                        <a:buNone/>
-                        <a:tabLst/>
-                        <a:defRPr/>
-                      </a:pPr>
-                      <a:r>
-                        <a:rPr lang="de-DE" sz="1600" dirty="0" smtClean="0"/>
-                        <a:t>06.16</a:t>
-                      </a:r>
-                      <a:r>
-                        <a:rPr lang="de-DE" sz="1600" baseline="0" dirty="0" smtClean="0"/>
-                        <a:t> – 06.23</a:t>
-                      </a:r>
-                      <a:endParaRPr lang="de-DE" sz="1600" dirty="0"/>
-                    </a:p>
-                  </a:txBody>
-                  <a:tcPr/>
-                </a:tc>
-                <a:tc>
-                  <a:txBody>
-                    <a:bodyPr/>
-                    <a:lstStyle/>
-                    <a:p>
-                      <a:pPr lvl="0">
-                        <a:buFont typeface="Arial" pitchFamily="34" charset="0"/>
-                        <a:buChar char="•"/>
-                      </a:pPr>
-                      <a:r>
-                        <a:rPr lang="de-DE" sz="1600" dirty="0" smtClean="0">
-                          <a:solidFill>
-                            <a:srgbClr val="C00000"/>
-                          </a:solidFill>
-                        </a:rPr>
-                        <a:t> Fly </a:t>
-                      </a:r>
-                      <a:r>
-                        <a:rPr lang="de-DE" sz="1600" dirty="0" err="1" smtClean="0">
-                          <a:solidFill>
-                            <a:srgbClr val="C00000"/>
-                          </a:solidFill>
-                        </a:rPr>
-                        <a:t>physics</a:t>
-                      </a:r>
-                      <a:endParaRPr lang="de-DE" sz="1600" dirty="0" smtClean="0">
-                        <a:solidFill>
-                          <a:srgbClr val="C00000"/>
-                        </a:solidFill>
-                      </a:endParaRPr>
-                    </a:p>
-                    <a:p>
-                      <a:pPr lvl="0">
-                        <a:buFont typeface="Arial" pitchFamily="34" charset="0"/>
-                        <a:buChar char="•"/>
-                      </a:pPr>
-                      <a:r>
-                        <a:rPr lang="de-DE" sz="1600" dirty="0" smtClean="0">
-                          <a:solidFill>
-                            <a:srgbClr val="C00000"/>
-                          </a:solidFill>
-                        </a:rPr>
-                        <a:t> Doc</a:t>
-                      </a:r>
-                    </a:p>
-                    <a:p>
-                      <a:pPr lvl="0">
-                        <a:buFont typeface="Arial" pitchFamily="34" charset="0"/>
-                        <a:buChar char="•"/>
-                      </a:pPr>
-                      <a:r>
-                        <a:rPr lang="de-DE" sz="1600" dirty="0" smtClean="0">
-                          <a:solidFill>
-                            <a:srgbClr val="C00000"/>
-                          </a:solidFill>
-                        </a:rPr>
-                        <a:t> User Guide</a:t>
-                      </a:r>
-                      <a:endParaRPr lang="de-DE" sz="1600" dirty="0">
-                        <a:solidFill>
-                          <a:srgbClr val="C00000"/>
-                        </a:solidFill>
-                      </a:endParaRPr>
-                    </a:p>
-                  </a:txBody>
-                  <a:tcPr/>
-                </a:tc>
-                <a:tc>
-                  <a:txBody>
-                    <a:bodyPr/>
-                    <a:lstStyle/>
-                    <a:p>
-                      <a:pPr marL="0" marR="0" lvl="0" indent="0" algn="l" defTabSz="914400" rtl="0" eaLnBrk="1" fontAlgn="auto" latinLnBrk="0" hangingPunct="1">
-                        <a:lnSpc>
-                          <a:spcPct val="100000"/>
-                        </a:lnSpc>
-                        <a:spcBef>
-                          <a:spcPts val="0"/>
-                        </a:spcBef>
-                        <a:spcAft>
-                          <a:spcPts val="0"/>
-                        </a:spcAft>
-                        <a:buClrTx/>
-                        <a:buSzTx/>
-                        <a:buFont typeface="Arial" pitchFamily="34" charset="0"/>
-                        <a:buChar char="•"/>
-                        <a:tabLst/>
-                        <a:defRPr/>
-                      </a:pPr>
-                      <a:r>
-                        <a:rPr lang="de-DE" sz="1600" dirty="0" smtClean="0"/>
-                        <a:t> </a:t>
-                      </a:r>
-                      <a:r>
-                        <a:rPr lang="en-US" sz="1600" dirty="0" smtClean="0"/>
-                        <a:t>Through testing of the flying</a:t>
-                      </a:r>
-                      <a:r>
-                        <a:rPr lang="en-US" sz="1600" baseline="0" dirty="0" smtClean="0"/>
-                        <a:t> physics</a:t>
-                      </a:r>
-                    </a:p>
-                  </a:txBody>
-                  <a:tcPr/>
-                </a:tc>
-                <a:tc>
-                  <a:txBody>
-                    <a:bodyPr/>
-                    <a:lstStyle/>
-                    <a:p>
-                      <a:pPr marL="0" marR="0" lvl="0" indent="0" algn="l" defTabSz="914400" rtl="0" eaLnBrk="1" fontAlgn="auto" latinLnBrk="0" hangingPunct="1">
-                        <a:lnSpc>
-                          <a:spcPct val="100000"/>
-                        </a:lnSpc>
-                        <a:spcBef>
-                          <a:spcPts val="0"/>
-                        </a:spcBef>
-                        <a:spcAft>
-                          <a:spcPts val="0"/>
-                        </a:spcAft>
-                        <a:buClrTx/>
-                        <a:buSzTx/>
-                        <a:buFont typeface="Arial" pitchFamily="34" charset="0"/>
-                        <a:buChar char="•"/>
-                        <a:tabLst/>
-                        <a:defRPr/>
-                      </a:pPr>
-                      <a:r>
-                        <a:rPr lang="de-DE" sz="1600" dirty="0" smtClean="0"/>
-                        <a:t> </a:t>
-                      </a:r>
-                      <a:r>
-                        <a:rPr lang="en-US" sz="1600" dirty="0" smtClean="0"/>
-                        <a:t>Player Model</a:t>
-                      </a:r>
-                    </a:p>
-                    <a:p>
-                      <a:pPr marL="0" marR="0" lvl="0" indent="0" algn="l" defTabSz="914400" rtl="0" eaLnBrk="1" fontAlgn="auto" latinLnBrk="0" hangingPunct="1">
-                        <a:lnSpc>
-                          <a:spcPct val="100000"/>
-                        </a:lnSpc>
-                        <a:spcBef>
-                          <a:spcPts val="0"/>
-                        </a:spcBef>
-                        <a:spcAft>
-                          <a:spcPts val="0"/>
-                        </a:spcAft>
-                        <a:buClrTx/>
-                        <a:buSzTx/>
-                        <a:buFont typeface="Arial" pitchFamily="34" charset="0"/>
-                        <a:buChar char="•"/>
-                        <a:tabLst/>
-                        <a:defRPr/>
-                      </a:pPr>
-                      <a:r>
-                        <a:rPr lang="en-US" sz="1600" baseline="0" dirty="0" smtClean="0"/>
-                        <a:t> </a:t>
-                      </a:r>
-                      <a:r>
-                        <a:rPr lang="en-US" sz="1600" dirty="0" smtClean="0"/>
-                        <a:t>Rigging</a:t>
-                      </a:r>
-                    </a:p>
-                    <a:p>
-                      <a:pPr marL="0" marR="0" lvl="0" indent="0" algn="l" defTabSz="914400" rtl="0" eaLnBrk="1" fontAlgn="auto" latinLnBrk="0" hangingPunct="1">
-                        <a:lnSpc>
-                          <a:spcPct val="100000"/>
-                        </a:lnSpc>
-                        <a:spcBef>
-                          <a:spcPts val="0"/>
-                        </a:spcBef>
-                        <a:spcAft>
-                          <a:spcPts val="0"/>
-                        </a:spcAft>
-                        <a:buClrTx/>
-                        <a:buSzTx/>
-                        <a:buFont typeface="Arial" pitchFamily="34" charset="0"/>
-                        <a:buChar char="•"/>
-                        <a:tabLst/>
-                        <a:defRPr/>
-                      </a:pPr>
-                      <a:r>
-                        <a:rPr lang="en-US" sz="1600" baseline="0" dirty="0" smtClean="0"/>
-                        <a:t> </a:t>
-                      </a:r>
-                      <a:r>
-                        <a:rPr lang="en-US" sz="1600" dirty="0" smtClean="0"/>
-                        <a:t>Texturing</a:t>
-                      </a:r>
-                      <a:endParaRPr lang="de-DE" sz="1600" dirty="0" smtClean="0"/>
-                    </a:p>
-                  </a:txBody>
-                  <a:tcPr/>
-                </a:tc>
-                <a:tc>
-                  <a:txBody>
-                    <a:bodyPr/>
-                    <a:lstStyle/>
-                    <a:p>
-                      <a:pPr marL="0" marR="0" lvl="0" indent="0" algn="l" defTabSz="914400" rtl="0" eaLnBrk="1" fontAlgn="auto" latinLnBrk="0" hangingPunct="1">
-                        <a:lnSpc>
-                          <a:spcPct val="100000"/>
-                        </a:lnSpc>
-                        <a:spcBef>
-                          <a:spcPts val="0"/>
-                        </a:spcBef>
-                        <a:spcAft>
-                          <a:spcPts val="0"/>
-                        </a:spcAft>
-                        <a:buClrTx/>
-                        <a:buSzTx/>
-                        <a:buFont typeface="Arial" pitchFamily="34" charset="0"/>
-                        <a:buChar char="•"/>
-                        <a:tabLst/>
-                        <a:defRPr/>
-                      </a:pPr>
-                      <a:r>
-                        <a:rPr lang="de-DE" sz="1600" baseline="0" dirty="0" smtClean="0"/>
-                        <a:t> </a:t>
-                      </a:r>
-                      <a:r>
-                        <a:rPr lang="de-DE" sz="1600" baseline="0" dirty="0" err="1" smtClean="0"/>
-                        <a:t>Menue</a:t>
-                      </a:r>
-                      <a:r>
-                        <a:rPr lang="de-DE" sz="1600" baseline="0" dirty="0" smtClean="0"/>
-                        <a:t> </a:t>
-                      </a:r>
-                      <a:r>
-                        <a:rPr lang="de-DE" sz="1600" baseline="0" dirty="0" err="1" smtClean="0"/>
-                        <a:t>funct</a:t>
-                      </a:r>
-                      <a:r>
-                        <a:rPr lang="de-DE" sz="1600" baseline="0" dirty="0" smtClean="0"/>
-                        <a:t>.</a:t>
-                      </a:r>
-                    </a:p>
-                    <a:p>
-                      <a:pPr>
-                        <a:buFont typeface="Arial" pitchFamily="34" charset="0"/>
-                        <a:buChar char="•"/>
-                      </a:pPr>
-                      <a:r>
-                        <a:rPr lang="de-DE" sz="1600" dirty="0" smtClean="0"/>
-                        <a:t> Gamepad </a:t>
-                      </a:r>
-                      <a:r>
-                        <a:rPr lang="de-DE" sz="1600" dirty="0" err="1" smtClean="0"/>
-                        <a:t>support</a:t>
-                      </a:r>
-                      <a:endParaRPr lang="de-DE" sz="1600" dirty="0"/>
-                    </a:p>
-                  </a:txBody>
-                  <a:tcPr/>
-                </a:tc>
-                <a:tc>
-                  <a:txBody>
-                    <a:bodyPr/>
-                    <a:lstStyle/>
-                    <a:p>
-                      <a:pPr lvl="0">
-                        <a:buFont typeface="Arial" pitchFamily="34" charset="0"/>
-                        <a:buChar char="•"/>
-                      </a:pPr>
-                      <a:r>
-                        <a:rPr lang="de-DE" sz="1600" dirty="0" smtClean="0">
-                          <a:solidFill>
-                            <a:srgbClr val="C00000"/>
-                          </a:solidFill>
-                        </a:rPr>
-                        <a:t> </a:t>
-                      </a:r>
-                      <a:r>
-                        <a:rPr lang="de-DE" sz="1600" dirty="0" err="1" smtClean="0">
-                          <a:solidFill>
-                            <a:srgbClr val="C00000"/>
-                          </a:solidFill>
-                        </a:rPr>
-                        <a:t>Buffer</a:t>
-                      </a:r>
-                      <a:r>
-                        <a:rPr lang="de-DE" sz="1600" dirty="0" smtClean="0">
-                          <a:solidFill>
-                            <a:srgbClr val="C00000"/>
-                          </a:solidFill>
-                        </a:rPr>
-                        <a:t> </a:t>
-                      </a:r>
-                      <a:r>
-                        <a:rPr lang="de-DE" sz="1600" dirty="0" err="1" smtClean="0">
-                          <a:solidFill>
-                            <a:srgbClr val="C00000"/>
-                          </a:solidFill>
-                        </a:rPr>
-                        <a:t>for</a:t>
-                      </a:r>
-                      <a:r>
-                        <a:rPr lang="de-DE" sz="1600" dirty="0" smtClean="0">
-                          <a:solidFill>
-                            <a:srgbClr val="C00000"/>
-                          </a:solidFill>
-                        </a:rPr>
-                        <a:t> </a:t>
-                      </a:r>
-                      <a:r>
-                        <a:rPr lang="de-DE" sz="1600" dirty="0" err="1" smtClean="0">
-                          <a:solidFill>
-                            <a:srgbClr val="C00000"/>
-                          </a:solidFill>
-                        </a:rPr>
-                        <a:t>GameLogic</a:t>
-                      </a:r>
-                      <a:endParaRPr lang="de-DE" sz="1600" dirty="0" smtClean="0">
-                        <a:solidFill>
-                          <a:srgbClr val="C00000"/>
-                        </a:solidFill>
-                      </a:endParaRPr>
-                    </a:p>
-                    <a:p>
-                      <a:pPr lvl="0">
-                        <a:buFont typeface="Arial" pitchFamily="34" charset="0"/>
-                        <a:buChar char="•"/>
-                      </a:pPr>
-                      <a:r>
-                        <a:rPr lang="de-DE" sz="1600" dirty="0" smtClean="0">
-                          <a:solidFill>
-                            <a:srgbClr val="C00000"/>
-                          </a:solidFill>
-                        </a:rPr>
-                        <a:t> Playermodel</a:t>
-                      </a:r>
-                    </a:p>
-                  </a:txBody>
-                  <a:tcPr/>
-                </a:tc>
-                <a:extLst>
-                  <a:ext uri="{0D108BD9-81ED-4DB2-BD59-A6C34878D82A}">
-                    <a16:rowId xmlns:a16="http://schemas.microsoft.com/office/drawing/2014/main" xmlns="" val="10003"/>
-                  </a:ext>
-                </a:extLst>
-              </a:tr>
-            </a:tbl>
-          </a:graphicData>
-        </a:graphic>
-      </p:graphicFrame>
-    </p:spTree>
-  </p:cSld>
-  <p:clrMapOvr>
-    <a:masterClrMapping/>
-  </p:clrMapOvr>
-</p:sld>
-</file>
-
-<file path=ppt/slides/slide9.xml><?xml version="1.0" encoding="utf-8"?>
-<p:sld xmlns:a="http://schemas.openxmlformats.org/drawingml/2006/main" xmlns:r="http://schemas.openxmlformats.org/officeDocument/2006/relationships" xmlns:p="http://schemas.openxmlformats.org/presentationml/2006/main">
-  <p:cSld>
-    <p:spTree>
-      <p:nvGrpSpPr>
-        <p:cNvPr id="1" name=""/>
-        <p:cNvGrpSpPr/>
-        <p:nvPr/>
-      </p:nvGrpSpPr>
-      <p:grpSpPr>
-        <a:xfrm>
-          <a:off x="0" y="0"/>
-          <a:ext cx="0" cy="0"/>
-          <a:chOff x="0" y="0"/>
-          <a:chExt cx="0" cy="0"/>
-        </a:xfrm>
-      </p:grpSpPr>
-      <p:sp>
-        <p:nvSpPr>
-          <p:cNvPr id="2" name="Titel 1"/>
-          <p:cNvSpPr>
-            <a:spLocks noGrp="1"/>
-          </p:cNvSpPr>
-          <p:nvPr>
-            <p:ph type="title"/>
-          </p:nvPr>
-        </p:nvSpPr>
-        <p:spPr>
-          <a:xfrm>
-            <a:off x="457200" y="586740"/>
-            <a:ext cx="8229600" cy="542568"/>
-          </a:xfrm>
-        </p:spPr>
-        <p:txBody>
-          <a:bodyPr>
-            <a:normAutofit fontScale="90000"/>
-          </a:bodyPr>
-          <a:lstStyle/>
-          <a:p>
-            <a:pPr algn="ctr"/>
-            <a:r>
-              <a:rPr lang="de-DE" dirty="0" err="1">
-                <a:solidFill>
-                  <a:srgbClr val="FF0000"/>
-                </a:solidFill>
-              </a:rPr>
-              <a:t>Milestone</a:t>
-            </a:r>
-            <a:r>
-              <a:rPr lang="de-DE" dirty="0">
-                <a:solidFill>
-                  <a:srgbClr val="FF0000"/>
-                </a:solidFill>
-              </a:rPr>
-              <a:t> </a:t>
-            </a:r>
-            <a:r>
-              <a:rPr lang="de-DE" dirty="0" err="1" smtClean="0">
-                <a:solidFill>
-                  <a:srgbClr val="FF0000"/>
-                </a:solidFill>
-              </a:rPr>
-              <a:t>Two</a:t>
-            </a:r>
-            <a:r>
-              <a:rPr lang="de-DE" dirty="0" smtClean="0">
-                <a:solidFill>
-                  <a:srgbClr val="FF0000"/>
-                </a:solidFill>
-              </a:rPr>
-              <a:t> (</a:t>
-            </a:r>
-            <a:r>
-              <a:rPr lang="de-DE" dirty="0" err="1" smtClean="0">
-                <a:solidFill>
-                  <a:srgbClr val="FF0000"/>
-                </a:solidFill>
-              </a:rPr>
-              <a:t>updated</a:t>
-            </a:r>
-            <a:r>
-              <a:rPr lang="de-DE" dirty="0" smtClean="0">
-                <a:solidFill>
-                  <a:srgbClr val="FF0000"/>
-                </a:solidFill>
-              </a:rPr>
-              <a:t>)</a:t>
-            </a:r>
-            <a:endParaRPr lang="de-DE" dirty="0">
-              <a:solidFill>
-                <a:srgbClr val="FF0000"/>
-              </a:solidFill>
-            </a:endParaRPr>
-          </a:p>
-        </p:txBody>
-      </p:sp>
-      <p:sp>
-        <p:nvSpPr>
-          <p:cNvPr id="9" name="Inhaltsplatzhalter 8"/>
-          <p:cNvSpPr>
-            <a:spLocks noGrp="1"/>
-          </p:cNvSpPr>
-          <p:nvPr>
-            <p:ph idx="1"/>
-          </p:nvPr>
-        </p:nvSpPr>
-        <p:spPr/>
-        <p:txBody>
-          <a:bodyPr>
-            <a:normAutofit/>
-          </a:bodyPr>
-          <a:lstStyle/>
-          <a:p>
-            <a:endParaRPr lang="de-DE" dirty="0"/>
-          </a:p>
-          <a:p>
-            <a:pPr>
-              <a:buNone/>
-            </a:pPr>
-            <a:endParaRPr lang="de-DE" dirty="0"/>
-          </a:p>
-          <a:p>
-            <a:endParaRPr lang="de-DE" dirty="0"/>
-          </a:p>
-        </p:txBody>
-      </p:sp>
-      <p:sp>
-        <p:nvSpPr>
-          <p:cNvPr id="11" name="Foliennummernplatzhalter 10"/>
-          <p:cNvSpPr>
-            <a:spLocks noGrp="1"/>
-          </p:cNvSpPr>
-          <p:nvPr>
-            <p:ph type="sldNum" sz="quarter" idx="12"/>
-          </p:nvPr>
-        </p:nvSpPr>
-        <p:spPr/>
-        <p:txBody>
-          <a:bodyPr/>
-          <a:lstStyle/>
-          <a:p>
-            <a:fld id="{6C6AE60A-B69C-4790-82F7-3882EDF23186}" type="slidenum">
-              <a:rPr lang="de-DE" smtClean="0"/>
-              <a:pPr/>
-              <a:t>9</a:t>
-            </a:fld>
-            <a:endParaRPr lang="de-DE"/>
-          </a:p>
-        </p:txBody>
-      </p:sp>
-      <p:graphicFrame>
-        <p:nvGraphicFramePr>
-          <p:cNvPr id="7" name="Tabelle 6"/>
-          <p:cNvGraphicFramePr>
-            <a:graphicFrameLocks noGrp="1"/>
-          </p:cNvGraphicFramePr>
-          <p:nvPr>
-            <p:extLst>
-              <p:ext uri="{D42A27DB-BD31-4B8C-83A1-F6EECF244321}">
-                <p14:modId xmlns:p14="http://schemas.microsoft.com/office/powerpoint/2010/main" val="275912304"/>
-              </p:ext>
-            </p:extLst>
-          </p:nvPr>
-        </p:nvGraphicFramePr>
-        <p:xfrm>
-          <a:off x="179512" y="1201316"/>
-          <a:ext cx="8784978" cy="4541520"/>
-        </p:xfrm>
-        <a:graphic>
-          <a:graphicData uri="http://schemas.openxmlformats.org/drawingml/2006/table">
-            <a:tbl>
-              <a:tblPr firstRow="1" bandRow="1">
-                <a:tableStyleId>{5C22544A-7EE6-4342-B048-85BDC9FD1C3A}</a:tableStyleId>
-              </a:tblPr>
-              <a:tblGrid>
-                <a:gridCol w="720080">
-                  <a:extLst>
-                    <a:ext uri="{9D8B030D-6E8A-4147-A177-3AD203B41FA5}">
-                      <a16:colId xmlns:a16="http://schemas.microsoft.com/office/drawing/2014/main" xmlns="" val="20000"/>
-                    </a:ext>
-                  </a:extLst>
-                </a:gridCol>
-                <a:gridCol w="1584176">
-                  <a:extLst>
-                    <a:ext uri="{9D8B030D-6E8A-4147-A177-3AD203B41FA5}">
-                      <a16:colId xmlns:a16="http://schemas.microsoft.com/office/drawing/2014/main" xmlns="" val="20001"/>
-                    </a:ext>
-                  </a:extLst>
-                </a:gridCol>
-                <a:gridCol w="1656184">
-                  <a:extLst>
-                    <a:ext uri="{9D8B030D-6E8A-4147-A177-3AD203B41FA5}">
-                      <a16:colId xmlns:a16="http://schemas.microsoft.com/office/drawing/2014/main" xmlns="" val="20002"/>
-                    </a:ext>
-                  </a:extLst>
-                </a:gridCol>
-                <a:gridCol w="1656184">
-                  <a:extLst>
-                    <a:ext uri="{9D8B030D-6E8A-4147-A177-3AD203B41FA5}">
-                      <a16:colId xmlns:a16="http://schemas.microsoft.com/office/drawing/2014/main" xmlns="" val="20003"/>
-                    </a:ext>
-                  </a:extLst>
-                </a:gridCol>
-                <a:gridCol w="1584176">
-                  <a:extLst>
-                    <a:ext uri="{9D8B030D-6E8A-4147-A177-3AD203B41FA5}">
-                      <a16:colId xmlns:a16="http://schemas.microsoft.com/office/drawing/2014/main" xmlns="" val="20004"/>
-                    </a:ext>
-                  </a:extLst>
-                </a:gridCol>
-                <a:gridCol w="1584178">
-                  <a:extLst>
-                    <a:ext uri="{9D8B030D-6E8A-4147-A177-3AD203B41FA5}">
-                      <a16:colId xmlns:a16="http://schemas.microsoft.com/office/drawing/2014/main" xmlns="" val="20005"/>
-                    </a:ext>
-                  </a:extLst>
-                </a:gridCol>
-              </a:tblGrid>
-              <a:tr h="504057">
-                <a:tc>
-                  <a:txBody>
-                    <a:bodyPr/>
-                    <a:lstStyle/>
-                    <a:p>
-                      <a:pPr algn="ctr"/>
-                      <a:r>
-                        <a:rPr lang="de-DE" sz="1600" dirty="0" err="1" smtClean="0"/>
-                        <a:t>Week</a:t>
-                      </a:r>
-                      <a:endParaRPr lang="de-DE" sz="1600" dirty="0"/>
-                    </a:p>
-                  </a:txBody>
-                  <a:tcPr/>
-                </a:tc>
-                <a:tc>
-                  <a:txBody>
-                    <a:bodyPr/>
-                    <a:lstStyle/>
-                    <a:p>
-                      <a:pPr algn="ctr"/>
-                      <a:r>
-                        <a:rPr lang="de-DE" sz="1600" dirty="0" smtClean="0"/>
-                        <a:t>Andras Dietze</a:t>
-                      </a:r>
-                      <a:endParaRPr lang="de-DE" sz="1600" dirty="0"/>
-                    </a:p>
-                  </a:txBody>
-                  <a:tcPr/>
-                </a:tc>
-                <a:tc>
-                  <a:txBody>
-                    <a:bodyPr/>
-                    <a:lstStyle/>
-                    <a:p>
-                      <a:pPr algn="ctr"/>
-                      <a:r>
-                        <a:rPr lang="de-DE" sz="1600" dirty="0" smtClean="0"/>
-                        <a:t>Sebastian Nickel</a:t>
-                      </a:r>
-                      <a:endParaRPr lang="de-DE" sz="1600" dirty="0"/>
-                    </a:p>
-                  </a:txBody>
-                  <a:tcPr/>
-                </a:tc>
-                <a:tc>
-                  <a:txBody>
-                    <a:bodyPr/>
-                    <a:lstStyle/>
-                    <a:p>
-                      <a:pPr algn="ctr"/>
-                      <a:r>
-                        <a:rPr lang="de-DE" sz="1600" dirty="0" smtClean="0"/>
-                        <a:t>Jonas Kleinkauf</a:t>
-                      </a:r>
-                      <a:endParaRPr lang="de-DE" sz="1600" dirty="0"/>
-                    </a:p>
-                  </a:txBody>
-                  <a:tcPr/>
-                </a:tc>
-                <a:tc>
-                  <a:txBody>
-                    <a:bodyPr/>
-                    <a:lstStyle/>
-                    <a:p>
-                      <a:pPr algn="ctr"/>
-                      <a:r>
-                        <a:rPr lang="de-DE" sz="1600" dirty="0" smtClean="0"/>
-                        <a:t>Manuel Schmitt</a:t>
-                      </a:r>
-                      <a:endParaRPr lang="de-DE" sz="1600" dirty="0"/>
-                    </a:p>
-                  </a:txBody>
-                  <a:tcPr/>
-                </a:tc>
-                <a:tc>
-                  <a:txBody>
-                    <a:bodyPr/>
-                    <a:lstStyle/>
-                    <a:p>
-                      <a:pPr algn="ctr"/>
-                      <a:r>
-                        <a:rPr lang="de-DE" sz="1600" dirty="0" smtClean="0"/>
-                        <a:t>Sascha </a:t>
-                      </a:r>
-                      <a:r>
-                        <a:rPr lang="de-DE" sz="1600" dirty="0" err="1" smtClean="0"/>
-                        <a:t>Ibach</a:t>
-                      </a:r>
-                      <a:endParaRPr lang="de-DE" sz="1600" dirty="0"/>
-                    </a:p>
-                  </a:txBody>
-                  <a:tcPr/>
-                </a:tc>
-                <a:extLst>
-                  <a:ext uri="{0D108BD9-81ED-4DB2-BD59-A6C34878D82A}">
-                    <a16:rowId xmlns:a16="http://schemas.microsoft.com/office/drawing/2014/main" xmlns="" val="10000"/>
-                  </a:ext>
-                </a:extLst>
-              </a:tr>
-              <a:tr h="1019108">
-                <a:tc>
-                  <a:txBody>
-                    <a:bodyPr/>
-                    <a:lstStyle/>
-                    <a:p>
-                      <a:pPr marL="0" marR="0" indent="0" algn="ctr" defTabSz="914400" rtl="0" eaLnBrk="1" fontAlgn="auto" latinLnBrk="0" hangingPunct="1">
-                        <a:lnSpc>
-                          <a:spcPct val="100000"/>
-                        </a:lnSpc>
-                        <a:spcBef>
-                          <a:spcPts val="0"/>
-                        </a:spcBef>
-                        <a:spcAft>
-                          <a:spcPts val="0"/>
-                        </a:spcAft>
-                        <a:buClrTx/>
-                        <a:buSzTx/>
-                        <a:buFontTx/>
-                        <a:buNone/>
-                        <a:tabLst/>
-                        <a:defRPr/>
-                      </a:pPr>
-                      <a:r>
-                        <a:rPr lang="de-DE" sz="1600" dirty="0" smtClean="0"/>
-                        <a:t>06.02 – 06.09</a:t>
-                      </a:r>
-                      <a:endParaRPr lang="de-DE" sz="1600" dirty="0"/>
-                    </a:p>
-                  </a:txBody>
-                  <a:tcPr/>
-                </a:tc>
-                <a:tc>
-                  <a:txBody>
-                    <a:bodyPr/>
-                    <a:lstStyle/>
-                    <a:p>
-                      <a:pPr lvl="0">
-                        <a:buFont typeface="Arial" pitchFamily="34" charset="0"/>
-                        <a:buChar char="•"/>
-                      </a:pPr>
-                      <a:r>
-                        <a:rPr lang="de-DE" sz="1600" dirty="0" smtClean="0">
-                          <a:solidFill>
-                            <a:schemeClr val="tx1"/>
-                          </a:solidFill>
-                        </a:rPr>
-                        <a:t> </a:t>
-                      </a:r>
-                      <a:r>
-                        <a:rPr lang="de-DE" sz="1600" dirty="0" err="1" smtClean="0">
-                          <a:solidFill>
-                            <a:schemeClr val="tx1"/>
-                          </a:solidFill>
-                        </a:rPr>
-                        <a:t>Implem</a:t>
-                      </a:r>
-                      <a:r>
-                        <a:rPr lang="de-DE" sz="1600" dirty="0" smtClean="0">
-                          <a:solidFill>
-                            <a:schemeClr val="tx1"/>
-                          </a:solidFill>
-                        </a:rPr>
-                        <a:t>. </a:t>
-                      </a:r>
-                      <a:r>
-                        <a:rPr lang="de-DE" sz="1600" dirty="0" err="1" smtClean="0">
-                          <a:solidFill>
-                            <a:schemeClr val="tx1"/>
-                          </a:solidFill>
-                        </a:rPr>
-                        <a:t>new</a:t>
-                      </a:r>
-                      <a:r>
-                        <a:rPr lang="de-DE" sz="1600" baseline="0" dirty="0" smtClean="0">
-                          <a:solidFill>
-                            <a:schemeClr val="tx1"/>
-                          </a:solidFill>
-                        </a:rPr>
-                        <a:t> </a:t>
-                      </a:r>
-                      <a:r>
-                        <a:rPr lang="de-DE" sz="1600" baseline="0" dirty="0" err="1" smtClean="0">
-                          <a:solidFill>
-                            <a:schemeClr val="tx1"/>
-                          </a:solidFill>
-                        </a:rPr>
-                        <a:t>Kinect</a:t>
-                      </a:r>
-                      <a:r>
-                        <a:rPr lang="de-DE" sz="1600" baseline="0" dirty="0" smtClean="0">
-                          <a:solidFill>
-                            <a:schemeClr val="tx1"/>
-                          </a:solidFill>
-                        </a:rPr>
-                        <a:t> </a:t>
-                      </a:r>
-                      <a:r>
-                        <a:rPr lang="de-DE" sz="1600" baseline="0" dirty="0" err="1" smtClean="0">
-                          <a:solidFill>
-                            <a:schemeClr val="tx1"/>
-                          </a:solidFill>
-                        </a:rPr>
-                        <a:t>package</a:t>
-                      </a:r>
-                      <a:endParaRPr lang="de-DE" sz="1600" dirty="0" smtClean="0">
-                        <a:solidFill>
-                          <a:schemeClr val="tx1"/>
-                        </a:solidFill>
-                      </a:endParaRPr>
-                    </a:p>
-                    <a:p>
-                      <a:pPr lvl="0">
-                        <a:buFont typeface="Arial" pitchFamily="34" charset="0"/>
-                        <a:buChar char="•"/>
-                      </a:pPr>
-                      <a:r>
-                        <a:rPr lang="de-DE" sz="1600" dirty="0" smtClean="0">
-                          <a:solidFill>
-                            <a:schemeClr val="tx1"/>
-                          </a:solidFill>
-                        </a:rPr>
-                        <a:t> </a:t>
-                      </a:r>
-                      <a:r>
-                        <a:rPr lang="de-DE" sz="1600" dirty="0" err="1" smtClean="0">
-                          <a:solidFill>
-                            <a:schemeClr val="tx1"/>
-                          </a:solidFill>
-                        </a:rPr>
-                        <a:t>Kinect</a:t>
-                      </a:r>
-                      <a:r>
-                        <a:rPr lang="de-DE" sz="1600" dirty="0" smtClean="0">
-                          <a:solidFill>
-                            <a:schemeClr val="tx1"/>
-                          </a:solidFill>
-                        </a:rPr>
-                        <a:t> V1/2</a:t>
-                      </a:r>
-                      <a:r>
-                        <a:rPr lang="de-DE" sz="1600" baseline="0" dirty="0" smtClean="0">
-                          <a:solidFill>
-                            <a:schemeClr val="tx1"/>
-                          </a:solidFill>
-                        </a:rPr>
-                        <a:t> </a:t>
-                      </a:r>
-                      <a:r>
-                        <a:rPr lang="de-DE" sz="1600" baseline="0" dirty="0" err="1" smtClean="0">
-                          <a:solidFill>
-                            <a:schemeClr val="tx1"/>
-                          </a:solidFill>
-                        </a:rPr>
-                        <a:t>stable</a:t>
-                      </a:r>
-                      <a:r>
-                        <a:rPr lang="de-DE" sz="1600" baseline="0" dirty="0" smtClean="0">
-                          <a:solidFill>
-                            <a:schemeClr val="tx1"/>
-                          </a:solidFill>
-                        </a:rPr>
-                        <a:t>  </a:t>
-                      </a:r>
-                      <a:r>
-                        <a:rPr lang="de-DE" sz="1600" baseline="0" dirty="0" err="1" smtClean="0">
-                          <a:solidFill>
-                            <a:schemeClr val="tx1"/>
-                          </a:solidFill>
-                        </a:rPr>
-                        <a:t>config</a:t>
-                      </a:r>
-                      <a:endParaRPr lang="de-DE" sz="1600" baseline="0" dirty="0" smtClean="0">
-                        <a:solidFill>
-                          <a:schemeClr val="tx1"/>
-                        </a:solidFill>
-                      </a:endParaRPr>
-                    </a:p>
-                    <a:p>
-                      <a:pPr marL="0" marR="0" lvl="0" indent="0" algn="l" defTabSz="914400" rtl="0" eaLnBrk="1" fontAlgn="auto" latinLnBrk="0" hangingPunct="1">
-                        <a:lnSpc>
-                          <a:spcPct val="100000"/>
-                        </a:lnSpc>
-                        <a:spcBef>
-                          <a:spcPts val="0"/>
-                        </a:spcBef>
-                        <a:spcAft>
-                          <a:spcPts val="0"/>
-                        </a:spcAft>
-                        <a:buClrTx/>
-                        <a:buSzTx/>
-                        <a:buFont typeface="Arial" pitchFamily="34" charset="0"/>
-                        <a:buChar char="•"/>
-                        <a:tabLst/>
-                        <a:defRPr/>
-                      </a:pPr>
-                      <a:r>
-                        <a:rPr lang="de-DE" sz="1600" baseline="0" dirty="0" smtClean="0">
-                          <a:solidFill>
-                            <a:schemeClr val="tx1"/>
-                          </a:solidFill>
-                        </a:rPr>
-                        <a:t> Flight </a:t>
-                      </a:r>
-                      <a:r>
-                        <a:rPr lang="de-DE" sz="1600" baseline="0" dirty="0" err="1" smtClean="0">
-                          <a:solidFill>
-                            <a:schemeClr val="tx1"/>
-                          </a:solidFill>
-                        </a:rPr>
-                        <a:t>impr</a:t>
-                      </a:r>
-                      <a:r>
-                        <a:rPr lang="de-DE" sz="1600" baseline="0" dirty="0" smtClean="0">
-                          <a:solidFill>
-                            <a:schemeClr val="tx1"/>
-                          </a:solidFill>
-                        </a:rPr>
-                        <a:t>. </a:t>
-                      </a:r>
-                      <a:endParaRPr lang="de-DE" sz="1600" dirty="0" smtClean="0">
-                        <a:solidFill>
-                          <a:schemeClr val="tx1"/>
-                        </a:solidFill>
-                      </a:endParaRPr>
-                    </a:p>
-                  </a:txBody>
-                  <a:tcPr/>
-                </a:tc>
-                <a:tc>
-                  <a:txBody>
-                    <a:bodyPr/>
-                    <a:lstStyle/>
-                    <a:p>
-                      <a:pPr lvl="0">
-                        <a:buFont typeface="Arial" pitchFamily="34" charset="0"/>
-                        <a:buChar char="•"/>
-                      </a:pPr>
-                      <a:r>
-                        <a:rPr lang="de-DE" sz="1600" dirty="0" smtClean="0">
-                          <a:solidFill>
-                            <a:schemeClr val="tx1"/>
-                          </a:solidFill>
-                        </a:rPr>
-                        <a:t> </a:t>
-                      </a:r>
-                      <a:r>
-                        <a:rPr lang="de-DE" sz="1600" dirty="0" err="1" smtClean="0">
-                          <a:solidFill>
-                            <a:schemeClr val="tx1"/>
-                          </a:solidFill>
-                        </a:rPr>
-                        <a:t>Improve</a:t>
-                      </a:r>
-                      <a:r>
-                        <a:rPr lang="de-DE" sz="1600" dirty="0" smtClean="0">
-                          <a:solidFill>
-                            <a:schemeClr val="tx1"/>
-                          </a:solidFill>
-                        </a:rPr>
-                        <a:t> </a:t>
-                      </a:r>
-                      <a:r>
-                        <a:rPr lang="de-DE" sz="1600" dirty="0" err="1" smtClean="0">
-                          <a:solidFill>
-                            <a:schemeClr val="tx1"/>
-                          </a:solidFill>
-                        </a:rPr>
-                        <a:t>fly-physics</a:t>
-                      </a:r>
-                      <a:r>
-                        <a:rPr lang="de-DE" sz="1600" baseline="0" dirty="0" smtClean="0">
-                          <a:solidFill>
-                            <a:schemeClr val="tx1"/>
-                          </a:solidFill>
-                        </a:rPr>
-                        <a:t> </a:t>
-                      </a:r>
-                      <a:r>
-                        <a:rPr lang="de-DE" sz="1600" dirty="0" err="1" smtClean="0">
-                          <a:solidFill>
-                            <a:schemeClr val="tx1"/>
-                          </a:solidFill>
-                        </a:rPr>
-                        <a:t>model</a:t>
-                      </a:r>
-                      <a:endParaRPr lang="de-DE" sz="1600" baseline="0" dirty="0" smtClean="0">
-                        <a:solidFill>
-                          <a:schemeClr val="tx1"/>
-                        </a:solidFill>
-                      </a:endParaRPr>
-                    </a:p>
-                    <a:p>
-                      <a:pPr marL="0" marR="0" lvl="0" indent="0" algn="l" defTabSz="914400" rtl="0" eaLnBrk="1" fontAlgn="auto" latinLnBrk="0" hangingPunct="1">
-                        <a:lnSpc>
-                          <a:spcPct val="100000"/>
-                        </a:lnSpc>
-                        <a:spcBef>
-                          <a:spcPts val="0"/>
-                        </a:spcBef>
-                        <a:spcAft>
-                          <a:spcPts val="0"/>
-                        </a:spcAft>
-                        <a:buClrTx/>
-                        <a:buSzTx/>
-                        <a:buFont typeface="Arial" pitchFamily="34" charset="0"/>
-                        <a:buChar char="•"/>
-                        <a:tabLst/>
-                        <a:defRPr/>
-                      </a:pPr>
-                      <a:r>
-                        <a:rPr lang="de-DE" sz="1600" baseline="0" dirty="0" err="1" smtClean="0">
-                          <a:solidFill>
-                            <a:schemeClr val="tx1"/>
-                          </a:solidFill>
-                        </a:rPr>
-                        <a:t>Configurable</a:t>
-                      </a:r>
-                      <a:endParaRPr lang="de-DE" sz="1600" baseline="0" dirty="0" smtClean="0">
-                        <a:solidFill>
-                          <a:schemeClr val="tx1"/>
-                        </a:solidFill>
-                      </a:endParaRPr>
-                    </a:p>
-                    <a:p>
-                      <a:pPr marL="0" marR="0" lvl="0" indent="0" algn="l" defTabSz="914400" rtl="0" eaLnBrk="1" fontAlgn="auto" latinLnBrk="0" hangingPunct="1">
-                        <a:lnSpc>
-                          <a:spcPct val="100000"/>
-                        </a:lnSpc>
-                        <a:spcBef>
-                          <a:spcPts val="0"/>
-                        </a:spcBef>
-                        <a:spcAft>
-                          <a:spcPts val="0"/>
-                        </a:spcAft>
-                        <a:buClrTx/>
-                        <a:buSzTx/>
-                        <a:buFont typeface="Arial" pitchFamily="34" charset="0"/>
-                        <a:buChar char="•"/>
-                        <a:tabLst/>
-                        <a:defRPr/>
-                      </a:pPr>
-                      <a:r>
-                        <a:rPr lang="de-DE" sz="1800" baseline="0" dirty="0" err="1" smtClean="0">
-                          <a:solidFill>
-                            <a:schemeClr val="tx1"/>
-                          </a:solidFill>
-                        </a:rPr>
-                        <a:t>Bugfixed</a:t>
-                      </a:r>
-                      <a:r>
-                        <a:rPr lang="de-DE" sz="1800" baseline="0" dirty="0" smtClean="0">
-                          <a:solidFill>
-                            <a:schemeClr val="tx1"/>
-                          </a:solidFill>
-                        </a:rPr>
-                        <a:t> </a:t>
-                      </a:r>
-                      <a:r>
-                        <a:rPr lang="de-DE" sz="1800" baseline="0" dirty="0" err="1" smtClean="0">
-                          <a:solidFill>
-                            <a:schemeClr val="tx1"/>
-                          </a:solidFill>
-                        </a:rPr>
-                        <a:t>fly-physics</a:t>
-                      </a:r>
-                      <a:r>
-                        <a:rPr lang="de-DE" sz="1800" baseline="0" dirty="0" smtClean="0">
-                          <a:solidFill>
-                            <a:schemeClr val="tx1"/>
-                          </a:solidFill>
-                        </a:rPr>
-                        <a:t> </a:t>
-                      </a:r>
-                      <a:r>
-                        <a:rPr lang="de-DE" sz="1800" baseline="0" dirty="0" err="1" smtClean="0">
-                          <a:solidFill>
-                            <a:schemeClr val="tx1"/>
-                          </a:solidFill>
-                        </a:rPr>
-                        <a:t>issues</a:t>
-                      </a:r>
-                      <a:endParaRPr lang="de-DE" sz="1800" baseline="0" dirty="0" smtClean="0">
-                        <a:solidFill>
-                          <a:schemeClr val="tx1"/>
-                        </a:solidFill>
-                      </a:endParaRPr>
-                    </a:p>
-                  </a:txBody>
-                  <a:tcPr/>
-                </a:tc>
-                <a:tc>
-                  <a:txBody>
-                    <a:bodyPr/>
-                    <a:lstStyle/>
-                    <a:p>
-                      <a:endParaRPr lang="de-DE" dirty="0"/>
-                    </a:p>
-                  </a:txBody>
-                  <a:tcPr/>
-                </a:tc>
-                <a:tc>
-                  <a:txBody>
-                    <a:bodyPr/>
-                    <a:lstStyle/>
-                    <a:p>
-                      <a:pPr>
-                        <a:buFont typeface="Arial" pitchFamily="34" charset="0"/>
-                        <a:buChar char="•"/>
-                      </a:pPr>
-                      <a:r>
-                        <a:rPr lang="de-DE" sz="1600" dirty="0" smtClean="0"/>
-                        <a:t>Working </a:t>
-                      </a:r>
-                      <a:r>
-                        <a:rPr lang="de-DE" sz="1600" dirty="0" err="1" smtClean="0"/>
-                        <a:t>into</a:t>
-                      </a:r>
-                      <a:r>
-                        <a:rPr lang="de-DE" sz="1600" dirty="0" smtClean="0"/>
-                        <a:t> </a:t>
-                      </a:r>
-                      <a:r>
-                        <a:rPr lang="de-DE" sz="1600" dirty="0" err="1" smtClean="0"/>
-                        <a:t>shaders</a:t>
-                      </a:r>
-                      <a:endParaRPr lang="de-DE" sz="1600" dirty="0" smtClean="0"/>
-                    </a:p>
-                    <a:p>
-                      <a:pPr>
-                        <a:buFont typeface="Arial" pitchFamily="34" charset="0"/>
-                        <a:buChar char="•"/>
-                      </a:pPr>
-                      <a:r>
-                        <a:rPr lang="de-DE" sz="1600" dirty="0" err="1" smtClean="0"/>
-                        <a:t>Testing</a:t>
-                      </a:r>
-                      <a:r>
-                        <a:rPr lang="de-DE" sz="1600" dirty="0" smtClean="0"/>
-                        <a:t> SSAO</a:t>
-                      </a:r>
-                    </a:p>
-                    <a:p>
-                      <a:pPr>
-                        <a:buFont typeface="Arial" pitchFamily="34" charset="0"/>
-                        <a:buChar char="•"/>
-                      </a:pPr>
-                      <a:r>
-                        <a:rPr lang="de-DE" sz="1600" dirty="0" err="1" smtClean="0"/>
-                        <a:t>Kinect</a:t>
-                      </a:r>
-                      <a:r>
-                        <a:rPr lang="de-DE" sz="1600" baseline="0" dirty="0" smtClean="0"/>
-                        <a:t> </a:t>
-                      </a:r>
-                      <a:r>
-                        <a:rPr lang="de-DE" sz="1600" baseline="0" dirty="0" err="1" smtClean="0"/>
-                        <a:t>tests</a:t>
-                      </a:r>
-                      <a:endParaRPr lang="de-DE" sz="1600" dirty="0" smtClean="0"/>
-                    </a:p>
-                    <a:p>
-                      <a:pPr>
-                        <a:buFont typeface="Arial" pitchFamily="34" charset="0"/>
-                        <a:buChar char="•"/>
-                      </a:pPr>
-                      <a:endParaRPr lang="de-DE" dirty="0" smtClean="0"/>
-                    </a:p>
-                  </a:txBody>
-                  <a:tcPr/>
-                </a:tc>
-                <a:tc>
-                  <a:txBody>
-                    <a:bodyPr/>
-                    <a:lstStyle/>
-                    <a:p>
-                      <a:pPr lvl="0">
-                        <a:buFont typeface="Arial" pitchFamily="34" charset="0"/>
-                        <a:buChar char="•"/>
-                      </a:pPr>
-                      <a:r>
-                        <a:rPr lang="de-DE" sz="1400" baseline="0" dirty="0" smtClean="0">
-                          <a:solidFill>
-                            <a:schemeClr val="tx1"/>
-                          </a:solidFill>
-                        </a:rPr>
-                        <a:t> </a:t>
-                      </a:r>
-                      <a:r>
-                        <a:rPr lang="de-DE" sz="1400" baseline="0" dirty="0" err="1" smtClean="0">
-                          <a:solidFill>
-                            <a:srgbClr val="C00000"/>
-                          </a:solidFill>
-                        </a:rPr>
-                        <a:t>Gameplay</a:t>
-                      </a:r>
-                      <a:r>
-                        <a:rPr lang="de-DE" sz="1400" baseline="0" dirty="0" smtClean="0">
-                          <a:solidFill>
-                            <a:srgbClr val="C00000"/>
-                          </a:solidFill>
-                        </a:rPr>
-                        <a:t>, </a:t>
-                      </a:r>
-                      <a:r>
-                        <a:rPr lang="de-DE" sz="1400" baseline="0" dirty="0" err="1" smtClean="0">
-                          <a:solidFill>
-                            <a:srgbClr val="C00000"/>
-                          </a:solidFill>
-                        </a:rPr>
-                        <a:t>Parachute</a:t>
-                      </a:r>
-                      <a:r>
-                        <a:rPr lang="de-DE" sz="1400" baseline="0" dirty="0" smtClean="0">
-                          <a:solidFill>
-                            <a:srgbClr val="C00000"/>
-                          </a:solidFill>
-                        </a:rPr>
-                        <a:t> </a:t>
-                      </a:r>
-                      <a:r>
-                        <a:rPr lang="de-DE" sz="1400" baseline="0" dirty="0" err="1" smtClean="0">
-                          <a:solidFill>
-                            <a:srgbClr val="C00000"/>
-                          </a:solidFill>
-                        </a:rPr>
-                        <a:t>landing</a:t>
-                      </a:r>
-                      <a:endParaRPr lang="de-DE" sz="1400" baseline="0" dirty="0" smtClean="0">
-                        <a:solidFill>
-                          <a:srgbClr val="C00000"/>
-                        </a:solidFill>
-                      </a:endParaRPr>
-                    </a:p>
-                    <a:p>
-                      <a:pPr marL="0" marR="0" lvl="0" indent="0" algn="l" defTabSz="914400" rtl="0" eaLnBrk="1" fontAlgn="auto" latinLnBrk="0" hangingPunct="1">
-                        <a:lnSpc>
-                          <a:spcPct val="100000"/>
-                        </a:lnSpc>
-                        <a:spcBef>
-                          <a:spcPts val="0"/>
-                        </a:spcBef>
-                        <a:spcAft>
-                          <a:spcPts val="0"/>
-                        </a:spcAft>
-                        <a:buClrTx/>
-                        <a:buSzTx/>
-                        <a:buFont typeface="Arial" pitchFamily="34" charset="0"/>
-                        <a:buChar char="•"/>
-                        <a:tabLst/>
-                        <a:defRPr/>
-                      </a:pPr>
-                      <a:r>
-                        <a:rPr lang="de-DE" sz="1400" dirty="0" smtClean="0"/>
-                        <a:t> Working </a:t>
-                      </a:r>
-                      <a:r>
-                        <a:rPr lang="de-DE" sz="1400" dirty="0" err="1" smtClean="0"/>
-                        <a:t>into</a:t>
-                      </a:r>
-                      <a:r>
-                        <a:rPr lang="de-DE" sz="1400" dirty="0" smtClean="0"/>
-                        <a:t> </a:t>
-                      </a:r>
-                      <a:r>
-                        <a:rPr lang="de-DE" sz="1400" dirty="0" err="1" smtClean="0"/>
-                        <a:t>Oculus</a:t>
-                      </a:r>
-                      <a:r>
-                        <a:rPr lang="de-DE" sz="1400" baseline="0" dirty="0" smtClean="0"/>
-                        <a:t> </a:t>
-                      </a:r>
-                      <a:r>
-                        <a:rPr lang="de-DE" sz="1400" baseline="0" dirty="0" err="1" smtClean="0"/>
-                        <a:t>and</a:t>
-                      </a:r>
-                      <a:r>
-                        <a:rPr lang="de-DE" sz="1400" dirty="0" smtClean="0"/>
-                        <a:t> </a:t>
-                      </a:r>
-                      <a:r>
-                        <a:rPr lang="de-DE" sz="1400" dirty="0" err="1" smtClean="0"/>
-                        <a:t>possible</a:t>
-                      </a:r>
-                      <a:r>
-                        <a:rPr lang="de-DE" sz="1400" dirty="0" smtClean="0"/>
-                        <a:t> </a:t>
-                      </a:r>
-                      <a:r>
-                        <a:rPr lang="de-DE" sz="1400" dirty="0" err="1" smtClean="0"/>
-                        <a:t>improvements</a:t>
-                      </a:r>
-                      <a:endParaRPr lang="de-DE" sz="1400" dirty="0" smtClean="0"/>
-                    </a:p>
-                  </a:txBody>
-                  <a:tcPr/>
-                </a:tc>
-                <a:extLst>
-                  <a:ext uri="{0D108BD9-81ED-4DB2-BD59-A6C34878D82A}">
-                    <a16:rowId xmlns:a16="http://schemas.microsoft.com/office/drawing/2014/main" xmlns="" val="10001"/>
-                  </a:ext>
-                </a:extLst>
-              </a:tr>
-              <a:tr h="1032428">
-                <a:tc>
-                  <a:txBody>
-                    <a:bodyPr/>
-                    <a:lstStyle/>
-                    <a:p>
-                      <a:pPr marL="0" marR="0" indent="0" algn="ctr" defTabSz="914400" rtl="0" eaLnBrk="1" fontAlgn="auto" latinLnBrk="0" hangingPunct="1">
-                        <a:lnSpc>
-                          <a:spcPct val="100000"/>
-                        </a:lnSpc>
-                        <a:spcBef>
-                          <a:spcPts val="0"/>
-                        </a:spcBef>
-                        <a:spcAft>
-                          <a:spcPts val="0"/>
-                        </a:spcAft>
-                        <a:buClrTx/>
-                        <a:buSzTx/>
-                        <a:buFontTx/>
-                        <a:buNone/>
-                        <a:tabLst/>
-                        <a:defRPr/>
-                      </a:pPr>
-                      <a:r>
-                        <a:rPr lang="de-DE" sz="1600" dirty="0" smtClean="0"/>
-                        <a:t>06.09 – 06.16</a:t>
-                      </a:r>
-                      <a:endParaRPr lang="de-DE" sz="1600" dirty="0"/>
-                    </a:p>
-                  </a:txBody>
-                  <a:tcPr/>
-                </a:tc>
-                <a:tc>
-                  <a:txBody>
-                    <a:bodyPr/>
-                    <a:lstStyle/>
-                    <a:p>
-                      <a:pPr lvl="0">
-                        <a:buFont typeface="Arial" pitchFamily="34" charset="0"/>
-                        <a:buChar char="•"/>
-                      </a:pPr>
-                      <a:r>
-                        <a:rPr lang="de-DE" sz="1600" baseline="0" dirty="0" smtClean="0">
-                          <a:solidFill>
-                            <a:schemeClr val="tx1"/>
-                          </a:solidFill>
-                        </a:rPr>
-                        <a:t> Flight </a:t>
-                      </a:r>
-                      <a:r>
-                        <a:rPr lang="de-DE" sz="1600" baseline="0" dirty="0" err="1" smtClean="0">
-                          <a:solidFill>
-                            <a:schemeClr val="tx1"/>
-                          </a:solidFill>
-                        </a:rPr>
-                        <a:t>impr</a:t>
-                      </a:r>
-                      <a:r>
-                        <a:rPr lang="de-DE" sz="1600" baseline="0" dirty="0" smtClean="0">
-                          <a:solidFill>
-                            <a:schemeClr val="tx1"/>
-                          </a:solidFill>
-                        </a:rPr>
-                        <a:t>.</a:t>
-                      </a:r>
-                    </a:p>
-                    <a:p>
-                      <a:pPr lvl="0">
-                        <a:buFont typeface="Arial" pitchFamily="34" charset="0"/>
-                        <a:buChar char="•"/>
-                      </a:pPr>
-                      <a:r>
-                        <a:rPr lang="de-DE" sz="1600" baseline="0" dirty="0" smtClean="0">
-                          <a:solidFill>
-                            <a:srgbClr val="C00000"/>
-                          </a:solidFill>
-                        </a:rPr>
-                        <a:t> </a:t>
-                      </a:r>
-                      <a:r>
-                        <a:rPr lang="de-DE" sz="1600" baseline="0" dirty="0" err="1" smtClean="0">
-                          <a:solidFill>
-                            <a:srgbClr val="C00000"/>
-                          </a:solidFill>
-                        </a:rPr>
-                        <a:t>Oculus</a:t>
-                      </a:r>
-                      <a:r>
-                        <a:rPr lang="de-DE" sz="1600" baseline="0" dirty="0" smtClean="0">
-                          <a:solidFill>
-                            <a:srgbClr val="C00000"/>
-                          </a:solidFill>
-                        </a:rPr>
-                        <a:t> </a:t>
-                      </a:r>
-                      <a:r>
-                        <a:rPr lang="de-DE" sz="1600" baseline="0" dirty="0" err="1" smtClean="0">
-                          <a:solidFill>
-                            <a:srgbClr val="C00000"/>
-                          </a:solidFill>
-                        </a:rPr>
-                        <a:t>setup</a:t>
-                      </a:r>
-                      <a:endParaRPr lang="de-DE" sz="1600" dirty="0" smtClean="0">
-                        <a:solidFill>
-                          <a:schemeClr val="tx1"/>
-                        </a:solidFill>
-                      </a:endParaRPr>
-                    </a:p>
-                    <a:p>
-                      <a:pPr lvl="0">
-                        <a:buFont typeface="Arial" pitchFamily="34" charset="0"/>
-                        <a:buChar char="•"/>
-                      </a:pPr>
-                      <a:r>
-                        <a:rPr lang="de-DE" sz="1600" baseline="0" dirty="0" smtClean="0">
-                          <a:solidFill>
-                            <a:schemeClr val="tx1"/>
-                          </a:solidFill>
-                        </a:rPr>
-                        <a:t> Setup 06.10</a:t>
-                      </a:r>
-                    </a:p>
-                  </a:txBody>
-                  <a:tcPr/>
-                </a:tc>
-                <a:tc>
-                  <a:txBody>
-                    <a:bodyPr/>
-                    <a:lstStyle/>
-                    <a:p>
-                      <a:pPr lvl="0">
-                        <a:buFont typeface="Arial" pitchFamily="34" charset="0"/>
-                        <a:buChar char="•"/>
-                      </a:pPr>
-                      <a:r>
-                        <a:rPr lang="de-DE" sz="1800" dirty="0" smtClean="0">
-                          <a:solidFill>
-                            <a:schemeClr val="tx1"/>
-                          </a:solidFill>
-                        </a:rPr>
-                        <a:t> Bugfixin</a:t>
-                      </a:r>
-                      <a:r>
-                        <a:rPr lang="de-DE" sz="1800" baseline="0" dirty="0" smtClean="0">
-                          <a:solidFill>
-                            <a:schemeClr val="tx1"/>
-                          </a:solidFill>
-                        </a:rPr>
-                        <a:t>g</a:t>
-                      </a:r>
-                    </a:p>
-                    <a:p>
-                      <a:pPr lvl="0">
-                        <a:buFont typeface="Arial" pitchFamily="34" charset="0"/>
-                        <a:buChar char="•"/>
-                      </a:pPr>
-                      <a:r>
-                        <a:rPr lang="de-DE" sz="1800" baseline="0" dirty="0" smtClean="0">
-                          <a:solidFill>
-                            <a:schemeClr val="tx1"/>
-                          </a:solidFill>
-                        </a:rPr>
-                        <a:t> Error </a:t>
-                      </a:r>
-                      <a:r>
-                        <a:rPr lang="de-DE" sz="1800" baseline="0" dirty="0" err="1" smtClean="0">
-                          <a:solidFill>
-                            <a:schemeClr val="tx1"/>
-                          </a:solidFill>
-                        </a:rPr>
-                        <a:t>handling</a:t>
-                      </a:r>
-                      <a:endParaRPr lang="de-DE" sz="1800" baseline="0" dirty="0" smtClean="0">
-                        <a:solidFill>
-                          <a:schemeClr val="tx1"/>
-                        </a:solidFill>
-                      </a:endParaRPr>
-                    </a:p>
-                  </a:txBody>
-                  <a:tcPr/>
-                </a:tc>
-                <a:tc>
-                  <a:txBody>
-                    <a:bodyPr/>
-                    <a:lstStyle/>
-                    <a:p>
-                      <a:endParaRPr lang="de-DE" dirty="0"/>
-                    </a:p>
-                  </a:txBody>
-                  <a:tcPr/>
-                </a:tc>
-                <a:tc>
-                  <a:txBody>
-                    <a:bodyPr/>
-                    <a:lstStyle/>
-                    <a:p>
-                      <a:pPr>
-                        <a:buFont typeface="Arial" pitchFamily="34" charset="0"/>
-                        <a:buChar char="•"/>
-                      </a:pPr>
-                      <a:r>
-                        <a:rPr lang="de-DE" sz="1400" dirty="0" smtClean="0"/>
-                        <a:t>Working </a:t>
-                      </a:r>
-                      <a:r>
-                        <a:rPr lang="de-DE" sz="1400" dirty="0" err="1" smtClean="0"/>
-                        <a:t>into</a:t>
-                      </a:r>
-                      <a:r>
-                        <a:rPr lang="de-DE" sz="1400" dirty="0" smtClean="0"/>
-                        <a:t> </a:t>
-                      </a:r>
-                      <a:r>
-                        <a:rPr lang="de-DE" sz="1400" dirty="0" err="1" smtClean="0"/>
-                        <a:t>shaders</a:t>
-                      </a:r>
-                      <a:endParaRPr lang="de-DE" sz="1400" dirty="0" smtClean="0"/>
-                    </a:p>
-                    <a:p>
-                      <a:pPr>
-                        <a:buFont typeface="Arial" pitchFamily="34" charset="0"/>
-                        <a:buChar char="•"/>
-                      </a:pPr>
-                      <a:r>
-                        <a:rPr lang="de-DE" sz="1400" dirty="0" err="1" smtClean="0"/>
-                        <a:t>Configuring</a:t>
-                      </a:r>
-                      <a:r>
-                        <a:rPr lang="de-DE" sz="1400" dirty="0" smtClean="0"/>
-                        <a:t> </a:t>
-                      </a:r>
-                      <a:r>
-                        <a:rPr lang="de-DE" sz="1400" dirty="0" err="1" smtClean="0"/>
-                        <a:t>spectator</a:t>
-                      </a:r>
-                      <a:r>
-                        <a:rPr lang="de-DE" sz="1400" baseline="0" dirty="0" smtClean="0"/>
-                        <a:t> </a:t>
-                      </a:r>
-                      <a:r>
-                        <a:rPr lang="de-DE" sz="1400" baseline="0" dirty="0" err="1" smtClean="0"/>
-                        <a:t>functions</a:t>
-                      </a:r>
-                      <a:endParaRPr lang="de-DE" sz="1400" dirty="0" smtClean="0"/>
-                    </a:p>
-                    <a:p>
-                      <a:endParaRPr lang="de-DE" dirty="0"/>
-                    </a:p>
-                  </a:txBody>
-                  <a:tcPr/>
-                </a:tc>
-                <a:tc>
-                  <a:txBody>
-                    <a:bodyPr/>
-                    <a:lstStyle/>
-                    <a:p>
-                      <a:pPr lvl="0">
-                        <a:buFont typeface="Arial" pitchFamily="34" charset="0"/>
-                        <a:buChar char="•"/>
-                      </a:pPr>
-                      <a:r>
-                        <a:rPr lang="de-DE" sz="1600" baseline="0" dirty="0" smtClean="0">
-                          <a:solidFill>
-                            <a:srgbClr val="C00000"/>
-                          </a:solidFill>
-                        </a:rPr>
-                        <a:t> </a:t>
-                      </a:r>
-                      <a:r>
-                        <a:rPr lang="de-DE" sz="1600" baseline="0" dirty="0" err="1" smtClean="0">
-                          <a:solidFill>
-                            <a:srgbClr val="C00000"/>
-                          </a:solidFill>
-                        </a:rPr>
-                        <a:t>Oculus</a:t>
-                      </a:r>
-                      <a:r>
-                        <a:rPr lang="de-DE" sz="1600" baseline="0" dirty="0" smtClean="0">
-                          <a:solidFill>
-                            <a:srgbClr val="C00000"/>
-                          </a:solidFill>
-                        </a:rPr>
-                        <a:t> </a:t>
-                      </a:r>
-                      <a:r>
-                        <a:rPr lang="de-DE" sz="1600" baseline="0" dirty="0" err="1" smtClean="0">
-                          <a:solidFill>
-                            <a:srgbClr val="C00000"/>
-                          </a:solidFill>
-                        </a:rPr>
-                        <a:t>setup</a:t>
-                      </a:r>
-                      <a:endParaRPr lang="de-DE" sz="1600" dirty="0" smtClean="0">
-                        <a:solidFill>
-                          <a:schemeClr val="tx1"/>
-                        </a:solidFill>
-                      </a:endParaRPr>
-                    </a:p>
-                    <a:p>
-                      <a:pPr lvl="0">
-                        <a:buFont typeface="Arial" pitchFamily="34" charset="0"/>
-                        <a:buChar char="•"/>
-                      </a:pPr>
-                      <a:r>
-                        <a:rPr lang="de-DE" sz="1600" baseline="0" dirty="0" smtClean="0">
-                          <a:solidFill>
-                            <a:schemeClr val="tx1"/>
-                          </a:solidFill>
-                        </a:rPr>
-                        <a:t> Setup 06.10</a:t>
-                      </a:r>
-                    </a:p>
-                    <a:p>
-                      <a:pPr lvl="0">
-                        <a:buFont typeface="Arial" pitchFamily="34" charset="0"/>
-                        <a:buChar char="•"/>
-                      </a:pPr>
-                      <a:r>
-                        <a:rPr lang="de-DE" sz="1600" baseline="0" dirty="0" smtClean="0">
-                          <a:solidFill>
-                            <a:srgbClr val="C00000"/>
-                          </a:solidFill>
-                        </a:rPr>
-                        <a:t> </a:t>
-                      </a:r>
-                      <a:r>
-                        <a:rPr lang="de-DE" sz="1600" baseline="0" dirty="0" err="1" smtClean="0">
-                          <a:solidFill>
-                            <a:srgbClr val="C00000"/>
-                          </a:solidFill>
-                        </a:rPr>
-                        <a:t>Oculus</a:t>
-                      </a:r>
-                      <a:r>
-                        <a:rPr lang="de-DE" sz="1600" baseline="0" dirty="0" smtClean="0">
-                          <a:solidFill>
-                            <a:srgbClr val="C00000"/>
-                          </a:solidFill>
-                        </a:rPr>
-                        <a:t> Reintegration</a:t>
-                      </a:r>
-                    </a:p>
-                  </a:txBody>
-                  <a:tcPr/>
-                </a:tc>
-                <a:extLst>
-                  <a:ext uri="{0D108BD9-81ED-4DB2-BD59-A6C34878D82A}">
-                    <a16:rowId xmlns:a16="http://schemas.microsoft.com/office/drawing/2014/main" xmlns="" val="10002"/>
-                  </a:ext>
-                </a:extLst>
-              </a:tr>
-              <a:tr h="1096850">
-                <a:tc>
-                  <a:txBody>
-                    <a:bodyPr/>
-                    <a:lstStyle/>
-                    <a:p>
-                      <a:pPr marL="0" marR="0" indent="0" algn="ctr" defTabSz="914400" rtl="0" eaLnBrk="1" fontAlgn="auto" latinLnBrk="0" hangingPunct="1">
-                        <a:lnSpc>
-                          <a:spcPct val="100000"/>
-                        </a:lnSpc>
-                        <a:spcBef>
-                          <a:spcPts val="0"/>
-                        </a:spcBef>
-                        <a:spcAft>
-                          <a:spcPts val="0"/>
-                        </a:spcAft>
-                        <a:buClrTx/>
-                        <a:buSzTx/>
-                        <a:buFontTx/>
-                        <a:buNone/>
-                        <a:tabLst/>
-                        <a:defRPr/>
-                      </a:pPr>
-                      <a:r>
-                        <a:rPr lang="de-DE" sz="1600" dirty="0" smtClean="0"/>
-                        <a:t>06.16</a:t>
-                      </a:r>
-                      <a:r>
-                        <a:rPr lang="de-DE" sz="1600" baseline="0" dirty="0" smtClean="0"/>
-                        <a:t> – 06.23</a:t>
-                      </a:r>
-                      <a:endParaRPr lang="de-DE" sz="1600" dirty="0"/>
-                    </a:p>
-                  </a:txBody>
-                  <a:tcPr/>
-                </a:tc>
-                <a:tc>
-                  <a:txBody>
-                    <a:bodyPr/>
-                    <a:lstStyle/>
-                    <a:p>
-                      <a:pPr lvl="0">
-                        <a:buFont typeface="Arial" pitchFamily="34" charset="0"/>
-                        <a:buChar char="•"/>
-                      </a:pPr>
-                      <a:r>
-                        <a:rPr lang="de-DE" sz="1600" dirty="0" smtClean="0">
-                          <a:solidFill>
-                            <a:schemeClr val="tx1"/>
-                          </a:solidFill>
-                        </a:rPr>
-                        <a:t> Vive</a:t>
-                      </a:r>
-                      <a:r>
-                        <a:rPr lang="de-DE" sz="1600" baseline="0" dirty="0" smtClean="0">
-                          <a:solidFill>
-                            <a:schemeClr val="tx1"/>
-                          </a:solidFill>
-                        </a:rPr>
-                        <a:t> </a:t>
-                      </a:r>
-                      <a:r>
-                        <a:rPr lang="de-DE" sz="1600" baseline="0" dirty="0" err="1" smtClean="0">
-                          <a:solidFill>
-                            <a:schemeClr val="tx1"/>
-                          </a:solidFill>
-                        </a:rPr>
-                        <a:t>integr</a:t>
-                      </a:r>
-                      <a:r>
-                        <a:rPr lang="de-DE" sz="1600" baseline="0" dirty="0" smtClean="0">
-                          <a:solidFill>
-                            <a:schemeClr val="tx1"/>
-                          </a:solidFill>
-                        </a:rPr>
-                        <a:t>. </a:t>
-                      </a:r>
-                      <a:r>
-                        <a:rPr lang="de-DE" sz="1600" baseline="0" dirty="0" err="1" smtClean="0">
-                          <a:solidFill>
-                            <a:schemeClr val="tx1"/>
-                          </a:solidFill>
-                        </a:rPr>
-                        <a:t>tests</a:t>
-                      </a:r>
-                      <a:r>
-                        <a:rPr lang="de-DE" sz="1600" baseline="0" dirty="0" smtClean="0">
-                          <a:solidFill>
-                            <a:schemeClr val="tx1"/>
-                          </a:solidFill>
-                        </a:rPr>
-                        <a:t> </a:t>
-                      </a:r>
-                      <a:r>
-                        <a:rPr lang="de-DE" sz="1600" baseline="0" dirty="0" smtClean="0">
-                          <a:solidFill>
-                            <a:schemeClr val="tx1"/>
-                          </a:solidFill>
-                          <a:sym typeface="Wingdings" pitchFamily="2" charset="2"/>
-                        </a:rPr>
-                        <a:t> </a:t>
-                      </a:r>
-                    </a:p>
-                    <a:p>
-                      <a:pPr lvl="0">
-                        <a:buFont typeface="Arial" pitchFamily="34" charset="0"/>
-                        <a:buChar char="•"/>
-                      </a:pPr>
-                      <a:r>
-                        <a:rPr lang="de-DE" sz="1600" baseline="0" dirty="0" smtClean="0">
-                          <a:solidFill>
-                            <a:schemeClr val="tx1"/>
-                          </a:solidFill>
-                          <a:sym typeface="Wingdings" pitchFamily="2" charset="2"/>
-                        </a:rPr>
-                        <a:t> Fly </a:t>
-                      </a:r>
-                      <a:r>
-                        <a:rPr lang="de-DE" sz="1600" baseline="0" dirty="0" err="1" smtClean="0">
-                          <a:solidFill>
-                            <a:schemeClr val="tx1"/>
-                          </a:solidFill>
-                          <a:sym typeface="Wingdings" pitchFamily="2" charset="2"/>
-                        </a:rPr>
-                        <a:t>physics</a:t>
-                      </a:r>
-                      <a:r>
-                        <a:rPr lang="de-DE" sz="1600" baseline="0" dirty="0" smtClean="0">
-                          <a:solidFill>
-                            <a:schemeClr val="tx1"/>
-                          </a:solidFill>
-                          <a:sym typeface="Wingdings" pitchFamily="2" charset="2"/>
-                        </a:rPr>
-                        <a:t> </a:t>
-                      </a:r>
-                      <a:r>
-                        <a:rPr lang="de-DE" sz="1600" baseline="0" dirty="0" err="1" smtClean="0">
-                          <a:solidFill>
-                            <a:schemeClr val="tx1"/>
-                          </a:solidFill>
-                          <a:sym typeface="Wingdings" pitchFamily="2" charset="2"/>
-                        </a:rPr>
-                        <a:t>support</a:t>
-                      </a:r>
-                      <a:endParaRPr lang="de-DE" sz="1600" dirty="0" smtClean="0">
-                        <a:solidFill>
-                          <a:schemeClr val="tx1"/>
-                        </a:solidFill>
-                      </a:endParaRPr>
-                    </a:p>
-                  </a:txBody>
-                  <a:tcPr/>
-                </a:tc>
-                <a:tc>
-                  <a:txBody>
-                    <a:bodyPr/>
-                    <a:lstStyle/>
-                    <a:p>
-                      <a:pPr lvl="0">
-                        <a:buFont typeface="Arial" pitchFamily="34" charset="0"/>
-                        <a:buChar char="•"/>
-                      </a:pPr>
-                      <a:r>
-                        <a:rPr lang="de-DE" sz="1800" dirty="0" smtClean="0">
-                          <a:solidFill>
-                            <a:schemeClr val="tx1"/>
-                          </a:solidFill>
-                        </a:rPr>
-                        <a:t> </a:t>
-                      </a:r>
-                      <a:r>
-                        <a:rPr lang="de-DE" sz="1800" dirty="0" err="1" smtClean="0">
-                          <a:solidFill>
-                            <a:schemeClr val="tx1"/>
-                          </a:solidFill>
-                        </a:rPr>
-                        <a:t>Thorough</a:t>
-                      </a:r>
-                      <a:r>
-                        <a:rPr lang="de-DE" sz="1800" dirty="0" smtClean="0">
-                          <a:solidFill>
-                            <a:schemeClr val="tx1"/>
-                          </a:solidFill>
-                        </a:rPr>
-                        <a:t> Fly-</a:t>
-                      </a:r>
-                      <a:r>
-                        <a:rPr lang="de-DE" sz="1800" dirty="0" err="1" smtClean="0">
-                          <a:solidFill>
-                            <a:schemeClr val="tx1"/>
-                          </a:solidFill>
-                        </a:rPr>
-                        <a:t>Physics</a:t>
-                      </a:r>
-                      <a:r>
-                        <a:rPr lang="de-DE" sz="1800" dirty="0" smtClean="0">
-                          <a:solidFill>
-                            <a:schemeClr val="tx1"/>
-                          </a:solidFill>
-                        </a:rPr>
-                        <a:t> </a:t>
-                      </a:r>
-                      <a:r>
-                        <a:rPr lang="de-DE" sz="1800" dirty="0" err="1" smtClean="0">
-                          <a:solidFill>
-                            <a:schemeClr val="tx1"/>
-                          </a:solidFill>
-                        </a:rPr>
-                        <a:t>tests</a:t>
-                      </a:r>
-                      <a:endParaRPr lang="de-DE" sz="1800" baseline="0" dirty="0" smtClean="0">
-                        <a:solidFill>
-                          <a:schemeClr val="tx1"/>
-                        </a:solidFill>
-                      </a:endParaRPr>
-                    </a:p>
-                  </a:txBody>
-                  <a:tcPr/>
-                </a:tc>
-                <a:tc>
-                  <a:txBody>
-                    <a:bodyPr/>
-                    <a:lstStyle/>
-                    <a:p>
-                      <a:endParaRPr lang="de-DE" dirty="0"/>
-                    </a:p>
-                  </a:txBody>
-                  <a:tcPr/>
-                </a:tc>
-                <a:tc>
-                  <a:txBody>
-                    <a:bodyPr/>
-                    <a:lstStyle/>
-                    <a:p>
-                      <a:pPr marL="0" marR="0" lvl="0" indent="0" algn="l" defTabSz="914400" rtl="0" eaLnBrk="1" fontAlgn="auto" latinLnBrk="0" hangingPunct="1">
-                        <a:lnSpc>
-                          <a:spcPct val="100000"/>
-                        </a:lnSpc>
-                        <a:spcBef>
-                          <a:spcPts val="0"/>
-                        </a:spcBef>
-                        <a:spcAft>
-                          <a:spcPts val="0"/>
-                        </a:spcAft>
-                        <a:buClrTx/>
-                        <a:buSzTx/>
-                        <a:buFont typeface="Arial" pitchFamily="34" charset="0"/>
-                        <a:buChar char="•"/>
-                        <a:tabLst/>
-                        <a:defRPr/>
-                      </a:pPr>
-                      <a:r>
-                        <a:rPr lang="de-DE" sz="1600" baseline="0" dirty="0" err="1" smtClean="0"/>
-                        <a:t>Menue</a:t>
-                      </a:r>
-                      <a:r>
-                        <a:rPr lang="de-DE" sz="1600" baseline="0" dirty="0" smtClean="0"/>
-                        <a:t> </a:t>
-                      </a:r>
-                      <a:r>
-                        <a:rPr lang="de-DE" sz="1600" baseline="0" dirty="0" err="1" smtClean="0"/>
-                        <a:t>funct</a:t>
-                      </a:r>
-                      <a:r>
-                        <a:rPr lang="de-DE" sz="1600" baseline="0" dirty="0" smtClean="0"/>
-                        <a:t>.</a:t>
-                      </a:r>
-                    </a:p>
-                    <a:p>
-                      <a:pPr>
-                        <a:buFont typeface="Arial" pitchFamily="34" charset="0"/>
-                        <a:buChar char="•"/>
-                      </a:pPr>
-                      <a:r>
-                        <a:rPr lang="de-DE" sz="1600" dirty="0" smtClean="0"/>
-                        <a:t> Gamepad </a:t>
-                      </a:r>
-                      <a:r>
-                        <a:rPr lang="de-DE" sz="1600" dirty="0" err="1" smtClean="0"/>
-                        <a:t>support</a:t>
-                      </a:r>
-                      <a:endParaRPr lang="de-DE" sz="1600" dirty="0" smtClean="0"/>
-                    </a:p>
-                    <a:p>
-                      <a:endParaRPr lang="de-DE" dirty="0"/>
-                    </a:p>
-                  </a:txBody>
-                  <a:tcPr/>
-                </a:tc>
-                <a:tc>
-                  <a:txBody>
-                    <a:bodyPr/>
-                    <a:lstStyle/>
-                    <a:p>
-                      <a:pPr lvl="0">
-                        <a:buFont typeface="Arial" pitchFamily="34" charset="0"/>
-                        <a:buChar char="•"/>
-                      </a:pPr>
-                      <a:r>
-                        <a:rPr lang="de-DE" sz="1400" baseline="0" dirty="0" smtClean="0">
-                          <a:solidFill>
-                            <a:schemeClr val="tx1"/>
-                          </a:solidFill>
-                        </a:rPr>
-                        <a:t> </a:t>
-                      </a:r>
-                      <a:r>
-                        <a:rPr lang="de-DE" sz="1400" baseline="0" dirty="0" err="1" smtClean="0">
-                          <a:solidFill>
-                            <a:schemeClr val="tx1"/>
-                          </a:solidFill>
-                        </a:rPr>
-                        <a:t>Oculus</a:t>
-                      </a:r>
-                      <a:r>
-                        <a:rPr lang="de-DE" sz="1400" baseline="0" dirty="0" smtClean="0">
-                          <a:solidFill>
-                            <a:schemeClr val="tx1"/>
-                          </a:solidFill>
-                        </a:rPr>
-                        <a:t> Reintegration / </a:t>
-                      </a:r>
-                      <a:r>
-                        <a:rPr lang="de-DE" sz="1400" baseline="0" dirty="0" err="1" smtClean="0"/>
-                        <a:t>Shader</a:t>
-                      </a:r>
-                      <a:r>
-                        <a:rPr lang="de-DE" sz="1400" baseline="0" dirty="0" smtClean="0"/>
-                        <a:t>-menu </a:t>
-                      </a:r>
-                      <a:r>
-                        <a:rPr lang="de-DE" sz="1400" baseline="0" dirty="0" err="1" smtClean="0"/>
-                        <a:t>and</a:t>
-                      </a:r>
-                      <a:r>
-                        <a:rPr lang="de-DE" sz="1400" baseline="0" dirty="0" smtClean="0"/>
-                        <a:t> </a:t>
-                      </a:r>
-                      <a:r>
-                        <a:rPr lang="de-DE" sz="1400" baseline="0" dirty="0" err="1" smtClean="0"/>
-                        <a:t>controls</a:t>
-                      </a:r>
-                      <a:endParaRPr lang="de-DE" sz="1400" baseline="0" dirty="0" smtClean="0"/>
-                    </a:p>
-                    <a:p>
-                      <a:pPr marL="0" marR="0" lvl="0" indent="0" algn="l" defTabSz="914400" rtl="0" eaLnBrk="1" fontAlgn="auto" latinLnBrk="0" hangingPunct="1">
-                        <a:lnSpc>
-                          <a:spcPct val="100000"/>
-                        </a:lnSpc>
-                        <a:spcBef>
-                          <a:spcPts val="0"/>
-                        </a:spcBef>
-                        <a:spcAft>
-                          <a:spcPts val="0"/>
-                        </a:spcAft>
-                        <a:buClrTx/>
-                        <a:buSzTx/>
-                        <a:buFont typeface="Arial" pitchFamily="34" charset="0"/>
-                        <a:buChar char="•"/>
-                        <a:tabLst/>
-                        <a:defRPr/>
-                      </a:pPr>
-                      <a:r>
-                        <a:rPr lang="de-DE" sz="1400" baseline="0" dirty="0" smtClean="0"/>
-                        <a:t> Server-menu</a:t>
-                      </a:r>
-                    </a:p>
-                  </a:txBody>
-                  <a:tcPr/>
-                </a:tc>
-                <a:extLst>
-                  <a:ext uri="{0D108BD9-81ED-4DB2-BD59-A6C34878D82A}">
-                    <a16:rowId xmlns:a16="http://schemas.microsoft.com/office/drawing/2014/main" xmlns="" val="10003"/>
-                  </a:ext>
-                </a:extLst>
-              </a:tr>
-            </a:tbl>
-          </a:graphicData>
-        </a:graphic>
-      </p:graphicFrame>
-    </p:spTree>
-  </p:cSld>
-  <p:clrMapOvr>
-    <a:masterClrMapping/>
-  </p:clrMapOvr>
+  <p:timing>
+    <p:tnLst>
+      <p:par>
+        <p:cTn id="1" dur="indefinite" restart="never" nodeType="tmRoot"/>
+      </p:par>
+    </p:tnLst>
+  </p:timing>
 </p:sld>
 </file>
 
